--- a/1_Protocol/1_2_Planned_Analysis/1_2_2_OUTPUT/Flow_Chart.pptx
+++ b/1_Protocol/1_2_Planned_Analysis/1_2_2_OUTPUT/Flow_Chart.pptx
@@ -6,6 +6,7 @@
   </p:sldMasterIdLst>
   <p:sldIdLst>
     <p:sldId id="256" r:id="rId2"/>
+    <p:sldId id="257" r:id="rId3"/>
   </p:sldIdLst>
   <p:sldSz cx="12192000" cy="6858000"/>
   <p:notesSz cx="6858000" cy="9144000"/>
@@ -104,6 +105,22 @@
       </a:defRPr>
     </a:lvl9pPr>
   </p:defaultTextStyle>
+  <p:extLst>
+    <p:ext uri="{EFAFB233-063F-42B5-8137-9DF3F51BA10A}">
+      <p15:sldGuideLst xmlns:p15="http://schemas.microsoft.com/office/powerpoint/2012/main">
+        <p15:guide id="1" orient="horz" pos="2908" userDrawn="1">
+          <p15:clr>
+            <a:srgbClr val="A4A3A4"/>
+          </p15:clr>
+        </p15:guide>
+        <p15:guide id="2" orient="horz" pos="3181" userDrawn="1">
+          <p15:clr>
+            <a:srgbClr val="A4A3A4"/>
+          </p15:clr>
+        </p15:guide>
+      </p15:sldGuideLst>
+    </p:ext>
+  </p:extLst>
 </p:presentation>
 </file>
 
@@ -238,7 +255,7 @@
           <a:p>
             <a:fld id="{6E3B42F8-6E75-4811-AA9B-137B925DD217}" type="datetimeFigureOut">
               <a:rPr lang="zh-TW" altLang="en-US" smtClean="0"/>
-              <a:t>2023/2/20</a:t>
+              <a:t>2023/3/21</a:t>
             </a:fld>
             <a:endParaRPr lang="zh-TW" altLang="en-US"/>
           </a:p>
@@ -408,7 +425,7 @@
           <a:p>
             <a:fld id="{6E3B42F8-6E75-4811-AA9B-137B925DD217}" type="datetimeFigureOut">
               <a:rPr lang="zh-TW" altLang="en-US" smtClean="0"/>
-              <a:t>2023/2/20</a:t>
+              <a:t>2023/3/21</a:t>
             </a:fld>
             <a:endParaRPr lang="zh-TW" altLang="en-US"/>
           </a:p>
@@ -588,7 +605,7 @@
           <a:p>
             <a:fld id="{6E3B42F8-6E75-4811-AA9B-137B925DD217}" type="datetimeFigureOut">
               <a:rPr lang="zh-TW" altLang="en-US" smtClean="0"/>
-              <a:t>2023/2/20</a:t>
+              <a:t>2023/3/21</a:t>
             </a:fld>
             <a:endParaRPr lang="zh-TW" altLang="en-US"/>
           </a:p>
@@ -758,7 +775,7 @@
           <a:p>
             <a:fld id="{6E3B42F8-6E75-4811-AA9B-137B925DD217}" type="datetimeFigureOut">
               <a:rPr lang="zh-TW" altLang="en-US" smtClean="0"/>
-              <a:t>2023/2/20</a:t>
+              <a:t>2023/3/21</a:t>
             </a:fld>
             <a:endParaRPr lang="zh-TW" altLang="en-US"/>
           </a:p>
@@ -1004,7 +1021,7 @@
           <a:p>
             <a:fld id="{6E3B42F8-6E75-4811-AA9B-137B925DD217}" type="datetimeFigureOut">
               <a:rPr lang="zh-TW" altLang="en-US" smtClean="0"/>
-              <a:t>2023/2/20</a:t>
+              <a:t>2023/3/21</a:t>
             </a:fld>
             <a:endParaRPr lang="zh-TW" altLang="en-US"/>
           </a:p>
@@ -1236,7 +1253,7 @@
           <a:p>
             <a:fld id="{6E3B42F8-6E75-4811-AA9B-137B925DD217}" type="datetimeFigureOut">
               <a:rPr lang="zh-TW" altLang="en-US" smtClean="0"/>
-              <a:t>2023/2/20</a:t>
+              <a:t>2023/3/21</a:t>
             </a:fld>
             <a:endParaRPr lang="zh-TW" altLang="en-US"/>
           </a:p>
@@ -1603,7 +1620,7 @@
           <a:p>
             <a:fld id="{6E3B42F8-6E75-4811-AA9B-137B925DD217}" type="datetimeFigureOut">
               <a:rPr lang="zh-TW" altLang="en-US" smtClean="0"/>
-              <a:t>2023/2/20</a:t>
+              <a:t>2023/3/21</a:t>
             </a:fld>
             <a:endParaRPr lang="zh-TW" altLang="en-US"/>
           </a:p>
@@ -1721,7 +1738,7 @@
           <a:p>
             <a:fld id="{6E3B42F8-6E75-4811-AA9B-137B925DD217}" type="datetimeFigureOut">
               <a:rPr lang="zh-TW" altLang="en-US" smtClean="0"/>
-              <a:t>2023/2/20</a:t>
+              <a:t>2023/3/21</a:t>
             </a:fld>
             <a:endParaRPr lang="zh-TW" altLang="en-US"/>
           </a:p>
@@ -1816,7 +1833,7 @@
           <a:p>
             <a:fld id="{6E3B42F8-6E75-4811-AA9B-137B925DD217}" type="datetimeFigureOut">
               <a:rPr lang="zh-TW" altLang="en-US" smtClean="0"/>
-              <a:t>2023/2/20</a:t>
+              <a:t>2023/3/21</a:t>
             </a:fld>
             <a:endParaRPr lang="zh-TW" altLang="en-US"/>
           </a:p>
@@ -2093,7 +2110,7 @@
           <a:p>
             <a:fld id="{6E3B42F8-6E75-4811-AA9B-137B925DD217}" type="datetimeFigureOut">
               <a:rPr lang="zh-TW" altLang="en-US" smtClean="0"/>
-              <a:t>2023/2/20</a:t>
+              <a:t>2023/3/21</a:t>
             </a:fld>
             <a:endParaRPr lang="zh-TW" altLang="en-US"/>
           </a:p>
@@ -2346,7 +2363,7 @@
           <a:p>
             <a:fld id="{6E3B42F8-6E75-4811-AA9B-137B925DD217}" type="datetimeFigureOut">
               <a:rPr lang="zh-TW" altLang="en-US" smtClean="0"/>
-              <a:t>2023/2/20</a:t>
+              <a:t>2023/3/21</a:t>
             </a:fld>
             <a:endParaRPr lang="zh-TW" altLang="en-US"/>
           </a:p>
@@ -2559,7 +2576,7 @@
           <a:p>
             <a:fld id="{6E3B42F8-6E75-4811-AA9B-137B925DD217}" type="datetimeFigureOut">
               <a:rPr lang="zh-TW" altLang="en-US" smtClean="0"/>
-              <a:t>2023/2/20</a:t>
+              <a:t>2023/3/21</a:t>
             </a:fld>
             <a:endParaRPr lang="zh-TW" altLang="en-US"/>
           </a:p>
@@ -3931,6 +3948,839 @@
 </p:sld>
 </file>
 
+<file path=ppt/slides/slide2.xml><?xml version="1.0" encoding="utf-8"?>
+<p:sld xmlns:a="http://schemas.openxmlformats.org/drawingml/2006/main" xmlns:r="http://schemas.openxmlformats.org/officeDocument/2006/relationships" xmlns:p="http://schemas.openxmlformats.org/presentationml/2006/main">
+  <p:cSld>
+    <p:spTree>
+      <p:nvGrpSpPr>
+        <p:cNvPr id="1" name=""/>
+        <p:cNvGrpSpPr/>
+        <p:nvPr/>
+      </p:nvGrpSpPr>
+      <p:grpSpPr>
+        <a:xfrm>
+          <a:off x="0" y="0"/>
+          <a:ext cx="0" cy="0"/>
+          <a:chOff x="0" y="0"/>
+          <a:chExt cx="0" cy="0"/>
+        </a:xfrm>
+      </p:grpSpPr>
+      <p:sp>
+        <p:nvSpPr>
+          <p:cNvPr id="2" name="文本框 1"/>
+          <p:cNvSpPr txBox="1"/>
+          <p:nvPr/>
+        </p:nvSpPr>
+        <p:spPr>
+          <a:xfrm>
+            <a:off x="4051472" y="1893476"/>
+            <a:ext cx="2020205" cy="408623"/>
+          </a:xfrm>
+          <a:prstGeom prst="roundRect">
+            <a:avLst/>
+          </a:prstGeom>
+          <a:solidFill>
+            <a:schemeClr val="bg1">
+              <a:lumMod val="75000"/>
+            </a:schemeClr>
+          </a:solidFill>
+          <a:ln>
+            <a:noFill/>
+          </a:ln>
+        </p:spPr>
+        <p:txBody>
+          <a:bodyPr wrap="square" rtlCol="0">
+            <a:spAutoFit/>
+          </a:bodyPr>
+          <a:lstStyle/>
+          <a:p>
+            <a:pPr algn="ctr"/>
+            <a:r>
+              <a:rPr lang="en-US" altLang="zh-CN" dirty="0" smtClean="0">
+                <a:solidFill>
+                  <a:schemeClr val="bg1"/>
+                </a:solidFill>
+              </a:rPr>
+              <a:t>Collect Open Data</a:t>
+            </a:r>
+            <a:endParaRPr lang="zh-TW" altLang="en-US" dirty="0">
+              <a:solidFill>
+                <a:schemeClr val="bg1"/>
+              </a:solidFill>
+            </a:endParaRPr>
+          </a:p>
+        </p:txBody>
+      </p:sp>
+      <p:sp>
+        <p:nvSpPr>
+          <p:cNvPr id="3" name="圆角矩形 2"/>
+          <p:cNvSpPr/>
+          <p:nvPr/>
+        </p:nvSpPr>
+        <p:spPr>
+          <a:xfrm>
+            <a:off x="4398348" y="796604"/>
+            <a:ext cx="1385722" cy="408623"/>
+          </a:xfrm>
+          <a:prstGeom prst="roundRect">
+            <a:avLst/>
+          </a:prstGeom>
+          <a:solidFill>
+            <a:schemeClr val="bg1">
+              <a:lumMod val="75000"/>
+            </a:schemeClr>
+          </a:solidFill>
+          <a:ln>
+            <a:noFill/>
+          </a:ln>
+        </p:spPr>
+        <p:txBody>
+          <a:bodyPr wrap="none">
+            <a:spAutoFit/>
+          </a:bodyPr>
+          <a:lstStyle/>
+          <a:p>
+            <a:pPr algn="ctr"/>
+            <a:r>
+              <a:rPr lang="zh-TW" altLang="en-US" dirty="0" smtClean="0">
+                <a:solidFill>
+                  <a:schemeClr val="bg1"/>
+                </a:solidFill>
+              </a:rPr>
+              <a:t>Filter </a:t>
+            </a:r>
+            <a:r>
+              <a:rPr lang="en-US" altLang="zh-CN" dirty="0" smtClean="0">
+                <a:solidFill>
+                  <a:schemeClr val="bg1"/>
+                </a:solidFill>
+              </a:rPr>
+              <a:t>Papers</a:t>
+            </a:r>
+            <a:endParaRPr lang="zh-TW" altLang="en-US" dirty="0">
+              <a:solidFill>
+                <a:schemeClr val="bg1"/>
+              </a:solidFill>
+            </a:endParaRPr>
+          </a:p>
+        </p:txBody>
+      </p:sp>
+      <p:sp>
+        <p:nvSpPr>
+          <p:cNvPr id="4" name="圆角矩形 3"/>
+          <p:cNvSpPr/>
+          <p:nvPr/>
+        </p:nvSpPr>
+        <p:spPr>
+          <a:xfrm>
+            <a:off x="4475019" y="2990348"/>
+            <a:ext cx="1232383" cy="408623"/>
+          </a:xfrm>
+          <a:prstGeom prst="roundRect">
+            <a:avLst/>
+          </a:prstGeom>
+          <a:solidFill>
+            <a:schemeClr val="bg1">
+              <a:lumMod val="75000"/>
+            </a:schemeClr>
+          </a:solidFill>
+          <a:ln>
+            <a:noFill/>
+          </a:ln>
+        </p:spPr>
+        <p:txBody>
+          <a:bodyPr wrap="none">
+            <a:spAutoFit/>
+          </a:bodyPr>
+          <a:lstStyle/>
+          <a:p>
+            <a:pPr algn="ctr"/>
+            <a:r>
+              <a:rPr lang="en-US" altLang="zh-CN" dirty="0" smtClean="0">
+                <a:solidFill>
+                  <a:schemeClr val="bg1"/>
+                </a:solidFill>
+              </a:rPr>
+              <a:t>Clean Data</a:t>
+            </a:r>
+            <a:endParaRPr lang="zh-TW" altLang="en-US" dirty="0">
+              <a:solidFill>
+                <a:schemeClr val="bg1"/>
+              </a:solidFill>
+            </a:endParaRPr>
+          </a:p>
+        </p:txBody>
+      </p:sp>
+      <p:sp>
+        <p:nvSpPr>
+          <p:cNvPr id="6" name="文本框 5"/>
+          <p:cNvSpPr txBox="1"/>
+          <p:nvPr/>
+        </p:nvSpPr>
+        <p:spPr>
+          <a:xfrm>
+            <a:off x="1669798" y="5184092"/>
+            <a:ext cx="1509623" cy="408623"/>
+          </a:xfrm>
+          <a:prstGeom prst="roundRect">
+            <a:avLst/>
+          </a:prstGeom>
+          <a:solidFill>
+            <a:schemeClr val="bg1">
+              <a:lumMod val="75000"/>
+            </a:schemeClr>
+          </a:solidFill>
+          <a:ln>
+            <a:noFill/>
+          </a:ln>
+        </p:spPr>
+        <p:txBody>
+          <a:bodyPr wrap="square" rtlCol="0">
+            <a:spAutoFit/>
+          </a:bodyPr>
+          <a:lstStyle/>
+          <a:p>
+            <a:pPr algn="ctr"/>
+            <a:r>
+              <a:rPr lang="en-US" altLang="zh-TW" dirty="0" smtClean="0">
+                <a:solidFill>
+                  <a:schemeClr val="bg1"/>
+                </a:solidFill>
+              </a:rPr>
+              <a:t>Calculate ICC</a:t>
+            </a:r>
+            <a:endParaRPr lang="zh-TW" altLang="en-US" dirty="0">
+              <a:solidFill>
+                <a:schemeClr val="bg1"/>
+              </a:solidFill>
+            </a:endParaRPr>
+          </a:p>
+        </p:txBody>
+      </p:sp>
+      <p:sp>
+        <p:nvSpPr>
+          <p:cNvPr id="7" name="文本框 6"/>
+          <p:cNvSpPr txBox="1"/>
+          <p:nvPr/>
+        </p:nvSpPr>
+        <p:spPr>
+          <a:xfrm>
+            <a:off x="4336403" y="5184092"/>
+            <a:ext cx="1509623" cy="408623"/>
+          </a:xfrm>
+          <a:prstGeom prst="roundRect">
+            <a:avLst/>
+          </a:prstGeom>
+          <a:solidFill>
+            <a:schemeClr val="bg1">
+              <a:lumMod val="75000"/>
+            </a:schemeClr>
+          </a:solidFill>
+          <a:ln>
+            <a:noFill/>
+          </a:ln>
+        </p:spPr>
+        <p:txBody>
+          <a:bodyPr wrap="square" rtlCol="0">
+            <a:spAutoFit/>
+          </a:bodyPr>
+          <a:lstStyle/>
+          <a:p>
+            <a:pPr algn="ctr"/>
+            <a:r>
+              <a:rPr lang="en-US" altLang="zh-TW" dirty="0" smtClean="0">
+                <a:solidFill>
+                  <a:schemeClr val="bg1"/>
+                </a:solidFill>
+              </a:rPr>
+              <a:t>Calculate SHR</a:t>
+            </a:r>
+            <a:endParaRPr lang="zh-TW" altLang="en-US" dirty="0">
+              <a:solidFill>
+                <a:schemeClr val="bg1"/>
+              </a:solidFill>
+            </a:endParaRPr>
+          </a:p>
+        </p:txBody>
+      </p:sp>
+      <p:sp>
+        <p:nvSpPr>
+          <p:cNvPr id="8" name="文本框 7"/>
+          <p:cNvSpPr txBox="1"/>
+          <p:nvPr/>
+        </p:nvSpPr>
+        <p:spPr>
+          <a:xfrm>
+            <a:off x="1950391" y="6280963"/>
+            <a:ext cx="948439" cy="408623"/>
+          </a:xfrm>
+          <a:prstGeom prst="roundRect">
+            <a:avLst/>
+          </a:prstGeom>
+          <a:solidFill>
+            <a:schemeClr val="bg1">
+              <a:lumMod val="75000"/>
+            </a:schemeClr>
+          </a:solidFill>
+          <a:ln>
+            <a:noFill/>
+          </a:ln>
+        </p:spPr>
+        <p:txBody>
+          <a:bodyPr wrap="square" rtlCol="0">
+            <a:spAutoFit/>
+          </a:bodyPr>
+          <a:lstStyle/>
+          <a:p>
+            <a:pPr algn="ctr"/>
+            <a:r>
+              <a:rPr lang="en-US" altLang="zh-TW" dirty="0" smtClean="0">
+                <a:solidFill>
+                  <a:schemeClr val="bg1"/>
+                </a:solidFill>
+              </a:rPr>
+              <a:t>Plot ICC</a:t>
+            </a:r>
+            <a:endParaRPr lang="zh-TW" altLang="en-US" dirty="0">
+              <a:solidFill>
+                <a:schemeClr val="bg1"/>
+              </a:solidFill>
+            </a:endParaRPr>
+          </a:p>
+        </p:txBody>
+      </p:sp>
+      <p:sp>
+        <p:nvSpPr>
+          <p:cNvPr id="9" name="文本框 8"/>
+          <p:cNvSpPr txBox="1"/>
+          <p:nvPr/>
+        </p:nvSpPr>
+        <p:spPr>
+          <a:xfrm>
+            <a:off x="4581583" y="6280964"/>
+            <a:ext cx="1019253" cy="408623"/>
+          </a:xfrm>
+          <a:prstGeom prst="roundRect">
+            <a:avLst/>
+          </a:prstGeom>
+          <a:solidFill>
+            <a:schemeClr val="bg1">
+              <a:lumMod val="75000"/>
+            </a:schemeClr>
+          </a:solidFill>
+          <a:ln>
+            <a:noFill/>
+          </a:ln>
+        </p:spPr>
+        <p:txBody>
+          <a:bodyPr wrap="square" rtlCol="0">
+            <a:spAutoFit/>
+          </a:bodyPr>
+          <a:lstStyle/>
+          <a:p>
+            <a:pPr algn="ctr"/>
+            <a:r>
+              <a:rPr lang="en-US" altLang="zh-TW" dirty="0" smtClean="0">
+                <a:solidFill>
+                  <a:schemeClr val="bg1"/>
+                </a:solidFill>
+              </a:rPr>
+              <a:t>Plot SHR</a:t>
+            </a:r>
+            <a:endParaRPr lang="zh-TW" altLang="en-US" dirty="0">
+              <a:solidFill>
+                <a:schemeClr val="bg1"/>
+              </a:solidFill>
+            </a:endParaRPr>
+          </a:p>
+        </p:txBody>
+      </p:sp>
+      <p:sp>
+        <p:nvSpPr>
+          <p:cNvPr id="5" name="文本框 4"/>
+          <p:cNvSpPr txBox="1"/>
+          <p:nvPr/>
+        </p:nvSpPr>
+        <p:spPr>
+          <a:xfrm>
+            <a:off x="3779996" y="4087220"/>
+            <a:ext cx="2622431" cy="408623"/>
+          </a:xfrm>
+          <a:prstGeom prst="roundRect">
+            <a:avLst/>
+          </a:prstGeom>
+          <a:solidFill>
+            <a:schemeClr val="bg1">
+              <a:lumMod val="75000"/>
+            </a:schemeClr>
+          </a:solidFill>
+          <a:ln>
+            <a:noFill/>
+          </a:ln>
+        </p:spPr>
+        <p:txBody>
+          <a:bodyPr wrap="square" rtlCol="0">
+            <a:spAutoFit/>
+          </a:bodyPr>
+          <a:lstStyle/>
+          <a:p>
+            <a:pPr algn="ctr"/>
+            <a:r>
+              <a:rPr lang="en-US" altLang="zh-CN" dirty="0" smtClean="0">
+                <a:solidFill>
+                  <a:schemeClr val="bg1"/>
+                </a:solidFill>
+              </a:rPr>
+              <a:t>Calculate 6 Indices Of SPE</a:t>
+            </a:r>
+            <a:endParaRPr lang="zh-TW" altLang="en-US" dirty="0">
+              <a:solidFill>
+                <a:schemeClr val="bg1"/>
+              </a:solidFill>
+            </a:endParaRPr>
+          </a:p>
+        </p:txBody>
+      </p:sp>
+      <p:sp>
+        <p:nvSpPr>
+          <p:cNvPr id="10" name="矩形 9"/>
+          <p:cNvSpPr/>
+          <p:nvPr/>
+        </p:nvSpPr>
+        <p:spPr>
+          <a:xfrm>
+            <a:off x="7234679" y="3599033"/>
+            <a:ext cx="1367732" cy="1384995"/>
+          </a:xfrm>
+          <a:prstGeom prst="rect">
+            <a:avLst/>
+          </a:prstGeom>
+          <a:noFill/>
+          <a:ln w="28575">
+            <a:solidFill>
+              <a:schemeClr val="tx1"/>
+            </a:solidFill>
+            <a:prstDash val="dashDot"/>
+          </a:ln>
+        </p:spPr>
+        <p:txBody>
+          <a:bodyPr wrap="square">
+            <a:spAutoFit/>
+          </a:bodyPr>
+          <a:lstStyle/>
+          <a:p>
+            <a:pPr algn="ctr"/>
+            <a:r>
+              <a:rPr lang="en-US" altLang="zh-TW" sz="1400" dirty="0" smtClean="0">
+                <a:latin typeface="Times New Roman" panose="02020603050405020304" pitchFamily="18" charset="0"/>
+                <a:ea typeface="Times New Roman" panose="02020603050405020304" pitchFamily="18" charset="0"/>
+              </a:rPr>
+              <a:t>Reaction Time</a:t>
+            </a:r>
+          </a:p>
+          <a:p>
+            <a:pPr algn="ctr"/>
+            <a:r>
+              <a:rPr lang="en-US" altLang="zh-TW" sz="1400" dirty="0" smtClean="0">
+                <a:latin typeface="Times New Roman" panose="02020603050405020304" pitchFamily="18" charset="0"/>
+                <a:ea typeface="Times New Roman" panose="02020603050405020304" pitchFamily="18" charset="0"/>
+              </a:rPr>
+              <a:t>Accuracy</a:t>
+            </a:r>
+          </a:p>
+          <a:p>
+            <a:pPr algn="ctr"/>
+            <a:r>
+              <a:rPr lang="en-US" altLang="zh-TW" sz="1400" i="1" dirty="0" smtClean="0">
+                <a:latin typeface="Times New Roman" panose="02020603050405020304" pitchFamily="18" charset="0"/>
+                <a:ea typeface="Times New Roman" panose="02020603050405020304" pitchFamily="18" charset="0"/>
+              </a:rPr>
+              <a:t>D</a:t>
+            </a:r>
+            <a:r>
+              <a:rPr lang="en-US" altLang="zh-TW" sz="1400" dirty="0" smtClean="0">
+                <a:latin typeface="Times New Roman" panose="02020603050405020304" pitchFamily="18" charset="0"/>
+                <a:ea typeface="Times New Roman" panose="02020603050405020304" pitchFamily="18" charset="0"/>
+              </a:rPr>
+              <a:t> Prime</a:t>
+            </a:r>
+          </a:p>
+          <a:p>
+            <a:pPr algn="ctr"/>
+            <a:r>
+              <a:rPr lang="en-US" altLang="zh-TW" sz="1400" dirty="0" smtClean="0">
+                <a:latin typeface="Times New Roman" panose="02020603050405020304" pitchFamily="18" charset="0"/>
+                <a:ea typeface="Times New Roman" panose="02020603050405020304" pitchFamily="18" charset="0"/>
+              </a:rPr>
+              <a:t>Efficiency</a:t>
+            </a:r>
+          </a:p>
+          <a:p>
+            <a:pPr algn="ctr"/>
+            <a:r>
+              <a:rPr lang="en-US" altLang="zh-TW" sz="1400" dirty="0" smtClean="0">
+                <a:latin typeface="Times New Roman" panose="02020603050405020304" pitchFamily="18" charset="0"/>
+                <a:ea typeface="Times New Roman" panose="02020603050405020304" pitchFamily="18" charset="0"/>
+              </a:rPr>
+              <a:t>Drift Rate (</a:t>
+            </a:r>
+            <a:r>
+              <a:rPr lang="en-US" altLang="zh-TW" sz="1400" i="1" dirty="0" smtClean="0">
+                <a:latin typeface="Times New Roman" panose="02020603050405020304" pitchFamily="18" charset="0"/>
+                <a:ea typeface="Times New Roman" panose="02020603050405020304" pitchFamily="18" charset="0"/>
+              </a:rPr>
+              <a:t>v</a:t>
+            </a:r>
+            <a:r>
+              <a:rPr lang="en-US" altLang="zh-TW" sz="1400" dirty="0" smtClean="0">
+                <a:latin typeface="Times New Roman" panose="02020603050405020304" pitchFamily="18" charset="0"/>
+                <a:ea typeface="Times New Roman" panose="02020603050405020304" pitchFamily="18" charset="0"/>
+              </a:rPr>
+              <a:t>)</a:t>
+            </a:r>
+          </a:p>
+          <a:p>
+            <a:pPr algn="ctr"/>
+            <a:r>
+              <a:rPr lang="en-US" altLang="zh-TW" sz="1400" dirty="0" smtClean="0">
+                <a:latin typeface="Times New Roman" panose="02020603050405020304" pitchFamily="18" charset="0"/>
+                <a:ea typeface="Times New Roman" panose="02020603050405020304" pitchFamily="18" charset="0"/>
+              </a:rPr>
+              <a:t>Starting Point (</a:t>
+            </a:r>
+            <a:r>
+              <a:rPr lang="en-US" altLang="zh-TW" sz="1400" i="1" dirty="0" smtClean="0">
+                <a:latin typeface="Times New Roman" panose="02020603050405020304" pitchFamily="18" charset="0"/>
+                <a:ea typeface="Times New Roman" panose="02020603050405020304" pitchFamily="18" charset="0"/>
+              </a:rPr>
+              <a:t>z</a:t>
+            </a:r>
+            <a:r>
+              <a:rPr lang="en-US" altLang="zh-TW" sz="1400" dirty="0" smtClean="0">
+                <a:latin typeface="Times New Roman" panose="02020603050405020304" pitchFamily="18" charset="0"/>
+                <a:ea typeface="Times New Roman" panose="02020603050405020304" pitchFamily="18" charset="0"/>
+              </a:rPr>
+              <a:t>)</a:t>
+            </a:r>
+            <a:endParaRPr lang="zh-TW" altLang="en-US" sz="1400" dirty="0"/>
+          </a:p>
+        </p:txBody>
+      </p:sp>
+      <p:cxnSp>
+        <p:nvCxnSpPr>
+          <p:cNvPr id="15" name="直接箭头连接符 14"/>
+          <p:cNvCxnSpPr/>
+          <p:nvPr/>
+        </p:nvCxnSpPr>
+        <p:spPr>
+          <a:xfrm>
+            <a:off x="5091209" y="1354348"/>
+            <a:ext cx="0" cy="414067"/>
+          </a:xfrm>
+          <a:prstGeom prst="straightConnector1">
+            <a:avLst/>
+          </a:prstGeom>
+          <a:ln w="38100">
+            <a:solidFill>
+              <a:schemeClr val="tx1"/>
+            </a:solidFill>
+            <a:tailEnd type="triangle"/>
+          </a:ln>
+        </p:spPr>
+        <p:style>
+          <a:lnRef idx="1">
+            <a:schemeClr val="accent1"/>
+          </a:lnRef>
+          <a:fillRef idx="0">
+            <a:schemeClr val="accent1"/>
+          </a:fillRef>
+          <a:effectRef idx="0">
+            <a:schemeClr val="accent1"/>
+          </a:effectRef>
+          <a:fontRef idx="minor">
+            <a:schemeClr val="tx1"/>
+          </a:fontRef>
+        </p:style>
+      </p:cxnSp>
+      <p:cxnSp>
+        <p:nvCxnSpPr>
+          <p:cNvPr id="17" name="直接箭头连接符 16"/>
+          <p:cNvCxnSpPr/>
+          <p:nvPr/>
+        </p:nvCxnSpPr>
+        <p:spPr>
+          <a:xfrm>
+            <a:off x="5091209" y="2429774"/>
+            <a:ext cx="0" cy="414067"/>
+          </a:xfrm>
+          <a:prstGeom prst="straightConnector1">
+            <a:avLst/>
+          </a:prstGeom>
+          <a:ln w="38100">
+            <a:solidFill>
+              <a:schemeClr val="tx1"/>
+            </a:solidFill>
+            <a:tailEnd type="triangle"/>
+          </a:ln>
+        </p:spPr>
+        <p:style>
+          <a:lnRef idx="1">
+            <a:schemeClr val="accent1"/>
+          </a:lnRef>
+          <a:fillRef idx="0">
+            <a:schemeClr val="accent1"/>
+          </a:fillRef>
+          <a:effectRef idx="0">
+            <a:schemeClr val="accent1"/>
+          </a:effectRef>
+          <a:fontRef idx="minor">
+            <a:schemeClr val="tx1"/>
+          </a:fontRef>
+        </p:style>
+      </p:cxnSp>
+      <p:cxnSp>
+        <p:nvCxnSpPr>
+          <p:cNvPr id="18" name="直接箭头连接符 17"/>
+          <p:cNvCxnSpPr/>
+          <p:nvPr/>
+        </p:nvCxnSpPr>
+        <p:spPr>
+          <a:xfrm>
+            <a:off x="5081331" y="3548333"/>
+            <a:ext cx="0" cy="414067"/>
+          </a:xfrm>
+          <a:prstGeom prst="straightConnector1">
+            <a:avLst/>
+          </a:prstGeom>
+          <a:ln w="38100">
+            <a:solidFill>
+              <a:schemeClr val="tx1"/>
+            </a:solidFill>
+            <a:tailEnd type="triangle"/>
+          </a:ln>
+        </p:spPr>
+        <p:style>
+          <a:lnRef idx="1">
+            <a:schemeClr val="accent1"/>
+          </a:lnRef>
+          <a:fillRef idx="0">
+            <a:schemeClr val="accent1"/>
+          </a:fillRef>
+          <a:effectRef idx="0">
+            <a:schemeClr val="accent1"/>
+          </a:effectRef>
+          <a:fontRef idx="minor">
+            <a:schemeClr val="tx1"/>
+          </a:fontRef>
+        </p:style>
+      </p:cxnSp>
+      <p:cxnSp>
+        <p:nvCxnSpPr>
+          <p:cNvPr id="19" name="直接箭头连接符 18"/>
+          <p:cNvCxnSpPr/>
+          <p:nvPr/>
+        </p:nvCxnSpPr>
+        <p:spPr>
+          <a:xfrm>
+            <a:off x="5061575" y="4635184"/>
+            <a:ext cx="0" cy="414067"/>
+          </a:xfrm>
+          <a:prstGeom prst="straightConnector1">
+            <a:avLst/>
+          </a:prstGeom>
+          <a:ln w="38100">
+            <a:solidFill>
+              <a:schemeClr val="tx1"/>
+            </a:solidFill>
+            <a:tailEnd type="triangle"/>
+          </a:ln>
+        </p:spPr>
+        <p:style>
+          <a:lnRef idx="1">
+            <a:schemeClr val="accent1"/>
+          </a:lnRef>
+          <a:fillRef idx="0">
+            <a:schemeClr val="accent1"/>
+          </a:fillRef>
+          <a:effectRef idx="0">
+            <a:schemeClr val="accent1"/>
+          </a:effectRef>
+          <a:fontRef idx="minor">
+            <a:schemeClr val="tx1"/>
+          </a:fontRef>
+        </p:style>
+      </p:cxnSp>
+      <p:cxnSp>
+        <p:nvCxnSpPr>
+          <p:cNvPr id="20" name="直接箭头连接符 19"/>
+          <p:cNvCxnSpPr/>
+          <p:nvPr/>
+        </p:nvCxnSpPr>
+        <p:spPr>
+          <a:xfrm>
+            <a:off x="5061575" y="5745116"/>
+            <a:ext cx="0" cy="414067"/>
+          </a:xfrm>
+          <a:prstGeom prst="straightConnector1">
+            <a:avLst/>
+          </a:prstGeom>
+          <a:ln w="38100">
+            <a:solidFill>
+              <a:schemeClr val="tx1"/>
+            </a:solidFill>
+            <a:tailEnd type="triangle"/>
+          </a:ln>
+        </p:spPr>
+        <p:style>
+          <a:lnRef idx="1">
+            <a:schemeClr val="accent1"/>
+          </a:lnRef>
+          <a:fillRef idx="0">
+            <a:schemeClr val="accent1"/>
+          </a:fillRef>
+          <a:effectRef idx="0">
+            <a:schemeClr val="accent1"/>
+          </a:effectRef>
+          <a:fontRef idx="minor">
+            <a:schemeClr val="tx1"/>
+          </a:fontRef>
+        </p:style>
+      </p:cxnSp>
+      <p:cxnSp>
+        <p:nvCxnSpPr>
+          <p:cNvPr id="21" name="直接箭头连接符 20"/>
+          <p:cNvCxnSpPr/>
+          <p:nvPr/>
+        </p:nvCxnSpPr>
+        <p:spPr>
+          <a:xfrm flipH="1">
+            <a:off x="3105059" y="4635184"/>
+            <a:ext cx="440398" cy="414067"/>
+          </a:xfrm>
+          <a:prstGeom prst="straightConnector1">
+            <a:avLst/>
+          </a:prstGeom>
+          <a:ln w="38100">
+            <a:solidFill>
+              <a:schemeClr val="tx1"/>
+            </a:solidFill>
+            <a:tailEnd type="triangle"/>
+          </a:ln>
+        </p:spPr>
+        <p:style>
+          <a:lnRef idx="1">
+            <a:schemeClr val="accent1"/>
+          </a:lnRef>
+          <a:fillRef idx="0">
+            <a:schemeClr val="accent1"/>
+          </a:fillRef>
+          <a:effectRef idx="0">
+            <a:schemeClr val="accent1"/>
+          </a:effectRef>
+          <a:fontRef idx="minor">
+            <a:schemeClr val="tx1"/>
+          </a:fontRef>
+        </p:style>
+      </p:cxnSp>
+      <p:sp>
+        <p:nvSpPr>
+          <p:cNvPr id="28" name="矩形 27"/>
+          <p:cNvSpPr/>
+          <p:nvPr/>
+        </p:nvSpPr>
+        <p:spPr>
+          <a:xfrm>
+            <a:off x="7205955" y="631583"/>
+            <a:ext cx="1425180" cy="738664"/>
+          </a:xfrm>
+          <a:prstGeom prst="rect">
+            <a:avLst/>
+          </a:prstGeom>
+          <a:noFill/>
+          <a:ln w="28575">
+            <a:solidFill>
+              <a:schemeClr val="tx1"/>
+            </a:solidFill>
+            <a:prstDash val="dashDot"/>
+          </a:ln>
+        </p:spPr>
+        <p:txBody>
+          <a:bodyPr wrap="square">
+            <a:spAutoFit/>
+          </a:bodyPr>
+          <a:lstStyle/>
+          <a:p>
+            <a:pPr algn="ctr"/>
+            <a:r>
+              <a:rPr lang="en-US" altLang="zh-TW" sz="1400" dirty="0" smtClean="0"/>
+              <a:t>Open Data</a:t>
+            </a:r>
+          </a:p>
+          <a:p>
+            <a:pPr algn="ctr"/>
+            <a:r>
+              <a:rPr lang="en-US" altLang="zh-TW" sz="1400" dirty="0" smtClean="0"/>
+              <a:t>&amp; </a:t>
+            </a:r>
+          </a:p>
+          <a:p>
+            <a:pPr algn="ctr"/>
+            <a:r>
+              <a:rPr lang="en-US" altLang="zh-TW" sz="1400" dirty="0" smtClean="0"/>
+              <a:t>Similar with SALT</a:t>
+            </a:r>
+          </a:p>
+        </p:txBody>
+      </p:sp>
+      <p:sp>
+        <p:nvSpPr>
+          <p:cNvPr id="30" name="文本框 29"/>
+          <p:cNvSpPr txBox="1"/>
+          <p:nvPr/>
+        </p:nvSpPr>
+        <p:spPr>
+          <a:xfrm rot="19038097">
+            <a:off x="2605043" y="4582074"/>
+            <a:ext cx="1123014" cy="261610"/>
+          </a:xfrm>
+          <a:prstGeom prst="rect">
+            <a:avLst/>
+          </a:prstGeom>
+          <a:noFill/>
+        </p:spPr>
+        <p:txBody>
+          <a:bodyPr wrap="square" rtlCol="0">
+            <a:spAutoFit/>
+          </a:bodyPr>
+          <a:lstStyle/>
+          <a:p>
+            <a:r>
+              <a:rPr lang="en-US" altLang="zh-TW" sz="1050" dirty="0" smtClean="0">
+                <a:latin typeface="Times New Roman" panose="02020603050405020304" pitchFamily="18" charset="0"/>
+                <a:cs typeface="Times New Roman" panose="02020603050405020304" pitchFamily="18" charset="0"/>
+              </a:rPr>
+              <a:t>If SALT repeated</a:t>
+            </a:r>
+            <a:endParaRPr lang="zh-TW" altLang="en-US" sz="1050" dirty="0">
+              <a:latin typeface="Times New Roman" panose="02020603050405020304" pitchFamily="18" charset="0"/>
+              <a:cs typeface="Times New Roman" panose="02020603050405020304" pitchFamily="18" charset="0"/>
+            </a:endParaRPr>
+          </a:p>
+        </p:txBody>
+      </p:sp>
+    </p:spTree>
+    <p:extLst>
+      <p:ext uri="{BB962C8B-B14F-4D97-AF65-F5344CB8AC3E}">
+        <p14:creationId xmlns:p14="http://schemas.microsoft.com/office/powerpoint/2010/main" val="2250847505"/>
+      </p:ext>
+    </p:extLst>
+  </p:cSld>
+  <p:clrMapOvr>
+    <a:masterClrMapping/>
+  </p:clrMapOvr>
+</p:sld>
+</file>
+
 <file path=ppt/theme/theme1.xml><?xml version="1.0" encoding="utf-8"?>
 <a:theme xmlns:a="http://schemas.openxmlformats.org/drawingml/2006/main" name="Office 主题">
   <a:themeElements>

--- a/1_Protocol/1_2_Planned_Analysis/1_2_2_OUTPUT/Flow_Chart.pptx
+++ b/1_Protocol/1_2_Planned_Analysis/1_2_2_OUTPUT/Flow_Chart.pptx
@@ -118,6 +118,11 @@
             <a:srgbClr val="A4A3A4"/>
           </p15:clr>
         </p15:guide>
+        <p15:guide id="3" pos="3840">
+          <p15:clr>
+            <a:srgbClr val="A4A3A4"/>
+          </p15:clr>
+        </p15:guide>
       </p15:sldGuideLst>
     </p:ext>
   </p:extLst>
@@ -255,7 +260,7 @@
           <a:p>
             <a:fld id="{6E3B42F8-6E75-4811-AA9B-137B925DD217}" type="datetimeFigureOut">
               <a:rPr lang="zh-TW" altLang="en-US" smtClean="0"/>
-              <a:t>2023/3/21</a:t>
+              <a:t>2023/4/2</a:t>
             </a:fld>
             <a:endParaRPr lang="zh-TW" altLang="en-US"/>
           </a:p>
@@ -425,7 +430,7 @@
           <a:p>
             <a:fld id="{6E3B42F8-6E75-4811-AA9B-137B925DD217}" type="datetimeFigureOut">
               <a:rPr lang="zh-TW" altLang="en-US" smtClean="0"/>
-              <a:t>2023/3/21</a:t>
+              <a:t>2023/4/2</a:t>
             </a:fld>
             <a:endParaRPr lang="zh-TW" altLang="en-US"/>
           </a:p>
@@ -605,7 +610,7 @@
           <a:p>
             <a:fld id="{6E3B42F8-6E75-4811-AA9B-137B925DD217}" type="datetimeFigureOut">
               <a:rPr lang="zh-TW" altLang="en-US" smtClean="0"/>
-              <a:t>2023/3/21</a:t>
+              <a:t>2023/4/2</a:t>
             </a:fld>
             <a:endParaRPr lang="zh-TW" altLang="en-US"/>
           </a:p>
@@ -775,7 +780,7 @@
           <a:p>
             <a:fld id="{6E3B42F8-6E75-4811-AA9B-137B925DD217}" type="datetimeFigureOut">
               <a:rPr lang="zh-TW" altLang="en-US" smtClean="0"/>
-              <a:t>2023/3/21</a:t>
+              <a:t>2023/4/2</a:t>
             </a:fld>
             <a:endParaRPr lang="zh-TW" altLang="en-US"/>
           </a:p>
@@ -1021,7 +1026,7 @@
           <a:p>
             <a:fld id="{6E3B42F8-6E75-4811-AA9B-137B925DD217}" type="datetimeFigureOut">
               <a:rPr lang="zh-TW" altLang="en-US" smtClean="0"/>
-              <a:t>2023/3/21</a:t>
+              <a:t>2023/4/2</a:t>
             </a:fld>
             <a:endParaRPr lang="zh-TW" altLang="en-US"/>
           </a:p>
@@ -1253,7 +1258,7 @@
           <a:p>
             <a:fld id="{6E3B42F8-6E75-4811-AA9B-137B925DD217}" type="datetimeFigureOut">
               <a:rPr lang="zh-TW" altLang="en-US" smtClean="0"/>
-              <a:t>2023/3/21</a:t>
+              <a:t>2023/4/2</a:t>
             </a:fld>
             <a:endParaRPr lang="zh-TW" altLang="en-US"/>
           </a:p>
@@ -1620,7 +1625,7 @@
           <a:p>
             <a:fld id="{6E3B42F8-6E75-4811-AA9B-137B925DD217}" type="datetimeFigureOut">
               <a:rPr lang="zh-TW" altLang="en-US" smtClean="0"/>
-              <a:t>2023/3/21</a:t>
+              <a:t>2023/4/2</a:t>
             </a:fld>
             <a:endParaRPr lang="zh-TW" altLang="en-US"/>
           </a:p>
@@ -1738,7 +1743,7 @@
           <a:p>
             <a:fld id="{6E3B42F8-6E75-4811-AA9B-137B925DD217}" type="datetimeFigureOut">
               <a:rPr lang="zh-TW" altLang="en-US" smtClean="0"/>
-              <a:t>2023/3/21</a:t>
+              <a:t>2023/4/2</a:t>
             </a:fld>
             <a:endParaRPr lang="zh-TW" altLang="en-US"/>
           </a:p>
@@ -1833,7 +1838,7 @@
           <a:p>
             <a:fld id="{6E3B42F8-6E75-4811-AA9B-137B925DD217}" type="datetimeFigureOut">
               <a:rPr lang="zh-TW" altLang="en-US" smtClean="0"/>
-              <a:t>2023/3/21</a:t>
+              <a:t>2023/4/2</a:t>
             </a:fld>
             <a:endParaRPr lang="zh-TW" altLang="en-US"/>
           </a:p>
@@ -2110,7 +2115,7 @@
           <a:p>
             <a:fld id="{6E3B42F8-6E75-4811-AA9B-137B925DD217}" type="datetimeFigureOut">
               <a:rPr lang="zh-TW" altLang="en-US" smtClean="0"/>
-              <a:t>2023/3/21</a:t>
+              <a:t>2023/4/2</a:t>
             </a:fld>
             <a:endParaRPr lang="zh-TW" altLang="en-US"/>
           </a:p>
@@ -2363,7 +2368,7 @@
           <a:p>
             <a:fld id="{6E3B42F8-6E75-4811-AA9B-137B925DD217}" type="datetimeFigureOut">
               <a:rPr lang="zh-TW" altLang="en-US" smtClean="0"/>
-              <a:t>2023/3/21</a:t>
+              <a:t>2023/4/2</a:t>
             </a:fld>
             <a:endParaRPr lang="zh-TW" altLang="en-US"/>
           </a:p>
@@ -2576,7 +2581,7 @@
           <a:p>
             <a:fld id="{6E3B42F8-6E75-4811-AA9B-137B925DD217}" type="datetimeFigureOut">
               <a:rPr lang="zh-TW" altLang="en-US" smtClean="0"/>
-              <a:t>2023/3/21</a:t>
+              <a:t>2023/4/2</a:t>
             </a:fld>
             <a:endParaRPr lang="zh-TW" altLang="en-US"/>
           </a:p>
@@ -3973,19 +3978,17 @@
         </p:nvSpPr>
         <p:spPr>
           <a:xfrm>
-            <a:off x="4051472" y="1893476"/>
+            <a:off x="5101729" y="142613"/>
             <a:ext cx="2020205" cy="408623"/>
           </a:xfrm>
           <a:prstGeom prst="roundRect">
             <a:avLst/>
           </a:prstGeom>
-          <a:solidFill>
-            <a:schemeClr val="bg1">
-              <a:lumMod val="75000"/>
-            </a:schemeClr>
-          </a:solidFill>
-          <a:ln>
-            <a:noFill/>
+          <a:noFill/>
+          <a:ln w="19050">
+            <a:solidFill>
+              <a:schemeClr val="tx1"/>
+            </a:solidFill>
           </a:ln>
         </p:spPr>
         <p:txBody>
@@ -3997,41 +4000,37 @@
             <a:pPr algn="ctr"/>
             <a:r>
               <a:rPr lang="en-US" altLang="zh-CN" dirty="0" smtClean="0">
-                <a:solidFill>
-                  <a:schemeClr val="bg1"/>
-                </a:solidFill>
+                <a:latin typeface="Times New Roman" panose="02020603050405020304" pitchFamily="18" charset="0"/>
+                <a:cs typeface="Times New Roman" panose="02020603050405020304" pitchFamily="18" charset="0"/>
               </a:rPr>
               <a:t>Collect Open Data</a:t>
             </a:r>
             <a:endParaRPr lang="zh-TW" altLang="en-US" dirty="0">
-              <a:solidFill>
-                <a:schemeClr val="bg1"/>
-              </a:solidFill>
+              <a:latin typeface="Times New Roman" panose="02020603050405020304" pitchFamily="18" charset="0"/>
+              <a:cs typeface="Times New Roman" panose="02020603050405020304" pitchFamily="18" charset="0"/>
             </a:endParaRPr>
           </a:p>
         </p:txBody>
       </p:sp>
       <p:sp>
         <p:nvSpPr>
-          <p:cNvPr id="3" name="圆角矩形 2"/>
+          <p:cNvPr id="4" name="圆角矩形 3"/>
           <p:cNvSpPr/>
           <p:nvPr/>
         </p:nvSpPr>
         <p:spPr>
           <a:xfrm>
-            <a:off x="4398348" y="796604"/>
-            <a:ext cx="1385722" cy="408623"/>
+            <a:off x="5485676" y="1296516"/>
+            <a:ext cx="1252309" cy="408623"/>
           </a:xfrm>
           <a:prstGeom prst="roundRect">
             <a:avLst/>
           </a:prstGeom>
-          <a:solidFill>
-            <a:schemeClr val="bg1">
-              <a:lumMod val="75000"/>
-            </a:schemeClr>
-          </a:solidFill>
-          <a:ln>
-            <a:noFill/>
+          <a:noFill/>
+          <a:ln w="19050">
+            <a:solidFill>
+              <a:schemeClr val="tx1"/>
+            </a:solidFill>
           </a:ln>
         </p:spPr>
         <p:txBody>
@@ -4042,96 +4041,80 @@
           <a:p>
             <a:pPr algn="ctr"/>
             <a:r>
-              <a:rPr lang="zh-TW" altLang="en-US" dirty="0" smtClean="0">
-                <a:solidFill>
-                  <a:schemeClr val="bg1"/>
-                </a:solidFill>
+              <a:rPr lang="en-US" altLang="zh-CN" dirty="0" smtClean="0">
+                <a:latin typeface="Times New Roman" panose="02020603050405020304" pitchFamily="18" charset="0"/>
+                <a:cs typeface="Times New Roman" panose="02020603050405020304" pitchFamily="18" charset="0"/>
               </a:rPr>
-              <a:t>Filter </a:t>
-            </a:r>
-            <a:r>
-              <a:rPr lang="en-US" altLang="zh-CN" dirty="0" smtClean="0">
-                <a:solidFill>
-                  <a:schemeClr val="bg1"/>
-                </a:solidFill>
-              </a:rPr>
-              <a:t>Papers</a:t>
+              <a:t>Clean Data</a:t>
             </a:r>
             <a:endParaRPr lang="zh-TW" altLang="en-US" dirty="0">
-              <a:solidFill>
-                <a:schemeClr val="bg1"/>
-              </a:solidFill>
+              <a:latin typeface="Times New Roman" panose="02020603050405020304" pitchFamily="18" charset="0"/>
+              <a:cs typeface="Times New Roman" panose="02020603050405020304" pitchFamily="18" charset="0"/>
             </a:endParaRPr>
           </a:p>
         </p:txBody>
       </p:sp>
       <p:sp>
         <p:nvSpPr>
-          <p:cNvPr id="4" name="圆角矩形 3"/>
-          <p:cNvSpPr/>
+          <p:cNvPr id="6" name="文本框 5"/>
+          <p:cNvSpPr txBox="1"/>
           <p:nvPr/>
         </p:nvSpPr>
         <p:spPr>
           <a:xfrm>
-            <a:off x="4475019" y="2990348"/>
-            <a:ext cx="1232383" cy="408623"/>
+            <a:off x="2648309" y="4334748"/>
+            <a:ext cx="1139506" cy="715089"/>
           </a:xfrm>
           <a:prstGeom prst="roundRect">
             <a:avLst/>
           </a:prstGeom>
-          <a:solidFill>
-            <a:schemeClr val="bg1">
-              <a:lumMod val="75000"/>
-            </a:schemeClr>
-          </a:solidFill>
-          <a:ln>
-            <a:noFill/>
+          <a:noFill/>
+          <a:ln w="19050">
+            <a:solidFill>
+              <a:schemeClr val="tx1"/>
+            </a:solidFill>
           </a:ln>
         </p:spPr>
         <p:txBody>
-          <a:bodyPr wrap="none">
+          <a:bodyPr wrap="square" rtlCol="0">
             <a:spAutoFit/>
           </a:bodyPr>
           <a:lstStyle/>
           <a:p>
             <a:pPr algn="ctr"/>
             <a:r>
-              <a:rPr lang="en-US" altLang="zh-CN" dirty="0" smtClean="0">
-                <a:solidFill>
-                  <a:schemeClr val="bg1"/>
-                </a:solidFill>
+              <a:rPr lang="en-US" altLang="zh-TW" dirty="0" smtClean="0">
+                <a:latin typeface="Times New Roman" panose="02020603050405020304" pitchFamily="18" charset="0"/>
+                <a:cs typeface="Times New Roman" panose="02020603050405020304" pitchFamily="18" charset="0"/>
               </a:rPr>
-              <a:t>Clean Data</a:t>
+              <a:t>Calculate ICC</a:t>
             </a:r>
             <a:endParaRPr lang="zh-TW" altLang="en-US" dirty="0">
-              <a:solidFill>
-                <a:schemeClr val="bg1"/>
-              </a:solidFill>
+              <a:latin typeface="Times New Roman" panose="02020603050405020304" pitchFamily="18" charset="0"/>
+              <a:cs typeface="Times New Roman" panose="02020603050405020304" pitchFamily="18" charset="0"/>
             </a:endParaRPr>
           </a:p>
         </p:txBody>
       </p:sp>
       <p:sp>
         <p:nvSpPr>
-          <p:cNvPr id="6" name="文本框 5"/>
+          <p:cNvPr id="7" name="文本框 6"/>
           <p:cNvSpPr txBox="1"/>
           <p:nvPr/>
         </p:nvSpPr>
         <p:spPr>
           <a:xfrm>
-            <a:off x="1669798" y="5184092"/>
-            <a:ext cx="1509623" cy="408623"/>
+            <a:off x="5542077" y="4338133"/>
+            <a:ext cx="1139506" cy="715089"/>
           </a:xfrm>
           <a:prstGeom prst="roundRect">
             <a:avLst/>
           </a:prstGeom>
-          <a:solidFill>
-            <a:schemeClr val="bg1">
-              <a:lumMod val="75000"/>
-            </a:schemeClr>
-          </a:solidFill>
-          <a:ln>
-            <a:noFill/>
+          <a:noFill/>
+          <a:ln w="19050">
+            <a:solidFill>
+              <a:schemeClr val="tx1"/>
+            </a:solidFill>
           </a:ln>
         </p:spPr>
         <p:txBody>
@@ -4143,41 +4126,37 @@
             <a:pPr algn="ctr"/>
             <a:r>
               <a:rPr lang="en-US" altLang="zh-TW" dirty="0" smtClean="0">
-                <a:solidFill>
-                  <a:schemeClr val="bg1"/>
-                </a:solidFill>
+                <a:latin typeface="Times New Roman" panose="02020603050405020304" pitchFamily="18" charset="0"/>
+                <a:cs typeface="Times New Roman" panose="02020603050405020304" pitchFamily="18" charset="0"/>
               </a:rPr>
-              <a:t>Calculate ICC</a:t>
+              <a:t>Calculate SHR</a:t>
             </a:r>
             <a:endParaRPr lang="zh-TW" altLang="en-US" dirty="0">
-              <a:solidFill>
-                <a:schemeClr val="bg1"/>
-              </a:solidFill>
+              <a:latin typeface="Times New Roman" panose="02020603050405020304" pitchFamily="18" charset="0"/>
+              <a:cs typeface="Times New Roman" panose="02020603050405020304" pitchFamily="18" charset="0"/>
             </a:endParaRPr>
           </a:p>
         </p:txBody>
       </p:sp>
       <p:sp>
         <p:nvSpPr>
-          <p:cNvPr id="7" name="文本框 6"/>
+          <p:cNvPr id="8" name="文本框 7"/>
           <p:cNvSpPr txBox="1"/>
           <p:nvPr/>
         </p:nvSpPr>
         <p:spPr>
           <a:xfrm>
-            <a:off x="4336403" y="5184092"/>
-            <a:ext cx="1509623" cy="408623"/>
+            <a:off x="2743842" y="5831195"/>
+            <a:ext cx="948439" cy="715089"/>
           </a:xfrm>
           <a:prstGeom prst="roundRect">
             <a:avLst/>
           </a:prstGeom>
-          <a:solidFill>
-            <a:schemeClr val="bg1">
-              <a:lumMod val="75000"/>
-            </a:schemeClr>
-          </a:solidFill>
-          <a:ln>
-            <a:noFill/>
+          <a:noFill/>
+          <a:ln w="19050">
+            <a:solidFill>
+              <a:schemeClr val="tx1"/>
+            </a:solidFill>
           </a:ln>
         </p:spPr>
         <p:txBody>
@@ -4189,41 +4168,37 @@
             <a:pPr algn="ctr"/>
             <a:r>
               <a:rPr lang="en-US" altLang="zh-TW" dirty="0" smtClean="0">
-                <a:solidFill>
-                  <a:schemeClr val="bg1"/>
-                </a:solidFill>
+                <a:latin typeface="Times New Roman" panose="02020603050405020304" pitchFamily="18" charset="0"/>
+                <a:cs typeface="Times New Roman" panose="02020603050405020304" pitchFamily="18" charset="0"/>
               </a:rPr>
-              <a:t>Calculate SHR</a:t>
+              <a:t>Plot ICC</a:t>
             </a:r>
             <a:endParaRPr lang="zh-TW" altLang="en-US" dirty="0">
-              <a:solidFill>
-                <a:schemeClr val="bg1"/>
-              </a:solidFill>
+              <a:latin typeface="Times New Roman" panose="02020603050405020304" pitchFamily="18" charset="0"/>
+              <a:cs typeface="Times New Roman" panose="02020603050405020304" pitchFamily="18" charset="0"/>
             </a:endParaRPr>
           </a:p>
         </p:txBody>
       </p:sp>
       <p:sp>
         <p:nvSpPr>
-          <p:cNvPr id="8" name="文本框 7"/>
+          <p:cNvPr id="9" name="文本框 8"/>
           <p:cNvSpPr txBox="1"/>
           <p:nvPr/>
         </p:nvSpPr>
         <p:spPr>
           <a:xfrm>
-            <a:off x="1950391" y="6280963"/>
-            <a:ext cx="948439" cy="408623"/>
+            <a:off x="5586372" y="5831196"/>
+            <a:ext cx="1019253" cy="715089"/>
           </a:xfrm>
           <a:prstGeom prst="roundRect">
             <a:avLst/>
           </a:prstGeom>
-          <a:solidFill>
-            <a:schemeClr val="bg1">
-              <a:lumMod val="75000"/>
-            </a:schemeClr>
-          </a:solidFill>
-          <a:ln>
-            <a:noFill/>
+          <a:noFill/>
+          <a:ln w="19050">
+            <a:solidFill>
+              <a:schemeClr val="tx1"/>
+            </a:solidFill>
           </a:ln>
         </p:spPr>
         <p:txBody>
@@ -4235,41 +4210,37 @@
             <a:pPr algn="ctr"/>
             <a:r>
               <a:rPr lang="en-US" altLang="zh-TW" dirty="0" smtClean="0">
-                <a:solidFill>
-                  <a:schemeClr val="bg1"/>
-                </a:solidFill>
+                <a:latin typeface="Times New Roman" panose="02020603050405020304" pitchFamily="18" charset="0"/>
+                <a:cs typeface="Times New Roman" panose="02020603050405020304" pitchFamily="18" charset="0"/>
               </a:rPr>
-              <a:t>Plot ICC</a:t>
+              <a:t>Plot SHR</a:t>
             </a:r>
             <a:endParaRPr lang="zh-TW" altLang="en-US" dirty="0">
-              <a:solidFill>
-                <a:schemeClr val="bg1"/>
-              </a:solidFill>
+              <a:latin typeface="Times New Roman" panose="02020603050405020304" pitchFamily="18" charset="0"/>
+              <a:cs typeface="Times New Roman" panose="02020603050405020304" pitchFamily="18" charset="0"/>
             </a:endParaRPr>
           </a:p>
         </p:txBody>
       </p:sp>
       <p:sp>
         <p:nvSpPr>
-          <p:cNvPr id="9" name="文本框 8"/>
+          <p:cNvPr id="5" name="文本框 4"/>
           <p:cNvSpPr txBox="1"/>
           <p:nvPr/>
         </p:nvSpPr>
         <p:spPr>
           <a:xfrm>
-            <a:off x="4581583" y="6280964"/>
-            <a:ext cx="1019253" cy="408623"/>
+            <a:off x="4632402" y="2483241"/>
+            <a:ext cx="2958862" cy="1123712"/>
           </a:xfrm>
           <a:prstGeom prst="roundRect">
             <a:avLst/>
           </a:prstGeom>
-          <a:solidFill>
-            <a:schemeClr val="bg1">
-              <a:lumMod val="75000"/>
-            </a:schemeClr>
-          </a:solidFill>
-          <a:ln>
-            <a:noFill/>
+          <a:noFill/>
+          <a:ln w="19050">
+            <a:solidFill>
+              <a:schemeClr val="tx1"/>
+            </a:solidFill>
           </a:ln>
         </p:spPr>
         <p:txBody>
@@ -4280,228 +4251,109 @@
           <a:p>
             <a:pPr algn="ctr"/>
             <a:r>
-              <a:rPr lang="en-US" altLang="zh-TW" dirty="0" smtClean="0">
-                <a:solidFill>
-                  <a:schemeClr val="bg1"/>
-                </a:solidFill>
+              <a:rPr lang="en-US" altLang="zh-CN" dirty="0" smtClean="0">
+                <a:latin typeface="Times New Roman" panose="02020603050405020304" pitchFamily="18" charset="0"/>
+                <a:cs typeface="Times New Roman" panose="02020603050405020304" pitchFamily="18" charset="0"/>
               </a:rPr>
-              <a:t>Plot SHR</a:t>
-            </a:r>
-            <a:endParaRPr lang="zh-TW" altLang="en-US" dirty="0">
-              <a:solidFill>
-                <a:schemeClr val="bg1"/>
-              </a:solidFill>
-            </a:endParaRPr>
-          </a:p>
-        </p:txBody>
-      </p:sp>
-      <p:sp>
-        <p:nvSpPr>
-          <p:cNvPr id="5" name="文本框 4"/>
-          <p:cNvSpPr txBox="1"/>
-          <p:nvPr/>
-        </p:nvSpPr>
-        <p:spPr>
-          <a:xfrm>
-            <a:off x="3779996" y="4087220"/>
-            <a:ext cx="2622431" cy="408623"/>
-          </a:xfrm>
-          <a:prstGeom prst="roundRect">
-            <a:avLst/>
-          </a:prstGeom>
-          <a:solidFill>
-            <a:schemeClr val="bg1">
-              <a:lumMod val="75000"/>
-            </a:schemeClr>
-          </a:solidFill>
-          <a:ln>
-            <a:noFill/>
-          </a:ln>
-        </p:spPr>
-        <p:txBody>
-          <a:bodyPr wrap="square" rtlCol="0">
-            <a:spAutoFit/>
-          </a:bodyPr>
-          <a:lstStyle/>
+              <a:t>Calculate 6 Indices Of </a:t>
+            </a:r>
+            <a:r>
+              <a:rPr lang="en-US" altLang="zh-CN" dirty="0" smtClean="0">
+                <a:latin typeface="Times New Roman" panose="02020603050405020304" pitchFamily="18" charset="0"/>
+                <a:cs typeface="Times New Roman" panose="02020603050405020304" pitchFamily="18" charset="0"/>
+              </a:rPr>
+              <a:t>SPE</a:t>
+            </a:r>
+          </a:p>
           <a:p>
             <a:pPr algn="ctr"/>
             <a:r>
-              <a:rPr lang="en-US" altLang="zh-CN" dirty="0" smtClean="0">
-                <a:solidFill>
-                  <a:schemeClr val="bg1"/>
-                </a:solidFill>
-              </a:rPr>
-              <a:t>Calculate 6 Indices Of SPE</a:t>
-            </a:r>
-            <a:endParaRPr lang="zh-TW" altLang="en-US" dirty="0">
-              <a:solidFill>
-                <a:schemeClr val="bg1"/>
-              </a:solidFill>
-            </a:endParaRPr>
-          </a:p>
-        </p:txBody>
-      </p:sp>
-      <p:sp>
-        <p:nvSpPr>
-          <p:cNvPr id="10" name="矩形 9"/>
-          <p:cNvSpPr/>
-          <p:nvPr/>
-        </p:nvSpPr>
-        <p:spPr>
-          <a:xfrm>
-            <a:off x="7234679" y="3599033"/>
-            <a:ext cx="1367732" cy="1384995"/>
-          </a:xfrm>
-          <a:prstGeom prst="rect">
-            <a:avLst/>
-          </a:prstGeom>
-          <a:noFill/>
-          <a:ln w="28575">
-            <a:solidFill>
-              <a:schemeClr val="tx1"/>
-            </a:solidFill>
-            <a:prstDash val="dashDot"/>
-          </a:ln>
-        </p:spPr>
-        <p:txBody>
-          <a:bodyPr wrap="square">
-            <a:spAutoFit/>
-          </a:bodyPr>
-          <a:lstStyle/>
-          <a:p>
-            <a:pPr algn="ctr"/>
-            <a:r>
-              <a:rPr lang="en-US" altLang="zh-TW" sz="1400" dirty="0" smtClean="0">
+              <a:rPr lang="en-US" altLang="zh-TW" sz="1400" i="1" dirty="0">
                 <a:latin typeface="Times New Roman" panose="02020603050405020304" pitchFamily="18" charset="0"/>
                 <a:ea typeface="Times New Roman" panose="02020603050405020304" pitchFamily="18" charset="0"/>
+                <a:cs typeface="Times New Roman" panose="02020603050405020304" pitchFamily="18" charset="0"/>
               </a:rPr>
-              <a:t>Reaction Time</a:t>
-            </a:r>
-          </a:p>
-          <a:p>
-            <a:pPr algn="ctr"/>
-            <a:r>
-              <a:rPr lang="en-US" altLang="zh-TW" sz="1400" dirty="0" smtClean="0">
-                <a:latin typeface="Times New Roman" panose="02020603050405020304" pitchFamily="18" charset="0"/>
-                <a:ea typeface="Times New Roman" panose="02020603050405020304" pitchFamily="18" charset="0"/>
-              </a:rPr>
-              <a:t>Accuracy</a:t>
-            </a:r>
-          </a:p>
-          <a:p>
-            <a:pPr algn="ctr"/>
+              <a:t>Reaction </a:t>
+            </a:r>
             <a:r>
               <a:rPr lang="en-US" altLang="zh-TW" sz="1400" i="1" dirty="0" smtClean="0">
                 <a:latin typeface="Times New Roman" panose="02020603050405020304" pitchFamily="18" charset="0"/>
                 <a:ea typeface="Times New Roman" panose="02020603050405020304" pitchFamily="18" charset="0"/>
+                <a:cs typeface="Times New Roman" panose="02020603050405020304" pitchFamily="18" charset="0"/>
               </a:rPr>
-              <a:t>D</a:t>
-            </a:r>
-            <a:r>
-              <a:rPr lang="en-US" altLang="zh-TW" sz="1400" dirty="0" smtClean="0">
+              <a:t>Time, Accuracy,</a:t>
+            </a:r>
+            <a:endParaRPr lang="en-US" altLang="zh-TW" sz="1400" i="1" dirty="0">
+              <a:latin typeface="Times New Roman" panose="02020603050405020304" pitchFamily="18" charset="0"/>
+              <a:ea typeface="Times New Roman" panose="02020603050405020304" pitchFamily="18" charset="0"/>
+              <a:cs typeface="Times New Roman" panose="02020603050405020304" pitchFamily="18" charset="0"/>
+            </a:endParaRPr>
+          </a:p>
+          <a:p>
+            <a:pPr algn="ctr"/>
+            <a:r>
+              <a:rPr lang="en-US" altLang="zh-CN" sz="1400" i="1" dirty="0" smtClean="0">
                 <a:latin typeface="Times New Roman" panose="02020603050405020304" pitchFamily="18" charset="0"/>
                 <a:ea typeface="Times New Roman" panose="02020603050405020304" pitchFamily="18" charset="0"/>
+                <a:cs typeface="Times New Roman" panose="02020603050405020304" pitchFamily="18" charset="0"/>
               </a:rPr>
-              <a:t> Prime</a:t>
-            </a:r>
-          </a:p>
-          <a:p>
-            <a:pPr algn="ctr"/>
-            <a:r>
-              <a:rPr lang="en-US" altLang="zh-TW" sz="1400" dirty="0" smtClean="0">
-                <a:latin typeface="Times New Roman" panose="02020603050405020304" pitchFamily="18" charset="0"/>
-                <a:ea typeface="Times New Roman" panose="02020603050405020304" pitchFamily="18" charset="0"/>
-              </a:rPr>
-              <a:t>Efficiency</a:t>
-            </a:r>
-          </a:p>
-          <a:p>
-            <a:pPr algn="ctr"/>
-            <a:r>
-              <a:rPr lang="en-US" altLang="zh-TW" sz="1400" dirty="0" smtClean="0">
-                <a:latin typeface="Times New Roman" panose="02020603050405020304" pitchFamily="18" charset="0"/>
-                <a:ea typeface="Times New Roman" panose="02020603050405020304" pitchFamily="18" charset="0"/>
-              </a:rPr>
-              <a:t>Drift Rate (</a:t>
+              <a:t>d</a:t>
             </a:r>
             <a:r>
               <a:rPr lang="en-US" altLang="zh-TW" sz="1400" i="1" dirty="0" smtClean="0">
                 <a:latin typeface="Times New Roman" panose="02020603050405020304" pitchFamily="18" charset="0"/>
                 <a:ea typeface="Times New Roman" panose="02020603050405020304" pitchFamily="18" charset="0"/>
+                <a:cs typeface="Times New Roman" panose="02020603050405020304" pitchFamily="18" charset="0"/>
               </a:rPr>
-              <a:t>v</a:t>
-            </a:r>
-            <a:r>
-              <a:rPr lang="en-US" altLang="zh-TW" sz="1400" dirty="0" smtClean="0">
+              <a:t> Prime, Efficiency,</a:t>
+            </a:r>
+            <a:endParaRPr lang="en-US" altLang="zh-TW" sz="1400" i="1" dirty="0">
+              <a:latin typeface="Times New Roman" panose="02020603050405020304" pitchFamily="18" charset="0"/>
+              <a:ea typeface="Times New Roman" panose="02020603050405020304" pitchFamily="18" charset="0"/>
+              <a:cs typeface="Times New Roman" panose="02020603050405020304" pitchFamily="18" charset="0"/>
+            </a:endParaRPr>
+          </a:p>
+          <a:p>
+            <a:pPr algn="ctr"/>
+            <a:r>
+              <a:rPr lang="en-US" altLang="zh-TW" sz="1400" i="1" dirty="0">
                 <a:latin typeface="Times New Roman" panose="02020603050405020304" pitchFamily="18" charset="0"/>
                 <a:ea typeface="Times New Roman" panose="02020603050405020304" pitchFamily="18" charset="0"/>
+                <a:cs typeface="Times New Roman" panose="02020603050405020304" pitchFamily="18" charset="0"/>
               </a:rPr>
-              <a:t>)</a:t>
-            </a:r>
-          </a:p>
-          <a:p>
-            <a:pPr algn="ctr"/>
-            <a:r>
-              <a:rPr lang="en-US" altLang="zh-TW" sz="1400" dirty="0" smtClean="0">
-                <a:latin typeface="Times New Roman" panose="02020603050405020304" pitchFamily="18" charset="0"/>
-                <a:ea typeface="Times New Roman" panose="02020603050405020304" pitchFamily="18" charset="0"/>
-              </a:rPr>
-              <a:t>Starting Point (</a:t>
+              <a:t>Drift Rate (</a:t>
             </a:r>
             <a:r>
               <a:rPr lang="en-US" altLang="zh-TW" sz="1400" i="1" dirty="0" smtClean="0">
                 <a:latin typeface="Times New Roman" panose="02020603050405020304" pitchFamily="18" charset="0"/>
                 <a:ea typeface="Times New Roman" panose="02020603050405020304" pitchFamily="18" charset="0"/>
+                <a:cs typeface="Times New Roman" panose="02020603050405020304" pitchFamily="18" charset="0"/>
               </a:rPr>
-              <a:t>z</a:t>
-            </a:r>
-            <a:r>
-              <a:rPr lang="en-US" altLang="zh-TW" sz="1400" dirty="0" smtClean="0">
+              <a:t>v), Starting </a:t>
+            </a:r>
+            <a:r>
+              <a:rPr lang="en-US" altLang="zh-TW" sz="1400" i="1" dirty="0">
                 <a:latin typeface="Times New Roman" panose="02020603050405020304" pitchFamily="18" charset="0"/>
                 <a:ea typeface="Times New Roman" panose="02020603050405020304" pitchFamily="18" charset="0"/>
+                <a:cs typeface="Times New Roman" panose="02020603050405020304" pitchFamily="18" charset="0"/>
+              </a:rPr>
+              <a:t>Point (z</a:t>
+            </a:r>
+            <a:r>
+              <a:rPr lang="en-US" altLang="zh-TW" sz="1400" i="1" dirty="0" smtClean="0">
+                <a:latin typeface="Times New Roman" panose="02020603050405020304" pitchFamily="18" charset="0"/>
+                <a:ea typeface="Times New Roman" panose="02020603050405020304" pitchFamily="18" charset="0"/>
+                <a:cs typeface="Times New Roman" panose="02020603050405020304" pitchFamily="18" charset="0"/>
               </a:rPr>
               <a:t>)</a:t>
             </a:r>
-            <a:endParaRPr lang="zh-TW" altLang="en-US" sz="1400" dirty="0"/>
-          </a:p>
-        </p:txBody>
-      </p:sp>
-      <p:cxnSp>
-        <p:nvCxnSpPr>
-          <p:cNvPr id="15" name="直接箭头连接符 14"/>
-          <p:cNvCxnSpPr/>
-          <p:nvPr/>
-        </p:nvCxnSpPr>
-        <p:spPr>
-          <a:xfrm>
-            <a:off x="5091209" y="1354348"/>
-            <a:ext cx="0" cy="414067"/>
-          </a:xfrm>
-          <a:prstGeom prst="straightConnector1">
-            <a:avLst/>
-          </a:prstGeom>
-          <a:ln w="38100">
-            <a:solidFill>
-              <a:schemeClr val="tx1"/>
-            </a:solidFill>
-            <a:tailEnd type="triangle"/>
-          </a:ln>
-        </p:spPr>
-        <p:style>
-          <a:lnRef idx="1">
-            <a:schemeClr val="accent1"/>
-          </a:lnRef>
-          <a:fillRef idx="0">
-            <a:schemeClr val="accent1"/>
-          </a:fillRef>
-          <a:effectRef idx="0">
-            <a:schemeClr val="accent1"/>
-          </a:effectRef>
-          <a:fontRef idx="minor">
-            <a:schemeClr val="tx1"/>
-          </a:fontRef>
-        </p:style>
-      </p:cxnSp>
+            <a:endParaRPr lang="zh-TW" altLang="en-US" sz="1400" i="1" dirty="0">
+              <a:latin typeface="Times New Roman" panose="02020603050405020304" pitchFamily="18" charset="0"/>
+              <a:cs typeface="Times New Roman" panose="02020603050405020304" pitchFamily="18" charset="0"/>
+            </a:endParaRPr>
+          </a:p>
+        </p:txBody>
+      </p:sp>
       <p:cxnSp>
         <p:nvCxnSpPr>
           <p:cNvPr id="17" name="直接箭头连接符 16"/>
@@ -4510,13 +4362,13 @@
         </p:nvCxnSpPr>
         <p:spPr>
           <a:xfrm>
-            <a:off x="5091209" y="2429774"/>
+            <a:off x="6105354" y="713117"/>
             <a:ext cx="0" cy="414067"/>
           </a:xfrm>
           <a:prstGeom prst="straightConnector1">
             <a:avLst/>
           </a:prstGeom>
-          <a:ln w="38100">
+          <a:ln w="19050">
             <a:solidFill>
               <a:schemeClr val="tx1"/>
             </a:solidFill>
@@ -4546,49 +4398,13 @@
         </p:nvCxnSpPr>
         <p:spPr>
           <a:xfrm>
-            <a:off x="5081331" y="3548333"/>
+            <a:off x="6105354" y="1874809"/>
             <a:ext cx="0" cy="414067"/>
           </a:xfrm>
           <a:prstGeom prst="straightConnector1">
             <a:avLst/>
           </a:prstGeom>
-          <a:ln w="38100">
-            <a:solidFill>
-              <a:schemeClr val="tx1"/>
-            </a:solidFill>
-            <a:tailEnd type="triangle"/>
-          </a:ln>
-        </p:spPr>
-        <p:style>
-          <a:lnRef idx="1">
-            <a:schemeClr val="accent1"/>
-          </a:lnRef>
-          <a:fillRef idx="0">
-            <a:schemeClr val="accent1"/>
-          </a:fillRef>
-          <a:effectRef idx="0">
-            <a:schemeClr val="accent1"/>
-          </a:effectRef>
-          <a:fontRef idx="minor">
-            <a:schemeClr val="tx1"/>
-          </a:fontRef>
-        </p:style>
-      </p:cxnSp>
-      <p:cxnSp>
-        <p:nvCxnSpPr>
-          <p:cNvPr id="19" name="直接箭头连接符 18"/>
-          <p:cNvCxnSpPr/>
-          <p:nvPr/>
-        </p:nvCxnSpPr>
-        <p:spPr>
-          <a:xfrm>
-            <a:off x="5061575" y="4635184"/>
-            <a:ext cx="0" cy="414067"/>
-          </a:xfrm>
-          <a:prstGeom prst="straightConnector1">
-            <a:avLst/>
-          </a:prstGeom>
-          <a:ln w="38100">
+          <a:ln w="19050">
             <a:solidFill>
               <a:schemeClr val="tx1"/>
             </a:solidFill>
@@ -4618,13 +4434,13 @@
         </p:nvCxnSpPr>
         <p:spPr>
           <a:xfrm>
-            <a:off x="5061575" y="5745116"/>
+            <a:off x="6105354" y="5252717"/>
             <a:ext cx="0" cy="414067"/>
           </a:xfrm>
           <a:prstGeom prst="straightConnector1">
             <a:avLst/>
           </a:prstGeom>
-          <a:ln w="38100">
+          <a:ln w="19050">
             <a:solidFill>
               <a:schemeClr val="tx1"/>
             </a:solidFill>
@@ -4654,13 +4470,13 @@
         </p:nvCxnSpPr>
         <p:spPr>
           <a:xfrm flipH="1">
-            <a:off x="3105059" y="4635184"/>
+            <a:off x="3929707" y="3774452"/>
             <a:ext cx="440398" cy="414067"/>
           </a:xfrm>
           <a:prstGeom prst="straightConnector1">
             <a:avLst/>
           </a:prstGeom>
-          <a:ln w="38100">
+          <a:ln w="19050">
             <a:solidFill>
               <a:schemeClr val="tx1"/>
             </a:solidFill>
@@ -4684,69 +4500,22 @@
       </p:cxnSp>
       <p:sp>
         <p:nvSpPr>
-          <p:cNvPr id="28" name="矩形 27"/>
-          <p:cNvSpPr/>
-          <p:nvPr/>
-        </p:nvSpPr>
-        <p:spPr>
-          <a:xfrm>
-            <a:off x="7205955" y="631583"/>
-            <a:ext cx="1425180" cy="738664"/>
-          </a:xfrm>
-          <a:prstGeom prst="rect">
-            <a:avLst/>
-          </a:prstGeom>
-          <a:noFill/>
-          <a:ln w="28575">
-            <a:solidFill>
-              <a:schemeClr val="tx1"/>
-            </a:solidFill>
-            <a:prstDash val="dashDot"/>
-          </a:ln>
-        </p:spPr>
-        <p:txBody>
-          <a:bodyPr wrap="square">
-            <a:spAutoFit/>
-          </a:bodyPr>
-          <a:lstStyle/>
-          <a:p>
-            <a:pPr algn="ctr"/>
-            <a:r>
-              <a:rPr lang="en-US" altLang="zh-TW" sz="1400" dirty="0" smtClean="0"/>
-              <a:t>Open Data</a:t>
-            </a:r>
-          </a:p>
-          <a:p>
-            <a:pPr algn="ctr"/>
-            <a:r>
-              <a:rPr lang="en-US" altLang="zh-TW" sz="1400" dirty="0" smtClean="0"/>
-              <a:t>&amp; </a:t>
-            </a:r>
-          </a:p>
-          <a:p>
-            <a:pPr algn="ctr"/>
-            <a:r>
-              <a:rPr lang="en-US" altLang="zh-TW" sz="1400" dirty="0" smtClean="0"/>
-              <a:t>Similar with SALT</a:t>
-            </a:r>
-          </a:p>
-        </p:txBody>
-      </p:sp>
-      <p:sp>
-        <p:nvSpPr>
           <p:cNvPr id="30" name="文本框 29"/>
           <p:cNvSpPr txBox="1"/>
           <p:nvPr/>
         </p:nvSpPr>
         <p:spPr>
           <a:xfrm rot="19038097">
-            <a:off x="2605043" y="4582074"/>
+            <a:off x="3437211" y="3691093"/>
             <a:ext cx="1123014" cy="261610"/>
           </a:xfrm>
           <a:prstGeom prst="rect">
             <a:avLst/>
           </a:prstGeom>
           <a:noFill/>
+          <a:ln w="19050">
+            <a:noFill/>
+          </a:ln>
         </p:spPr>
         <p:txBody>
           <a:bodyPr wrap="square" rtlCol="0">
@@ -4768,6 +4537,78 @@
           </a:p>
         </p:txBody>
       </p:sp>
+      <p:cxnSp>
+        <p:nvCxnSpPr>
+          <p:cNvPr id="22" name="直接箭头连接符 21"/>
+          <p:cNvCxnSpPr/>
+          <p:nvPr/>
+        </p:nvCxnSpPr>
+        <p:spPr>
+          <a:xfrm>
+            <a:off x="6095998" y="3821899"/>
+            <a:ext cx="0" cy="414067"/>
+          </a:xfrm>
+          <a:prstGeom prst="straightConnector1">
+            <a:avLst/>
+          </a:prstGeom>
+          <a:ln w="19050">
+            <a:solidFill>
+              <a:schemeClr val="tx1"/>
+            </a:solidFill>
+            <a:tailEnd type="triangle"/>
+          </a:ln>
+        </p:spPr>
+        <p:style>
+          <a:lnRef idx="1">
+            <a:schemeClr val="accent1"/>
+          </a:lnRef>
+          <a:fillRef idx="0">
+            <a:schemeClr val="accent1"/>
+          </a:fillRef>
+          <a:effectRef idx="0">
+            <a:schemeClr val="accent1"/>
+          </a:effectRef>
+          <a:fontRef idx="minor">
+            <a:schemeClr val="tx1"/>
+          </a:fontRef>
+        </p:style>
+      </p:cxnSp>
+      <p:cxnSp>
+        <p:nvCxnSpPr>
+          <p:cNvPr id="23" name="直接箭头连接符 22"/>
+          <p:cNvCxnSpPr/>
+          <p:nvPr/>
+        </p:nvCxnSpPr>
+        <p:spPr>
+          <a:xfrm>
+            <a:off x="3218062" y="5252718"/>
+            <a:ext cx="0" cy="414067"/>
+          </a:xfrm>
+          <a:prstGeom prst="straightConnector1">
+            <a:avLst/>
+          </a:prstGeom>
+          <a:ln w="19050">
+            <a:solidFill>
+              <a:schemeClr val="tx1"/>
+            </a:solidFill>
+            <a:tailEnd type="triangle"/>
+          </a:ln>
+        </p:spPr>
+        <p:style>
+          <a:lnRef idx="1">
+            <a:schemeClr val="accent1"/>
+          </a:lnRef>
+          <a:fillRef idx="0">
+            <a:schemeClr val="accent1"/>
+          </a:fillRef>
+          <a:effectRef idx="0">
+            <a:schemeClr val="accent1"/>
+          </a:effectRef>
+          <a:fontRef idx="minor">
+            <a:schemeClr val="tx1"/>
+          </a:fontRef>
+        </p:style>
+      </p:cxnSp>
     </p:spTree>
     <p:extLst>
       <p:ext uri="{BB962C8B-B14F-4D97-AF65-F5344CB8AC3E}">

--- a/1_Protocol/1_2_Planned_Analysis/1_2_2_OUTPUT/Flow_Chart.pptx
+++ b/1_Protocol/1_2_Planned_Analysis/1_2_2_OUTPUT/Flow_Chart.pptx
@@ -260,7 +260,7 @@
           <a:p>
             <a:fld id="{6E3B42F8-6E75-4811-AA9B-137B925DD217}" type="datetimeFigureOut">
               <a:rPr lang="zh-TW" altLang="en-US" smtClean="0"/>
-              <a:t>2023/4/2</a:t>
+              <a:t>2023/4/5</a:t>
             </a:fld>
             <a:endParaRPr lang="zh-TW" altLang="en-US"/>
           </a:p>
@@ -430,7 +430,7 @@
           <a:p>
             <a:fld id="{6E3B42F8-6E75-4811-AA9B-137B925DD217}" type="datetimeFigureOut">
               <a:rPr lang="zh-TW" altLang="en-US" smtClean="0"/>
-              <a:t>2023/4/2</a:t>
+              <a:t>2023/4/5</a:t>
             </a:fld>
             <a:endParaRPr lang="zh-TW" altLang="en-US"/>
           </a:p>
@@ -610,7 +610,7 @@
           <a:p>
             <a:fld id="{6E3B42F8-6E75-4811-AA9B-137B925DD217}" type="datetimeFigureOut">
               <a:rPr lang="zh-TW" altLang="en-US" smtClean="0"/>
-              <a:t>2023/4/2</a:t>
+              <a:t>2023/4/5</a:t>
             </a:fld>
             <a:endParaRPr lang="zh-TW" altLang="en-US"/>
           </a:p>
@@ -780,7 +780,7 @@
           <a:p>
             <a:fld id="{6E3B42F8-6E75-4811-AA9B-137B925DD217}" type="datetimeFigureOut">
               <a:rPr lang="zh-TW" altLang="en-US" smtClean="0"/>
-              <a:t>2023/4/2</a:t>
+              <a:t>2023/4/5</a:t>
             </a:fld>
             <a:endParaRPr lang="zh-TW" altLang="en-US"/>
           </a:p>
@@ -1026,7 +1026,7 @@
           <a:p>
             <a:fld id="{6E3B42F8-6E75-4811-AA9B-137B925DD217}" type="datetimeFigureOut">
               <a:rPr lang="zh-TW" altLang="en-US" smtClean="0"/>
-              <a:t>2023/4/2</a:t>
+              <a:t>2023/4/5</a:t>
             </a:fld>
             <a:endParaRPr lang="zh-TW" altLang="en-US"/>
           </a:p>
@@ -1258,7 +1258,7 @@
           <a:p>
             <a:fld id="{6E3B42F8-6E75-4811-AA9B-137B925DD217}" type="datetimeFigureOut">
               <a:rPr lang="zh-TW" altLang="en-US" smtClean="0"/>
-              <a:t>2023/4/2</a:t>
+              <a:t>2023/4/5</a:t>
             </a:fld>
             <a:endParaRPr lang="zh-TW" altLang="en-US"/>
           </a:p>
@@ -1625,7 +1625,7 @@
           <a:p>
             <a:fld id="{6E3B42F8-6E75-4811-AA9B-137B925DD217}" type="datetimeFigureOut">
               <a:rPr lang="zh-TW" altLang="en-US" smtClean="0"/>
-              <a:t>2023/4/2</a:t>
+              <a:t>2023/4/5</a:t>
             </a:fld>
             <a:endParaRPr lang="zh-TW" altLang="en-US"/>
           </a:p>
@@ -1743,7 +1743,7 @@
           <a:p>
             <a:fld id="{6E3B42F8-6E75-4811-AA9B-137B925DD217}" type="datetimeFigureOut">
               <a:rPr lang="zh-TW" altLang="en-US" smtClean="0"/>
-              <a:t>2023/4/2</a:t>
+              <a:t>2023/4/5</a:t>
             </a:fld>
             <a:endParaRPr lang="zh-TW" altLang="en-US"/>
           </a:p>
@@ -1838,7 +1838,7 @@
           <a:p>
             <a:fld id="{6E3B42F8-6E75-4811-AA9B-137B925DD217}" type="datetimeFigureOut">
               <a:rPr lang="zh-TW" altLang="en-US" smtClean="0"/>
-              <a:t>2023/4/2</a:t>
+              <a:t>2023/4/5</a:t>
             </a:fld>
             <a:endParaRPr lang="zh-TW" altLang="en-US"/>
           </a:p>
@@ -2115,7 +2115,7 @@
           <a:p>
             <a:fld id="{6E3B42F8-6E75-4811-AA9B-137B925DD217}" type="datetimeFigureOut">
               <a:rPr lang="zh-TW" altLang="en-US" smtClean="0"/>
-              <a:t>2023/4/2</a:t>
+              <a:t>2023/4/5</a:t>
             </a:fld>
             <a:endParaRPr lang="zh-TW" altLang="en-US"/>
           </a:p>
@@ -2368,7 +2368,7 @@
           <a:p>
             <a:fld id="{6E3B42F8-6E75-4811-AA9B-137B925DD217}" type="datetimeFigureOut">
               <a:rPr lang="zh-TW" altLang="en-US" smtClean="0"/>
-              <a:t>2023/4/2</a:t>
+              <a:t>2023/4/5</a:t>
             </a:fld>
             <a:endParaRPr lang="zh-TW" altLang="en-US"/>
           </a:p>
@@ -2581,7 +2581,7 @@
           <a:p>
             <a:fld id="{6E3B42F8-6E75-4811-AA9B-137B925DD217}" type="datetimeFigureOut">
               <a:rPr lang="zh-TW" altLang="en-US" smtClean="0"/>
-              <a:t>2023/4/2</a:t>
+              <a:t>2023/4/5</a:t>
             </a:fld>
             <a:endParaRPr lang="zh-TW" altLang="en-US"/>
           </a:p>
@@ -4062,7 +4062,7 @@
         </p:nvSpPr>
         <p:spPr>
           <a:xfrm>
-            <a:off x="2648309" y="4334748"/>
+            <a:off x="3644692" y="4631614"/>
             <a:ext cx="1139506" cy="715089"/>
           </a:xfrm>
           <a:prstGeom prst="roundRect">
@@ -4104,7 +4104,7 @@
         </p:nvSpPr>
         <p:spPr>
           <a:xfrm>
-            <a:off x="5542077" y="4338133"/>
+            <a:off x="7268605" y="4616450"/>
             <a:ext cx="1139506" cy="715089"/>
           </a:xfrm>
           <a:prstGeom prst="roundRect">
@@ -4146,7 +4146,7 @@
         </p:nvSpPr>
         <p:spPr>
           <a:xfrm>
-            <a:off x="2743842" y="5831195"/>
+            <a:off x="3740226" y="6112895"/>
             <a:ext cx="948439" cy="715089"/>
           </a:xfrm>
           <a:prstGeom prst="roundRect">
@@ -4188,7 +4188,7 @@
         </p:nvSpPr>
         <p:spPr>
           <a:xfrm>
-            <a:off x="5586372" y="5831196"/>
+            <a:off x="7328731" y="6112895"/>
             <a:ext cx="1019253" cy="715089"/>
           </a:xfrm>
           <a:prstGeom prst="roundRect">
@@ -4255,14 +4255,7 @@
                 <a:latin typeface="Times New Roman" panose="02020603050405020304" pitchFamily="18" charset="0"/>
                 <a:cs typeface="Times New Roman" panose="02020603050405020304" pitchFamily="18" charset="0"/>
               </a:rPr>
-              <a:t>Calculate 6 Indices Of </a:t>
-            </a:r>
-            <a:r>
-              <a:rPr lang="en-US" altLang="zh-CN" dirty="0" smtClean="0">
-                <a:latin typeface="Times New Roman" panose="02020603050405020304" pitchFamily="18" charset="0"/>
-                <a:cs typeface="Times New Roman" panose="02020603050405020304" pitchFamily="18" charset="0"/>
-              </a:rPr>
-              <a:t>SPE</a:t>
+              <a:t>Calculate 6 Indices Of SPE</a:t>
             </a:r>
           </a:p>
           <a:p>
@@ -4434,7 +4427,7 @@
         </p:nvCxnSpPr>
         <p:spPr>
           <a:xfrm>
-            <a:off x="6105354" y="5252717"/>
+            <a:off x="7838359" y="5534417"/>
             <a:ext cx="0" cy="414067"/>
           </a:xfrm>
           <a:prstGeom prst="straightConnector1">
@@ -4470,7 +4463,7 @@
         </p:nvCxnSpPr>
         <p:spPr>
           <a:xfrm flipH="1">
-            <a:off x="3929707" y="3774452"/>
+            <a:off x="4695337" y="4012152"/>
             <a:ext cx="440398" cy="414067"/>
           </a:xfrm>
           <a:prstGeom prst="straightConnector1">
@@ -4506,7 +4499,7 @@
         </p:nvSpPr>
         <p:spPr>
           <a:xfrm rot="19038097">
-            <a:off x="3437211" y="3691093"/>
+            <a:off x="4070894" y="3988479"/>
             <a:ext cx="1123014" cy="261610"/>
           </a:xfrm>
           <a:prstGeom prst="rect">
@@ -4539,13 +4532,13 @@
       </p:sp>
       <p:cxnSp>
         <p:nvCxnSpPr>
-          <p:cNvPr id="22" name="直接箭头连接符 21"/>
+          <p:cNvPr id="23" name="直接箭头连接符 22"/>
           <p:cNvCxnSpPr/>
           <p:nvPr/>
         </p:nvCxnSpPr>
         <p:spPr>
           <a:xfrm>
-            <a:off x="6095998" y="3821899"/>
+            <a:off x="4214445" y="5550900"/>
             <a:ext cx="0" cy="414067"/>
           </a:xfrm>
           <a:prstGeom prst="straightConnector1">
@@ -4575,14 +4568,14 @@
       </p:cxnSp>
       <p:cxnSp>
         <p:nvCxnSpPr>
-          <p:cNvPr id="23" name="直接箭头连接符 22"/>
+          <p:cNvPr id="16" name="直接箭头连接符 15"/>
           <p:cNvCxnSpPr/>
           <p:nvPr/>
         </p:nvCxnSpPr>
         <p:spPr>
           <a:xfrm>
-            <a:off x="3218062" y="5252718"/>
-            <a:ext cx="0" cy="414067"/>
+            <a:off x="7008329" y="4010738"/>
+            <a:ext cx="520551" cy="374317"/>
           </a:xfrm>
           <a:prstGeom prst="straightConnector1">
             <a:avLst/>

--- a/1_Protocol/1_2_Planned_Analysis/1_2_2_OUTPUT/Flow_Chart.pptx
+++ b/1_Protocol/1_2_Planned_Analysis/1_2_2_OUTPUT/Flow_Chart.pptx
@@ -171,7 +171,7 @@
           </a:lstStyle>
           <a:p>
             <a:r>
-              <a:rPr lang="zh-CN" altLang="en-US" smtClean="0"/>
+              <a:rPr lang="zh-CN" altLang="en-US"/>
               <a:t>单击此处编辑母版标题样式</a:t>
             </a:r>
             <a:endParaRPr lang="zh-TW" altLang="en-US"/>
@@ -236,7 +236,7 @@
           </a:lstStyle>
           <a:p>
             <a:r>
-              <a:rPr lang="zh-CN" altLang="en-US" smtClean="0"/>
+              <a:rPr lang="zh-CN" altLang="en-US"/>
               <a:t>单击此处编辑母版副标题样式</a:t>
             </a:r>
             <a:endParaRPr lang="zh-TW" altLang="en-US"/>
@@ -260,7 +260,7 @@
           <a:p>
             <a:fld id="{6E3B42F8-6E75-4811-AA9B-137B925DD217}" type="datetimeFigureOut">
               <a:rPr lang="zh-TW" altLang="en-US" smtClean="0"/>
-              <a:t>2023/4/5</a:t>
+              <a:t>2023/6/23</a:t>
             </a:fld>
             <a:endParaRPr lang="zh-TW" altLang="en-US"/>
           </a:p>
@@ -354,7 +354,7 @@
           <a:lstStyle/>
           <a:p>
             <a:r>
-              <a:rPr lang="zh-CN" altLang="en-US" smtClean="0"/>
+              <a:rPr lang="zh-CN" altLang="en-US"/>
               <a:t>单击此处编辑母版标题样式</a:t>
             </a:r>
             <a:endParaRPr lang="zh-TW" altLang="en-US"/>
@@ -378,35 +378,35 @@
           <a:p>
             <a:pPr lvl="0"/>
             <a:r>
-              <a:rPr lang="zh-CN" altLang="en-US" smtClean="0"/>
+              <a:rPr lang="zh-CN" altLang="en-US"/>
               <a:t>单击此处编辑母版文本样式</a:t>
             </a:r>
           </a:p>
           <a:p>
             <a:pPr lvl="1"/>
             <a:r>
-              <a:rPr lang="zh-CN" altLang="en-US" smtClean="0"/>
+              <a:rPr lang="zh-CN" altLang="en-US"/>
               <a:t>第二级</a:t>
             </a:r>
           </a:p>
           <a:p>
             <a:pPr lvl="2"/>
             <a:r>
-              <a:rPr lang="zh-CN" altLang="en-US" smtClean="0"/>
+              <a:rPr lang="zh-CN" altLang="en-US"/>
               <a:t>第三级</a:t>
             </a:r>
           </a:p>
           <a:p>
             <a:pPr lvl="3"/>
             <a:r>
-              <a:rPr lang="zh-CN" altLang="en-US" smtClean="0"/>
+              <a:rPr lang="zh-CN" altLang="en-US"/>
               <a:t>第四级</a:t>
             </a:r>
           </a:p>
           <a:p>
             <a:pPr lvl="4"/>
             <a:r>
-              <a:rPr lang="zh-CN" altLang="en-US" smtClean="0"/>
+              <a:rPr lang="zh-CN" altLang="en-US"/>
               <a:t>第五级</a:t>
             </a:r>
             <a:endParaRPr lang="zh-TW" altLang="en-US"/>
@@ -430,7 +430,7 @@
           <a:p>
             <a:fld id="{6E3B42F8-6E75-4811-AA9B-137B925DD217}" type="datetimeFigureOut">
               <a:rPr lang="zh-TW" altLang="en-US" smtClean="0"/>
-              <a:t>2023/4/5</a:t>
+              <a:t>2023/6/23</a:t>
             </a:fld>
             <a:endParaRPr lang="zh-TW" altLang="en-US"/>
           </a:p>
@@ -529,7 +529,7 @@
           <a:lstStyle/>
           <a:p>
             <a:r>
-              <a:rPr lang="zh-CN" altLang="en-US" smtClean="0"/>
+              <a:rPr lang="zh-CN" altLang="en-US"/>
               <a:t>单击此处编辑母版标题样式</a:t>
             </a:r>
             <a:endParaRPr lang="zh-TW" altLang="en-US"/>
@@ -558,35 +558,35 @@
           <a:p>
             <a:pPr lvl="0"/>
             <a:r>
-              <a:rPr lang="zh-CN" altLang="en-US" smtClean="0"/>
+              <a:rPr lang="zh-CN" altLang="en-US"/>
               <a:t>单击此处编辑母版文本样式</a:t>
             </a:r>
           </a:p>
           <a:p>
             <a:pPr lvl="1"/>
             <a:r>
-              <a:rPr lang="zh-CN" altLang="en-US" smtClean="0"/>
+              <a:rPr lang="zh-CN" altLang="en-US"/>
               <a:t>第二级</a:t>
             </a:r>
           </a:p>
           <a:p>
             <a:pPr lvl="2"/>
             <a:r>
-              <a:rPr lang="zh-CN" altLang="en-US" smtClean="0"/>
+              <a:rPr lang="zh-CN" altLang="en-US"/>
               <a:t>第三级</a:t>
             </a:r>
           </a:p>
           <a:p>
             <a:pPr lvl="3"/>
             <a:r>
-              <a:rPr lang="zh-CN" altLang="en-US" smtClean="0"/>
+              <a:rPr lang="zh-CN" altLang="en-US"/>
               <a:t>第四级</a:t>
             </a:r>
           </a:p>
           <a:p>
             <a:pPr lvl="4"/>
             <a:r>
-              <a:rPr lang="zh-CN" altLang="en-US" smtClean="0"/>
+              <a:rPr lang="zh-CN" altLang="en-US"/>
               <a:t>第五级</a:t>
             </a:r>
             <a:endParaRPr lang="zh-TW" altLang="en-US"/>
@@ -610,7 +610,7 @@
           <a:p>
             <a:fld id="{6E3B42F8-6E75-4811-AA9B-137B925DD217}" type="datetimeFigureOut">
               <a:rPr lang="zh-TW" altLang="en-US" smtClean="0"/>
-              <a:t>2023/4/5</a:t>
+              <a:t>2023/6/23</a:t>
             </a:fld>
             <a:endParaRPr lang="zh-TW" altLang="en-US"/>
           </a:p>
@@ -704,7 +704,7 @@
           <a:lstStyle/>
           <a:p>
             <a:r>
-              <a:rPr lang="zh-CN" altLang="en-US" smtClean="0"/>
+              <a:rPr lang="zh-CN" altLang="en-US"/>
               <a:t>单击此处编辑母版标题样式</a:t>
             </a:r>
             <a:endParaRPr lang="zh-TW" altLang="en-US"/>
@@ -728,35 +728,35 @@
           <a:p>
             <a:pPr lvl="0"/>
             <a:r>
-              <a:rPr lang="zh-CN" altLang="en-US" smtClean="0"/>
+              <a:rPr lang="zh-CN" altLang="en-US"/>
               <a:t>单击此处编辑母版文本样式</a:t>
             </a:r>
           </a:p>
           <a:p>
             <a:pPr lvl="1"/>
             <a:r>
-              <a:rPr lang="zh-CN" altLang="en-US" smtClean="0"/>
+              <a:rPr lang="zh-CN" altLang="en-US"/>
               <a:t>第二级</a:t>
             </a:r>
           </a:p>
           <a:p>
             <a:pPr lvl="2"/>
             <a:r>
-              <a:rPr lang="zh-CN" altLang="en-US" smtClean="0"/>
+              <a:rPr lang="zh-CN" altLang="en-US"/>
               <a:t>第三级</a:t>
             </a:r>
           </a:p>
           <a:p>
             <a:pPr lvl="3"/>
             <a:r>
-              <a:rPr lang="zh-CN" altLang="en-US" smtClean="0"/>
+              <a:rPr lang="zh-CN" altLang="en-US"/>
               <a:t>第四级</a:t>
             </a:r>
           </a:p>
           <a:p>
             <a:pPr lvl="4"/>
             <a:r>
-              <a:rPr lang="zh-CN" altLang="en-US" smtClean="0"/>
+              <a:rPr lang="zh-CN" altLang="en-US"/>
               <a:t>第五级</a:t>
             </a:r>
             <a:endParaRPr lang="zh-TW" altLang="en-US"/>
@@ -780,7 +780,7 @@
           <a:p>
             <a:fld id="{6E3B42F8-6E75-4811-AA9B-137B925DD217}" type="datetimeFigureOut">
               <a:rPr lang="zh-TW" altLang="en-US" smtClean="0"/>
-              <a:t>2023/4/5</a:t>
+              <a:t>2023/6/23</a:t>
             </a:fld>
             <a:endParaRPr lang="zh-TW" altLang="en-US"/>
           </a:p>
@@ -883,7 +883,7 @@
           </a:lstStyle>
           <a:p>
             <a:r>
-              <a:rPr lang="zh-CN" altLang="en-US" smtClean="0"/>
+              <a:rPr lang="zh-CN" altLang="en-US"/>
               <a:t>单击此处编辑母版标题样式</a:t>
             </a:r>
             <a:endParaRPr lang="zh-TW" altLang="en-US"/>
@@ -1003,7 +1003,7 @@
           <a:p>
             <a:pPr lvl="0"/>
             <a:r>
-              <a:rPr lang="zh-CN" altLang="en-US" smtClean="0"/>
+              <a:rPr lang="zh-CN" altLang="en-US"/>
               <a:t>单击此处编辑母版文本样式</a:t>
             </a:r>
           </a:p>
@@ -1026,7 +1026,7 @@
           <a:p>
             <a:fld id="{6E3B42F8-6E75-4811-AA9B-137B925DD217}" type="datetimeFigureOut">
               <a:rPr lang="zh-TW" altLang="en-US" smtClean="0"/>
-              <a:t>2023/4/5</a:t>
+              <a:t>2023/6/23</a:t>
             </a:fld>
             <a:endParaRPr lang="zh-TW" altLang="en-US"/>
           </a:p>
@@ -1120,7 +1120,7 @@
           <a:lstStyle/>
           <a:p>
             <a:r>
-              <a:rPr lang="zh-CN" altLang="en-US" smtClean="0"/>
+              <a:rPr lang="zh-CN" altLang="en-US"/>
               <a:t>单击此处编辑母版标题样式</a:t>
             </a:r>
             <a:endParaRPr lang="zh-TW" altLang="en-US"/>
@@ -1149,35 +1149,35 @@
           <a:p>
             <a:pPr lvl="0"/>
             <a:r>
-              <a:rPr lang="zh-CN" altLang="en-US" smtClean="0"/>
+              <a:rPr lang="zh-CN" altLang="en-US"/>
               <a:t>单击此处编辑母版文本样式</a:t>
             </a:r>
           </a:p>
           <a:p>
             <a:pPr lvl="1"/>
             <a:r>
-              <a:rPr lang="zh-CN" altLang="en-US" smtClean="0"/>
+              <a:rPr lang="zh-CN" altLang="en-US"/>
               <a:t>第二级</a:t>
             </a:r>
           </a:p>
           <a:p>
             <a:pPr lvl="2"/>
             <a:r>
-              <a:rPr lang="zh-CN" altLang="en-US" smtClean="0"/>
+              <a:rPr lang="zh-CN" altLang="en-US"/>
               <a:t>第三级</a:t>
             </a:r>
           </a:p>
           <a:p>
             <a:pPr lvl="3"/>
             <a:r>
-              <a:rPr lang="zh-CN" altLang="en-US" smtClean="0"/>
+              <a:rPr lang="zh-CN" altLang="en-US"/>
               <a:t>第四级</a:t>
             </a:r>
           </a:p>
           <a:p>
             <a:pPr lvl="4"/>
             <a:r>
-              <a:rPr lang="zh-CN" altLang="en-US" smtClean="0"/>
+              <a:rPr lang="zh-CN" altLang="en-US"/>
               <a:t>第五级</a:t>
             </a:r>
             <a:endParaRPr lang="zh-TW" altLang="en-US"/>
@@ -1206,35 +1206,35 @@
           <a:p>
             <a:pPr lvl="0"/>
             <a:r>
-              <a:rPr lang="zh-CN" altLang="en-US" smtClean="0"/>
+              <a:rPr lang="zh-CN" altLang="en-US"/>
               <a:t>单击此处编辑母版文本样式</a:t>
             </a:r>
           </a:p>
           <a:p>
             <a:pPr lvl="1"/>
             <a:r>
-              <a:rPr lang="zh-CN" altLang="en-US" smtClean="0"/>
+              <a:rPr lang="zh-CN" altLang="en-US"/>
               <a:t>第二级</a:t>
             </a:r>
           </a:p>
           <a:p>
             <a:pPr lvl="2"/>
             <a:r>
-              <a:rPr lang="zh-CN" altLang="en-US" smtClean="0"/>
+              <a:rPr lang="zh-CN" altLang="en-US"/>
               <a:t>第三级</a:t>
             </a:r>
           </a:p>
           <a:p>
             <a:pPr lvl="3"/>
             <a:r>
-              <a:rPr lang="zh-CN" altLang="en-US" smtClean="0"/>
+              <a:rPr lang="zh-CN" altLang="en-US"/>
               <a:t>第四级</a:t>
             </a:r>
           </a:p>
           <a:p>
             <a:pPr lvl="4"/>
             <a:r>
-              <a:rPr lang="zh-CN" altLang="en-US" smtClean="0"/>
+              <a:rPr lang="zh-CN" altLang="en-US"/>
               <a:t>第五级</a:t>
             </a:r>
             <a:endParaRPr lang="zh-TW" altLang="en-US"/>
@@ -1258,7 +1258,7 @@
           <a:p>
             <a:fld id="{6E3B42F8-6E75-4811-AA9B-137B925DD217}" type="datetimeFigureOut">
               <a:rPr lang="zh-TW" altLang="en-US" smtClean="0"/>
-              <a:t>2023/4/5</a:t>
+              <a:t>2023/6/23</a:t>
             </a:fld>
             <a:endParaRPr lang="zh-TW" altLang="en-US"/>
           </a:p>
@@ -1357,7 +1357,7 @@
           <a:lstStyle/>
           <a:p>
             <a:r>
-              <a:rPr lang="zh-CN" altLang="en-US" smtClean="0"/>
+              <a:rPr lang="zh-CN" altLang="en-US"/>
               <a:t>单击此处编辑母版标题样式</a:t>
             </a:r>
             <a:endParaRPr lang="zh-TW" altLang="en-US"/>
@@ -1423,7 +1423,7 @@
           <a:p>
             <a:pPr lvl="0"/>
             <a:r>
-              <a:rPr lang="zh-CN" altLang="en-US" smtClean="0"/>
+              <a:rPr lang="zh-CN" altLang="en-US"/>
               <a:t>单击此处编辑母版文本样式</a:t>
             </a:r>
           </a:p>
@@ -1451,35 +1451,35 @@
           <a:p>
             <a:pPr lvl="0"/>
             <a:r>
-              <a:rPr lang="zh-CN" altLang="en-US" smtClean="0"/>
+              <a:rPr lang="zh-CN" altLang="en-US"/>
               <a:t>单击此处编辑母版文本样式</a:t>
             </a:r>
           </a:p>
           <a:p>
             <a:pPr lvl="1"/>
             <a:r>
-              <a:rPr lang="zh-CN" altLang="en-US" smtClean="0"/>
+              <a:rPr lang="zh-CN" altLang="en-US"/>
               <a:t>第二级</a:t>
             </a:r>
           </a:p>
           <a:p>
             <a:pPr lvl="2"/>
             <a:r>
-              <a:rPr lang="zh-CN" altLang="en-US" smtClean="0"/>
+              <a:rPr lang="zh-CN" altLang="en-US"/>
               <a:t>第三级</a:t>
             </a:r>
           </a:p>
           <a:p>
             <a:pPr lvl="3"/>
             <a:r>
-              <a:rPr lang="zh-CN" altLang="en-US" smtClean="0"/>
+              <a:rPr lang="zh-CN" altLang="en-US"/>
               <a:t>第四级</a:t>
             </a:r>
           </a:p>
           <a:p>
             <a:pPr lvl="4"/>
             <a:r>
-              <a:rPr lang="zh-CN" altLang="en-US" smtClean="0"/>
+              <a:rPr lang="zh-CN" altLang="en-US"/>
               <a:t>第五级</a:t>
             </a:r>
             <a:endParaRPr lang="zh-TW" altLang="en-US"/>
@@ -1545,7 +1545,7 @@
           <a:p>
             <a:pPr lvl="0"/>
             <a:r>
-              <a:rPr lang="zh-CN" altLang="en-US" smtClean="0"/>
+              <a:rPr lang="zh-CN" altLang="en-US"/>
               <a:t>单击此处编辑母版文本样式</a:t>
             </a:r>
           </a:p>
@@ -1573,35 +1573,35 @@
           <a:p>
             <a:pPr lvl="0"/>
             <a:r>
-              <a:rPr lang="zh-CN" altLang="en-US" smtClean="0"/>
+              <a:rPr lang="zh-CN" altLang="en-US"/>
               <a:t>单击此处编辑母版文本样式</a:t>
             </a:r>
           </a:p>
           <a:p>
             <a:pPr lvl="1"/>
             <a:r>
-              <a:rPr lang="zh-CN" altLang="en-US" smtClean="0"/>
+              <a:rPr lang="zh-CN" altLang="en-US"/>
               <a:t>第二级</a:t>
             </a:r>
           </a:p>
           <a:p>
             <a:pPr lvl="2"/>
             <a:r>
-              <a:rPr lang="zh-CN" altLang="en-US" smtClean="0"/>
+              <a:rPr lang="zh-CN" altLang="en-US"/>
               <a:t>第三级</a:t>
             </a:r>
           </a:p>
           <a:p>
             <a:pPr lvl="3"/>
             <a:r>
-              <a:rPr lang="zh-CN" altLang="en-US" smtClean="0"/>
+              <a:rPr lang="zh-CN" altLang="en-US"/>
               <a:t>第四级</a:t>
             </a:r>
           </a:p>
           <a:p>
             <a:pPr lvl="4"/>
             <a:r>
-              <a:rPr lang="zh-CN" altLang="en-US" smtClean="0"/>
+              <a:rPr lang="zh-CN" altLang="en-US"/>
               <a:t>第五级</a:t>
             </a:r>
             <a:endParaRPr lang="zh-TW" altLang="en-US"/>
@@ -1625,7 +1625,7 @@
           <a:p>
             <a:fld id="{6E3B42F8-6E75-4811-AA9B-137B925DD217}" type="datetimeFigureOut">
               <a:rPr lang="zh-TW" altLang="en-US" smtClean="0"/>
-              <a:t>2023/4/5</a:t>
+              <a:t>2023/6/23</a:t>
             </a:fld>
             <a:endParaRPr lang="zh-TW" altLang="en-US"/>
           </a:p>
@@ -1719,7 +1719,7 @@
           <a:lstStyle/>
           <a:p>
             <a:r>
-              <a:rPr lang="zh-CN" altLang="en-US" smtClean="0"/>
+              <a:rPr lang="zh-CN" altLang="en-US"/>
               <a:t>单击此处编辑母版标题样式</a:t>
             </a:r>
             <a:endParaRPr lang="zh-TW" altLang="en-US"/>
@@ -1743,7 +1743,7 @@
           <a:p>
             <a:fld id="{6E3B42F8-6E75-4811-AA9B-137B925DD217}" type="datetimeFigureOut">
               <a:rPr lang="zh-TW" altLang="en-US" smtClean="0"/>
-              <a:t>2023/4/5</a:t>
+              <a:t>2023/6/23</a:t>
             </a:fld>
             <a:endParaRPr lang="zh-TW" altLang="en-US"/>
           </a:p>
@@ -1838,7 +1838,7 @@
           <a:p>
             <a:fld id="{6E3B42F8-6E75-4811-AA9B-137B925DD217}" type="datetimeFigureOut">
               <a:rPr lang="zh-TW" altLang="en-US" smtClean="0"/>
-              <a:t>2023/4/5</a:t>
+              <a:t>2023/6/23</a:t>
             </a:fld>
             <a:endParaRPr lang="zh-TW" altLang="en-US"/>
           </a:p>
@@ -1941,7 +1941,7 @@
           </a:lstStyle>
           <a:p>
             <a:r>
-              <a:rPr lang="zh-CN" altLang="en-US" smtClean="0"/>
+              <a:rPr lang="zh-CN" altLang="en-US"/>
               <a:t>单击此处编辑母版标题样式</a:t>
             </a:r>
             <a:endParaRPr lang="zh-TW" altLang="en-US"/>
@@ -1998,35 +1998,35 @@
           <a:p>
             <a:pPr lvl="0"/>
             <a:r>
-              <a:rPr lang="zh-CN" altLang="en-US" smtClean="0"/>
+              <a:rPr lang="zh-CN" altLang="en-US"/>
               <a:t>单击此处编辑母版文本样式</a:t>
             </a:r>
           </a:p>
           <a:p>
             <a:pPr lvl="1"/>
             <a:r>
-              <a:rPr lang="zh-CN" altLang="en-US" smtClean="0"/>
+              <a:rPr lang="zh-CN" altLang="en-US"/>
               <a:t>第二级</a:t>
             </a:r>
           </a:p>
           <a:p>
             <a:pPr lvl="2"/>
             <a:r>
-              <a:rPr lang="zh-CN" altLang="en-US" smtClean="0"/>
+              <a:rPr lang="zh-CN" altLang="en-US"/>
               <a:t>第三级</a:t>
             </a:r>
           </a:p>
           <a:p>
             <a:pPr lvl="3"/>
             <a:r>
-              <a:rPr lang="zh-CN" altLang="en-US" smtClean="0"/>
+              <a:rPr lang="zh-CN" altLang="en-US"/>
               <a:t>第四级</a:t>
             </a:r>
           </a:p>
           <a:p>
             <a:pPr lvl="4"/>
             <a:r>
-              <a:rPr lang="zh-CN" altLang="en-US" smtClean="0"/>
+              <a:rPr lang="zh-CN" altLang="en-US"/>
               <a:t>第五级</a:t>
             </a:r>
             <a:endParaRPr lang="zh-TW" altLang="en-US"/>
@@ -2092,7 +2092,7 @@
           <a:p>
             <a:pPr lvl="0"/>
             <a:r>
-              <a:rPr lang="zh-CN" altLang="en-US" smtClean="0"/>
+              <a:rPr lang="zh-CN" altLang="en-US"/>
               <a:t>单击此处编辑母版文本样式</a:t>
             </a:r>
           </a:p>
@@ -2115,7 +2115,7 @@
           <a:p>
             <a:fld id="{6E3B42F8-6E75-4811-AA9B-137B925DD217}" type="datetimeFigureOut">
               <a:rPr lang="zh-TW" altLang="en-US" smtClean="0"/>
-              <a:t>2023/4/5</a:t>
+              <a:t>2023/6/23</a:t>
             </a:fld>
             <a:endParaRPr lang="zh-TW" altLang="en-US"/>
           </a:p>
@@ -2218,7 +2218,7 @@
           </a:lstStyle>
           <a:p>
             <a:r>
-              <a:rPr lang="zh-CN" altLang="en-US" smtClean="0"/>
+              <a:rPr lang="zh-CN" altLang="en-US"/>
               <a:t>单击此处编辑母版标题样式</a:t>
             </a:r>
             <a:endParaRPr lang="zh-TW" altLang="en-US"/>
@@ -2345,7 +2345,7 @@
           <a:p>
             <a:pPr lvl="0"/>
             <a:r>
-              <a:rPr lang="zh-CN" altLang="en-US" smtClean="0"/>
+              <a:rPr lang="zh-CN" altLang="en-US"/>
               <a:t>单击此处编辑母版文本样式</a:t>
             </a:r>
           </a:p>
@@ -2368,7 +2368,7 @@
           <a:p>
             <a:fld id="{6E3B42F8-6E75-4811-AA9B-137B925DD217}" type="datetimeFigureOut">
               <a:rPr lang="zh-TW" altLang="en-US" smtClean="0"/>
-              <a:t>2023/4/5</a:t>
+              <a:t>2023/6/23</a:t>
             </a:fld>
             <a:endParaRPr lang="zh-TW" altLang="en-US"/>
           </a:p>
@@ -2477,7 +2477,7 @@
           <a:lstStyle/>
           <a:p>
             <a:r>
-              <a:rPr lang="zh-CN" altLang="en-US" smtClean="0"/>
+              <a:rPr lang="zh-CN" altLang="en-US"/>
               <a:t>单击此处编辑母版标题样式</a:t>
             </a:r>
             <a:endParaRPr lang="zh-TW" altLang="en-US"/>
@@ -2511,35 +2511,35 @@
           <a:p>
             <a:pPr lvl="0"/>
             <a:r>
-              <a:rPr lang="zh-CN" altLang="en-US" smtClean="0"/>
+              <a:rPr lang="zh-CN" altLang="en-US"/>
               <a:t>单击此处编辑母版文本样式</a:t>
             </a:r>
           </a:p>
           <a:p>
             <a:pPr lvl="1"/>
             <a:r>
-              <a:rPr lang="zh-CN" altLang="en-US" smtClean="0"/>
+              <a:rPr lang="zh-CN" altLang="en-US"/>
               <a:t>第二级</a:t>
             </a:r>
           </a:p>
           <a:p>
             <a:pPr lvl="2"/>
             <a:r>
-              <a:rPr lang="zh-CN" altLang="en-US" smtClean="0"/>
+              <a:rPr lang="zh-CN" altLang="en-US"/>
               <a:t>第三级</a:t>
             </a:r>
           </a:p>
           <a:p>
             <a:pPr lvl="3"/>
             <a:r>
-              <a:rPr lang="zh-CN" altLang="en-US" smtClean="0"/>
+              <a:rPr lang="zh-CN" altLang="en-US"/>
               <a:t>第四级</a:t>
             </a:r>
           </a:p>
           <a:p>
             <a:pPr lvl="4"/>
             <a:r>
-              <a:rPr lang="zh-CN" altLang="en-US" smtClean="0"/>
+              <a:rPr lang="zh-CN" altLang="en-US"/>
               <a:t>第五级</a:t>
             </a:r>
             <a:endParaRPr lang="zh-TW" altLang="en-US"/>
@@ -2581,7 +2581,7 @@
           <a:p>
             <a:fld id="{6E3B42F8-6E75-4811-AA9B-137B925DD217}" type="datetimeFigureOut">
               <a:rPr lang="zh-TW" altLang="en-US" smtClean="0"/>
-              <a:t>2023/4/5</a:t>
+              <a:t>2023/6/23</a:t>
             </a:fld>
             <a:endParaRPr lang="zh-TW" altLang="en-US"/>
           </a:p>
@@ -3010,14 +3010,14 @@
           <a:p>
             <a:pPr algn="ctr"/>
             <a:r>
-              <a:rPr lang="en-US" altLang="zh-CN" sz="2000" b="1" dirty="0" smtClean="0"/>
+              <a:rPr lang="en-US" altLang="zh-CN" sz="2000" b="1" dirty="0"/>
               <a:t>Clean Data: </a:t>
             </a:r>
           </a:p>
           <a:p>
             <a:pPr algn="ctr"/>
             <a:r>
-              <a:rPr lang="en-US" altLang="zh-TW" sz="2000" b="1" dirty="0" smtClean="0"/>
+              <a:rPr lang="en-US" altLang="zh-TW" sz="2000" b="1" dirty="0"/>
               <a:t>Delete Unqualified Subjects</a:t>
             </a:r>
             <a:endParaRPr lang="zh-TW" altLang="en-US" sz="2000" b="1" dirty="0"/>
@@ -3048,14 +3048,14 @@
           <a:p>
             <a:pPr algn="ctr"/>
             <a:r>
-              <a:rPr lang="en-US" altLang="zh-CN" sz="2000" b="1" dirty="0" smtClean="0"/>
+              <a:rPr lang="en-US" altLang="zh-CN" sz="2000" b="1" dirty="0"/>
               <a:t>Test-retest Reliability</a:t>
             </a:r>
           </a:p>
           <a:p>
             <a:pPr algn="ctr"/>
             <a:r>
-              <a:rPr lang="en-US" altLang="zh-CN" sz="2000" b="1" dirty="0" smtClean="0"/>
+              <a:rPr lang="en-US" altLang="zh-CN" sz="2000" b="1" dirty="0"/>
               <a:t>(using psych::ICC)</a:t>
             </a:r>
             <a:endParaRPr lang="zh-TW" altLang="en-US" sz="2000" b="1" dirty="0"/>
@@ -3086,14 +3086,14 @@
           <a:p>
             <a:pPr algn="ctr"/>
             <a:r>
-              <a:rPr lang="en-US" altLang="zh-CN" sz="2000" b="1" dirty="0" smtClean="0"/>
+              <a:rPr lang="en-US" altLang="zh-CN" sz="2000" b="1" dirty="0"/>
               <a:t>Split-half Reliability</a:t>
             </a:r>
           </a:p>
           <a:p>
             <a:pPr algn="ctr"/>
             <a:r>
-              <a:rPr lang="en-US" altLang="zh-CN" sz="2000" b="1" dirty="0" smtClean="0"/>
+              <a:rPr lang="en-US" altLang="zh-CN" sz="2000" b="1" dirty="0"/>
               <a:t>(using code written by myself)</a:t>
             </a:r>
             <a:endParaRPr lang="zh-TW" altLang="en-US" sz="2000" b="1" dirty="0"/>
@@ -3124,14 +3124,14 @@
           <a:p>
             <a:pPr algn="ctr"/>
             <a:r>
-              <a:rPr lang="en-US" altLang="zh-CN" sz="2000" b="1" dirty="0" smtClean="0"/>
+              <a:rPr lang="en-US" altLang="zh-CN" sz="2000" b="1" dirty="0"/>
               <a:t>Descriptive Statistics: </a:t>
             </a:r>
           </a:p>
           <a:p>
             <a:pPr algn="ctr"/>
             <a:r>
-              <a:rPr lang="en-US" altLang="zh-CN" sz="2000" b="1" dirty="0" smtClean="0"/>
+              <a:rPr lang="en-US" altLang="zh-CN" sz="2000" b="1" dirty="0"/>
               <a:t>Mean and SD of Six Indexes</a:t>
             </a:r>
             <a:endParaRPr lang="zh-TW" altLang="en-US" sz="2000" b="1" dirty="0"/>
@@ -3181,14 +3181,14 @@
             <a:p>
               <a:pPr algn="ctr"/>
               <a:r>
-                <a:rPr lang="en-US" altLang="zh-CN" dirty="0" smtClean="0"/>
+                <a:rPr lang="en-US" altLang="zh-CN" dirty="0"/>
                 <a:t>ICC of </a:t>
               </a:r>
             </a:p>
             <a:p>
               <a:pPr algn="ctr"/>
               <a:r>
-                <a:rPr lang="en-US" altLang="zh-CN" dirty="0" smtClean="0"/>
+                <a:rPr lang="en-US" altLang="zh-CN" dirty="0"/>
                 <a:t>RT</a:t>
               </a:r>
               <a:endParaRPr lang="zh-TW" altLang="en-US" dirty="0"/>
@@ -3224,14 +3224,14 @@
             <a:p>
               <a:pPr algn="ctr"/>
               <a:r>
-                <a:rPr lang="en-US" altLang="zh-CN" dirty="0" smtClean="0"/>
+                <a:rPr lang="en-US" altLang="zh-CN" dirty="0"/>
                 <a:t>ICC of </a:t>
               </a:r>
             </a:p>
             <a:p>
               <a:pPr algn="ctr"/>
               <a:r>
-                <a:rPr lang="en-US" altLang="zh-CN" dirty="0" smtClean="0"/>
+                <a:rPr lang="en-US" altLang="zh-CN" dirty="0"/>
                 <a:t>Accuracy</a:t>
               </a:r>
               <a:endParaRPr lang="zh-TW" altLang="en-US" dirty="0"/>
@@ -3267,14 +3267,14 @@
             <a:p>
               <a:pPr algn="ctr"/>
               <a:r>
-                <a:rPr lang="en-US" altLang="zh-CN" dirty="0" smtClean="0"/>
+                <a:rPr lang="en-US" altLang="zh-CN" dirty="0"/>
                 <a:t>ICC of </a:t>
               </a:r>
             </a:p>
             <a:p>
               <a:pPr algn="ctr"/>
               <a:r>
-                <a:rPr lang="en-US" altLang="zh-CN" dirty="0" smtClean="0"/>
+                <a:rPr lang="en-US" altLang="zh-CN" dirty="0"/>
                 <a:t>Efficiency</a:t>
               </a:r>
               <a:endParaRPr lang="zh-TW" altLang="en-US" dirty="0"/>
@@ -3310,14 +3310,14 @@
             <a:p>
               <a:pPr algn="ctr"/>
               <a:r>
-                <a:rPr lang="en-US" altLang="zh-CN" dirty="0" smtClean="0"/>
+                <a:rPr lang="en-US" altLang="zh-CN" dirty="0"/>
                 <a:t>ICC of </a:t>
               </a:r>
             </a:p>
             <a:p>
               <a:pPr algn="ctr"/>
               <a:r>
-                <a:rPr lang="en-US" altLang="zh-CN" dirty="0" smtClean="0"/>
+                <a:rPr lang="en-US" altLang="zh-CN" dirty="0"/>
                 <a:t>D-prime</a:t>
               </a:r>
               <a:endParaRPr lang="zh-TW" altLang="en-US" dirty="0"/>
@@ -3353,14 +3353,14 @@
             <a:p>
               <a:pPr algn="ctr"/>
               <a:r>
-                <a:rPr lang="en-US" altLang="zh-CN" dirty="0" smtClean="0"/>
+                <a:rPr lang="en-US" altLang="zh-CN" dirty="0"/>
                 <a:t>ICC of </a:t>
               </a:r>
             </a:p>
             <a:p>
               <a:pPr algn="ctr"/>
               <a:r>
-                <a:rPr lang="en-US" altLang="zh-CN" dirty="0" smtClean="0"/>
+                <a:rPr lang="en-US" altLang="zh-CN" dirty="0"/>
                 <a:t>ezDDM: v</a:t>
               </a:r>
               <a:endParaRPr lang="zh-TW" altLang="en-US" dirty="0"/>
@@ -3396,14 +3396,14 @@
             <a:p>
               <a:pPr algn="ctr"/>
               <a:r>
-                <a:rPr lang="en-US" altLang="zh-CN" dirty="0" smtClean="0"/>
+                <a:rPr lang="en-US" altLang="zh-CN" dirty="0"/>
                 <a:t>ICC of </a:t>
               </a:r>
             </a:p>
             <a:p>
               <a:pPr algn="ctr"/>
               <a:r>
-                <a:rPr lang="en-US" altLang="zh-CN" dirty="0" smtClean="0"/>
+                <a:rPr lang="en-US" altLang="zh-CN" dirty="0"/>
                 <a:t>ezDDM: z</a:t>
               </a:r>
               <a:endParaRPr lang="zh-TW" altLang="en-US" dirty="0"/>
@@ -3454,14 +3454,14 @@
             <a:p>
               <a:pPr algn="ctr"/>
               <a:r>
-                <a:rPr lang="en-US" altLang="zh-CN" dirty="0" smtClean="0"/>
+                <a:rPr lang="en-US" altLang="zh-CN" dirty="0"/>
                 <a:t>SHR of </a:t>
               </a:r>
             </a:p>
             <a:p>
               <a:pPr algn="ctr"/>
               <a:r>
-                <a:rPr lang="en-US" altLang="zh-CN" dirty="0" smtClean="0"/>
+                <a:rPr lang="en-US" altLang="zh-CN" dirty="0"/>
                 <a:t>RT</a:t>
               </a:r>
               <a:endParaRPr lang="zh-TW" altLang="en-US" dirty="0"/>
@@ -3497,14 +3497,14 @@
             <a:p>
               <a:pPr algn="ctr"/>
               <a:r>
-                <a:rPr lang="en-US" altLang="zh-CN" dirty="0" smtClean="0"/>
+                <a:rPr lang="en-US" altLang="zh-CN" dirty="0"/>
                 <a:t>SHR of </a:t>
               </a:r>
             </a:p>
             <a:p>
               <a:pPr algn="ctr"/>
               <a:r>
-                <a:rPr lang="en-US" altLang="zh-CN" dirty="0" smtClean="0"/>
+                <a:rPr lang="en-US" altLang="zh-CN" dirty="0"/>
                 <a:t>accuracy</a:t>
               </a:r>
               <a:endParaRPr lang="zh-TW" altLang="en-US" dirty="0"/>
@@ -3540,14 +3540,14 @@
             <a:p>
               <a:pPr algn="ctr"/>
               <a:r>
-                <a:rPr lang="en-US" altLang="zh-CN" dirty="0" smtClean="0"/>
+                <a:rPr lang="en-US" altLang="zh-CN" dirty="0"/>
                 <a:t>SHR of </a:t>
               </a:r>
             </a:p>
             <a:p>
               <a:pPr algn="ctr"/>
               <a:r>
-                <a:rPr lang="en-US" altLang="zh-CN" dirty="0" smtClean="0"/>
+                <a:rPr lang="en-US" altLang="zh-CN" dirty="0"/>
                 <a:t>Efficiency</a:t>
               </a:r>
               <a:endParaRPr lang="zh-TW" altLang="en-US" dirty="0"/>
@@ -3583,14 +3583,14 @@
             <a:p>
               <a:pPr algn="ctr"/>
               <a:r>
-                <a:rPr lang="en-US" altLang="zh-CN" dirty="0" smtClean="0"/>
+                <a:rPr lang="en-US" altLang="zh-CN" dirty="0"/>
                 <a:t>SHR of </a:t>
               </a:r>
             </a:p>
             <a:p>
               <a:pPr algn="ctr"/>
               <a:r>
-                <a:rPr lang="en-US" altLang="zh-CN" dirty="0" smtClean="0"/>
+                <a:rPr lang="en-US" altLang="zh-CN" dirty="0"/>
                 <a:t>D-prime</a:t>
               </a:r>
               <a:endParaRPr lang="zh-TW" altLang="en-US" dirty="0"/>
@@ -3626,14 +3626,14 @@
             <a:p>
               <a:pPr algn="ctr"/>
               <a:r>
-                <a:rPr lang="en-US" altLang="zh-CN" dirty="0" smtClean="0"/>
+                <a:rPr lang="en-US" altLang="zh-CN" dirty="0"/>
                 <a:t>SHR of </a:t>
               </a:r>
             </a:p>
             <a:p>
               <a:pPr algn="ctr"/>
               <a:r>
-                <a:rPr lang="en-US" altLang="zh-CN" dirty="0" smtClean="0"/>
+                <a:rPr lang="en-US" altLang="zh-CN" dirty="0"/>
                 <a:t>ezDDM: v</a:t>
               </a:r>
               <a:endParaRPr lang="zh-TW" altLang="en-US" dirty="0"/>
@@ -3669,14 +3669,14 @@
             <a:p>
               <a:pPr algn="ctr"/>
               <a:r>
-                <a:rPr lang="en-US" altLang="zh-CN" dirty="0" smtClean="0"/>
+                <a:rPr lang="en-US" altLang="zh-CN" dirty="0"/>
                 <a:t>SHR of </a:t>
               </a:r>
             </a:p>
             <a:p>
               <a:pPr algn="ctr"/>
               <a:r>
-                <a:rPr lang="en-US" altLang="zh-CN" dirty="0" smtClean="0"/>
+                <a:rPr lang="en-US" altLang="zh-CN" dirty="0"/>
                 <a:t>ezDDM: z</a:t>
               </a:r>
               <a:endParaRPr lang="zh-TW" altLang="en-US" dirty="0"/>
@@ -3708,7 +3708,7 @@
           <a:p>
             <a:pPr algn="ctr"/>
             <a:r>
-              <a:rPr lang="en-US" altLang="zh-TW" sz="2000" b="1" dirty="0" smtClean="0"/>
+              <a:rPr lang="en-US" altLang="zh-TW" sz="2000" b="1" dirty="0"/>
               <a:t>Calculating Six Indexes</a:t>
             </a:r>
             <a:endParaRPr lang="zh-TW" altLang="en-US" sz="2000" b="1" dirty="0"/>
@@ -3757,7 +3757,7 @@
             <a:p>
               <a:pPr algn="ctr"/>
               <a:r>
-                <a:rPr lang="en-US" altLang="zh-CN" dirty="0" smtClean="0"/>
+                <a:rPr lang="en-US" altLang="zh-CN" dirty="0"/>
                 <a:t>RT</a:t>
               </a:r>
               <a:endParaRPr lang="zh-TW" altLang="en-US" dirty="0"/>
@@ -3792,7 +3792,7 @@
             <a:p>
               <a:pPr algn="ctr"/>
               <a:r>
-                <a:rPr lang="en-US" altLang="zh-CN" dirty="0" smtClean="0"/>
+                <a:rPr lang="en-US" altLang="zh-CN" dirty="0"/>
                 <a:t>accuracy</a:t>
               </a:r>
               <a:endParaRPr lang="zh-TW" altLang="en-US" dirty="0"/>
@@ -3827,7 +3827,7 @@
             <a:p>
               <a:pPr algn="ctr"/>
               <a:r>
-                <a:rPr lang="en-US" altLang="zh-CN" dirty="0" smtClean="0"/>
+                <a:rPr lang="en-US" altLang="zh-CN" dirty="0"/>
                 <a:t>D-prime</a:t>
               </a:r>
               <a:endParaRPr lang="zh-TW" altLang="en-US" dirty="0"/>
@@ -3862,7 +3862,7 @@
             <a:p>
               <a:pPr algn="ctr"/>
               <a:r>
-                <a:rPr lang="en-US" altLang="zh-CN" dirty="0" smtClean="0"/>
+                <a:rPr lang="en-US" altLang="zh-CN" dirty="0"/>
                 <a:t>Efficiency</a:t>
               </a:r>
               <a:endParaRPr lang="zh-TW" altLang="en-US" dirty="0"/>
@@ -3897,7 +3897,7 @@
             <a:p>
               <a:pPr algn="ctr"/>
               <a:r>
-                <a:rPr lang="en-US" altLang="zh-CN" dirty="0" smtClean="0"/>
+                <a:rPr lang="en-US" altLang="zh-CN" dirty="0"/>
                 <a:t>ezDDM: v</a:t>
               </a:r>
               <a:endParaRPr lang="zh-TW" altLang="en-US" dirty="0"/>
@@ -3932,7 +3932,7 @@
             <a:p>
               <a:pPr algn="ctr"/>
               <a:r>
-                <a:rPr lang="en-US" altLang="zh-CN" dirty="0" smtClean="0"/>
+                <a:rPr lang="en-US" altLang="zh-CN" dirty="0"/>
                 <a:t>ezDDM: z</a:t>
               </a:r>
               <a:endParaRPr lang="zh-TW" altLang="en-US" dirty="0"/>
@@ -3999,7 +3999,7 @@
           <a:p>
             <a:pPr algn="ctr"/>
             <a:r>
-              <a:rPr lang="en-US" altLang="zh-CN" dirty="0" smtClean="0">
+              <a:rPr lang="en-US" altLang="zh-CN" dirty="0">
                 <a:latin typeface="Times New Roman" panose="02020603050405020304" pitchFamily="18" charset="0"/>
                 <a:cs typeface="Times New Roman" panose="02020603050405020304" pitchFamily="18" charset="0"/>
               </a:rPr>
@@ -4041,7 +4041,7 @@
           <a:p>
             <a:pPr algn="ctr"/>
             <a:r>
-              <a:rPr lang="en-US" altLang="zh-CN" dirty="0" smtClean="0">
+              <a:rPr lang="en-US" altLang="zh-CN" dirty="0">
                 <a:latin typeface="Times New Roman" panose="02020603050405020304" pitchFamily="18" charset="0"/>
                 <a:cs typeface="Times New Roman" panose="02020603050405020304" pitchFamily="18" charset="0"/>
               </a:rPr>
@@ -4083,7 +4083,7 @@
           <a:p>
             <a:pPr algn="ctr"/>
             <a:r>
-              <a:rPr lang="en-US" altLang="zh-TW" dirty="0" smtClean="0">
+              <a:rPr lang="en-US" altLang="zh-TW" dirty="0">
                 <a:latin typeface="Times New Roman" panose="02020603050405020304" pitchFamily="18" charset="0"/>
                 <a:cs typeface="Times New Roman" panose="02020603050405020304" pitchFamily="18" charset="0"/>
               </a:rPr>
@@ -4125,7 +4125,7 @@
           <a:p>
             <a:pPr algn="ctr"/>
             <a:r>
-              <a:rPr lang="en-US" altLang="zh-TW" dirty="0" smtClean="0">
+              <a:rPr lang="en-US" altLang="zh-TW" dirty="0">
                 <a:latin typeface="Times New Roman" panose="02020603050405020304" pitchFamily="18" charset="0"/>
                 <a:cs typeface="Times New Roman" panose="02020603050405020304" pitchFamily="18" charset="0"/>
               </a:rPr>
@@ -4167,7 +4167,7 @@
           <a:p>
             <a:pPr algn="ctr"/>
             <a:r>
-              <a:rPr lang="en-US" altLang="zh-TW" dirty="0" smtClean="0">
+              <a:rPr lang="en-US" altLang="zh-TW" dirty="0">
                 <a:latin typeface="Times New Roman" panose="02020603050405020304" pitchFamily="18" charset="0"/>
                 <a:cs typeface="Times New Roman" panose="02020603050405020304" pitchFamily="18" charset="0"/>
               </a:rPr>
@@ -4209,7 +4209,7 @@
           <a:p>
             <a:pPr algn="ctr"/>
             <a:r>
-              <a:rPr lang="en-US" altLang="zh-TW" dirty="0" smtClean="0">
+              <a:rPr lang="en-US" altLang="zh-TW" dirty="0">
                 <a:latin typeface="Times New Roman" panose="02020603050405020304" pitchFamily="18" charset="0"/>
                 <a:cs typeface="Times New Roman" panose="02020603050405020304" pitchFamily="18" charset="0"/>
               </a:rPr>
@@ -4251,7 +4251,7 @@
           <a:p>
             <a:pPr algn="ctr"/>
             <a:r>
-              <a:rPr lang="en-US" altLang="zh-CN" dirty="0" smtClean="0">
+              <a:rPr lang="en-US" altLang="zh-CN" dirty="0">
                 <a:latin typeface="Times New Roman" panose="02020603050405020304" pitchFamily="18" charset="0"/>
                 <a:cs typeface="Times New Roman" panose="02020603050405020304" pitchFamily="18" charset="0"/>
               </a:rPr>
@@ -4266,26 +4266,13 @@
                 <a:ea typeface="Times New Roman" panose="02020603050405020304" pitchFamily="18" charset="0"/>
                 <a:cs typeface="Times New Roman" panose="02020603050405020304" pitchFamily="18" charset="0"/>
               </a:rPr>
-              <a:t>Reaction </a:t>
-            </a:r>
-            <a:r>
-              <a:rPr lang="en-US" altLang="zh-TW" sz="1400" i="1" dirty="0" smtClean="0">
-                <a:latin typeface="Times New Roman" panose="02020603050405020304" pitchFamily="18" charset="0"/>
-                <a:ea typeface="Times New Roman" panose="02020603050405020304" pitchFamily="18" charset="0"/>
-                <a:cs typeface="Times New Roman" panose="02020603050405020304" pitchFamily="18" charset="0"/>
-              </a:rPr>
-              <a:t>Time, Accuracy,</a:t>
-            </a:r>
-            <a:endParaRPr lang="en-US" altLang="zh-TW" sz="1400" i="1" dirty="0">
-              <a:latin typeface="Times New Roman" panose="02020603050405020304" pitchFamily="18" charset="0"/>
-              <a:ea typeface="Times New Roman" panose="02020603050405020304" pitchFamily="18" charset="0"/>
-              <a:cs typeface="Times New Roman" panose="02020603050405020304" pitchFamily="18" charset="0"/>
-            </a:endParaRPr>
+              <a:t>Reaction Time, Accuracy,</a:t>
+            </a:r>
           </a:p>
           <a:p>
             <a:pPr algn="ctr"/>
             <a:r>
-              <a:rPr lang="en-US" altLang="zh-CN" sz="1400" i="1" dirty="0" smtClean="0">
+              <a:rPr lang="en-US" altLang="zh-CN" sz="1400" i="1" dirty="0">
                 <a:latin typeface="Times New Roman" panose="02020603050405020304" pitchFamily="18" charset="0"/>
                 <a:ea typeface="Times New Roman" panose="02020603050405020304" pitchFamily="18" charset="0"/>
                 <a:cs typeface="Times New Roman" panose="02020603050405020304" pitchFamily="18" charset="0"/>
@@ -4293,18 +4280,13 @@
               <a:t>d</a:t>
             </a:r>
             <a:r>
-              <a:rPr lang="en-US" altLang="zh-TW" sz="1400" i="1" dirty="0" smtClean="0">
+              <a:rPr lang="en-US" altLang="zh-TW" sz="1400" i="1" dirty="0">
                 <a:latin typeface="Times New Roman" panose="02020603050405020304" pitchFamily="18" charset="0"/>
                 <a:ea typeface="Times New Roman" panose="02020603050405020304" pitchFamily="18" charset="0"/>
                 <a:cs typeface="Times New Roman" panose="02020603050405020304" pitchFamily="18" charset="0"/>
               </a:rPr>
               <a:t> Prime, Efficiency,</a:t>
             </a:r>
-            <a:endParaRPr lang="en-US" altLang="zh-TW" sz="1400" i="1" dirty="0">
-              <a:latin typeface="Times New Roman" panose="02020603050405020304" pitchFamily="18" charset="0"/>
-              <a:ea typeface="Times New Roman" panose="02020603050405020304" pitchFamily="18" charset="0"/>
-              <a:cs typeface="Times New Roman" panose="02020603050405020304" pitchFamily="18" charset="0"/>
-            </a:endParaRPr>
           </a:p>
           <a:p>
             <a:pPr algn="ctr"/>
@@ -4314,31 +4296,7 @@
                 <a:ea typeface="Times New Roman" panose="02020603050405020304" pitchFamily="18" charset="0"/>
                 <a:cs typeface="Times New Roman" panose="02020603050405020304" pitchFamily="18" charset="0"/>
               </a:rPr>
-              <a:t>Drift Rate (</a:t>
-            </a:r>
-            <a:r>
-              <a:rPr lang="en-US" altLang="zh-TW" sz="1400" i="1" dirty="0" smtClean="0">
-                <a:latin typeface="Times New Roman" panose="02020603050405020304" pitchFamily="18" charset="0"/>
-                <a:ea typeface="Times New Roman" panose="02020603050405020304" pitchFamily="18" charset="0"/>
-                <a:cs typeface="Times New Roman" panose="02020603050405020304" pitchFamily="18" charset="0"/>
-              </a:rPr>
-              <a:t>v), Starting </a:t>
-            </a:r>
-            <a:r>
-              <a:rPr lang="en-US" altLang="zh-TW" sz="1400" i="1" dirty="0">
-                <a:latin typeface="Times New Roman" panose="02020603050405020304" pitchFamily="18" charset="0"/>
-                <a:ea typeface="Times New Roman" panose="02020603050405020304" pitchFamily="18" charset="0"/>
-                <a:cs typeface="Times New Roman" panose="02020603050405020304" pitchFamily="18" charset="0"/>
-              </a:rPr>
-              <a:t>Point (z</a:t>
-            </a:r>
-            <a:r>
-              <a:rPr lang="en-US" altLang="zh-TW" sz="1400" i="1" dirty="0" smtClean="0">
-                <a:latin typeface="Times New Roman" panose="02020603050405020304" pitchFamily="18" charset="0"/>
-                <a:ea typeface="Times New Roman" panose="02020603050405020304" pitchFamily="18" charset="0"/>
-                <a:cs typeface="Times New Roman" panose="02020603050405020304" pitchFamily="18" charset="0"/>
-              </a:rPr>
-              <a:t>)</a:t>
+              <a:t>Drift Rate (v), Starting Point (z)</a:t>
             </a:r>
             <a:endParaRPr lang="zh-TW" altLang="en-US" sz="1400" i="1" dirty="0">
               <a:latin typeface="Times New Roman" panose="02020603050405020304" pitchFamily="18" charset="0"/>
@@ -4499,8 +4457,8 @@
         </p:nvSpPr>
         <p:spPr>
           <a:xfrm rot="19038097">
-            <a:off x="4070894" y="3988479"/>
-            <a:ext cx="1123014" cy="261610"/>
+            <a:off x="4062093" y="3969811"/>
+            <a:ext cx="1189417" cy="253916"/>
           </a:xfrm>
           <a:prstGeom prst="rect">
             <a:avLst/>
@@ -4517,11 +4475,11 @@
           <a:lstStyle/>
           <a:p>
             <a:r>
-              <a:rPr lang="en-US" altLang="zh-TW" sz="1050" dirty="0" smtClean="0">
+              <a:rPr lang="en-US" altLang="zh-TW" sz="1050" dirty="0">
                 <a:latin typeface="Times New Roman" panose="02020603050405020304" pitchFamily="18" charset="0"/>
                 <a:cs typeface="Times New Roman" panose="02020603050405020304" pitchFamily="18" charset="0"/>
               </a:rPr>
-              <a:t>If SALT repeated</a:t>
+              <a:t>If SPMT repeated</a:t>
             </a:r>
             <a:endParaRPr lang="zh-TW" altLang="en-US" sz="1050" dirty="0">
               <a:latin typeface="Times New Roman" panose="02020603050405020304" pitchFamily="18" charset="0"/>

--- a/1_Protocol/1_2_Planned_Analysis/1_2_2_OUTPUT/Flow_Chart.pptx
+++ b/1_Protocol/1_2_Planned_Analysis/1_2_2_OUTPUT/Flow_Chart.pptx
@@ -260,7 +260,7 @@
           <a:p>
             <a:fld id="{6E3B42F8-6E75-4811-AA9B-137B925DD217}" type="datetimeFigureOut">
               <a:rPr lang="zh-TW" altLang="en-US" smtClean="0"/>
-              <a:t>2023/6/23</a:t>
+              <a:t>2023/7/19</a:t>
             </a:fld>
             <a:endParaRPr lang="zh-TW" altLang="en-US"/>
           </a:p>
@@ -430,7 +430,7 @@
           <a:p>
             <a:fld id="{6E3B42F8-6E75-4811-AA9B-137B925DD217}" type="datetimeFigureOut">
               <a:rPr lang="zh-TW" altLang="en-US" smtClean="0"/>
-              <a:t>2023/6/23</a:t>
+              <a:t>2023/7/19</a:t>
             </a:fld>
             <a:endParaRPr lang="zh-TW" altLang="en-US"/>
           </a:p>
@@ -610,7 +610,7 @@
           <a:p>
             <a:fld id="{6E3B42F8-6E75-4811-AA9B-137B925DD217}" type="datetimeFigureOut">
               <a:rPr lang="zh-TW" altLang="en-US" smtClean="0"/>
-              <a:t>2023/6/23</a:t>
+              <a:t>2023/7/19</a:t>
             </a:fld>
             <a:endParaRPr lang="zh-TW" altLang="en-US"/>
           </a:p>
@@ -780,7 +780,7 @@
           <a:p>
             <a:fld id="{6E3B42F8-6E75-4811-AA9B-137B925DD217}" type="datetimeFigureOut">
               <a:rPr lang="zh-TW" altLang="en-US" smtClean="0"/>
-              <a:t>2023/6/23</a:t>
+              <a:t>2023/7/19</a:t>
             </a:fld>
             <a:endParaRPr lang="zh-TW" altLang="en-US"/>
           </a:p>
@@ -1026,7 +1026,7 @@
           <a:p>
             <a:fld id="{6E3B42F8-6E75-4811-AA9B-137B925DD217}" type="datetimeFigureOut">
               <a:rPr lang="zh-TW" altLang="en-US" smtClean="0"/>
-              <a:t>2023/6/23</a:t>
+              <a:t>2023/7/19</a:t>
             </a:fld>
             <a:endParaRPr lang="zh-TW" altLang="en-US"/>
           </a:p>
@@ -1258,7 +1258,7 @@
           <a:p>
             <a:fld id="{6E3B42F8-6E75-4811-AA9B-137B925DD217}" type="datetimeFigureOut">
               <a:rPr lang="zh-TW" altLang="en-US" smtClean="0"/>
-              <a:t>2023/6/23</a:t>
+              <a:t>2023/7/19</a:t>
             </a:fld>
             <a:endParaRPr lang="zh-TW" altLang="en-US"/>
           </a:p>
@@ -1625,7 +1625,7 @@
           <a:p>
             <a:fld id="{6E3B42F8-6E75-4811-AA9B-137B925DD217}" type="datetimeFigureOut">
               <a:rPr lang="zh-TW" altLang="en-US" smtClean="0"/>
-              <a:t>2023/6/23</a:t>
+              <a:t>2023/7/19</a:t>
             </a:fld>
             <a:endParaRPr lang="zh-TW" altLang="en-US"/>
           </a:p>
@@ -1743,7 +1743,7 @@
           <a:p>
             <a:fld id="{6E3B42F8-6E75-4811-AA9B-137B925DD217}" type="datetimeFigureOut">
               <a:rPr lang="zh-TW" altLang="en-US" smtClean="0"/>
-              <a:t>2023/6/23</a:t>
+              <a:t>2023/7/19</a:t>
             </a:fld>
             <a:endParaRPr lang="zh-TW" altLang="en-US"/>
           </a:p>
@@ -1838,7 +1838,7 @@
           <a:p>
             <a:fld id="{6E3B42F8-6E75-4811-AA9B-137B925DD217}" type="datetimeFigureOut">
               <a:rPr lang="zh-TW" altLang="en-US" smtClean="0"/>
-              <a:t>2023/6/23</a:t>
+              <a:t>2023/7/19</a:t>
             </a:fld>
             <a:endParaRPr lang="zh-TW" altLang="en-US"/>
           </a:p>
@@ -2115,7 +2115,7 @@
           <a:p>
             <a:fld id="{6E3B42F8-6E75-4811-AA9B-137B925DD217}" type="datetimeFigureOut">
               <a:rPr lang="zh-TW" altLang="en-US" smtClean="0"/>
-              <a:t>2023/6/23</a:t>
+              <a:t>2023/7/19</a:t>
             </a:fld>
             <a:endParaRPr lang="zh-TW" altLang="en-US"/>
           </a:p>
@@ -2368,7 +2368,7 @@
           <a:p>
             <a:fld id="{6E3B42F8-6E75-4811-AA9B-137B925DD217}" type="datetimeFigureOut">
               <a:rPr lang="zh-TW" altLang="en-US" smtClean="0"/>
-              <a:t>2023/6/23</a:t>
+              <a:t>2023/7/19</a:t>
             </a:fld>
             <a:endParaRPr lang="zh-TW" altLang="en-US"/>
           </a:p>
@@ -2581,7 +2581,7 @@
           <a:p>
             <a:fld id="{6E3B42F8-6E75-4811-AA9B-137B925DD217}" type="datetimeFigureOut">
               <a:rPr lang="zh-TW" altLang="en-US" smtClean="0"/>
-              <a:t>2023/6/23</a:t>
+              <a:t>2023/7/19</a:t>
             </a:fld>
             <a:endParaRPr lang="zh-TW" altLang="en-US"/>
           </a:p>
@@ -3978,8 +3978,8 @@
         </p:nvSpPr>
         <p:spPr>
           <a:xfrm>
-            <a:off x="5101729" y="142613"/>
-            <a:ext cx="2020205" cy="408623"/>
+            <a:off x="5101727" y="39122"/>
+            <a:ext cx="2020205" cy="374571"/>
           </a:xfrm>
           <a:prstGeom prst="roundRect">
             <a:avLst/>
@@ -3999,13 +3999,13 @@
           <a:p>
             <a:pPr algn="ctr"/>
             <a:r>
-              <a:rPr lang="en-US" altLang="zh-CN" dirty="0">
+              <a:rPr lang="en-US" altLang="zh-CN" sz="1600" dirty="0">
                 <a:latin typeface="Times New Roman" panose="02020603050405020304" pitchFamily="18" charset="0"/>
                 <a:cs typeface="Times New Roman" panose="02020603050405020304" pitchFamily="18" charset="0"/>
               </a:rPr>
               <a:t>Collect Open Data</a:t>
             </a:r>
-            <a:endParaRPr lang="zh-TW" altLang="en-US" dirty="0">
+            <a:endParaRPr lang="zh-TW" altLang="en-US" sz="1600" dirty="0">
               <a:latin typeface="Times New Roman" panose="02020603050405020304" pitchFamily="18" charset="0"/>
               <a:cs typeface="Times New Roman" panose="02020603050405020304" pitchFamily="18" charset="0"/>
             </a:endParaRPr>
@@ -4020,8 +4020,8 @@
         </p:nvSpPr>
         <p:spPr>
           <a:xfrm>
-            <a:off x="5485676" y="1296516"/>
-            <a:ext cx="1252309" cy="408623"/>
+            <a:off x="5544235" y="981203"/>
+            <a:ext cx="1135193" cy="374571"/>
           </a:xfrm>
           <a:prstGeom prst="roundRect">
             <a:avLst/>
@@ -4041,13 +4041,13 @@
           <a:p>
             <a:pPr algn="ctr"/>
             <a:r>
-              <a:rPr lang="en-US" altLang="zh-CN" dirty="0">
+              <a:rPr lang="en-US" altLang="zh-CN" sz="1600" dirty="0">
                 <a:latin typeface="Times New Roman" panose="02020603050405020304" pitchFamily="18" charset="0"/>
                 <a:cs typeface="Times New Roman" panose="02020603050405020304" pitchFamily="18" charset="0"/>
               </a:rPr>
               <a:t>Clean Data</a:t>
             </a:r>
-            <a:endParaRPr lang="zh-TW" altLang="en-US" dirty="0">
+            <a:endParaRPr lang="zh-TW" altLang="en-US" sz="1600" dirty="0">
               <a:latin typeface="Times New Roman" panose="02020603050405020304" pitchFamily="18" charset="0"/>
               <a:cs typeface="Times New Roman" panose="02020603050405020304" pitchFamily="18" charset="0"/>
             </a:endParaRPr>
@@ -4056,14 +4056,14 @@
       </p:sp>
       <p:sp>
         <p:nvSpPr>
-          <p:cNvPr id="6" name="文本框 5"/>
+          <p:cNvPr id="8" name="文本框 7"/>
           <p:cNvSpPr txBox="1"/>
           <p:nvPr/>
         </p:nvSpPr>
         <p:spPr>
           <a:xfrm>
-            <a:off x="3644692" y="4631614"/>
-            <a:ext cx="1139506" cy="715089"/>
+            <a:off x="3768801" y="6178442"/>
+            <a:ext cx="948439" cy="646986"/>
           </a:xfrm>
           <a:prstGeom prst="roundRect">
             <a:avLst/>
@@ -4083,13 +4083,23 @@
           <a:p>
             <a:pPr algn="ctr"/>
             <a:r>
-              <a:rPr lang="en-US" altLang="zh-TW" dirty="0">
+              <a:rPr lang="en-US" altLang="zh-TW" sz="1600" dirty="0">
                 <a:latin typeface="Times New Roman" panose="02020603050405020304" pitchFamily="18" charset="0"/>
                 <a:cs typeface="Times New Roman" panose="02020603050405020304" pitchFamily="18" charset="0"/>
               </a:rPr>
-              <a:t>Calculate ICC</a:t>
-            </a:r>
-            <a:endParaRPr lang="zh-TW" altLang="en-US" dirty="0">
+              <a:t>Plot</a:t>
+            </a:r>
+          </a:p>
+          <a:p>
+            <a:pPr algn="ctr"/>
+            <a:r>
+              <a:rPr lang="en-US" altLang="zh-TW" sz="1600" dirty="0">
+                <a:latin typeface="Times New Roman" panose="02020603050405020304" pitchFamily="18" charset="0"/>
+                <a:cs typeface="Times New Roman" panose="02020603050405020304" pitchFamily="18" charset="0"/>
+              </a:rPr>
+              <a:t>ICC</a:t>
+            </a:r>
+            <a:endParaRPr lang="zh-TW" altLang="en-US" sz="1600" dirty="0">
               <a:latin typeface="Times New Roman" panose="02020603050405020304" pitchFamily="18" charset="0"/>
               <a:cs typeface="Times New Roman" panose="02020603050405020304" pitchFamily="18" charset="0"/>
             </a:endParaRPr>
@@ -4098,14 +4108,14 @@
       </p:sp>
       <p:sp>
         <p:nvSpPr>
-          <p:cNvPr id="7" name="文本框 6"/>
+          <p:cNvPr id="9" name="文本框 8"/>
           <p:cNvSpPr txBox="1"/>
           <p:nvPr/>
         </p:nvSpPr>
         <p:spPr>
           <a:xfrm>
-            <a:off x="7268605" y="4616450"/>
-            <a:ext cx="1139506" cy="715089"/>
+            <a:off x="7357306" y="6187320"/>
+            <a:ext cx="1019253" cy="646986"/>
           </a:xfrm>
           <a:prstGeom prst="roundRect">
             <a:avLst/>
@@ -4125,13 +4135,23 @@
           <a:p>
             <a:pPr algn="ctr"/>
             <a:r>
-              <a:rPr lang="en-US" altLang="zh-TW" dirty="0">
+              <a:rPr lang="en-US" altLang="zh-TW" sz="1600" dirty="0">
                 <a:latin typeface="Times New Roman" panose="02020603050405020304" pitchFamily="18" charset="0"/>
                 <a:cs typeface="Times New Roman" panose="02020603050405020304" pitchFamily="18" charset="0"/>
               </a:rPr>
-              <a:t>Calculate SHR</a:t>
-            </a:r>
-            <a:endParaRPr lang="zh-TW" altLang="en-US" dirty="0">
+              <a:t>Plot </a:t>
+            </a:r>
+          </a:p>
+          <a:p>
+            <a:pPr algn="ctr"/>
+            <a:r>
+              <a:rPr lang="en-US" altLang="zh-TW" sz="1600" dirty="0">
+                <a:latin typeface="Times New Roman" panose="02020603050405020304" pitchFamily="18" charset="0"/>
+                <a:cs typeface="Times New Roman" panose="02020603050405020304" pitchFamily="18" charset="0"/>
+              </a:rPr>
+              <a:t>SHR</a:t>
+            </a:r>
+            <a:endParaRPr lang="zh-TW" altLang="en-US" sz="1600" dirty="0">
               <a:latin typeface="Times New Roman" panose="02020603050405020304" pitchFamily="18" charset="0"/>
               <a:cs typeface="Times New Roman" panose="02020603050405020304" pitchFamily="18" charset="0"/>
             </a:endParaRPr>
@@ -4140,14 +4160,14 @@
       </p:sp>
       <p:sp>
         <p:nvSpPr>
-          <p:cNvPr id="8" name="文本框 7"/>
+          <p:cNvPr id="5" name="文本框 4"/>
           <p:cNvSpPr txBox="1"/>
           <p:nvPr/>
         </p:nvSpPr>
         <p:spPr>
           <a:xfrm>
-            <a:off x="3740226" y="6112895"/>
-            <a:ext cx="948439" cy="715089"/>
+            <a:off x="4630167" y="1982998"/>
+            <a:ext cx="2958862" cy="987504"/>
           </a:xfrm>
           <a:prstGeom prst="roundRect">
             <a:avLst/>
@@ -4167,101 +4187,17 @@
           <a:p>
             <a:pPr algn="ctr"/>
             <a:r>
-              <a:rPr lang="en-US" altLang="zh-TW" dirty="0">
+              <a:rPr lang="en-US" altLang="zh-CN" sz="1600" dirty="0">
                 <a:latin typeface="Times New Roman" panose="02020603050405020304" pitchFamily="18" charset="0"/>
                 <a:cs typeface="Times New Roman" panose="02020603050405020304" pitchFamily="18" charset="0"/>
               </a:rPr>
-              <a:t>Plot ICC</a:t>
-            </a:r>
-            <a:endParaRPr lang="zh-TW" altLang="en-US" dirty="0">
-              <a:latin typeface="Times New Roman" panose="02020603050405020304" pitchFamily="18" charset="0"/>
-              <a:cs typeface="Times New Roman" panose="02020603050405020304" pitchFamily="18" charset="0"/>
-            </a:endParaRPr>
-          </a:p>
-        </p:txBody>
-      </p:sp>
-      <p:sp>
-        <p:nvSpPr>
-          <p:cNvPr id="9" name="文本框 8"/>
-          <p:cNvSpPr txBox="1"/>
-          <p:nvPr/>
-        </p:nvSpPr>
-        <p:spPr>
-          <a:xfrm>
-            <a:off x="7328731" y="6112895"/>
-            <a:ext cx="1019253" cy="715089"/>
-          </a:xfrm>
-          <a:prstGeom prst="roundRect">
-            <a:avLst/>
-          </a:prstGeom>
-          <a:noFill/>
-          <a:ln w="19050">
-            <a:solidFill>
-              <a:schemeClr val="tx1"/>
-            </a:solidFill>
-          </a:ln>
-        </p:spPr>
-        <p:txBody>
-          <a:bodyPr wrap="square" rtlCol="0">
-            <a:spAutoFit/>
-          </a:bodyPr>
-          <a:lstStyle/>
+              <a:t>Calculate 6 Outcome Variables</a:t>
+            </a:r>
+          </a:p>
           <a:p>
             <a:pPr algn="ctr"/>
             <a:r>
-              <a:rPr lang="en-US" altLang="zh-TW" dirty="0">
-                <a:latin typeface="Times New Roman" panose="02020603050405020304" pitchFamily="18" charset="0"/>
-                <a:cs typeface="Times New Roman" panose="02020603050405020304" pitchFamily="18" charset="0"/>
-              </a:rPr>
-              <a:t>Plot SHR</a:t>
-            </a:r>
-            <a:endParaRPr lang="zh-TW" altLang="en-US" dirty="0">
-              <a:latin typeface="Times New Roman" panose="02020603050405020304" pitchFamily="18" charset="0"/>
-              <a:cs typeface="Times New Roman" panose="02020603050405020304" pitchFamily="18" charset="0"/>
-            </a:endParaRPr>
-          </a:p>
-        </p:txBody>
-      </p:sp>
-      <p:sp>
-        <p:nvSpPr>
-          <p:cNvPr id="5" name="文本框 4"/>
-          <p:cNvSpPr txBox="1"/>
-          <p:nvPr/>
-        </p:nvSpPr>
-        <p:spPr>
-          <a:xfrm>
-            <a:off x="4632402" y="2483241"/>
-            <a:ext cx="2958862" cy="1123712"/>
-          </a:xfrm>
-          <a:prstGeom prst="roundRect">
-            <a:avLst/>
-          </a:prstGeom>
-          <a:noFill/>
-          <a:ln w="19050">
-            <a:solidFill>
-              <a:schemeClr val="tx1"/>
-            </a:solidFill>
-          </a:ln>
-        </p:spPr>
-        <p:txBody>
-          <a:bodyPr wrap="square" rtlCol="0">
-            <a:spAutoFit/>
-          </a:bodyPr>
-          <a:lstStyle/>
-          <a:p>
-            <a:pPr algn="ctr"/>
-            <a:r>
-              <a:rPr lang="en-US" altLang="zh-CN" dirty="0">
-                <a:latin typeface="Times New Roman" panose="02020603050405020304" pitchFamily="18" charset="0"/>
-                <a:cs typeface="Times New Roman" panose="02020603050405020304" pitchFamily="18" charset="0"/>
-              </a:rPr>
-              <a:t>Calculate 6 Indices Of SPE</a:t>
-            </a:r>
-          </a:p>
-          <a:p>
-            <a:pPr algn="ctr"/>
-            <a:r>
-              <a:rPr lang="en-US" altLang="zh-TW" sz="1400" i="1" dirty="0">
+              <a:rPr lang="en-US" altLang="zh-TW" sz="1200" i="1" dirty="0">
                 <a:latin typeface="Times New Roman" panose="02020603050405020304" pitchFamily="18" charset="0"/>
                 <a:ea typeface="Times New Roman" panose="02020603050405020304" pitchFamily="18" charset="0"/>
                 <a:cs typeface="Times New Roman" panose="02020603050405020304" pitchFamily="18" charset="0"/>
@@ -4272,7 +4208,7 @@
           <a:p>
             <a:pPr algn="ctr"/>
             <a:r>
-              <a:rPr lang="en-US" altLang="zh-CN" sz="1400" i="1" dirty="0">
+              <a:rPr lang="en-US" altLang="zh-CN" sz="1200" i="1" dirty="0">
                 <a:latin typeface="Times New Roman" panose="02020603050405020304" pitchFamily="18" charset="0"/>
                 <a:ea typeface="Times New Roman" panose="02020603050405020304" pitchFamily="18" charset="0"/>
                 <a:cs typeface="Times New Roman" panose="02020603050405020304" pitchFamily="18" charset="0"/>
@@ -4280,7 +4216,7 @@
               <a:t>d</a:t>
             </a:r>
             <a:r>
-              <a:rPr lang="en-US" altLang="zh-TW" sz="1400" i="1" dirty="0">
+              <a:rPr lang="en-US" altLang="zh-TW" sz="1200" i="1" dirty="0">
                 <a:latin typeface="Times New Roman" panose="02020603050405020304" pitchFamily="18" charset="0"/>
                 <a:ea typeface="Times New Roman" panose="02020603050405020304" pitchFamily="18" charset="0"/>
                 <a:cs typeface="Times New Roman" panose="02020603050405020304" pitchFamily="18" charset="0"/>
@@ -4291,14 +4227,14 @@
           <a:p>
             <a:pPr algn="ctr"/>
             <a:r>
-              <a:rPr lang="en-US" altLang="zh-TW" sz="1400" i="1" dirty="0">
+              <a:rPr lang="en-US" altLang="zh-TW" sz="1200" i="1" dirty="0">
                 <a:latin typeface="Times New Roman" panose="02020603050405020304" pitchFamily="18" charset="0"/>
                 <a:ea typeface="Times New Roman" panose="02020603050405020304" pitchFamily="18" charset="0"/>
                 <a:cs typeface="Times New Roman" panose="02020603050405020304" pitchFamily="18" charset="0"/>
               </a:rPr>
               <a:t>Drift Rate (v), Starting Point (z)</a:t>
             </a:r>
-            <a:endParaRPr lang="zh-TW" altLang="en-US" sz="1400" i="1" dirty="0">
+            <a:endParaRPr lang="zh-TW" altLang="en-US" sz="1200" i="1" dirty="0">
               <a:latin typeface="Times New Roman" panose="02020603050405020304" pitchFamily="18" charset="0"/>
               <a:cs typeface="Times New Roman" panose="02020603050405020304" pitchFamily="18" charset="0"/>
             </a:endParaRPr>
@@ -4313,7 +4249,7 @@
         </p:nvCxnSpPr>
         <p:spPr>
           <a:xfrm>
-            <a:off x="6105354" y="713117"/>
+            <a:off x="6105354" y="476466"/>
             <a:ext cx="0" cy="414067"/>
           </a:xfrm>
           <a:prstGeom prst="straightConnector1">
@@ -4349,7 +4285,7 @@
         </p:nvCxnSpPr>
         <p:spPr>
           <a:xfrm>
-            <a:off x="6105354" y="1874809"/>
+            <a:off x="6096000" y="1478174"/>
             <a:ext cx="0" cy="414067"/>
           </a:xfrm>
           <a:prstGeom prst="straightConnector1">
@@ -4385,7 +4321,7 @@
         </p:nvCxnSpPr>
         <p:spPr>
           <a:xfrm>
-            <a:off x="7838359" y="5534417"/>
+            <a:off x="7866934" y="5715378"/>
             <a:ext cx="0" cy="414067"/>
           </a:xfrm>
           <a:prstGeom prst="straightConnector1">
@@ -4415,88 +4351,13 @@
       </p:cxnSp>
       <p:cxnSp>
         <p:nvCxnSpPr>
-          <p:cNvPr id="21" name="直接箭头连接符 20"/>
-          <p:cNvCxnSpPr/>
-          <p:nvPr/>
-        </p:nvCxnSpPr>
-        <p:spPr>
-          <a:xfrm flipH="1">
-            <a:off x="4695337" y="4012152"/>
-            <a:ext cx="440398" cy="414067"/>
-          </a:xfrm>
-          <a:prstGeom prst="straightConnector1">
-            <a:avLst/>
-          </a:prstGeom>
-          <a:ln w="19050">
-            <a:solidFill>
-              <a:schemeClr val="tx1"/>
-            </a:solidFill>
-            <a:tailEnd type="triangle"/>
-          </a:ln>
-        </p:spPr>
-        <p:style>
-          <a:lnRef idx="1">
-            <a:schemeClr val="accent1"/>
-          </a:lnRef>
-          <a:fillRef idx="0">
-            <a:schemeClr val="accent1"/>
-          </a:fillRef>
-          <a:effectRef idx="0">
-            <a:schemeClr val="accent1"/>
-          </a:effectRef>
-          <a:fontRef idx="minor">
-            <a:schemeClr val="tx1"/>
-          </a:fontRef>
-        </p:style>
-      </p:cxnSp>
-      <p:sp>
-        <p:nvSpPr>
-          <p:cNvPr id="30" name="文本框 29"/>
-          <p:cNvSpPr txBox="1"/>
-          <p:nvPr/>
-        </p:nvSpPr>
-        <p:spPr>
-          <a:xfrm rot="19038097">
-            <a:off x="4062093" y="3969811"/>
-            <a:ext cx="1189417" cy="253916"/>
-          </a:xfrm>
-          <a:prstGeom prst="rect">
-            <a:avLst/>
-          </a:prstGeom>
-          <a:noFill/>
-          <a:ln w="19050">
-            <a:noFill/>
-          </a:ln>
-        </p:spPr>
-        <p:txBody>
-          <a:bodyPr wrap="square" rtlCol="0">
-            <a:spAutoFit/>
-          </a:bodyPr>
-          <a:lstStyle/>
-          <a:p>
-            <a:r>
-              <a:rPr lang="en-US" altLang="zh-TW" sz="1050" dirty="0">
-                <a:latin typeface="Times New Roman" panose="02020603050405020304" pitchFamily="18" charset="0"/>
-                <a:cs typeface="Times New Roman" panose="02020603050405020304" pitchFamily="18" charset="0"/>
-              </a:rPr>
-              <a:t>If SPMT repeated</a:t>
-            </a:r>
-            <a:endParaRPr lang="zh-TW" altLang="en-US" sz="1050" dirty="0">
-              <a:latin typeface="Times New Roman" panose="02020603050405020304" pitchFamily="18" charset="0"/>
-              <a:cs typeface="Times New Roman" panose="02020603050405020304" pitchFamily="18" charset="0"/>
-            </a:endParaRPr>
-          </a:p>
-        </p:txBody>
-      </p:sp>
-      <p:cxnSp>
-        <p:nvCxnSpPr>
           <p:cNvPr id="23" name="直接箭头连接符 22"/>
           <p:cNvCxnSpPr/>
           <p:nvPr/>
         </p:nvCxnSpPr>
         <p:spPr>
           <a:xfrm>
-            <a:off x="4214445" y="5550900"/>
+            <a:off x="4243020" y="5687471"/>
             <a:ext cx="0" cy="414067"/>
           </a:xfrm>
           <a:prstGeom prst="straightConnector1">
@@ -4524,16 +4385,302 @@
           </a:fontRef>
         </p:style>
       </p:cxnSp>
+      <p:sp>
+        <p:nvSpPr>
+          <p:cNvPr id="10" name="圆角矩形 3">
+            <a:extLst>
+              <a:ext uri="{FF2B5EF4-FFF2-40B4-BE49-F238E27FC236}">
+                <a16:creationId xmlns:a16="http://schemas.microsoft.com/office/drawing/2014/main" id="{981289ED-C0CE-69B1-7E09-40829F5AD45D}"/>
+              </a:ext>
+            </a:extLst>
+          </p:cNvPr>
+          <p:cNvSpPr/>
+          <p:nvPr/>
+        </p:nvSpPr>
+        <p:spPr>
+          <a:xfrm>
+            <a:off x="4956931" y="3535579"/>
+            <a:ext cx="2278136" cy="646986"/>
+          </a:xfrm>
+          <a:prstGeom prst="roundRect">
+            <a:avLst/>
+          </a:prstGeom>
+          <a:noFill/>
+          <a:ln w="19050">
+            <a:solidFill>
+              <a:schemeClr val="tx1"/>
+            </a:solidFill>
+          </a:ln>
+        </p:spPr>
+        <p:txBody>
+          <a:bodyPr wrap="none">
+            <a:spAutoFit/>
+          </a:bodyPr>
+          <a:lstStyle/>
+          <a:p>
+            <a:pPr algn="ctr"/>
+            <a:r>
+              <a:rPr lang="en-US" altLang="zh-CN" sz="1600" dirty="0">
+                <a:latin typeface="Times New Roman" panose="02020603050405020304" pitchFamily="18" charset="0"/>
+                <a:cs typeface="Times New Roman" panose="02020603050405020304" pitchFamily="18" charset="0"/>
+              </a:rPr>
+              <a:t>Calculate SPE measures </a:t>
+            </a:r>
+          </a:p>
+          <a:p>
+            <a:pPr algn="ctr"/>
+            <a:r>
+              <a:rPr lang="en-US" altLang="zh-CN" sz="1600" dirty="0">
+                <a:latin typeface="Times New Roman" panose="02020603050405020304" pitchFamily="18" charset="0"/>
+                <a:cs typeface="Times New Roman" panose="02020603050405020304" pitchFamily="18" charset="0"/>
+              </a:rPr>
+              <a:t>based on OVs</a:t>
+            </a:r>
+            <a:endParaRPr lang="zh-TW" altLang="en-US" sz="1600" dirty="0">
+              <a:latin typeface="Times New Roman" panose="02020603050405020304" pitchFamily="18" charset="0"/>
+              <a:cs typeface="Times New Roman" panose="02020603050405020304" pitchFamily="18" charset="0"/>
+            </a:endParaRPr>
+          </a:p>
+        </p:txBody>
+      </p:sp>
+      <p:grpSp>
+        <p:nvGrpSpPr>
+          <p:cNvPr id="12" name="组合 11">
+            <a:extLst>
+              <a:ext uri="{FF2B5EF4-FFF2-40B4-BE49-F238E27FC236}">
+                <a16:creationId xmlns:a16="http://schemas.microsoft.com/office/drawing/2014/main" id="{8F644112-3BC7-9FCB-0A7E-6A2ACFF681E0}"/>
+              </a:ext>
+            </a:extLst>
+          </p:cNvPr>
+          <p:cNvGrpSpPr/>
+          <p:nvPr/>
+        </p:nvGrpSpPr>
+        <p:grpSpPr>
+          <a:xfrm>
+            <a:off x="3675286" y="4362626"/>
+            <a:ext cx="4763419" cy="1293624"/>
+            <a:chOff x="3673267" y="4266187"/>
+            <a:chExt cx="4763419" cy="1293624"/>
+          </a:xfrm>
+        </p:grpSpPr>
+        <p:sp>
+          <p:nvSpPr>
+            <p:cNvPr id="7" name="文本框 6"/>
+            <p:cNvSpPr txBox="1"/>
+            <p:nvPr/>
+          </p:nvSpPr>
+          <p:spPr>
+            <a:xfrm>
+              <a:off x="7297180" y="4912825"/>
+              <a:ext cx="1139506" cy="646986"/>
+            </a:xfrm>
+            <a:prstGeom prst="roundRect">
+              <a:avLst/>
+            </a:prstGeom>
+            <a:noFill/>
+            <a:ln w="19050">
+              <a:solidFill>
+                <a:schemeClr val="tx1"/>
+              </a:solidFill>
+            </a:ln>
+          </p:spPr>
+          <p:txBody>
+            <a:bodyPr wrap="square" rtlCol="0">
+              <a:spAutoFit/>
+            </a:bodyPr>
+            <a:lstStyle/>
+            <a:p>
+              <a:pPr algn="ctr"/>
+              <a:r>
+                <a:rPr lang="en-US" altLang="zh-TW" sz="1600" dirty="0">
+                  <a:latin typeface="Times New Roman" panose="02020603050405020304" pitchFamily="18" charset="0"/>
+                  <a:cs typeface="Times New Roman" panose="02020603050405020304" pitchFamily="18" charset="0"/>
+                </a:rPr>
+                <a:t>Calculate SHR</a:t>
+              </a:r>
+              <a:endParaRPr lang="zh-TW" altLang="en-US" sz="1600" dirty="0">
+                <a:latin typeface="Times New Roman" panose="02020603050405020304" pitchFamily="18" charset="0"/>
+                <a:cs typeface="Times New Roman" panose="02020603050405020304" pitchFamily="18" charset="0"/>
+              </a:endParaRPr>
+            </a:p>
+          </p:txBody>
+        </p:sp>
+        <p:cxnSp>
+          <p:nvCxnSpPr>
+            <p:cNvPr id="21" name="直接箭头连接符 20"/>
+            <p:cNvCxnSpPr/>
+            <p:nvPr/>
+          </p:nvCxnSpPr>
+          <p:spPr>
+            <a:xfrm flipH="1">
+              <a:off x="4723912" y="4308527"/>
+              <a:ext cx="440398" cy="414067"/>
+            </a:xfrm>
+            <a:prstGeom prst="straightConnector1">
+              <a:avLst/>
+            </a:prstGeom>
+            <a:ln w="19050">
+              <a:solidFill>
+                <a:schemeClr val="tx1"/>
+              </a:solidFill>
+              <a:tailEnd type="triangle"/>
+            </a:ln>
+          </p:spPr>
+          <p:style>
+            <a:lnRef idx="1">
+              <a:schemeClr val="accent1"/>
+            </a:lnRef>
+            <a:fillRef idx="0">
+              <a:schemeClr val="accent1"/>
+            </a:fillRef>
+            <a:effectRef idx="0">
+              <a:schemeClr val="accent1"/>
+            </a:effectRef>
+            <a:fontRef idx="minor">
+              <a:schemeClr val="tx1"/>
+            </a:fontRef>
+          </p:style>
+        </p:cxnSp>
+        <p:sp>
+          <p:nvSpPr>
+            <p:cNvPr id="30" name="文本框 29"/>
+            <p:cNvSpPr txBox="1"/>
+            <p:nvPr/>
+          </p:nvSpPr>
+          <p:spPr>
+            <a:xfrm rot="19038097">
+              <a:off x="4090668" y="4266187"/>
+              <a:ext cx="1189417" cy="253916"/>
+            </a:xfrm>
+            <a:prstGeom prst="rect">
+              <a:avLst/>
+            </a:prstGeom>
+            <a:noFill/>
+            <a:ln w="19050">
+              <a:noFill/>
+            </a:ln>
+          </p:spPr>
+          <p:txBody>
+            <a:bodyPr wrap="square" rtlCol="0">
+              <a:spAutoFit/>
+            </a:bodyPr>
+            <a:lstStyle/>
+            <a:p>
+              <a:r>
+                <a:rPr lang="en-US" altLang="zh-TW" sz="1000" dirty="0">
+                  <a:latin typeface="Times New Roman" panose="02020603050405020304" pitchFamily="18" charset="0"/>
+                  <a:cs typeface="Times New Roman" panose="02020603050405020304" pitchFamily="18" charset="0"/>
+                </a:rPr>
+                <a:t>If SPMT repeated</a:t>
+              </a:r>
+              <a:endParaRPr lang="zh-TW" altLang="en-US" sz="1000" dirty="0">
+                <a:latin typeface="Times New Roman" panose="02020603050405020304" pitchFamily="18" charset="0"/>
+                <a:cs typeface="Times New Roman" panose="02020603050405020304" pitchFamily="18" charset="0"/>
+              </a:endParaRPr>
+            </a:p>
+          </p:txBody>
+        </p:sp>
+        <p:cxnSp>
+          <p:nvCxnSpPr>
+            <p:cNvPr id="16" name="直接箭头连接符 15"/>
+            <p:cNvCxnSpPr/>
+            <p:nvPr/>
+          </p:nvCxnSpPr>
+          <p:spPr>
+            <a:xfrm>
+              <a:off x="7036904" y="4307113"/>
+              <a:ext cx="520551" cy="374317"/>
+            </a:xfrm>
+            <a:prstGeom prst="straightConnector1">
+              <a:avLst/>
+            </a:prstGeom>
+            <a:ln w="19050">
+              <a:solidFill>
+                <a:schemeClr val="tx1"/>
+              </a:solidFill>
+              <a:tailEnd type="triangle"/>
+            </a:ln>
+          </p:spPr>
+          <p:style>
+            <a:lnRef idx="1">
+              <a:schemeClr val="accent1"/>
+            </a:lnRef>
+            <a:fillRef idx="0">
+              <a:schemeClr val="accent1"/>
+            </a:fillRef>
+            <a:effectRef idx="0">
+              <a:schemeClr val="accent1"/>
+            </a:effectRef>
+            <a:fontRef idx="minor">
+              <a:schemeClr val="tx1"/>
+            </a:fontRef>
+          </p:style>
+        </p:cxnSp>
+        <p:sp>
+          <p:nvSpPr>
+            <p:cNvPr id="11" name="文本框 10">
+              <a:extLst>
+                <a:ext uri="{FF2B5EF4-FFF2-40B4-BE49-F238E27FC236}">
+                  <a16:creationId xmlns:a16="http://schemas.microsoft.com/office/drawing/2014/main" id="{E2B7C293-069F-6DB5-6F3D-70BF7F9C5FA5}"/>
+                </a:ext>
+              </a:extLst>
+            </p:cNvPr>
+            <p:cNvSpPr txBox="1"/>
+            <p:nvPr/>
+          </p:nvSpPr>
+          <p:spPr>
+            <a:xfrm>
+              <a:off x="3673267" y="4870522"/>
+              <a:ext cx="1139506" cy="646986"/>
+            </a:xfrm>
+            <a:prstGeom prst="roundRect">
+              <a:avLst/>
+            </a:prstGeom>
+            <a:noFill/>
+            <a:ln w="19050">
+              <a:solidFill>
+                <a:schemeClr val="tx1"/>
+              </a:solidFill>
+            </a:ln>
+          </p:spPr>
+          <p:txBody>
+            <a:bodyPr wrap="square" rtlCol="0">
+              <a:spAutoFit/>
+            </a:bodyPr>
+            <a:lstStyle/>
+            <a:p>
+              <a:pPr algn="ctr"/>
+              <a:r>
+                <a:rPr lang="en-US" altLang="zh-TW" sz="1600" dirty="0">
+                  <a:latin typeface="Times New Roman" panose="02020603050405020304" pitchFamily="18" charset="0"/>
+                  <a:cs typeface="Times New Roman" panose="02020603050405020304" pitchFamily="18" charset="0"/>
+                </a:rPr>
+                <a:t>Calculate ICC</a:t>
+              </a:r>
+              <a:endParaRPr lang="zh-TW" altLang="en-US" sz="1600" dirty="0">
+                <a:latin typeface="Times New Roman" panose="02020603050405020304" pitchFamily="18" charset="0"/>
+                <a:cs typeface="Times New Roman" panose="02020603050405020304" pitchFamily="18" charset="0"/>
+              </a:endParaRPr>
+            </a:p>
+          </p:txBody>
+        </p:sp>
+      </p:grpSp>
       <p:cxnSp>
         <p:nvCxnSpPr>
-          <p:cNvPr id="16" name="直接箭头连接符 15"/>
+          <p:cNvPr id="13" name="直接箭头连接符 12">
+            <a:extLst>
+              <a:ext uri="{FF2B5EF4-FFF2-40B4-BE49-F238E27FC236}">
+                <a16:creationId xmlns:a16="http://schemas.microsoft.com/office/drawing/2014/main" id="{F61A3104-91FE-6CAA-F075-8BE2F64A9455}"/>
+              </a:ext>
+            </a:extLst>
+          </p:cNvPr>
           <p:cNvCxnSpPr/>
           <p:nvPr/>
         </p:nvCxnSpPr>
         <p:spPr>
           <a:xfrm>
-            <a:off x="7008329" y="4010738"/>
-            <a:ext cx="520551" cy="374317"/>
+            <a:off x="6096000" y="3026588"/>
+            <a:ext cx="0" cy="414067"/>
           </a:xfrm>
           <a:prstGeom prst="straightConnector1">
             <a:avLst/>

--- a/1_Protocol/1_2_Planned_Analysis/1_2_2_OUTPUT/Flow_Chart.pptx
+++ b/1_Protocol/1_2_Planned_Analysis/1_2_2_OUTPUT/Flow_Chart.pptx
@@ -4,6 +4,9 @@
   <p:sldMasterIdLst>
     <p:sldMasterId id="2147483648" r:id="rId1"/>
   </p:sldMasterIdLst>
+  <p:notesMasterIdLst>
+    <p:notesMasterId r:id="rId4"/>
+  </p:notesMasterIdLst>
   <p:sldIdLst>
     <p:sldId id="256" r:id="rId2"/>
     <p:sldId id="257" r:id="rId3"/>
@@ -129,6 +132,439 @@
 </p:presentation>
 </file>
 
+<file path=ppt/notesMasters/notesMaster1.xml><?xml version="1.0" encoding="utf-8"?>
+<p:notesMaster xmlns:a="http://schemas.openxmlformats.org/drawingml/2006/main" xmlns:r="http://schemas.openxmlformats.org/officeDocument/2006/relationships" xmlns:p="http://schemas.openxmlformats.org/presentationml/2006/main">
+  <p:cSld>
+    <p:bg>
+      <p:bgRef idx="1001">
+        <a:schemeClr val="bg1"/>
+      </p:bgRef>
+    </p:bg>
+    <p:spTree>
+      <p:nvGrpSpPr>
+        <p:cNvPr id="1" name=""/>
+        <p:cNvGrpSpPr/>
+        <p:nvPr/>
+      </p:nvGrpSpPr>
+      <p:grpSpPr>
+        <a:xfrm>
+          <a:off x="0" y="0"/>
+          <a:ext cx="0" cy="0"/>
+          <a:chOff x="0" y="0"/>
+          <a:chExt cx="0" cy="0"/>
+        </a:xfrm>
+      </p:grpSpPr>
+      <p:sp>
+        <p:nvSpPr>
+          <p:cNvPr id="2" name="页眉占位符 1"/>
+          <p:cNvSpPr>
+            <a:spLocks noGrp="1"/>
+          </p:cNvSpPr>
+          <p:nvPr>
+            <p:ph type="hdr" sz="quarter"/>
+          </p:nvPr>
+        </p:nvSpPr>
+        <p:spPr>
+          <a:xfrm>
+            <a:off x="0" y="0"/>
+            <a:ext cx="2971800" cy="458788"/>
+          </a:xfrm>
+          <a:prstGeom prst="rect">
+            <a:avLst/>
+          </a:prstGeom>
+        </p:spPr>
+        <p:txBody>
+          <a:bodyPr vert="horz" lIns="91440" tIns="45720" rIns="91440" bIns="45720" rtlCol="0"/>
+          <a:lstStyle>
+            <a:lvl1pPr algn="l">
+              <a:defRPr sz="1200"/>
+            </a:lvl1pPr>
+          </a:lstStyle>
+          <a:p>
+            <a:endParaRPr lang="zh-CN" altLang="en-US"/>
+          </a:p>
+        </p:txBody>
+      </p:sp>
+      <p:sp>
+        <p:nvSpPr>
+          <p:cNvPr id="3" name="日期占位符 2"/>
+          <p:cNvSpPr>
+            <a:spLocks noGrp="1"/>
+          </p:cNvSpPr>
+          <p:nvPr>
+            <p:ph type="dt" idx="1"/>
+          </p:nvPr>
+        </p:nvSpPr>
+        <p:spPr>
+          <a:xfrm>
+            <a:off x="3884613" y="0"/>
+            <a:ext cx="2971800" cy="458788"/>
+          </a:xfrm>
+          <a:prstGeom prst="rect">
+            <a:avLst/>
+          </a:prstGeom>
+        </p:spPr>
+        <p:txBody>
+          <a:bodyPr vert="horz" lIns="91440" tIns="45720" rIns="91440" bIns="45720" rtlCol="0"/>
+          <a:lstStyle>
+            <a:lvl1pPr algn="r">
+              <a:defRPr sz="1200"/>
+            </a:lvl1pPr>
+          </a:lstStyle>
+          <a:p>
+            <a:fld id="{6D1E7BF1-5C37-40DA-A35C-C8A73C85B1EE}" type="datetimeFigureOut">
+              <a:rPr lang="zh-CN" altLang="en-US" smtClean="0"/>
+              <a:t>2023/7/20</a:t>
+            </a:fld>
+            <a:endParaRPr lang="zh-CN" altLang="en-US"/>
+          </a:p>
+        </p:txBody>
+      </p:sp>
+      <p:sp>
+        <p:nvSpPr>
+          <p:cNvPr id="4" name="幻灯片图像占位符 3"/>
+          <p:cNvSpPr>
+            <a:spLocks noGrp="1" noRot="1" noChangeAspect="1"/>
+          </p:cNvSpPr>
+          <p:nvPr>
+            <p:ph type="sldImg" idx="2"/>
+          </p:nvPr>
+        </p:nvSpPr>
+        <p:spPr>
+          <a:xfrm>
+            <a:off x="685800" y="1143000"/>
+            <a:ext cx="5486400" cy="3086100"/>
+          </a:xfrm>
+          <a:prstGeom prst="rect">
+            <a:avLst/>
+          </a:prstGeom>
+          <a:noFill/>
+          <a:ln w="12700">
+            <a:solidFill>
+              <a:prstClr val="black"/>
+            </a:solidFill>
+          </a:ln>
+        </p:spPr>
+        <p:txBody>
+          <a:bodyPr vert="horz" lIns="91440" tIns="45720" rIns="91440" bIns="45720" rtlCol="0" anchor="ctr"/>
+          <a:lstStyle/>
+          <a:p>
+            <a:endParaRPr lang="zh-CN" altLang="en-US"/>
+          </a:p>
+        </p:txBody>
+      </p:sp>
+      <p:sp>
+        <p:nvSpPr>
+          <p:cNvPr id="5" name="备注占位符 4"/>
+          <p:cNvSpPr>
+            <a:spLocks noGrp="1"/>
+          </p:cNvSpPr>
+          <p:nvPr>
+            <p:ph type="body" sz="quarter" idx="3"/>
+          </p:nvPr>
+        </p:nvSpPr>
+        <p:spPr>
+          <a:xfrm>
+            <a:off x="685800" y="4400550"/>
+            <a:ext cx="5486400" cy="3600450"/>
+          </a:xfrm>
+          <a:prstGeom prst="rect">
+            <a:avLst/>
+          </a:prstGeom>
+        </p:spPr>
+        <p:txBody>
+          <a:bodyPr vert="horz" lIns="91440" tIns="45720" rIns="91440" bIns="45720" rtlCol="0"/>
+          <a:lstStyle/>
+          <a:p>
+            <a:pPr lvl="0"/>
+            <a:r>
+              <a:rPr lang="zh-CN" altLang="en-US"/>
+              <a:t>单击此处编辑母版文本样式</a:t>
+            </a:r>
+          </a:p>
+          <a:p>
+            <a:pPr lvl="1"/>
+            <a:r>
+              <a:rPr lang="zh-CN" altLang="en-US"/>
+              <a:t>二级</a:t>
+            </a:r>
+          </a:p>
+          <a:p>
+            <a:pPr lvl="2"/>
+            <a:r>
+              <a:rPr lang="zh-CN" altLang="en-US"/>
+              <a:t>三级</a:t>
+            </a:r>
+          </a:p>
+          <a:p>
+            <a:pPr lvl="3"/>
+            <a:r>
+              <a:rPr lang="zh-CN" altLang="en-US"/>
+              <a:t>四级</a:t>
+            </a:r>
+          </a:p>
+          <a:p>
+            <a:pPr lvl="4"/>
+            <a:r>
+              <a:rPr lang="zh-CN" altLang="en-US"/>
+              <a:t>五级</a:t>
+            </a:r>
+          </a:p>
+        </p:txBody>
+      </p:sp>
+      <p:sp>
+        <p:nvSpPr>
+          <p:cNvPr id="6" name="页脚占位符 5"/>
+          <p:cNvSpPr>
+            <a:spLocks noGrp="1"/>
+          </p:cNvSpPr>
+          <p:nvPr>
+            <p:ph type="ftr" sz="quarter" idx="4"/>
+          </p:nvPr>
+        </p:nvSpPr>
+        <p:spPr>
+          <a:xfrm>
+            <a:off x="0" y="8685213"/>
+            <a:ext cx="2971800" cy="458787"/>
+          </a:xfrm>
+          <a:prstGeom prst="rect">
+            <a:avLst/>
+          </a:prstGeom>
+        </p:spPr>
+        <p:txBody>
+          <a:bodyPr vert="horz" lIns="91440" tIns="45720" rIns="91440" bIns="45720" rtlCol="0" anchor="b"/>
+          <a:lstStyle>
+            <a:lvl1pPr algn="l">
+              <a:defRPr sz="1200"/>
+            </a:lvl1pPr>
+          </a:lstStyle>
+          <a:p>
+            <a:endParaRPr lang="zh-CN" altLang="en-US"/>
+          </a:p>
+        </p:txBody>
+      </p:sp>
+      <p:sp>
+        <p:nvSpPr>
+          <p:cNvPr id="7" name="灯片编号占位符 6"/>
+          <p:cNvSpPr>
+            <a:spLocks noGrp="1"/>
+          </p:cNvSpPr>
+          <p:nvPr>
+            <p:ph type="sldNum" sz="quarter" idx="5"/>
+          </p:nvPr>
+        </p:nvSpPr>
+        <p:spPr>
+          <a:xfrm>
+            <a:off x="3884613" y="8685213"/>
+            <a:ext cx="2971800" cy="458787"/>
+          </a:xfrm>
+          <a:prstGeom prst="rect">
+            <a:avLst/>
+          </a:prstGeom>
+        </p:spPr>
+        <p:txBody>
+          <a:bodyPr vert="horz" lIns="91440" tIns="45720" rIns="91440" bIns="45720" rtlCol="0" anchor="b"/>
+          <a:lstStyle>
+            <a:lvl1pPr algn="r">
+              <a:defRPr sz="1200"/>
+            </a:lvl1pPr>
+          </a:lstStyle>
+          <a:p>
+            <a:fld id="{21434C06-EBD8-4458-A2C5-E8CF0354291F}" type="slidenum">
+              <a:rPr lang="zh-CN" altLang="en-US" smtClean="0"/>
+              <a:t>‹#›</a:t>
+            </a:fld>
+            <a:endParaRPr lang="zh-CN" altLang="en-US"/>
+          </a:p>
+        </p:txBody>
+      </p:sp>
+    </p:spTree>
+    <p:extLst>
+      <p:ext uri="{BB962C8B-B14F-4D97-AF65-F5344CB8AC3E}">
+        <p14:creationId xmlns:p14="http://schemas.microsoft.com/office/powerpoint/2010/main" val="75320866"/>
+      </p:ext>
+    </p:extLst>
+  </p:cSld>
+  <p:clrMap bg1="lt1" tx1="dk1" bg2="lt2" tx2="dk2" accent1="accent1" accent2="accent2" accent3="accent3" accent4="accent4" accent5="accent5" accent6="accent6" hlink="hlink" folHlink="folHlink"/>
+  <p:notesStyle>
+    <a:lvl1pPr marL="0" algn="l" defTabSz="914400" rtl="0" eaLnBrk="1" latinLnBrk="0" hangingPunct="1">
+      <a:defRPr sz="1200" kern="1200">
+        <a:solidFill>
+          <a:schemeClr val="tx1"/>
+        </a:solidFill>
+        <a:latin typeface="+mn-lt"/>
+        <a:ea typeface="+mn-ea"/>
+        <a:cs typeface="+mn-cs"/>
+      </a:defRPr>
+    </a:lvl1pPr>
+    <a:lvl2pPr marL="457200" algn="l" defTabSz="914400" rtl="0" eaLnBrk="1" latinLnBrk="0" hangingPunct="1">
+      <a:defRPr sz="1200" kern="1200">
+        <a:solidFill>
+          <a:schemeClr val="tx1"/>
+        </a:solidFill>
+        <a:latin typeface="+mn-lt"/>
+        <a:ea typeface="+mn-ea"/>
+        <a:cs typeface="+mn-cs"/>
+      </a:defRPr>
+    </a:lvl2pPr>
+    <a:lvl3pPr marL="914400" algn="l" defTabSz="914400" rtl="0" eaLnBrk="1" latinLnBrk="0" hangingPunct="1">
+      <a:defRPr sz="1200" kern="1200">
+        <a:solidFill>
+          <a:schemeClr val="tx1"/>
+        </a:solidFill>
+        <a:latin typeface="+mn-lt"/>
+        <a:ea typeface="+mn-ea"/>
+        <a:cs typeface="+mn-cs"/>
+      </a:defRPr>
+    </a:lvl3pPr>
+    <a:lvl4pPr marL="1371600" algn="l" defTabSz="914400" rtl="0" eaLnBrk="1" latinLnBrk="0" hangingPunct="1">
+      <a:defRPr sz="1200" kern="1200">
+        <a:solidFill>
+          <a:schemeClr val="tx1"/>
+        </a:solidFill>
+        <a:latin typeface="+mn-lt"/>
+        <a:ea typeface="+mn-ea"/>
+        <a:cs typeface="+mn-cs"/>
+      </a:defRPr>
+    </a:lvl4pPr>
+    <a:lvl5pPr marL="1828800" algn="l" defTabSz="914400" rtl="0" eaLnBrk="1" latinLnBrk="0" hangingPunct="1">
+      <a:defRPr sz="1200" kern="1200">
+        <a:solidFill>
+          <a:schemeClr val="tx1"/>
+        </a:solidFill>
+        <a:latin typeface="+mn-lt"/>
+        <a:ea typeface="+mn-ea"/>
+        <a:cs typeface="+mn-cs"/>
+      </a:defRPr>
+    </a:lvl5pPr>
+    <a:lvl6pPr marL="2286000" algn="l" defTabSz="914400" rtl="0" eaLnBrk="1" latinLnBrk="0" hangingPunct="1">
+      <a:defRPr sz="1200" kern="1200">
+        <a:solidFill>
+          <a:schemeClr val="tx1"/>
+        </a:solidFill>
+        <a:latin typeface="+mn-lt"/>
+        <a:ea typeface="+mn-ea"/>
+        <a:cs typeface="+mn-cs"/>
+      </a:defRPr>
+    </a:lvl6pPr>
+    <a:lvl7pPr marL="2743200" algn="l" defTabSz="914400" rtl="0" eaLnBrk="1" latinLnBrk="0" hangingPunct="1">
+      <a:defRPr sz="1200" kern="1200">
+        <a:solidFill>
+          <a:schemeClr val="tx1"/>
+        </a:solidFill>
+        <a:latin typeface="+mn-lt"/>
+        <a:ea typeface="+mn-ea"/>
+        <a:cs typeface="+mn-cs"/>
+      </a:defRPr>
+    </a:lvl7pPr>
+    <a:lvl8pPr marL="3200400" algn="l" defTabSz="914400" rtl="0" eaLnBrk="1" latinLnBrk="0" hangingPunct="1">
+      <a:defRPr sz="1200" kern="1200">
+        <a:solidFill>
+          <a:schemeClr val="tx1"/>
+        </a:solidFill>
+        <a:latin typeface="+mn-lt"/>
+        <a:ea typeface="+mn-ea"/>
+        <a:cs typeface="+mn-cs"/>
+      </a:defRPr>
+    </a:lvl8pPr>
+    <a:lvl9pPr marL="3657600" algn="l" defTabSz="914400" rtl="0" eaLnBrk="1" latinLnBrk="0" hangingPunct="1">
+      <a:defRPr sz="1200" kern="1200">
+        <a:solidFill>
+          <a:schemeClr val="tx1"/>
+        </a:solidFill>
+        <a:latin typeface="+mn-lt"/>
+        <a:ea typeface="+mn-ea"/>
+        <a:cs typeface="+mn-cs"/>
+      </a:defRPr>
+    </a:lvl9pPr>
+  </p:notesStyle>
+</p:notesMaster>
+</file>
+
+<file path=ppt/notesSlides/notesSlide1.xml><?xml version="1.0" encoding="utf-8"?>
+<p:notes xmlns:a="http://schemas.openxmlformats.org/drawingml/2006/main" xmlns:r="http://schemas.openxmlformats.org/officeDocument/2006/relationships" xmlns:p="http://schemas.openxmlformats.org/presentationml/2006/main">
+  <p:cSld>
+    <p:spTree>
+      <p:nvGrpSpPr>
+        <p:cNvPr id="1" name=""/>
+        <p:cNvGrpSpPr/>
+        <p:nvPr/>
+      </p:nvGrpSpPr>
+      <p:grpSpPr>
+        <a:xfrm>
+          <a:off x="0" y="0"/>
+          <a:ext cx="0" cy="0"/>
+          <a:chOff x="0" y="0"/>
+          <a:chExt cx="0" cy="0"/>
+        </a:xfrm>
+      </p:grpSpPr>
+      <p:sp>
+        <p:nvSpPr>
+          <p:cNvPr id="2" name="幻灯片图像占位符 1"/>
+          <p:cNvSpPr>
+            <a:spLocks noGrp="1" noRot="1" noChangeAspect="1"/>
+          </p:cNvSpPr>
+          <p:nvPr>
+            <p:ph type="sldImg"/>
+          </p:nvPr>
+        </p:nvSpPr>
+        <p:spPr/>
+      </p:sp>
+      <p:sp>
+        <p:nvSpPr>
+          <p:cNvPr id="3" name="备注占位符 2"/>
+          <p:cNvSpPr>
+            <a:spLocks noGrp="1"/>
+          </p:cNvSpPr>
+          <p:nvPr>
+            <p:ph type="body" idx="1"/>
+          </p:nvPr>
+        </p:nvSpPr>
+        <p:spPr/>
+        <p:txBody>
+          <a:bodyPr/>
+          <a:lstStyle/>
+          <a:p>
+            <a:endParaRPr lang="zh-CN" altLang="en-US" dirty="0"/>
+          </a:p>
+        </p:txBody>
+      </p:sp>
+      <p:sp>
+        <p:nvSpPr>
+          <p:cNvPr id="4" name="灯片编号占位符 3"/>
+          <p:cNvSpPr>
+            <a:spLocks noGrp="1"/>
+          </p:cNvSpPr>
+          <p:nvPr>
+            <p:ph type="sldNum" sz="quarter" idx="5"/>
+          </p:nvPr>
+        </p:nvSpPr>
+        <p:spPr/>
+        <p:txBody>
+          <a:bodyPr/>
+          <a:lstStyle/>
+          <a:p>
+            <a:fld id="{21434C06-EBD8-4458-A2C5-E8CF0354291F}" type="slidenum">
+              <a:rPr lang="zh-CN" altLang="en-US" smtClean="0"/>
+              <a:t>2</a:t>
+            </a:fld>
+            <a:endParaRPr lang="zh-CN" altLang="en-US"/>
+          </a:p>
+        </p:txBody>
+      </p:sp>
+    </p:spTree>
+    <p:extLst>
+      <p:ext uri="{BB962C8B-B14F-4D97-AF65-F5344CB8AC3E}">
+        <p14:creationId xmlns:p14="http://schemas.microsoft.com/office/powerpoint/2010/main" val="2679165528"/>
+      </p:ext>
+    </p:extLst>
+  </p:cSld>
+  <p:clrMapOvr>
+    <a:masterClrMapping/>
+  </p:clrMapOvr>
+</p:notes>
+</file>
+
 <file path=ppt/slideLayouts/slideLayout1.xml><?xml version="1.0" encoding="utf-8"?>
 <p:sldLayout xmlns:a="http://schemas.openxmlformats.org/drawingml/2006/main" xmlns:r="http://schemas.openxmlformats.org/officeDocument/2006/relationships" xmlns:p="http://schemas.openxmlformats.org/presentationml/2006/main" type="title" preserve="1">
   <p:cSld name="标题幻灯片">
@@ -260,7 +696,7 @@
           <a:p>
             <a:fld id="{6E3B42F8-6E75-4811-AA9B-137B925DD217}" type="datetimeFigureOut">
               <a:rPr lang="zh-TW" altLang="en-US" smtClean="0"/>
-              <a:t>2023/7/19</a:t>
+              <a:t>2023/7/20</a:t>
             </a:fld>
             <a:endParaRPr lang="zh-TW" altLang="en-US"/>
           </a:p>
@@ -430,7 +866,7 @@
           <a:p>
             <a:fld id="{6E3B42F8-6E75-4811-AA9B-137B925DD217}" type="datetimeFigureOut">
               <a:rPr lang="zh-TW" altLang="en-US" smtClean="0"/>
-              <a:t>2023/7/19</a:t>
+              <a:t>2023/7/20</a:t>
             </a:fld>
             <a:endParaRPr lang="zh-TW" altLang="en-US"/>
           </a:p>
@@ -610,7 +1046,7 @@
           <a:p>
             <a:fld id="{6E3B42F8-6E75-4811-AA9B-137B925DD217}" type="datetimeFigureOut">
               <a:rPr lang="zh-TW" altLang="en-US" smtClean="0"/>
-              <a:t>2023/7/19</a:t>
+              <a:t>2023/7/20</a:t>
             </a:fld>
             <a:endParaRPr lang="zh-TW" altLang="en-US"/>
           </a:p>
@@ -780,7 +1216,7 @@
           <a:p>
             <a:fld id="{6E3B42F8-6E75-4811-AA9B-137B925DD217}" type="datetimeFigureOut">
               <a:rPr lang="zh-TW" altLang="en-US" smtClean="0"/>
-              <a:t>2023/7/19</a:t>
+              <a:t>2023/7/20</a:t>
             </a:fld>
             <a:endParaRPr lang="zh-TW" altLang="en-US"/>
           </a:p>
@@ -1026,7 +1462,7 @@
           <a:p>
             <a:fld id="{6E3B42F8-6E75-4811-AA9B-137B925DD217}" type="datetimeFigureOut">
               <a:rPr lang="zh-TW" altLang="en-US" smtClean="0"/>
-              <a:t>2023/7/19</a:t>
+              <a:t>2023/7/20</a:t>
             </a:fld>
             <a:endParaRPr lang="zh-TW" altLang="en-US"/>
           </a:p>
@@ -1258,7 +1694,7 @@
           <a:p>
             <a:fld id="{6E3B42F8-6E75-4811-AA9B-137B925DD217}" type="datetimeFigureOut">
               <a:rPr lang="zh-TW" altLang="en-US" smtClean="0"/>
-              <a:t>2023/7/19</a:t>
+              <a:t>2023/7/20</a:t>
             </a:fld>
             <a:endParaRPr lang="zh-TW" altLang="en-US"/>
           </a:p>
@@ -1625,7 +2061,7 @@
           <a:p>
             <a:fld id="{6E3B42F8-6E75-4811-AA9B-137B925DD217}" type="datetimeFigureOut">
               <a:rPr lang="zh-TW" altLang="en-US" smtClean="0"/>
-              <a:t>2023/7/19</a:t>
+              <a:t>2023/7/20</a:t>
             </a:fld>
             <a:endParaRPr lang="zh-TW" altLang="en-US"/>
           </a:p>
@@ -1743,7 +2179,7 @@
           <a:p>
             <a:fld id="{6E3B42F8-6E75-4811-AA9B-137B925DD217}" type="datetimeFigureOut">
               <a:rPr lang="zh-TW" altLang="en-US" smtClean="0"/>
-              <a:t>2023/7/19</a:t>
+              <a:t>2023/7/20</a:t>
             </a:fld>
             <a:endParaRPr lang="zh-TW" altLang="en-US"/>
           </a:p>
@@ -1838,7 +2274,7 @@
           <a:p>
             <a:fld id="{6E3B42F8-6E75-4811-AA9B-137B925DD217}" type="datetimeFigureOut">
               <a:rPr lang="zh-TW" altLang="en-US" smtClean="0"/>
-              <a:t>2023/7/19</a:t>
+              <a:t>2023/7/20</a:t>
             </a:fld>
             <a:endParaRPr lang="zh-TW" altLang="en-US"/>
           </a:p>
@@ -2115,7 +2551,7 @@
           <a:p>
             <a:fld id="{6E3B42F8-6E75-4811-AA9B-137B925DD217}" type="datetimeFigureOut">
               <a:rPr lang="zh-TW" altLang="en-US" smtClean="0"/>
-              <a:t>2023/7/19</a:t>
+              <a:t>2023/7/20</a:t>
             </a:fld>
             <a:endParaRPr lang="zh-TW" altLang="en-US"/>
           </a:p>
@@ -2368,7 +2804,7 @@
           <a:p>
             <a:fld id="{6E3B42F8-6E75-4811-AA9B-137B925DD217}" type="datetimeFigureOut">
               <a:rPr lang="zh-TW" altLang="en-US" smtClean="0"/>
-              <a:t>2023/7/19</a:t>
+              <a:t>2023/7/20</a:t>
             </a:fld>
             <a:endParaRPr lang="zh-TW" altLang="en-US"/>
           </a:p>
@@ -2581,7 +3017,7 @@
           <a:p>
             <a:fld id="{6E3B42F8-6E75-4811-AA9B-137B925DD217}" type="datetimeFigureOut">
               <a:rPr lang="zh-TW" altLang="en-US" smtClean="0"/>
-              <a:t>2023/7/19</a:t>
+              <a:t>2023/7/20</a:t>
             </a:fld>
             <a:endParaRPr lang="zh-TW" altLang="en-US"/>
           </a:p>
@@ -3979,7 +4415,7 @@
         <p:spPr>
           <a:xfrm>
             <a:off x="5101727" y="39122"/>
-            <a:ext cx="2020205" cy="374571"/>
+            <a:ext cx="2020205" cy="408623"/>
           </a:xfrm>
           <a:prstGeom prst="roundRect">
             <a:avLst/>
@@ -3999,13 +4435,13 @@
           <a:p>
             <a:pPr algn="ctr"/>
             <a:r>
-              <a:rPr lang="en-US" altLang="zh-CN" sz="1600" dirty="0">
+              <a:rPr lang="en-US" altLang="zh-CN" dirty="0">
                 <a:latin typeface="Times New Roman" panose="02020603050405020304" pitchFamily="18" charset="0"/>
                 <a:cs typeface="Times New Roman" panose="02020603050405020304" pitchFamily="18" charset="0"/>
               </a:rPr>
               <a:t>Collect Open Data</a:t>
             </a:r>
-            <a:endParaRPr lang="zh-TW" altLang="en-US" sz="1600" dirty="0">
+            <a:endParaRPr lang="zh-TW" altLang="en-US" dirty="0">
               <a:latin typeface="Times New Roman" panose="02020603050405020304" pitchFamily="18" charset="0"/>
               <a:cs typeface="Times New Roman" panose="02020603050405020304" pitchFamily="18" charset="0"/>
             </a:endParaRPr>
@@ -4020,8 +4456,8 @@
         </p:nvSpPr>
         <p:spPr>
           <a:xfrm>
-            <a:off x="5544235" y="981203"/>
-            <a:ext cx="1135193" cy="374571"/>
+            <a:off x="5485677" y="981203"/>
+            <a:ext cx="1252309" cy="408623"/>
           </a:xfrm>
           <a:prstGeom prst="roundRect">
             <a:avLst/>
@@ -4041,13 +4477,13 @@
           <a:p>
             <a:pPr algn="ctr"/>
             <a:r>
-              <a:rPr lang="en-US" altLang="zh-CN" sz="1600" dirty="0">
+              <a:rPr lang="en-US" altLang="zh-CN" dirty="0">
                 <a:latin typeface="Times New Roman" panose="02020603050405020304" pitchFamily="18" charset="0"/>
                 <a:cs typeface="Times New Roman" panose="02020603050405020304" pitchFamily="18" charset="0"/>
               </a:rPr>
               <a:t>Clean Data</a:t>
             </a:r>
-            <a:endParaRPr lang="zh-TW" altLang="en-US" sz="1600" dirty="0">
+            <a:endParaRPr lang="zh-TW" altLang="en-US" dirty="0">
               <a:latin typeface="Times New Roman" panose="02020603050405020304" pitchFamily="18" charset="0"/>
               <a:cs typeface="Times New Roman" panose="02020603050405020304" pitchFamily="18" charset="0"/>
             </a:endParaRPr>
@@ -4056,14 +4492,14 @@
       </p:sp>
       <p:sp>
         <p:nvSpPr>
-          <p:cNvPr id="8" name="文本框 7"/>
+          <p:cNvPr id="5" name="文本框 4"/>
           <p:cNvSpPr txBox="1"/>
           <p:nvPr/>
         </p:nvSpPr>
         <p:spPr>
           <a:xfrm>
-            <a:off x="3768801" y="6178442"/>
-            <a:ext cx="948439" cy="646986"/>
+            <a:off x="4518977" y="1961022"/>
+            <a:ext cx="3185703" cy="646986"/>
           </a:xfrm>
           <a:prstGeom prst="roundRect">
             <a:avLst/>
@@ -4083,111 +4519,7 @@
           <a:p>
             <a:pPr algn="ctr"/>
             <a:r>
-              <a:rPr lang="en-US" altLang="zh-TW" sz="1600" dirty="0">
-                <a:latin typeface="Times New Roman" panose="02020603050405020304" pitchFamily="18" charset="0"/>
-                <a:cs typeface="Times New Roman" panose="02020603050405020304" pitchFamily="18" charset="0"/>
-              </a:rPr>
-              <a:t>Plot</a:t>
-            </a:r>
-          </a:p>
-          <a:p>
-            <a:pPr algn="ctr"/>
-            <a:r>
-              <a:rPr lang="en-US" altLang="zh-TW" sz="1600" dirty="0">
-                <a:latin typeface="Times New Roman" panose="02020603050405020304" pitchFamily="18" charset="0"/>
-                <a:cs typeface="Times New Roman" panose="02020603050405020304" pitchFamily="18" charset="0"/>
-              </a:rPr>
-              <a:t>ICC</a:t>
-            </a:r>
-            <a:endParaRPr lang="zh-TW" altLang="en-US" sz="1600" dirty="0">
-              <a:latin typeface="Times New Roman" panose="02020603050405020304" pitchFamily="18" charset="0"/>
-              <a:cs typeface="Times New Roman" panose="02020603050405020304" pitchFamily="18" charset="0"/>
-            </a:endParaRPr>
-          </a:p>
-        </p:txBody>
-      </p:sp>
-      <p:sp>
-        <p:nvSpPr>
-          <p:cNvPr id="9" name="文本框 8"/>
-          <p:cNvSpPr txBox="1"/>
-          <p:nvPr/>
-        </p:nvSpPr>
-        <p:spPr>
-          <a:xfrm>
-            <a:off x="7357306" y="6187320"/>
-            <a:ext cx="1019253" cy="646986"/>
-          </a:xfrm>
-          <a:prstGeom prst="roundRect">
-            <a:avLst/>
-          </a:prstGeom>
-          <a:noFill/>
-          <a:ln w="19050">
-            <a:solidFill>
-              <a:schemeClr val="tx1"/>
-            </a:solidFill>
-          </a:ln>
-        </p:spPr>
-        <p:txBody>
-          <a:bodyPr wrap="square" rtlCol="0">
-            <a:spAutoFit/>
-          </a:bodyPr>
-          <a:lstStyle/>
-          <a:p>
-            <a:pPr algn="ctr"/>
-            <a:r>
-              <a:rPr lang="en-US" altLang="zh-TW" sz="1600" dirty="0">
-                <a:latin typeface="Times New Roman" panose="02020603050405020304" pitchFamily="18" charset="0"/>
-                <a:cs typeface="Times New Roman" panose="02020603050405020304" pitchFamily="18" charset="0"/>
-              </a:rPr>
-              <a:t>Plot </a:t>
-            </a:r>
-          </a:p>
-          <a:p>
-            <a:pPr algn="ctr"/>
-            <a:r>
-              <a:rPr lang="en-US" altLang="zh-TW" sz="1600" dirty="0">
-                <a:latin typeface="Times New Roman" panose="02020603050405020304" pitchFamily="18" charset="0"/>
-                <a:cs typeface="Times New Roman" panose="02020603050405020304" pitchFamily="18" charset="0"/>
-              </a:rPr>
-              <a:t>SHR</a:t>
-            </a:r>
-            <a:endParaRPr lang="zh-TW" altLang="en-US" sz="1600" dirty="0">
-              <a:latin typeface="Times New Roman" panose="02020603050405020304" pitchFamily="18" charset="0"/>
-              <a:cs typeface="Times New Roman" panose="02020603050405020304" pitchFamily="18" charset="0"/>
-            </a:endParaRPr>
-          </a:p>
-        </p:txBody>
-      </p:sp>
-      <p:sp>
-        <p:nvSpPr>
-          <p:cNvPr id="5" name="文本框 4"/>
-          <p:cNvSpPr txBox="1"/>
-          <p:nvPr/>
-        </p:nvSpPr>
-        <p:spPr>
-          <a:xfrm>
-            <a:off x="4630167" y="1982998"/>
-            <a:ext cx="2958862" cy="987504"/>
-          </a:xfrm>
-          <a:prstGeom prst="roundRect">
-            <a:avLst/>
-          </a:prstGeom>
-          <a:noFill/>
-          <a:ln w="19050">
-            <a:solidFill>
-              <a:schemeClr val="tx1"/>
-            </a:solidFill>
-          </a:ln>
-        </p:spPr>
-        <p:txBody>
-          <a:bodyPr wrap="square" rtlCol="0">
-            <a:spAutoFit/>
-          </a:bodyPr>
-          <a:lstStyle/>
-          <a:p>
-            <a:pPr algn="ctr"/>
-            <a:r>
-              <a:rPr lang="en-US" altLang="zh-CN" sz="1600" dirty="0">
+              <a:rPr lang="en-US" altLang="zh-CN" dirty="0">
                 <a:latin typeface="Times New Roman" panose="02020603050405020304" pitchFamily="18" charset="0"/>
                 <a:cs typeface="Times New Roman" panose="02020603050405020304" pitchFamily="18" charset="0"/>
               </a:rPr>
@@ -4197,44 +4529,46 @@
           <a:p>
             <a:pPr algn="ctr"/>
             <a:r>
-              <a:rPr lang="en-US" altLang="zh-TW" sz="1200" i="1" dirty="0">
+              <a:rPr lang="en-US" altLang="zh-TW" sz="1400" i="1" dirty="0">
                 <a:latin typeface="Times New Roman" panose="02020603050405020304" pitchFamily="18" charset="0"/>
                 <a:ea typeface="Times New Roman" panose="02020603050405020304" pitchFamily="18" charset="0"/>
                 <a:cs typeface="Times New Roman" panose="02020603050405020304" pitchFamily="18" charset="0"/>
               </a:rPr>
-              <a:t>Reaction Time, Accuracy,</a:t>
-            </a:r>
-          </a:p>
-          <a:p>
-            <a:pPr algn="ctr"/>
-            <a:r>
-              <a:rPr lang="en-US" altLang="zh-CN" sz="1200" i="1" dirty="0">
+              <a:t>RT, ACC, </a:t>
+            </a:r>
+            <a:r>
+              <a:rPr lang="en-US" altLang="zh-CN" sz="1400" i="1" dirty="0">
                 <a:latin typeface="Times New Roman" panose="02020603050405020304" pitchFamily="18" charset="0"/>
                 <a:ea typeface="Times New Roman" panose="02020603050405020304" pitchFamily="18" charset="0"/>
                 <a:cs typeface="Times New Roman" panose="02020603050405020304" pitchFamily="18" charset="0"/>
               </a:rPr>
-              <a:t>d</a:t>
-            </a:r>
-            <a:r>
-              <a:rPr lang="en-US" altLang="zh-TW" sz="1200" i="1" dirty="0">
+              <a:t>d’</a:t>
+            </a:r>
+            <a:r>
+              <a:rPr lang="en-US" altLang="zh-TW" sz="1400" i="1" dirty="0">
                 <a:latin typeface="Times New Roman" panose="02020603050405020304" pitchFamily="18" charset="0"/>
                 <a:ea typeface="Times New Roman" panose="02020603050405020304" pitchFamily="18" charset="0"/>
                 <a:cs typeface="Times New Roman" panose="02020603050405020304" pitchFamily="18" charset="0"/>
               </a:rPr>
-              <a:t> Prime, Efficiency,</a:t>
-            </a:r>
-          </a:p>
-          <a:p>
-            <a:pPr algn="ctr"/>
-            <a:r>
-              <a:rPr lang="en-US" altLang="zh-TW" sz="1200" i="1" dirty="0">
+              <a:t>, </a:t>
+            </a:r>
+            <a:r>
+              <a:rPr lang="en-US" altLang="zh-CN" sz="1400" i="1" dirty="0">
                 <a:latin typeface="Times New Roman" panose="02020603050405020304" pitchFamily="18" charset="0"/>
                 <a:ea typeface="Times New Roman" panose="02020603050405020304" pitchFamily="18" charset="0"/>
                 <a:cs typeface="Times New Roman" panose="02020603050405020304" pitchFamily="18" charset="0"/>
               </a:rPr>
-              <a:t>Drift Rate (v), Starting Point (z)</a:t>
-            </a:r>
-            <a:endParaRPr lang="zh-TW" altLang="en-US" sz="1200" i="1" dirty="0">
+              <a:t>η</a:t>
+            </a:r>
+            <a:r>
+              <a:rPr lang="en-US" altLang="zh-TW" sz="1400" i="1" dirty="0">
+                <a:latin typeface="Times New Roman" panose="02020603050405020304" pitchFamily="18" charset="0"/>
+                <a:ea typeface="Times New Roman" panose="02020603050405020304" pitchFamily="18" charset="0"/>
+                <a:cs typeface="Times New Roman" panose="02020603050405020304" pitchFamily="18" charset="0"/>
+              </a:rPr>
+              <a:t>, v, z</a:t>
+            </a:r>
+            <a:endParaRPr lang="zh-TW" altLang="en-US" sz="1400" i="1" dirty="0">
               <a:latin typeface="Times New Roman" panose="02020603050405020304" pitchFamily="18" charset="0"/>
               <a:cs typeface="Times New Roman" panose="02020603050405020304" pitchFamily="18" charset="0"/>
             </a:endParaRPr>
@@ -4313,142 +4647,12 @@
           </a:fontRef>
         </p:style>
       </p:cxnSp>
-      <p:cxnSp>
-        <p:nvCxnSpPr>
-          <p:cNvPr id="20" name="直接箭头连接符 19"/>
-          <p:cNvCxnSpPr/>
-          <p:nvPr/>
-        </p:nvCxnSpPr>
-        <p:spPr>
-          <a:xfrm>
-            <a:off x="7866934" y="5715378"/>
-            <a:ext cx="0" cy="414067"/>
-          </a:xfrm>
-          <a:prstGeom prst="straightConnector1">
-            <a:avLst/>
-          </a:prstGeom>
-          <a:ln w="19050">
-            <a:solidFill>
-              <a:schemeClr val="tx1"/>
-            </a:solidFill>
-            <a:tailEnd type="triangle"/>
-          </a:ln>
-        </p:spPr>
-        <p:style>
-          <a:lnRef idx="1">
-            <a:schemeClr val="accent1"/>
-          </a:lnRef>
-          <a:fillRef idx="0">
-            <a:schemeClr val="accent1"/>
-          </a:fillRef>
-          <a:effectRef idx="0">
-            <a:schemeClr val="accent1"/>
-          </a:effectRef>
-          <a:fontRef idx="minor">
-            <a:schemeClr val="tx1"/>
-          </a:fontRef>
-        </p:style>
-      </p:cxnSp>
-      <p:cxnSp>
-        <p:nvCxnSpPr>
-          <p:cNvPr id="23" name="直接箭头连接符 22"/>
-          <p:cNvCxnSpPr/>
-          <p:nvPr/>
-        </p:nvCxnSpPr>
-        <p:spPr>
-          <a:xfrm>
-            <a:off x="4243020" y="5687471"/>
-            <a:ext cx="0" cy="414067"/>
-          </a:xfrm>
-          <a:prstGeom prst="straightConnector1">
-            <a:avLst/>
-          </a:prstGeom>
-          <a:ln w="19050">
-            <a:solidFill>
-              <a:schemeClr val="tx1"/>
-            </a:solidFill>
-            <a:tailEnd type="triangle"/>
-          </a:ln>
-        </p:spPr>
-        <p:style>
-          <a:lnRef idx="1">
-            <a:schemeClr val="accent1"/>
-          </a:lnRef>
-          <a:fillRef idx="0">
-            <a:schemeClr val="accent1"/>
-          </a:fillRef>
-          <a:effectRef idx="0">
-            <a:schemeClr val="accent1"/>
-          </a:effectRef>
-          <a:fontRef idx="minor">
-            <a:schemeClr val="tx1"/>
-          </a:fontRef>
-        </p:style>
-      </p:cxnSp>
-      <p:sp>
-        <p:nvSpPr>
-          <p:cNvPr id="10" name="圆角矩形 3">
+      <p:grpSp>
+        <p:nvGrpSpPr>
+          <p:cNvPr id="6" name="组合 5">
             <a:extLst>
               <a:ext uri="{FF2B5EF4-FFF2-40B4-BE49-F238E27FC236}">
-                <a16:creationId xmlns:a16="http://schemas.microsoft.com/office/drawing/2014/main" id="{981289ED-C0CE-69B1-7E09-40829F5AD45D}"/>
-              </a:ext>
-            </a:extLst>
-          </p:cNvPr>
-          <p:cNvSpPr/>
-          <p:nvPr/>
-        </p:nvSpPr>
-        <p:spPr>
-          <a:xfrm>
-            <a:off x="4956931" y="3535579"/>
-            <a:ext cx="2278136" cy="646986"/>
-          </a:xfrm>
-          <a:prstGeom prst="roundRect">
-            <a:avLst/>
-          </a:prstGeom>
-          <a:noFill/>
-          <a:ln w="19050">
-            <a:solidFill>
-              <a:schemeClr val="tx1"/>
-            </a:solidFill>
-          </a:ln>
-        </p:spPr>
-        <p:txBody>
-          <a:bodyPr wrap="none">
-            <a:spAutoFit/>
-          </a:bodyPr>
-          <a:lstStyle/>
-          <a:p>
-            <a:pPr algn="ctr"/>
-            <a:r>
-              <a:rPr lang="en-US" altLang="zh-CN" sz="1600" dirty="0">
-                <a:latin typeface="Times New Roman" panose="02020603050405020304" pitchFamily="18" charset="0"/>
-                <a:cs typeface="Times New Roman" panose="02020603050405020304" pitchFamily="18" charset="0"/>
-              </a:rPr>
-              <a:t>Calculate SPE measures </a:t>
-            </a:r>
-          </a:p>
-          <a:p>
-            <a:pPr algn="ctr"/>
-            <a:r>
-              <a:rPr lang="en-US" altLang="zh-CN" sz="1600" dirty="0">
-                <a:latin typeface="Times New Roman" panose="02020603050405020304" pitchFamily="18" charset="0"/>
-                <a:cs typeface="Times New Roman" panose="02020603050405020304" pitchFamily="18" charset="0"/>
-              </a:rPr>
-              <a:t>based on OVs</a:t>
-            </a:r>
-            <a:endParaRPr lang="zh-TW" altLang="en-US" sz="1600" dirty="0">
-              <a:latin typeface="Times New Roman" panose="02020603050405020304" pitchFamily="18" charset="0"/>
-              <a:cs typeface="Times New Roman" panose="02020603050405020304" pitchFamily="18" charset="0"/>
-            </a:endParaRPr>
-          </a:p>
-        </p:txBody>
-      </p:sp>
-      <p:grpSp>
-        <p:nvGrpSpPr>
-          <p:cNvPr id="12" name="组合 11">
-            <a:extLst>
-              <a:ext uri="{FF2B5EF4-FFF2-40B4-BE49-F238E27FC236}">
-                <a16:creationId xmlns:a16="http://schemas.microsoft.com/office/drawing/2014/main" id="{8F644112-3BC7-9FCB-0A7E-6A2ACFF681E0}"/>
+                <a16:creationId xmlns:a16="http://schemas.microsoft.com/office/drawing/2014/main" id="{AF6E2109-2116-D593-F3A5-97350F740359}"/>
               </a:ext>
             </a:extLst>
           </p:cNvPr>
@@ -4457,22 +4661,22 @@
         </p:nvGrpSpPr>
         <p:grpSpPr>
           <a:xfrm>
-            <a:off x="3675286" y="4362626"/>
-            <a:ext cx="4763419" cy="1293624"/>
-            <a:chOff x="3673267" y="4266187"/>
-            <a:chExt cx="4763419" cy="1293624"/>
+            <a:off x="7357306" y="5635476"/>
+            <a:ext cx="1019253" cy="1187031"/>
+            <a:chOff x="7357306" y="5715378"/>
+            <a:chExt cx="1019253" cy="1187031"/>
           </a:xfrm>
         </p:grpSpPr>
         <p:sp>
           <p:nvSpPr>
-            <p:cNvPr id="7" name="文本框 6"/>
+            <p:cNvPr id="9" name="文本框 8"/>
             <p:cNvSpPr txBox="1"/>
             <p:nvPr/>
           </p:nvSpPr>
           <p:spPr>
             <a:xfrm>
-              <a:off x="7297180" y="4912825"/>
-              <a:ext cx="1139506" cy="646986"/>
+              <a:off x="7357306" y="6187320"/>
+              <a:ext cx="1019253" cy="715089"/>
             </a:xfrm>
             <a:prstGeom prst="roundRect">
               <a:avLst/>
@@ -4492,13 +4696,289 @@
             <a:p>
               <a:pPr algn="ctr"/>
               <a:r>
-                <a:rPr lang="en-US" altLang="zh-TW" sz="1600" dirty="0">
+                <a:rPr lang="en-US" altLang="zh-TW" dirty="0">
+                  <a:latin typeface="Times New Roman" panose="02020603050405020304" pitchFamily="18" charset="0"/>
+                  <a:cs typeface="Times New Roman" panose="02020603050405020304" pitchFamily="18" charset="0"/>
+                </a:rPr>
+                <a:t>Plot </a:t>
+              </a:r>
+            </a:p>
+            <a:p>
+              <a:pPr algn="ctr"/>
+              <a:r>
+                <a:rPr lang="en-US" altLang="zh-TW" dirty="0">
+                  <a:latin typeface="Times New Roman" panose="02020603050405020304" pitchFamily="18" charset="0"/>
+                  <a:cs typeface="Times New Roman" panose="02020603050405020304" pitchFamily="18" charset="0"/>
+                </a:rPr>
+                <a:t>SHR</a:t>
+              </a:r>
+              <a:endParaRPr lang="zh-TW" altLang="en-US" dirty="0">
+                <a:latin typeface="Times New Roman" panose="02020603050405020304" pitchFamily="18" charset="0"/>
+                <a:cs typeface="Times New Roman" panose="02020603050405020304" pitchFamily="18" charset="0"/>
+              </a:endParaRPr>
+            </a:p>
+          </p:txBody>
+        </p:sp>
+        <p:cxnSp>
+          <p:nvCxnSpPr>
+            <p:cNvPr id="20" name="直接箭头连接符 19"/>
+            <p:cNvCxnSpPr/>
+            <p:nvPr/>
+          </p:nvCxnSpPr>
+          <p:spPr>
+            <a:xfrm>
+              <a:off x="7866934" y="5715378"/>
+              <a:ext cx="0" cy="414067"/>
+            </a:xfrm>
+            <a:prstGeom prst="straightConnector1">
+              <a:avLst/>
+            </a:prstGeom>
+            <a:ln w="19050">
+              <a:solidFill>
+                <a:schemeClr val="tx1"/>
+              </a:solidFill>
+              <a:tailEnd type="triangle"/>
+            </a:ln>
+          </p:spPr>
+          <p:style>
+            <a:lnRef idx="1">
+              <a:schemeClr val="accent1"/>
+            </a:lnRef>
+            <a:fillRef idx="0">
+              <a:schemeClr val="accent1"/>
+            </a:fillRef>
+            <a:effectRef idx="0">
+              <a:schemeClr val="accent1"/>
+            </a:effectRef>
+            <a:fontRef idx="minor">
+              <a:schemeClr val="tx1"/>
+            </a:fontRef>
+          </p:style>
+        </p:cxnSp>
+      </p:grpSp>
+      <p:grpSp>
+        <p:nvGrpSpPr>
+          <p:cNvPr id="3" name="组合 2">
+            <a:extLst>
+              <a:ext uri="{FF2B5EF4-FFF2-40B4-BE49-F238E27FC236}">
+                <a16:creationId xmlns:a16="http://schemas.microsoft.com/office/drawing/2014/main" id="{E5B083B6-C003-D814-6F3C-7A2A07CAE378}"/>
+              </a:ext>
+            </a:extLst>
+          </p:cNvPr>
+          <p:cNvGrpSpPr/>
+          <p:nvPr/>
+        </p:nvGrpSpPr>
+        <p:grpSpPr>
+          <a:xfrm>
+            <a:off x="3768801" y="5625325"/>
+            <a:ext cx="948439" cy="1206060"/>
+            <a:chOff x="3768801" y="5687471"/>
+            <a:chExt cx="948439" cy="1206060"/>
+          </a:xfrm>
+        </p:grpSpPr>
+        <p:sp>
+          <p:nvSpPr>
+            <p:cNvPr id="8" name="文本框 7"/>
+            <p:cNvSpPr txBox="1"/>
+            <p:nvPr/>
+          </p:nvSpPr>
+          <p:spPr>
+            <a:xfrm>
+              <a:off x="3768801" y="6178442"/>
+              <a:ext cx="948439" cy="715089"/>
+            </a:xfrm>
+            <a:prstGeom prst="roundRect">
+              <a:avLst/>
+            </a:prstGeom>
+            <a:noFill/>
+            <a:ln w="19050">
+              <a:solidFill>
+                <a:schemeClr val="tx1"/>
+              </a:solidFill>
+            </a:ln>
+          </p:spPr>
+          <p:txBody>
+            <a:bodyPr wrap="square" rtlCol="0">
+              <a:spAutoFit/>
+            </a:bodyPr>
+            <a:lstStyle/>
+            <a:p>
+              <a:pPr algn="ctr"/>
+              <a:r>
+                <a:rPr lang="en-US" altLang="zh-TW" dirty="0">
+                  <a:latin typeface="Times New Roman" panose="02020603050405020304" pitchFamily="18" charset="0"/>
+                  <a:cs typeface="Times New Roman" panose="02020603050405020304" pitchFamily="18" charset="0"/>
+                </a:rPr>
+                <a:t>Plot</a:t>
+              </a:r>
+            </a:p>
+            <a:p>
+              <a:pPr algn="ctr"/>
+              <a:r>
+                <a:rPr lang="en-US" altLang="zh-TW" dirty="0">
+                  <a:latin typeface="Times New Roman" panose="02020603050405020304" pitchFamily="18" charset="0"/>
+                  <a:cs typeface="Times New Roman" panose="02020603050405020304" pitchFamily="18" charset="0"/>
+                </a:rPr>
+                <a:t>ICC</a:t>
+              </a:r>
+              <a:endParaRPr lang="zh-TW" altLang="en-US" dirty="0">
+                <a:latin typeface="Times New Roman" panose="02020603050405020304" pitchFamily="18" charset="0"/>
+                <a:cs typeface="Times New Roman" panose="02020603050405020304" pitchFamily="18" charset="0"/>
+              </a:endParaRPr>
+            </a:p>
+          </p:txBody>
+        </p:sp>
+        <p:cxnSp>
+          <p:nvCxnSpPr>
+            <p:cNvPr id="23" name="直接箭头连接符 22"/>
+            <p:cNvCxnSpPr/>
+            <p:nvPr/>
+          </p:nvCxnSpPr>
+          <p:spPr>
+            <a:xfrm>
+              <a:off x="4243020" y="5687471"/>
+              <a:ext cx="0" cy="414067"/>
+            </a:xfrm>
+            <a:prstGeom prst="straightConnector1">
+              <a:avLst/>
+            </a:prstGeom>
+            <a:ln w="19050">
+              <a:solidFill>
+                <a:schemeClr val="tx1"/>
+              </a:solidFill>
+              <a:tailEnd type="triangle"/>
+            </a:ln>
+          </p:spPr>
+          <p:style>
+            <a:lnRef idx="1">
+              <a:schemeClr val="accent1"/>
+            </a:lnRef>
+            <a:fillRef idx="0">
+              <a:schemeClr val="accent1"/>
+            </a:fillRef>
+            <a:effectRef idx="0">
+              <a:schemeClr val="accent1"/>
+            </a:effectRef>
+            <a:fontRef idx="minor">
+              <a:schemeClr val="tx1"/>
+            </a:fontRef>
+          </p:style>
+        </p:cxnSp>
+      </p:grpSp>
+      <p:sp>
+        <p:nvSpPr>
+          <p:cNvPr id="10" name="圆角矩形 3">
+            <a:extLst>
+              <a:ext uri="{FF2B5EF4-FFF2-40B4-BE49-F238E27FC236}">
+                <a16:creationId xmlns:a16="http://schemas.microsoft.com/office/drawing/2014/main" id="{981289ED-C0CE-69B1-7E09-40829F5AD45D}"/>
+              </a:ext>
+            </a:extLst>
+          </p:cNvPr>
+          <p:cNvSpPr/>
+          <p:nvPr/>
+        </p:nvSpPr>
+        <p:spPr>
+          <a:xfrm>
+            <a:off x="4844492" y="3170703"/>
+            <a:ext cx="2534674" cy="715089"/>
+          </a:xfrm>
+          <a:prstGeom prst="roundRect">
+            <a:avLst/>
+          </a:prstGeom>
+          <a:noFill/>
+          <a:ln w="19050">
+            <a:solidFill>
+              <a:schemeClr val="tx1"/>
+            </a:solidFill>
+          </a:ln>
+        </p:spPr>
+        <p:txBody>
+          <a:bodyPr wrap="none">
+            <a:spAutoFit/>
+          </a:bodyPr>
+          <a:lstStyle/>
+          <a:p>
+            <a:pPr algn="ctr"/>
+            <a:r>
+              <a:rPr lang="en-US" altLang="zh-CN" dirty="0">
+                <a:latin typeface="Times New Roman" panose="02020603050405020304" pitchFamily="18" charset="0"/>
+                <a:cs typeface="Times New Roman" panose="02020603050405020304" pitchFamily="18" charset="0"/>
+              </a:rPr>
+              <a:t>Calculate SPE measures </a:t>
+            </a:r>
+          </a:p>
+          <a:p>
+            <a:pPr algn="ctr"/>
+            <a:r>
+              <a:rPr lang="en-US" altLang="zh-CN" dirty="0">
+                <a:latin typeface="Times New Roman" panose="02020603050405020304" pitchFamily="18" charset="0"/>
+                <a:cs typeface="Times New Roman" panose="02020603050405020304" pitchFamily="18" charset="0"/>
+              </a:rPr>
+              <a:t>based on OVs</a:t>
+            </a:r>
+            <a:endParaRPr lang="zh-TW" altLang="en-US" dirty="0">
+              <a:latin typeface="Times New Roman" panose="02020603050405020304" pitchFamily="18" charset="0"/>
+              <a:cs typeface="Times New Roman" panose="02020603050405020304" pitchFamily="18" charset="0"/>
+            </a:endParaRPr>
+          </a:p>
+        </p:txBody>
+      </p:sp>
+      <p:grpSp>
+        <p:nvGrpSpPr>
+          <p:cNvPr id="12" name="组合 11">
+            <a:extLst>
+              <a:ext uri="{FF2B5EF4-FFF2-40B4-BE49-F238E27FC236}">
+                <a16:creationId xmlns:a16="http://schemas.microsoft.com/office/drawing/2014/main" id="{8F644112-3BC7-9FCB-0A7E-6A2ACFF681E0}"/>
+              </a:ext>
+            </a:extLst>
+          </p:cNvPr>
+          <p:cNvGrpSpPr/>
+          <p:nvPr/>
+        </p:nvGrpSpPr>
+        <p:grpSpPr>
+          <a:xfrm>
+            <a:off x="3675286" y="4176188"/>
+            <a:ext cx="4763419" cy="1361727"/>
+            <a:chOff x="3673267" y="4266187"/>
+            <a:chExt cx="4763419" cy="1361727"/>
+          </a:xfrm>
+        </p:grpSpPr>
+        <p:sp>
+          <p:nvSpPr>
+            <p:cNvPr id="7" name="文本框 6"/>
+            <p:cNvSpPr txBox="1"/>
+            <p:nvPr/>
+          </p:nvSpPr>
+          <p:spPr>
+            <a:xfrm>
+              <a:off x="7297180" y="4912825"/>
+              <a:ext cx="1139506" cy="715089"/>
+            </a:xfrm>
+            <a:prstGeom prst="roundRect">
+              <a:avLst/>
+            </a:prstGeom>
+            <a:noFill/>
+            <a:ln w="19050">
+              <a:solidFill>
+                <a:schemeClr val="tx1"/>
+              </a:solidFill>
+            </a:ln>
+          </p:spPr>
+          <p:txBody>
+            <a:bodyPr wrap="square" rtlCol="0">
+              <a:spAutoFit/>
+            </a:bodyPr>
+            <a:lstStyle/>
+            <a:p>
+              <a:pPr algn="ctr"/>
+              <a:r>
+                <a:rPr lang="en-US" altLang="zh-TW" dirty="0">
                   <a:latin typeface="Times New Roman" panose="02020603050405020304" pitchFamily="18" charset="0"/>
                   <a:cs typeface="Times New Roman" panose="02020603050405020304" pitchFamily="18" charset="0"/>
                 </a:rPr>
                 <a:t>Calculate SHR</a:t>
               </a:r>
-              <a:endParaRPr lang="zh-TW" altLang="en-US" sz="1600" dirty="0">
+              <a:endParaRPr lang="zh-TW" altLang="en-US" dirty="0">
                 <a:latin typeface="Times New Roman" panose="02020603050405020304" pitchFamily="18" charset="0"/>
                 <a:cs typeface="Times New Roman" panose="02020603050405020304" pitchFamily="18" charset="0"/>
               </a:endParaRPr>
@@ -4567,13 +5047,13 @@
             <a:lstStyle/>
             <a:p>
               <a:r>
-                <a:rPr lang="en-US" altLang="zh-TW" sz="1000" dirty="0">
+                <a:rPr lang="en-US" altLang="zh-TW" sz="1050" dirty="0">
                   <a:latin typeface="Times New Roman" panose="02020603050405020304" pitchFamily="18" charset="0"/>
                   <a:cs typeface="Times New Roman" panose="02020603050405020304" pitchFamily="18" charset="0"/>
                 </a:rPr>
                 <a:t>If SPMT repeated</a:t>
               </a:r>
-              <a:endParaRPr lang="zh-TW" altLang="en-US" sz="1000" dirty="0">
+              <a:endParaRPr lang="zh-TW" altLang="en-US" sz="1050" dirty="0">
                 <a:latin typeface="Times New Roman" panose="02020603050405020304" pitchFamily="18" charset="0"/>
                 <a:cs typeface="Times New Roman" panose="02020603050405020304" pitchFamily="18" charset="0"/>
               </a:endParaRPr>
@@ -4631,7 +5111,7 @@
           <p:spPr>
             <a:xfrm>
               <a:off x="3673267" y="4870522"/>
-              <a:ext cx="1139506" cy="646986"/>
+              <a:ext cx="1139506" cy="715089"/>
             </a:xfrm>
             <a:prstGeom prst="roundRect">
               <a:avLst/>
@@ -4651,13 +5131,13 @@
             <a:p>
               <a:pPr algn="ctr"/>
               <a:r>
-                <a:rPr lang="en-US" altLang="zh-TW" sz="1600" dirty="0">
+                <a:rPr lang="en-US" altLang="zh-TW" dirty="0">
                   <a:latin typeface="Times New Roman" panose="02020603050405020304" pitchFamily="18" charset="0"/>
                   <a:cs typeface="Times New Roman" panose="02020603050405020304" pitchFamily="18" charset="0"/>
                 </a:rPr>
                 <a:t>Calculate ICC</a:t>
               </a:r>
-              <a:endParaRPr lang="zh-TW" altLang="en-US" sz="1600" dirty="0">
+              <a:endParaRPr lang="zh-TW" altLang="en-US" dirty="0">
                 <a:latin typeface="Times New Roman" panose="02020603050405020304" pitchFamily="18" charset="0"/>
                 <a:cs typeface="Times New Roman" panose="02020603050405020304" pitchFamily="18" charset="0"/>
               </a:endParaRPr>
@@ -4679,7 +5159,7 @@
         </p:nvCxnSpPr>
         <p:spPr>
           <a:xfrm>
-            <a:off x="6096000" y="3026588"/>
+            <a:off x="6096000" y="2680354"/>
             <a:ext cx="0" cy="414067"/>
           </a:xfrm>
           <a:prstGeom prst="straightConnector1">
@@ -4979,4 +5459,299 @@
     </a:ext>
   </a:extLst>
 </a:theme>
+</file>
+
+<file path=ppt/theme/theme2.xml><?xml version="1.0" encoding="utf-8"?>
+<a:theme xmlns:a="http://schemas.openxmlformats.org/drawingml/2006/main" name="Office 主题​​">
+  <a:themeElements>
+    <a:clrScheme name="Office">
+      <a:dk1>
+        <a:sysClr val="windowText" lastClr="000000"/>
+      </a:dk1>
+      <a:lt1>
+        <a:sysClr val="window" lastClr="FFFFFF"/>
+      </a:lt1>
+      <a:dk2>
+        <a:srgbClr val="44546A"/>
+      </a:dk2>
+      <a:lt2>
+        <a:srgbClr val="E7E6E6"/>
+      </a:lt2>
+      <a:accent1>
+        <a:srgbClr val="4472C4"/>
+      </a:accent1>
+      <a:accent2>
+        <a:srgbClr val="ED7D31"/>
+      </a:accent2>
+      <a:accent3>
+        <a:srgbClr val="A5A5A5"/>
+      </a:accent3>
+      <a:accent4>
+        <a:srgbClr val="FFC000"/>
+      </a:accent4>
+      <a:accent5>
+        <a:srgbClr val="5B9BD5"/>
+      </a:accent5>
+      <a:accent6>
+        <a:srgbClr val="70AD47"/>
+      </a:accent6>
+      <a:hlink>
+        <a:srgbClr val="0563C1"/>
+      </a:hlink>
+      <a:folHlink>
+        <a:srgbClr val="954F72"/>
+      </a:folHlink>
+    </a:clrScheme>
+    <a:fontScheme name="Office">
+      <a:majorFont>
+        <a:latin typeface="等线 Light" panose="020F0302020204030204"/>
+        <a:ea typeface=""/>
+        <a:cs typeface=""/>
+        <a:font script="Jpan" typeface="游ゴシック Light"/>
+        <a:font script="Hang" typeface="맑은 고딕"/>
+        <a:font script="Hans" typeface="等线 Light"/>
+        <a:font script="Hant" typeface="新細明體"/>
+        <a:font script="Arab" typeface="Times New Roman"/>
+        <a:font script="Hebr" typeface="Times New Roman"/>
+        <a:font script="Thai" typeface="Angsana New"/>
+        <a:font script="Ethi" typeface="Nyala"/>
+        <a:font script="Beng" typeface="Vrinda"/>
+        <a:font script="Gujr" typeface="Shruti"/>
+        <a:font script="Khmr" typeface="MoolBoran"/>
+        <a:font script="Knda" typeface="Tunga"/>
+        <a:font script="Guru" typeface="Raavi"/>
+        <a:font script="Cans" typeface="Euphemia"/>
+        <a:font script="Cher" typeface="Plantagenet Cherokee"/>
+        <a:font script="Yiii" typeface="Microsoft Yi Baiti"/>
+        <a:font script="Tibt" typeface="Microsoft Himalaya"/>
+        <a:font script="Thaa" typeface="MV Boli"/>
+        <a:font script="Deva" typeface="Mangal"/>
+        <a:font script="Telu" typeface="Gautami"/>
+        <a:font script="Taml" typeface="Latha"/>
+        <a:font script="Syrc" typeface="Estrangelo Edessa"/>
+        <a:font script="Orya" typeface="Kalinga"/>
+        <a:font script="Mlym" typeface="Kartika"/>
+        <a:font script="Laoo" typeface="DokChampa"/>
+        <a:font script="Sinh" typeface="Iskoola Pota"/>
+        <a:font script="Mong" typeface="Mongolian Baiti"/>
+        <a:font script="Viet" typeface="Times New Roman"/>
+        <a:font script="Uigh" typeface="Microsoft Uighur"/>
+        <a:font script="Geor" typeface="Sylfaen"/>
+        <a:font script="Armn" typeface="Arial"/>
+        <a:font script="Bugi" typeface="Leelawadee UI"/>
+        <a:font script="Bopo" typeface="Microsoft JhengHei"/>
+        <a:font script="Java" typeface="Javanese Text"/>
+        <a:font script="Lisu" typeface="Segoe UI"/>
+        <a:font script="Mymr" typeface="Myanmar Text"/>
+        <a:font script="Nkoo" typeface="Ebrima"/>
+        <a:font script="Olck" typeface="Nirmala UI"/>
+        <a:font script="Osma" typeface="Ebrima"/>
+        <a:font script="Phag" typeface="Phagspa"/>
+        <a:font script="Syrn" typeface="Estrangelo Edessa"/>
+        <a:font script="Syrj" typeface="Estrangelo Edessa"/>
+        <a:font script="Syre" typeface="Estrangelo Edessa"/>
+        <a:font script="Sora" typeface="Nirmala UI"/>
+        <a:font script="Tale" typeface="Microsoft Tai Le"/>
+        <a:font script="Talu" typeface="Microsoft New Tai Lue"/>
+        <a:font script="Tfng" typeface="Ebrima"/>
+      </a:majorFont>
+      <a:minorFont>
+        <a:latin typeface="等线" panose="020F0502020204030204"/>
+        <a:ea typeface=""/>
+        <a:cs typeface=""/>
+        <a:font script="Jpan" typeface="游ゴシック"/>
+        <a:font script="Hang" typeface="맑은 고딕"/>
+        <a:font script="Hans" typeface="等线"/>
+        <a:font script="Hant" typeface="新細明體"/>
+        <a:font script="Arab" typeface="Arial"/>
+        <a:font script="Hebr" typeface="Arial"/>
+        <a:font script="Thai" typeface="Cordia New"/>
+        <a:font script="Ethi" typeface="Nyala"/>
+        <a:font script="Beng" typeface="Vrinda"/>
+        <a:font script="Gujr" typeface="Shruti"/>
+        <a:font script="Khmr" typeface="DaunPenh"/>
+        <a:font script="Knda" typeface="Tunga"/>
+        <a:font script="Guru" typeface="Raavi"/>
+        <a:font script="Cans" typeface="Euphemia"/>
+        <a:font script="Cher" typeface="Plantagenet Cherokee"/>
+        <a:font script="Yiii" typeface="Microsoft Yi Baiti"/>
+        <a:font script="Tibt" typeface="Microsoft Himalaya"/>
+        <a:font script="Thaa" typeface="MV Boli"/>
+        <a:font script="Deva" typeface="Mangal"/>
+        <a:font script="Telu" typeface="Gautami"/>
+        <a:font script="Taml" typeface="Latha"/>
+        <a:font script="Syrc" typeface="Estrangelo Edessa"/>
+        <a:font script="Orya" typeface="Kalinga"/>
+        <a:font script="Mlym" typeface="Kartika"/>
+        <a:font script="Laoo" typeface="DokChampa"/>
+        <a:font script="Sinh" typeface="Iskoola Pota"/>
+        <a:font script="Mong" typeface="Mongolian Baiti"/>
+        <a:font script="Viet" typeface="Arial"/>
+        <a:font script="Uigh" typeface="Microsoft Uighur"/>
+        <a:font script="Geor" typeface="Sylfaen"/>
+        <a:font script="Armn" typeface="Arial"/>
+        <a:font script="Bugi" typeface="Leelawadee UI"/>
+        <a:font script="Bopo" typeface="Microsoft JhengHei"/>
+        <a:font script="Java" typeface="Javanese Text"/>
+        <a:font script="Lisu" typeface="Segoe UI"/>
+        <a:font script="Mymr" typeface="Myanmar Text"/>
+        <a:font script="Nkoo" typeface="Ebrima"/>
+        <a:font script="Olck" typeface="Nirmala UI"/>
+        <a:font script="Osma" typeface="Ebrima"/>
+        <a:font script="Phag" typeface="Phagspa"/>
+        <a:font script="Syrn" typeface="Estrangelo Edessa"/>
+        <a:font script="Syrj" typeface="Estrangelo Edessa"/>
+        <a:font script="Syre" typeface="Estrangelo Edessa"/>
+        <a:font script="Sora" typeface="Nirmala UI"/>
+        <a:font script="Tale" typeface="Microsoft Tai Le"/>
+        <a:font script="Talu" typeface="Microsoft New Tai Lue"/>
+        <a:font script="Tfng" typeface="Ebrima"/>
+      </a:minorFont>
+    </a:fontScheme>
+    <a:fmtScheme name="Office">
+      <a:fillStyleLst>
+        <a:solidFill>
+          <a:schemeClr val="phClr"/>
+        </a:solidFill>
+        <a:gradFill rotWithShape="1">
+          <a:gsLst>
+            <a:gs pos="0">
+              <a:schemeClr val="phClr">
+                <a:lumMod val="110000"/>
+                <a:satMod val="105000"/>
+                <a:tint val="67000"/>
+              </a:schemeClr>
+            </a:gs>
+            <a:gs pos="50000">
+              <a:schemeClr val="phClr">
+                <a:lumMod val="105000"/>
+                <a:satMod val="103000"/>
+                <a:tint val="73000"/>
+              </a:schemeClr>
+            </a:gs>
+            <a:gs pos="100000">
+              <a:schemeClr val="phClr">
+                <a:lumMod val="105000"/>
+                <a:satMod val="109000"/>
+                <a:tint val="81000"/>
+              </a:schemeClr>
+            </a:gs>
+          </a:gsLst>
+          <a:lin ang="5400000" scaled="0"/>
+        </a:gradFill>
+        <a:gradFill rotWithShape="1">
+          <a:gsLst>
+            <a:gs pos="0">
+              <a:schemeClr val="phClr">
+                <a:satMod val="103000"/>
+                <a:lumMod val="102000"/>
+                <a:tint val="94000"/>
+              </a:schemeClr>
+            </a:gs>
+            <a:gs pos="50000">
+              <a:schemeClr val="phClr">
+                <a:satMod val="110000"/>
+                <a:lumMod val="100000"/>
+                <a:shade val="100000"/>
+              </a:schemeClr>
+            </a:gs>
+            <a:gs pos="100000">
+              <a:schemeClr val="phClr">
+                <a:lumMod val="99000"/>
+                <a:satMod val="120000"/>
+                <a:shade val="78000"/>
+              </a:schemeClr>
+            </a:gs>
+          </a:gsLst>
+          <a:lin ang="5400000" scaled="0"/>
+        </a:gradFill>
+      </a:fillStyleLst>
+      <a:lnStyleLst>
+        <a:ln w="6350" cap="flat" cmpd="sng" algn="ctr">
+          <a:solidFill>
+            <a:schemeClr val="phClr"/>
+          </a:solidFill>
+          <a:prstDash val="solid"/>
+          <a:miter lim="800000"/>
+        </a:ln>
+        <a:ln w="12700" cap="flat" cmpd="sng" algn="ctr">
+          <a:solidFill>
+            <a:schemeClr val="phClr"/>
+          </a:solidFill>
+          <a:prstDash val="solid"/>
+          <a:miter lim="800000"/>
+        </a:ln>
+        <a:ln w="19050" cap="flat" cmpd="sng" algn="ctr">
+          <a:solidFill>
+            <a:schemeClr val="phClr"/>
+          </a:solidFill>
+          <a:prstDash val="solid"/>
+          <a:miter lim="800000"/>
+        </a:ln>
+      </a:lnStyleLst>
+      <a:effectStyleLst>
+        <a:effectStyle>
+          <a:effectLst/>
+        </a:effectStyle>
+        <a:effectStyle>
+          <a:effectLst/>
+        </a:effectStyle>
+        <a:effectStyle>
+          <a:effectLst>
+            <a:outerShdw blurRad="57150" dist="19050" dir="5400000" algn="ctr" rotWithShape="0">
+              <a:srgbClr val="000000">
+                <a:alpha val="63000"/>
+              </a:srgbClr>
+            </a:outerShdw>
+          </a:effectLst>
+        </a:effectStyle>
+      </a:effectStyleLst>
+      <a:bgFillStyleLst>
+        <a:solidFill>
+          <a:schemeClr val="phClr"/>
+        </a:solidFill>
+        <a:solidFill>
+          <a:schemeClr val="phClr">
+            <a:tint val="95000"/>
+            <a:satMod val="170000"/>
+          </a:schemeClr>
+        </a:solidFill>
+        <a:gradFill rotWithShape="1">
+          <a:gsLst>
+            <a:gs pos="0">
+              <a:schemeClr val="phClr">
+                <a:tint val="93000"/>
+                <a:satMod val="150000"/>
+                <a:shade val="98000"/>
+                <a:lumMod val="102000"/>
+              </a:schemeClr>
+            </a:gs>
+            <a:gs pos="50000">
+              <a:schemeClr val="phClr">
+                <a:tint val="98000"/>
+                <a:satMod val="130000"/>
+                <a:shade val="90000"/>
+                <a:lumMod val="103000"/>
+              </a:schemeClr>
+            </a:gs>
+            <a:gs pos="100000">
+              <a:schemeClr val="phClr">
+                <a:shade val="63000"/>
+                <a:satMod val="120000"/>
+              </a:schemeClr>
+            </a:gs>
+          </a:gsLst>
+          <a:lin ang="5400000" scaled="0"/>
+        </a:gradFill>
+      </a:bgFillStyleLst>
+    </a:fmtScheme>
+  </a:themeElements>
+  <a:objectDefaults/>
+  <a:extraClrSchemeLst/>
+  <a:extLst>
+    <a:ext uri="{05A4C25C-085E-4340-85A3-A5531E510DB2}">
+      <thm15:themeFamily xmlns:thm15="http://schemas.microsoft.com/office/thememl/2012/main" name="Office Theme" id="{62F939B6-93AF-4DB8-9C6B-D6C7DFDC589F}" vid="{4A3C46E8-61CC-4603-A589-7422A47A8E4A}"/>
+    </a:ext>
+  </a:extLst>
+</a:theme>
 </file>
--- a/1_Protocol/1_2_Planned_Analysis/1_2_2_OUTPUT/Flow_Chart.pptx
+++ b/1_Protocol/1_2_Planned_Analysis/1_2_2_OUTPUT/Flow_Chart.pptx
@@ -116,7 +116,7 @@
             <a:srgbClr val="A4A3A4"/>
           </p15:clr>
         </p15:guide>
-        <p15:guide id="2" orient="horz" pos="3181" userDrawn="1">
+        <p15:guide id="2" orient="horz" pos="3475" userDrawn="1">
           <p15:clr>
             <a:srgbClr val="A4A3A4"/>
           </p15:clr>
@@ -214,7 +214,7 @@
           <a:p>
             <a:fld id="{6D1E7BF1-5C37-40DA-A35C-C8A73C85B1EE}" type="datetimeFigureOut">
               <a:rPr lang="zh-CN" altLang="en-US" smtClean="0"/>
-              <a:t>2023/7/20</a:t>
+              <a:t>2023/7/25</a:t>
             </a:fld>
             <a:endParaRPr lang="zh-CN" altLang="en-US"/>
           </a:p>
@@ -696,7 +696,7 @@
           <a:p>
             <a:fld id="{6E3B42F8-6E75-4811-AA9B-137B925DD217}" type="datetimeFigureOut">
               <a:rPr lang="zh-TW" altLang="en-US" smtClean="0"/>
-              <a:t>2023/7/20</a:t>
+              <a:t>2023/7/25</a:t>
             </a:fld>
             <a:endParaRPr lang="zh-TW" altLang="en-US"/>
           </a:p>
@@ -866,7 +866,7 @@
           <a:p>
             <a:fld id="{6E3B42F8-6E75-4811-AA9B-137B925DD217}" type="datetimeFigureOut">
               <a:rPr lang="zh-TW" altLang="en-US" smtClean="0"/>
-              <a:t>2023/7/20</a:t>
+              <a:t>2023/7/25</a:t>
             </a:fld>
             <a:endParaRPr lang="zh-TW" altLang="en-US"/>
           </a:p>
@@ -1046,7 +1046,7 @@
           <a:p>
             <a:fld id="{6E3B42F8-6E75-4811-AA9B-137B925DD217}" type="datetimeFigureOut">
               <a:rPr lang="zh-TW" altLang="en-US" smtClean="0"/>
-              <a:t>2023/7/20</a:t>
+              <a:t>2023/7/25</a:t>
             </a:fld>
             <a:endParaRPr lang="zh-TW" altLang="en-US"/>
           </a:p>
@@ -1216,7 +1216,7 @@
           <a:p>
             <a:fld id="{6E3B42F8-6E75-4811-AA9B-137B925DD217}" type="datetimeFigureOut">
               <a:rPr lang="zh-TW" altLang="en-US" smtClean="0"/>
-              <a:t>2023/7/20</a:t>
+              <a:t>2023/7/25</a:t>
             </a:fld>
             <a:endParaRPr lang="zh-TW" altLang="en-US"/>
           </a:p>
@@ -1462,7 +1462,7 @@
           <a:p>
             <a:fld id="{6E3B42F8-6E75-4811-AA9B-137B925DD217}" type="datetimeFigureOut">
               <a:rPr lang="zh-TW" altLang="en-US" smtClean="0"/>
-              <a:t>2023/7/20</a:t>
+              <a:t>2023/7/25</a:t>
             </a:fld>
             <a:endParaRPr lang="zh-TW" altLang="en-US"/>
           </a:p>
@@ -1694,7 +1694,7 @@
           <a:p>
             <a:fld id="{6E3B42F8-6E75-4811-AA9B-137B925DD217}" type="datetimeFigureOut">
               <a:rPr lang="zh-TW" altLang="en-US" smtClean="0"/>
-              <a:t>2023/7/20</a:t>
+              <a:t>2023/7/25</a:t>
             </a:fld>
             <a:endParaRPr lang="zh-TW" altLang="en-US"/>
           </a:p>
@@ -2061,7 +2061,7 @@
           <a:p>
             <a:fld id="{6E3B42F8-6E75-4811-AA9B-137B925DD217}" type="datetimeFigureOut">
               <a:rPr lang="zh-TW" altLang="en-US" smtClean="0"/>
-              <a:t>2023/7/20</a:t>
+              <a:t>2023/7/25</a:t>
             </a:fld>
             <a:endParaRPr lang="zh-TW" altLang="en-US"/>
           </a:p>
@@ -2179,7 +2179,7 @@
           <a:p>
             <a:fld id="{6E3B42F8-6E75-4811-AA9B-137B925DD217}" type="datetimeFigureOut">
               <a:rPr lang="zh-TW" altLang="en-US" smtClean="0"/>
-              <a:t>2023/7/20</a:t>
+              <a:t>2023/7/25</a:t>
             </a:fld>
             <a:endParaRPr lang="zh-TW" altLang="en-US"/>
           </a:p>
@@ -2274,7 +2274,7 @@
           <a:p>
             <a:fld id="{6E3B42F8-6E75-4811-AA9B-137B925DD217}" type="datetimeFigureOut">
               <a:rPr lang="zh-TW" altLang="en-US" smtClean="0"/>
-              <a:t>2023/7/20</a:t>
+              <a:t>2023/7/25</a:t>
             </a:fld>
             <a:endParaRPr lang="zh-TW" altLang="en-US"/>
           </a:p>
@@ -2551,7 +2551,7 @@
           <a:p>
             <a:fld id="{6E3B42F8-6E75-4811-AA9B-137B925DD217}" type="datetimeFigureOut">
               <a:rPr lang="zh-TW" altLang="en-US" smtClean="0"/>
-              <a:t>2023/7/20</a:t>
+              <a:t>2023/7/25</a:t>
             </a:fld>
             <a:endParaRPr lang="zh-TW" altLang="en-US"/>
           </a:p>
@@ -2804,7 +2804,7 @@
           <a:p>
             <a:fld id="{6E3B42F8-6E75-4811-AA9B-137B925DD217}" type="datetimeFigureOut">
               <a:rPr lang="zh-TW" altLang="en-US" smtClean="0"/>
-              <a:t>2023/7/20</a:t>
+              <a:t>2023/7/25</a:t>
             </a:fld>
             <a:endParaRPr lang="zh-TW" altLang="en-US"/>
           </a:p>
@@ -3017,7 +3017,7 @@
           <a:p>
             <a:fld id="{6E3B42F8-6E75-4811-AA9B-137B925DD217}" type="datetimeFigureOut">
               <a:rPr lang="zh-TW" altLang="en-US" smtClean="0"/>
-              <a:t>2023/7/20</a:t>
+              <a:t>2023/7/25</a:t>
             </a:fld>
             <a:endParaRPr lang="zh-TW" altLang="en-US"/>
           </a:p>
@@ -4661,10 +4661,10 @@
         </p:nvGrpSpPr>
         <p:grpSpPr>
           <a:xfrm>
-            <a:off x="7357306" y="5635476"/>
-            <a:ext cx="1019253" cy="1187031"/>
-            <a:chOff x="7357306" y="5715378"/>
-            <a:chExt cx="1019253" cy="1187031"/>
+            <a:off x="6748348" y="5635476"/>
+            <a:ext cx="2237170" cy="1187031"/>
+            <a:chOff x="6748348" y="5715378"/>
+            <a:chExt cx="2237170" cy="1187031"/>
           </a:xfrm>
         </p:grpSpPr>
         <p:sp>
@@ -4675,8 +4675,8 @@
           </p:nvSpPr>
           <p:spPr>
             <a:xfrm>
-              <a:off x="7357306" y="6187320"/>
-              <a:ext cx="1019253" cy="715089"/>
+              <a:off x="6748348" y="6187320"/>
+              <a:ext cx="2237170" cy="715089"/>
             </a:xfrm>
             <a:prstGeom prst="roundRect">
               <a:avLst/>
@@ -4710,7 +4710,14 @@
                   <a:latin typeface="Times New Roman" panose="02020603050405020304" pitchFamily="18" charset="0"/>
                   <a:cs typeface="Times New Roman" panose="02020603050405020304" pitchFamily="18" charset="0"/>
                 </a:rPr>
-                <a:t>SHR</a:t>
+                <a:t>S</a:t>
+              </a:r>
+              <a:r>
+                <a:rPr lang="en-US" altLang="zh-CN" dirty="0">
+                  <a:latin typeface="Times New Roman" panose="02020603050405020304" pitchFamily="18" charset="0"/>
+                  <a:cs typeface="Times New Roman" panose="02020603050405020304" pitchFamily="18" charset="0"/>
+                </a:rPr>
+                <a:t>plit-Half Reliability</a:t>
               </a:r>
               <a:endParaRPr lang="zh-TW" altLang="en-US" dirty="0">
                 <a:latin typeface="Times New Roman" panose="02020603050405020304" pitchFamily="18" charset="0"/>
@@ -4770,10 +4777,10 @@
         </p:nvGrpSpPr>
         <p:grpSpPr>
           <a:xfrm>
-            <a:off x="3768801" y="5625325"/>
-            <a:ext cx="948439" cy="1206060"/>
-            <a:chOff x="3768801" y="5687471"/>
-            <a:chExt cx="948439" cy="1206060"/>
+            <a:off x="2539018" y="5625325"/>
+            <a:ext cx="3417895" cy="1206060"/>
+            <a:chOff x="2539018" y="5687471"/>
+            <a:chExt cx="3417895" cy="1206060"/>
           </a:xfrm>
         </p:grpSpPr>
         <p:sp>
@@ -4784,8 +4791,8 @@
           </p:nvSpPr>
           <p:spPr>
             <a:xfrm>
-              <a:off x="3768801" y="6178442"/>
-              <a:ext cx="948439" cy="715089"/>
+              <a:off x="2539018" y="6178442"/>
+              <a:ext cx="3417895" cy="715089"/>
             </a:xfrm>
             <a:prstGeom prst="roundRect">
               <a:avLst/>
@@ -4819,7 +4826,7 @@
                   <a:latin typeface="Times New Roman" panose="02020603050405020304" pitchFamily="18" charset="0"/>
                   <a:cs typeface="Times New Roman" panose="02020603050405020304" pitchFamily="18" charset="0"/>
                 </a:rPr>
-                <a:t>ICC</a:t>
+                <a:t>Intraclass Correlation Coefficient</a:t>
               </a:r>
               <a:endParaRPr lang="zh-TW" altLang="en-US" dirty="0">
                 <a:latin typeface="Times New Roman" panose="02020603050405020304" pitchFamily="18" charset="0"/>
@@ -4879,8 +4886,8 @@
         </p:nvSpPr>
         <p:spPr>
           <a:xfrm>
-            <a:off x="4844492" y="3170703"/>
-            <a:ext cx="2534674" cy="715089"/>
+            <a:off x="4676646" y="3170703"/>
+            <a:ext cx="2870366" cy="715089"/>
           </a:xfrm>
           <a:prstGeom prst="roundRect">
             <a:avLst/>
@@ -4914,7 +4921,7 @@
                 <a:latin typeface="Times New Roman" panose="02020603050405020304" pitchFamily="18" charset="0"/>
                 <a:cs typeface="Times New Roman" panose="02020603050405020304" pitchFamily="18" charset="0"/>
               </a:rPr>
-              <a:t>based on OVs</a:t>
+              <a:t>based on Outcome Variables</a:t>
             </a:r>
             <a:endParaRPr lang="zh-TW" altLang="en-US" dirty="0">
               <a:latin typeface="Times New Roman" panose="02020603050405020304" pitchFamily="18" charset="0"/>
@@ -4937,10 +4944,10 @@
         </p:nvGrpSpPr>
         <p:grpSpPr>
           <a:xfrm>
-            <a:off x="3675286" y="4176188"/>
-            <a:ext cx="4763419" cy="1361727"/>
-            <a:chOff x="3673267" y="4266187"/>
-            <a:chExt cx="4763419" cy="1361727"/>
+            <a:off x="2539021" y="4176188"/>
+            <a:ext cx="6446496" cy="1338648"/>
+            <a:chOff x="2537002" y="4266187"/>
+            <a:chExt cx="6446496" cy="1338648"/>
           </a:xfrm>
         </p:grpSpPr>
         <p:sp>
@@ -4951,8 +4958,8 @@
           </p:nvSpPr>
           <p:spPr>
             <a:xfrm>
-              <a:off x="7297180" y="4912825"/>
-              <a:ext cx="1139506" cy="715089"/>
+              <a:off x="6746328" y="4889746"/>
+              <a:ext cx="2237170" cy="715089"/>
             </a:xfrm>
             <a:prstGeom prst="roundRect">
               <a:avLst/>
@@ -4976,7 +4983,24 @@
                   <a:latin typeface="Times New Roman" panose="02020603050405020304" pitchFamily="18" charset="0"/>
                   <a:cs typeface="Times New Roman" panose="02020603050405020304" pitchFamily="18" charset="0"/>
                 </a:rPr>
-                <a:t>Calculate SHR</a:t>
+                <a:t>Calculate </a:t>
+              </a:r>
+            </a:p>
+            <a:p>
+              <a:pPr algn="ctr"/>
+              <a:r>
+                <a:rPr lang="en-US" altLang="zh-TW" dirty="0">
+                  <a:latin typeface="Times New Roman" panose="02020603050405020304" pitchFamily="18" charset="0"/>
+                  <a:cs typeface="Times New Roman" panose="02020603050405020304" pitchFamily="18" charset="0"/>
+                </a:rPr>
+                <a:t>S</a:t>
+              </a:r>
+              <a:r>
+                <a:rPr lang="en-US" altLang="zh-CN" dirty="0">
+                  <a:latin typeface="Times New Roman" panose="02020603050405020304" pitchFamily="18" charset="0"/>
+                  <a:cs typeface="Times New Roman" panose="02020603050405020304" pitchFamily="18" charset="0"/>
+                </a:rPr>
+                <a:t>plit-Half Reliability</a:t>
               </a:r>
               <a:endParaRPr lang="zh-TW" altLang="en-US" dirty="0">
                 <a:latin typeface="Times New Roman" panose="02020603050405020304" pitchFamily="18" charset="0"/>
@@ -5110,8 +5134,8 @@
           </p:nvSpPr>
           <p:spPr>
             <a:xfrm>
-              <a:off x="3673267" y="4870522"/>
-              <a:ext cx="1139506" cy="715089"/>
+              <a:off x="2537002" y="4889745"/>
+              <a:ext cx="3417895" cy="715089"/>
             </a:xfrm>
             <a:prstGeom prst="roundRect">
               <a:avLst/>
@@ -5135,7 +5159,17 @@
                   <a:latin typeface="Times New Roman" panose="02020603050405020304" pitchFamily="18" charset="0"/>
                   <a:cs typeface="Times New Roman" panose="02020603050405020304" pitchFamily="18" charset="0"/>
                 </a:rPr>
-                <a:t>Calculate ICC</a:t>
+                <a:t>Calculate </a:t>
+              </a:r>
+            </a:p>
+            <a:p>
+              <a:pPr algn="ctr"/>
+              <a:r>
+                <a:rPr lang="en-US" altLang="zh-TW" dirty="0">
+                  <a:latin typeface="Times New Roman" panose="02020603050405020304" pitchFamily="18" charset="0"/>
+                  <a:cs typeface="Times New Roman" panose="02020603050405020304" pitchFamily="18" charset="0"/>
+                </a:rPr>
+                <a:t>Intraclass Correlation Coefficient</a:t>
               </a:r>
               <a:endParaRPr lang="zh-TW" altLang="en-US" dirty="0">
                 <a:latin typeface="Times New Roman" panose="02020603050405020304" pitchFamily="18" charset="0"/>

--- a/1_Protocol/1_2_Planned_Analysis/1_2_2_OUTPUT/Flow_Chart.pptx
+++ b/1_Protocol/1_2_Planned_Analysis/1_2_2_OUTPUT/Flow_Chart.pptx
@@ -214,7 +214,7 @@
           <a:p>
             <a:fld id="{6D1E7BF1-5C37-40DA-A35C-C8A73C85B1EE}" type="datetimeFigureOut">
               <a:rPr lang="zh-CN" altLang="en-US" smtClean="0"/>
-              <a:t>2023/7/25</a:t>
+              <a:t>2023/7/26</a:t>
             </a:fld>
             <a:endParaRPr lang="zh-CN" altLang="en-US"/>
           </a:p>
@@ -696,7 +696,7 @@
           <a:p>
             <a:fld id="{6E3B42F8-6E75-4811-AA9B-137B925DD217}" type="datetimeFigureOut">
               <a:rPr lang="zh-TW" altLang="en-US" smtClean="0"/>
-              <a:t>2023/7/25</a:t>
+              <a:t>2023/7/26</a:t>
             </a:fld>
             <a:endParaRPr lang="zh-TW" altLang="en-US"/>
           </a:p>
@@ -866,7 +866,7 @@
           <a:p>
             <a:fld id="{6E3B42F8-6E75-4811-AA9B-137B925DD217}" type="datetimeFigureOut">
               <a:rPr lang="zh-TW" altLang="en-US" smtClean="0"/>
-              <a:t>2023/7/25</a:t>
+              <a:t>2023/7/26</a:t>
             </a:fld>
             <a:endParaRPr lang="zh-TW" altLang="en-US"/>
           </a:p>
@@ -1046,7 +1046,7 @@
           <a:p>
             <a:fld id="{6E3B42F8-6E75-4811-AA9B-137B925DD217}" type="datetimeFigureOut">
               <a:rPr lang="zh-TW" altLang="en-US" smtClean="0"/>
-              <a:t>2023/7/25</a:t>
+              <a:t>2023/7/26</a:t>
             </a:fld>
             <a:endParaRPr lang="zh-TW" altLang="en-US"/>
           </a:p>
@@ -1216,7 +1216,7 @@
           <a:p>
             <a:fld id="{6E3B42F8-6E75-4811-AA9B-137B925DD217}" type="datetimeFigureOut">
               <a:rPr lang="zh-TW" altLang="en-US" smtClean="0"/>
-              <a:t>2023/7/25</a:t>
+              <a:t>2023/7/26</a:t>
             </a:fld>
             <a:endParaRPr lang="zh-TW" altLang="en-US"/>
           </a:p>
@@ -1462,7 +1462,7 @@
           <a:p>
             <a:fld id="{6E3B42F8-6E75-4811-AA9B-137B925DD217}" type="datetimeFigureOut">
               <a:rPr lang="zh-TW" altLang="en-US" smtClean="0"/>
-              <a:t>2023/7/25</a:t>
+              <a:t>2023/7/26</a:t>
             </a:fld>
             <a:endParaRPr lang="zh-TW" altLang="en-US"/>
           </a:p>
@@ -1694,7 +1694,7 @@
           <a:p>
             <a:fld id="{6E3B42F8-6E75-4811-AA9B-137B925DD217}" type="datetimeFigureOut">
               <a:rPr lang="zh-TW" altLang="en-US" smtClean="0"/>
-              <a:t>2023/7/25</a:t>
+              <a:t>2023/7/26</a:t>
             </a:fld>
             <a:endParaRPr lang="zh-TW" altLang="en-US"/>
           </a:p>
@@ -2061,7 +2061,7 @@
           <a:p>
             <a:fld id="{6E3B42F8-6E75-4811-AA9B-137B925DD217}" type="datetimeFigureOut">
               <a:rPr lang="zh-TW" altLang="en-US" smtClean="0"/>
-              <a:t>2023/7/25</a:t>
+              <a:t>2023/7/26</a:t>
             </a:fld>
             <a:endParaRPr lang="zh-TW" altLang="en-US"/>
           </a:p>
@@ -2179,7 +2179,7 @@
           <a:p>
             <a:fld id="{6E3B42F8-6E75-4811-AA9B-137B925DD217}" type="datetimeFigureOut">
               <a:rPr lang="zh-TW" altLang="en-US" smtClean="0"/>
-              <a:t>2023/7/25</a:t>
+              <a:t>2023/7/26</a:t>
             </a:fld>
             <a:endParaRPr lang="zh-TW" altLang="en-US"/>
           </a:p>
@@ -2274,7 +2274,7 @@
           <a:p>
             <a:fld id="{6E3B42F8-6E75-4811-AA9B-137B925DD217}" type="datetimeFigureOut">
               <a:rPr lang="zh-TW" altLang="en-US" smtClean="0"/>
-              <a:t>2023/7/25</a:t>
+              <a:t>2023/7/26</a:t>
             </a:fld>
             <a:endParaRPr lang="zh-TW" altLang="en-US"/>
           </a:p>
@@ -2551,7 +2551,7 @@
           <a:p>
             <a:fld id="{6E3B42F8-6E75-4811-AA9B-137B925DD217}" type="datetimeFigureOut">
               <a:rPr lang="zh-TW" altLang="en-US" smtClean="0"/>
-              <a:t>2023/7/25</a:t>
+              <a:t>2023/7/26</a:t>
             </a:fld>
             <a:endParaRPr lang="zh-TW" altLang="en-US"/>
           </a:p>
@@ -2804,7 +2804,7 @@
           <a:p>
             <a:fld id="{6E3B42F8-6E75-4811-AA9B-137B925DD217}" type="datetimeFigureOut">
               <a:rPr lang="zh-TW" altLang="en-US" smtClean="0"/>
-              <a:t>2023/7/25</a:t>
+              <a:t>2023/7/26</a:t>
             </a:fld>
             <a:endParaRPr lang="zh-TW" altLang="en-US"/>
           </a:p>
@@ -3017,7 +3017,7 @@
           <a:p>
             <a:fld id="{6E3B42F8-6E75-4811-AA9B-137B925DD217}" type="datetimeFigureOut">
               <a:rPr lang="zh-TW" altLang="en-US" smtClean="0"/>
-              <a:t>2023/7/25</a:t>
+              <a:t>2023/7/26</a:t>
             </a:fld>
             <a:endParaRPr lang="zh-TW" altLang="en-US"/>
           </a:p>
@@ -4415,7 +4415,7 @@
         <p:spPr>
           <a:xfrm>
             <a:off x="5101727" y="39122"/>
-            <a:ext cx="2020205" cy="408623"/>
+            <a:ext cx="2020205" cy="374571"/>
           </a:xfrm>
           <a:prstGeom prst="roundRect">
             <a:avLst/>
@@ -4435,13 +4435,13 @@
           <a:p>
             <a:pPr algn="ctr"/>
             <a:r>
-              <a:rPr lang="en-US" altLang="zh-CN" dirty="0">
+              <a:rPr lang="en-US" altLang="zh-CN" sz="1600" dirty="0">
                 <a:latin typeface="Times New Roman" panose="02020603050405020304" pitchFamily="18" charset="0"/>
                 <a:cs typeface="Times New Roman" panose="02020603050405020304" pitchFamily="18" charset="0"/>
               </a:rPr>
               <a:t>Collect Open Data</a:t>
             </a:r>
-            <a:endParaRPr lang="zh-TW" altLang="en-US" dirty="0">
+            <a:endParaRPr lang="zh-TW" altLang="en-US" sz="1600" dirty="0">
               <a:latin typeface="Times New Roman" panose="02020603050405020304" pitchFamily="18" charset="0"/>
               <a:cs typeface="Times New Roman" panose="02020603050405020304" pitchFamily="18" charset="0"/>
             </a:endParaRPr>
@@ -4456,8 +4456,8 @@
         </p:nvSpPr>
         <p:spPr>
           <a:xfrm>
-            <a:off x="5485677" y="981203"/>
-            <a:ext cx="1252309" cy="408623"/>
+            <a:off x="5544235" y="963447"/>
+            <a:ext cx="1135193" cy="374571"/>
           </a:xfrm>
           <a:prstGeom prst="roundRect">
             <a:avLst/>
@@ -4477,13 +4477,13 @@
           <a:p>
             <a:pPr algn="ctr"/>
             <a:r>
-              <a:rPr lang="en-US" altLang="zh-CN" dirty="0">
+              <a:rPr lang="en-US" altLang="zh-CN" sz="1600" dirty="0">
                 <a:latin typeface="Times New Roman" panose="02020603050405020304" pitchFamily="18" charset="0"/>
                 <a:cs typeface="Times New Roman" panose="02020603050405020304" pitchFamily="18" charset="0"/>
               </a:rPr>
               <a:t>Clean Data</a:t>
             </a:r>
-            <a:endParaRPr lang="zh-TW" altLang="en-US" dirty="0">
+            <a:endParaRPr lang="zh-TW" altLang="en-US" sz="1600" dirty="0">
               <a:latin typeface="Times New Roman" panose="02020603050405020304" pitchFamily="18" charset="0"/>
               <a:cs typeface="Times New Roman" panose="02020603050405020304" pitchFamily="18" charset="0"/>
             </a:endParaRPr>
@@ -4498,8 +4498,8 @@
         </p:nvSpPr>
         <p:spPr>
           <a:xfrm>
-            <a:off x="4518977" y="1961022"/>
-            <a:ext cx="3185703" cy="646986"/>
+            <a:off x="4518977" y="1934388"/>
+            <a:ext cx="3185703" cy="578882"/>
           </a:xfrm>
           <a:prstGeom prst="roundRect">
             <a:avLst/>
@@ -4519,7 +4519,7 @@
           <a:p>
             <a:pPr algn="ctr"/>
             <a:r>
-              <a:rPr lang="en-US" altLang="zh-CN" dirty="0">
+              <a:rPr lang="en-US" altLang="zh-CN" sz="1600" dirty="0">
                 <a:latin typeface="Times New Roman" panose="02020603050405020304" pitchFamily="18" charset="0"/>
                 <a:cs typeface="Times New Roman" panose="02020603050405020304" pitchFamily="18" charset="0"/>
               </a:rPr>
@@ -4529,7 +4529,7 @@
           <a:p>
             <a:pPr algn="ctr"/>
             <a:r>
-              <a:rPr lang="en-US" altLang="zh-TW" sz="1400" i="1" dirty="0">
+              <a:rPr lang="en-US" altLang="zh-TW" sz="1200" i="1" dirty="0">
                 <a:latin typeface="Times New Roman" panose="02020603050405020304" pitchFamily="18" charset="0"/>
                 <a:ea typeface="Times New Roman" panose="02020603050405020304" pitchFamily="18" charset="0"/>
                 <a:cs typeface="Times New Roman" panose="02020603050405020304" pitchFamily="18" charset="0"/>
@@ -4537,7 +4537,7 @@
               <a:t>RT, ACC, </a:t>
             </a:r>
             <a:r>
-              <a:rPr lang="en-US" altLang="zh-CN" sz="1400" i="1" dirty="0">
+              <a:rPr lang="en-US" altLang="zh-CN" sz="1200" i="1" dirty="0">
                 <a:latin typeface="Times New Roman" panose="02020603050405020304" pitchFamily="18" charset="0"/>
                 <a:ea typeface="Times New Roman" panose="02020603050405020304" pitchFamily="18" charset="0"/>
                 <a:cs typeface="Times New Roman" panose="02020603050405020304" pitchFamily="18" charset="0"/>
@@ -4545,7 +4545,7 @@
               <a:t>d’</a:t>
             </a:r>
             <a:r>
-              <a:rPr lang="en-US" altLang="zh-TW" sz="1400" i="1" dirty="0">
+              <a:rPr lang="en-US" altLang="zh-TW" sz="1200" i="1" dirty="0">
                 <a:latin typeface="Times New Roman" panose="02020603050405020304" pitchFamily="18" charset="0"/>
                 <a:ea typeface="Times New Roman" panose="02020603050405020304" pitchFamily="18" charset="0"/>
                 <a:cs typeface="Times New Roman" panose="02020603050405020304" pitchFamily="18" charset="0"/>
@@ -4553,7 +4553,7 @@
               <a:t>, </a:t>
             </a:r>
             <a:r>
-              <a:rPr lang="en-US" altLang="zh-CN" sz="1400" i="1" dirty="0">
+              <a:rPr lang="en-US" altLang="zh-CN" sz="1200" i="1" dirty="0">
                 <a:latin typeface="Times New Roman" panose="02020603050405020304" pitchFamily="18" charset="0"/>
                 <a:ea typeface="Times New Roman" panose="02020603050405020304" pitchFamily="18" charset="0"/>
                 <a:cs typeface="Times New Roman" panose="02020603050405020304" pitchFamily="18" charset="0"/>
@@ -4561,14 +4561,14 @@
               <a:t>η</a:t>
             </a:r>
             <a:r>
-              <a:rPr lang="en-US" altLang="zh-TW" sz="1400" i="1" dirty="0">
+              <a:rPr lang="en-US" altLang="zh-TW" sz="1200" i="1" dirty="0">
                 <a:latin typeface="Times New Roman" panose="02020603050405020304" pitchFamily="18" charset="0"/>
                 <a:ea typeface="Times New Roman" panose="02020603050405020304" pitchFamily="18" charset="0"/>
                 <a:cs typeface="Times New Roman" panose="02020603050405020304" pitchFamily="18" charset="0"/>
               </a:rPr>
               <a:t>, v, z</a:t>
             </a:r>
-            <a:endParaRPr lang="zh-TW" altLang="en-US" sz="1400" i="1" dirty="0">
+            <a:endParaRPr lang="zh-TW" altLang="en-US" sz="1200" i="1" dirty="0">
               <a:latin typeface="Times New Roman" panose="02020603050405020304" pitchFamily="18" charset="0"/>
               <a:cs typeface="Times New Roman" panose="02020603050405020304" pitchFamily="18" charset="0"/>
             </a:endParaRPr>
@@ -4583,7 +4583,7 @@
         </p:nvCxnSpPr>
         <p:spPr>
           <a:xfrm>
-            <a:off x="6105354" y="476466"/>
+            <a:off x="6105354" y="458710"/>
             <a:ext cx="0" cy="414067"/>
           </a:xfrm>
           <a:prstGeom prst="straightConnector1">
@@ -4619,7 +4619,7 @@
         </p:nvCxnSpPr>
         <p:spPr>
           <a:xfrm>
-            <a:off x="6096000" y="1478174"/>
+            <a:off x="6096000" y="1442662"/>
             <a:ext cx="0" cy="414067"/>
           </a:xfrm>
           <a:prstGeom prst="straightConnector1">
@@ -4661,10 +4661,10 @@
         </p:nvGrpSpPr>
         <p:grpSpPr>
           <a:xfrm>
-            <a:off x="6748348" y="5635476"/>
-            <a:ext cx="2237170" cy="1187031"/>
+            <a:off x="6748348" y="5706500"/>
+            <a:ext cx="2237170" cy="1118928"/>
             <a:chOff x="6748348" y="5715378"/>
-            <a:chExt cx="2237170" cy="1187031"/>
+            <a:chExt cx="2237170" cy="1118928"/>
           </a:xfrm>
         </p:grpSpPr>
         <p:sp>
@@ -4676,7 +4676,7 @@
           <p:spPr>
             <a:xfrm>
               <a:off x="6748348" y="6187320"/>
-              <a:ext cx="2237170" cy="715089"/>
+              <a:ext cx="2237170" cy="646986"/>
             </a:xfrm>
             <a:prstGeom prst="roundRect">
               <a:avLst/>
@@ -4696,7 +4696,7 @@
             <a:p>
               <a:pPr algn="ctr"/>
               <a:r>
-                <a:rPr lang="en-US" altLang="zh-TW" dirty="0">
+                <a:rPr lang="en-US" altLang="zh-TW" sz="1600" dirty="0">
                   <a:latin typeface="Times New Roman" panose="02020603050405020304" pitchFamily="18" charset="0"/>
                   <a:cs typeface="Times New Roman" panose="02020603050405020304" pitchFamily="18" charset="0"/>
                 </a:rPr>
@@ -4706,20 +4706,20 @@
             <a:p>
               <a:pPr algn="ctr"/>
               <a:r>
-                <a:rPr lang="en-US" altLang="zh-TW" dirty="0">
+                <a:rPr lang="en-US" altLang="zh-TW" sz="1600" dirty="0">
                   <a:latin typeface="Times New Roman" panose="02020603050405020304" pitchFamily="18" charset="0"/>
                   <a:cs typeface="Times New Roman" panose="02020603050405020304" pitchFamily="18" charset="0"/>
                 </a:rPr>
                 <a:t>S</a:t>
               </a:r>
               <a:r>
-                <a:rPr lang="en-US" altLang="zh-CN" dirty="0">
+                <a:rPr lang="en-US" altLang="zh-CN" sz="1600" dirty="0">
                   <a:latin typeface="Times New Roman" panose="02020603050405020304" pitchFamily="18" charset="0"/>
                   <a:cs typeface="Times New Roman" panose="02020603050405020304" pitchFamily="18" charset="0"/>
                 </a:rPr>
                 <a:t>plit-Half Reliability</a:t>
               </a:r>
-              <a:endParaRPr lang="zh-TW" altLang="en-US" dirty="0">
+              <a:endParaRPr lang="zh-TW" altLang="en-US" sz="1600" dirty="0">
                 <a:latin typeface="Times New Roman" panose="02020603050405020304" pitchFamily="18" charset="0"/>
                 <a:cs typeface="Times New Roman" panose="02020603050405020304" pitchFamily="18" charset="0"/>
               </a:endParaRPr>
@@ -4777,10 +4777,10 @@
         </p:nvGrpSpPr>
         <p:grpSpPr>
           <a:xfrm>
-            <a:off x="2539018" y="5625325"/>
-            <a:ext cx="3417895" cy="1206060"/>
+            <a:off x="2539018" y="5696349"/>
+            <a:ext cx="3417895" cy="1137957"/>
             <a:chOff x="2539018" y="5687471"/>
-            <a:chExt cx="3417895" cy="1206060"/>
+            <a:chExt cx="3417895" cy="1137957"/>
           </a:xfrm>
         </p:grpSpPr>
         <p:sp>
@@ -4792,7 +4792,7 @@
           <p:spPr>
             <a:xfrm>
               <a:off x="2539018" y="6178442"/>
-              <a:ext cx="3417895" cy="715089"/>
+              <a:ext cx="3417895" cy="646986"/>
             </a:xfrm>
             <a:prstGeom prst="roundRect">
               <a:avLst/>
@@ -4812,7 +4812,7 @@
             <a:p>
               <a:pPr algn="ctr"/>
               <a:r>
-                <a:rPr lang="en-US" altLang="zh-TW" dirty="0">
+                <a:rPr lang="en-US" altLang="zh-TW" sz="1600" dirty="0">
                   <a:latin typeface="Times New Roman" panose="02020603050405020304" pitchFamily="18" charset="0"/>
                   <a:cs typeface="Times New Roman" panose="02020603050405020304" pitchFamily="18" charset="0"/>
                 </a:rPr>
@@ -4822,13 +4822,13 @@
             <a:p>
               <a:pPr algn="ctr"/>
               <a:r>
-                <a:rPr lang="en-US" altLang="zh-TW" dirty="0">
+                <a:rPr lang="en-US" altLang="zh-TW" sz="1600" dirty="0">
                   <a:latin typeface="Times New Roman" panose="02020603050405020304" pitchFamily="18" charset="0"/>
                   <a:cs typeface="Times New Roman" panose="02020603050405020304" pitchFamily="18" charset="0"/>
                 </a:rPr>
                 <a:t>Intraclass Correlation Coefficient</a:t>
               </a:r>
-              <a:endParaRPr lang="zh-TW" altLang="en-US" dirty="0">
+              <a:endParaRPr lang="zh-TW" altLang="en-US" sz="1600" dirty="0">
                 <a:latin typeface="Times New Roman" panose="02020603050405020304" pitchFamily="18" charset="0"/>
                 <a:cs typeface="Times New Roman" panose="02020603050405020304" pitchFamily="18" charset="0"/>
               </a:endParaRPr>
@@ -4886,8 +4886,8 @@
         </p:nvSpPr>
         <p:spPr>
           <a:xfrm>
-            <a:off x="4676646" y="3170703"/>
-            <a:ext cx="2870366" cy="715089"/>
+            <a:off x="3711425" y="3099679"/>
+            <a:ext cx="4800813" cy="851297"/>
           </a:xfrm>
           <a:prstGeom prst="roundRect">
             <a:avLst/>
@@ -4907,26 +4907,36 @@
           <a:p>
             <a:pPr algn="ctr"/>
             <a:r>
-              <a:rPr lang="en-US" altLang="zh-CN" dirty="0">
+              <a:rPr lang="en-US" altLang="zh-CN" sz="1600" dirty="0">
                 <a:latin typeface="Times New Roman" panose="02020603050405020304" pitchFamily="18" charset="0"/>
                 <a:cs typeface="Times New Roman" panose="02020603050405020304" pitchFamily="18" charset="0"/>
               </a:rPr>
-              <a:t>Calculate SPE measures </a:t>
+              <a:t>Calculate SPE measures</a:t>
             </a:r>
           </a:p>
           <a:p>
             <a:pPr algn="ctr"/>
             <a:r>
-              <a:rPr lang="en-US" altLang="zh-CN" dirty="0">
+              <a:rPr lang="en-US" altLang="zh-CN" sz="1600" dirty="0">
                 <a:latin typeface="Times New Roman" panose="02020603050405020304" pitchFamily="18" charset="0"/>
                 <a:cs typeface="Times New Roman" panose="02020603050405020304" pitchFamily="18" charset="0"/>
               </a:rPr>
-              <a:t>based on Outcome Variables</a:t>
-            </a:r>
-            <a:endParaRPr lang="zh-TW" altLang="en-US" dirty="0">
+              <a:t>based on 6 outcome variables and 4 baseline conditions</a:t>
+            </a:r>
+            <a:endParaRPr lang="en-US" altLang="zh-CN" sz="2000" dirty="0">
               <a:latin typeface="Times New Roman" panose="02020603050405020304" pitchFamily="18" charset="0"/>
               <a:cs typeface="Times New Roman" panose="02020603050405020304" pitchFamily="18" charset="0"/>
             </a:endParaRPr>
+          </a:p>
+          <a:p>
+            <a:pPr algn="ctr"/>
+            <a:r>
+              <a:rPr lang="en-US" altLang="zh-CN" sz="1200" i="1" dirty="0">
+                <a:latin typeface="Times New Roman" panose="02020603050405020304" pitchFamily="18" charset="0"/>
+                <a:cs typeface="Times New Roman" panose="02020603050405020304" pitchFamily="18" charset="0"/>
+              </a:rPr>
+              <a:t>(Close, Stranger, Celebrity, Nonperson)</a:t>
+            </a:r>
           </a:p>
         </p:txBody>
       </p:sp>
@@ -4944,10 +4954,10 @@
         </p:nvGrpSpPr>
         <p:grpSpPr>
           <a:xfrm>
-            <a:off x="2539021" y="4176188"/>
-            <a:ext cx="6446496" cy="1338648"/>
+            <a:off x="2539021" y="4247212"/>
+            <a:ext cx="6446496" cy="1270545"/>
             <a:chOff x="2537002" y="4266187"/>
-            <a:chExt cx="6446496" cy="1338648"/>
+            <a:chExt cx="6446496" cy="1270545"/>
           </a:xfrm>
         </p:grpSpPr>
         <p:sp>
@@ -4959,7 +4969,7 @@
           <p:spPr>
             <a:xfrm>
               <a:off x="6746328" y="4889746"/>
-              <a:ext cx="2237170" cy="715089"/>
+              <a:ext cx="2237170" cy="646986"/>
             </a:xfrm>
             <a:prstGeom prst="roundRect">
               <a:avLst/>
@@ -4979,7 +4989,7 @@
             <a:p>
               <a:pPr algn="ctr"/>
               <a:r>
-                <a:rPr lang="en-US" altLang="zh-TW" dirty="0">
+                <a:rPr lang="en-US" altLang="zh-TW" sz="1600" dirty="0">
                   <a:latin typeface="Times New Roman" panose="02020603050405020304" pitchFamily="18" charset="0"/>
                   <a:cs typeface="Times New Roman" panose="02020603050405020304" pitchFamily="18" charset="0"/>
                 </a:rPr>
@@ -4989,20 +4999,20 @@
             <a:p>
               <a:pPr algn="ctr"/>
               <a:r>
-                <a:rPr lang="en-US" altLang="zh-TW" dirty="0">
+                <a:rPr lang="en-US" altLang="zh-TW" sz="1600" dirty="0">
                   <a:latin typeface="Times New Roman" panose="02020603050405020304" pitchFamily="18" charset="0"/>
                   <a:cs typeface="Times New Roman" panose="02020603050405020304" pitchFamily="18" charset="0"/>
                 </a:rPr>
                 <a:t>S</a:t>
               </a:r>
               <a:r>
-                <a:rPr lang="en-US" altLang="zh-CN" dirty="0">
+                <a:rPr lang="en-US" altLang="zh-CN" sz="1600" dirty="0">
                   <a:latin typeface="Times New Roman" panose="02020603050405020304" pitchFamily="18" charset="0"/>
                   <a:cs typeface="Times New Roman" panose="02020603050405020304" pitchFamily="18" charset="0"/>
                 </a:rPr>
                 <a:t>plit-Half Reliability</a:t>
               </a:r>
-              <a:endParaRPr lang="zh-TW" altLang="en-US" dirty="0">
+              <a:endParaRPr lang="zh-TW" altLang="en-US" sz="1600" dirty="0">
                 <a:latin typeface="Times New Roman" panose="02020603050405020304" pitchFamily="18" charset="0"/>
                 <a:cs typeface="Times New Roman" panose="02020603050405020304" pitchFamily="18" charset="0"/>
               </a:endParaRPr>
@@ -5071,13 +5081,13 @@
             <a:lstStyle/>
             <a:p>
               <a:r>
-                <a:rPr lang="en-US" altLang="zh-TW" sz="1050" dirty="0">
+                <a:rPr lang="en-US" altLang="zh-TW" sz="1000" dirty="0">
                   <a:latin typeface="Times New Roman" panose="02020603050405020304" pitchFamily="18" charset="0"/>
                   <a:cs typeface="Times New Roman" panose="02020603050405020304" pitchFamily="18" charset="0"/>
                 </a:rPr>
                 <a:t>If SPMT repeated</a:t>
               </a:r>
-              <a:endParaRPr lang="zh-TW" altLang="en-US" sz="1050" dirty="0">
+              <a:endParaRPr lang="zh-TW" altLang="en-US" sz="1000" dirty="0">
                 <a:latin typeface="Times New Roman" panose="02020603050405020304" pitchFamily="18" charset="0"/>
                 <a:cs typeface="Times New Roman" panose="02020603050405020304" pitchFamily="18" charset="0"/>
               </a:endParaRPr>
@@ -5135,7 +5145,7 @@
           <p:spPr>
             <a:xfrm>
               <a:off x="2537002" y="4889745"/>
-              <a:ext cx="3417895" cy="715089"/>
+              <a:ext cx="3417895" cy="646986"/>
             </a:xfrm>
             <a:prstGeom prst="roundRect">
               <a:avLst/>
@@ -5155,7 +5165,7 @@
             <a:p>
               <a:pPr algn="ctr"/>
               <a:r>
-                <a:rPr lang="en-US" altLang="zh-TW" dirty="0">
+                <a:rPr lang="en-US" altLang="zh-TW" sz="1600" dirty="0">
                   <a:latin typeface="Times New Roman" panose="02020603050405020304" pitchFamily="18" charset="0"/>
                   <a:cs typeface="Times New Roman" panose="02020603050405020304" pitchFamily="18" charset="0"/>
                 </a:rPr>
@@ -5165,13 +5175,13 @@
             <a:p>
               <a:pPr algn="ctr"/>
               <a:r>
-                <a:rPr lang="en-US" altLang="zh-TW" dirty="0">
+                <a:rPr lang="en-US" altLang="zh-TW" sz="1600" dirty="0">
                   <a:latin typeface="Times New Roman" panose="02020603050405020304" pitchFamily="18" charset="0"/>
                   <a:cs typeface="Times New Roman" panose="02020603050405020304" pitchFamily="18" charset="0"/>
                 </a:rPr>
                 <a:t>Intraclass Correlation Coefficient</a:t>
               </a:r>
-              <a:endParaRPr lang="zh-TW" altLang="en-US" dirty="0">
+              <a:endParaRPr lang="zh-TW" altLang="en-US" sz="1600" dirty="0">
                 <a:latin typeface="Times New Roman" panose="02020603050405020304" pitchFamily="18" charset="0"/>
                 <a:cs typeface="Times New Roman" panose="02020603050405020304" pitchFamily="18" charset="0"/>
               </a:endParaRPr>
@@ -5193,7 +5203,7 @@
         </p:nvCxnSpPr>
         <p:spPr>
           <a:xfrm>
-            <a:off x="6096000" y="2680354"/>
+            <a:off x="6096000" y="2600452"/>
             <a:ext cx="0" cy="414067"/>
           </a:xfrm>
           <a:prstGeom prst="straightConnector1">

--- a/1_Protocol/1_2_Planned_Analysis/1_2_2_OUTPUT/Flow_Chart.pptx
+++ b/1_Protocol/1_2_Planned_Analysis/1_2_2_OUTPUT/Flow_Chart.pptx
@@ -5,11 +5,12 @@
     <p:sldMasterId id="2147483648" r:id="rId1"/>
   </p:sldMasterIdLst>
   <p:notesMasterIdLst>
-    <p:notesMasterId r:id="rId4"/>
+    <p:notesMasterId r:id="rId5"/>
   </p:notesMasterIdLst>
   <p:sldIdLst>
     <p:sldId id="256" r:id="rId2"/>
     <p:sldId id="257" r:id="rId3"/>
+    <p:sldId id="258" r:id="rId4"/>
   </p:sldIdLst>
   <p:sldSz cx="12192000" cy="6858000"/>
   <p:notesSz cx="6858000" cy="9144000"/>
@@ -111,17 +112,32 @@
   <p:extLst>
     <p:ext uri="{EFAFB233-063F-42B5-8137-9DF3F51BA10A}">
       <p15:sldGuideLst xmlns:p15="http://schemas.microsoft.com/office/powerpoint/2012/main">
-        <p15:guide id="1" orient="horz" pos="2908" userDrawn="1">
+        <p15:guide id="1" orient="horz" pos="3000" userDrawn="1">
           <p15:clr>
             <a:srgbClr val="A4A3A4"/>
           </p15:clr>
         </p15:guide>
-        <p15:guide id="2" orient="horz" pos="3475" userDrawn="1">
+        <p15:guide id="2" orient="horz" pos="3960" userDrawn="1">
           <p15:clr>
             <a:srgbClr val="A4A3A4"/>
           </p15:clr>
         </p15:guide>
         <p15:guide id="3" pos="3840">
+          <p15:clr>
+            <a:srgbClr val="A4A3A4"/>
+          </p15:clr>
+        </p15:guide>
+        <p15:guide id="4" pos="2184" userDrawn="1">
+          <p15:clr>
+            <a:srgbClr val="A4A3A4"/>
+          </p15:clr>
+        </p15:guide>
+        <p15:guide id="5" pos="5760" userDrawn="1">
+          <p15:clr>
+            <a:srgbClr val="A4A3A4"/>
+          </p15:clr>
+        </p15:guide>
+        <p15:guide id="6" orient="horz" pos="2712" userDrawn="1">
           <p15:clr>
             <a:srgbClr val="A4A3A4"/>
           </p15:clr>
@@ -214,7 +230,7 @@
           <a:p>
             <a:fld id="{6D1E7BF1-5C37-40DA-A35C-C8A73C85B1EE}" type="datetimeFigureOut">
               <a:rPr lang="zh-CN" altLang="en-US" smtClean="0"/>
-              <a:t>2023/7/26</a:t>
+              <a:t>2023/9/6</a:t>
             </a:fld>
             <a:endParaRPr lang="zh-CN" altLang="en-US"/>
           </a:p>
@@ -565,6 +581,90 @@
 </p:notes>
 </file>
 
+<file path=ppt/notesSlides/notesSlide2.xml><?xml version="1.0" encoding="utf-8"?>
+<p:notes xmlns:a="http://schemas.openxmlformats.org/drawingml/2006/main" xmlns:r="http://schemas.openxmlformats.org/officeDocument/2006/relationships" xmlns:p="http://schemas.openxmlformats.org/presentationml/2006/main">
+  <p:cSld>
+    <p:spTree>
+      <p:nvGrpSpPr>
+        <p:cNvPr id="1" name=""/>
+        <p:cNvGrpSpPr/>
+        <p:nvPr/>
+      </p:nvGrpSpPr>
+      <p:grpSpPr>
+        <a:xfrm>
+          <a:off x="0" y="0"/>
+          <a:ext cx="0" cy="0"/>
+          <a:chOff x="0" y="0"/>
+          <a:chExt cx="0" cy="0"/>
+        </a:xfrm>
+      </p:grpSpPr>
+      <p:sp>
+        <p:nvSpPr>
+          <p:cNvPr id="2" name="幻灯片图像占位符 1"/>
+          <p:cNvSpPr>
+            <a:spLocks noGrp="1" noRot="1" noChangeAspect="1"/>
+          </p:cNvSpPr>
+          <p:nvPr>
+            <p:ph type="sldImg"/>
+          </p:nvPr>
+        </p:nvSpPr>
+        <p:spPr/>
+      </p:sp>
+      <p:sp>
+        <p:nvSpPr>
+          <p:cNvPr id="3" name="备注占位符 2"/>
+          <p:cNvSpPr>
+            <a:spLocks noGrp="1"/>
+          </p:cNvSpPr>
+          <p:nvPr>
+            <p:ph type="body" idx="1"/>
+          </p:nvPr>
+        </p:nvSpPr>
+        <p:spPr/>
+        <p:txBody>
+          <a:bodyPr/>
+          <a:lstStyle/>
+          <a:p>
+            <a:endParaRPr lang="zh-CN" altLang="en-US" dirty="0"/>
+          </a:p>
+        </p:txBody>
+      </p:sp>
+      <p:sp>
+        <p:nvSpPr>
+          <p:cNvPr id="4" name="灯片编号占位符 3"/>
+          <p:cNvSpPr>
+            <a:spLocks noGrp="1"/>
+          </p:cNvSpPr>
+          <p:nvPr>
+            <p:ph type="sldNum" sz="quarter" idx="5"/>
+          </p:nvPr>
+        </p:nvSpPr>
+        <p:spPr/>
+        <p:txBody>
+          <a:bodyPr/>
+          <a:lstStyle/>
+          <a:p>
+            <a:fld id="{21434C06-EBD8-4458-A2C5-E8CF0354291F}" type="slidenum">
+              <a:rPr lang="zh-CN" altLang="en-US" smtClean="0"/>
+              <a:t>3</a:t>
+            </a:fld>
+            <a:endParaRPr lang="zh-CN" altLang="en-US"/>
+          </a:p>
+        </p:txBody>
+      </p:sp>
+    </p:spTree>
+    <p:extLst>
+      <p:ext uri="{BB962C8B-B14F-4D97-AF65-F5344CB8AC3E}">
+        <p14:creationId xmlns:p14="http://schemas.microsoft.com/office/powerpoint/2010/main" val="4030792723"/>
+      </p:ext>
+    </p:extLst>
+  </p:cSld>
+  <p:clrMapOvr>
+    <a:masterClrMapping/>
+  </p:clrMapOvr>
+</p:notes>
+</file>
+
 <file path=ppt/slideLayouts/slideLayout1.xml><?xml version="1.0" encoding="utf-8"?>
 <p:sldLayout xmlns:a="http://schemas.openxmlformats.org/drawingml/2006/main" xmlns:r="http://schemas.openxmlformats.org/officeDocument/2006/relationships" xmlns:p="http://schemas.openxmlformats.org/presentationml/2006/main" type="title" preserve="1">
   <p:cSld name="标题幻灯片">
@@ -696,7 +796,7 @@
           <a:p>
             <a:fld id="{6E3B42F8-6E75-4811-AA9B-137B925DD217}" type="datetimeFigureOut">
               <a:rPr lang="zh-TW" altLang="en-US" smtClean="0"/>
-              <a:t>2023/7/26</a:t>
+              <a:t>2023/9/6</a:t>
             </a:fld>
             <a:endParaRPr lang="zh-TW" altLang="en-US"/>
           </a:p>
@@ -866,7 +966,7 @@
           <a:p>
             <a:fld id="{6E3B42F8-6E75-4811-AA9B-137B925DD217}" type="datetimeFigureOut">
               <a:rPr lang="zh-TW" altLang="en-US" smtClean="0"/>
-              <a:t>2023/7/26</a:t>
+              <a:t>2023/9/6</a:t>
             </a:fld>
             <a:endParaRPr lang="zh-TW" altLang="en-US"/>
           </a:p>
@@ -1046,7 +1146,7 @@
           <a:p>
             <a:fld id="{6E3B42F8-6E75-4811-AA9B-137B925DD217}" type="datetimeFigureOut">
               <a:rPr lang="zh-TW" altLang="en-US" smtClean="0"/>
-              <a:t>2023/7/26</a:t>
+              <a:t>2023/9/6</a:t>
             </a:fld>
             <a:endParaRPr lang="zh-TW" altLang="en-US"/>
           </a:p>
@@ -1216,7 +1316,7 @@
           <a:p>
             <a:fld id="{6E3B42F8-6E75-4811-AA9B-137B925DD217}" type="datetimeFigureOut">
               <a:rPr lang="zh-TW" altLang="en-US" smtClean="0"/>
-              <a:t>2023/7/26</a:t>
+              <a:t>2023/9/6</a:t>
             </a:fld>
             <a:endParaRPr lang="zh-TW" altLang="en-US"/>
           </a:p>
@@ -1462,7 +1562,7 @@
           <a:p>
             <a:fld id="{6E3B42F8-6E75-4811-AA9B-137B925DD217}" type="datetimeFigureOut">
               <a:rPr lang="zh-TW" altLang="en-US" smtClean="0"/>
-              <a:t>2023/7/26</a:t>
+              <a:t>2023/9/6</a:t>
             </a:fld>
             <a:endParaRPr lang="zh-TW" altLang="en-US"/>
           </a:p>
@@ -1694,7 +1794,7 @@
           <a:p>
             <a:fld id="{6E3B42F8-6E75-4811-AA9B-137B925DD217}" type="datetimeFigureOut">
               <a:rPr lang="zh-TW" altLang="en-US" smtClean="0"/>
-              <a:t>2023/7/26</a:t>
+              <a:t>2023/9/6</a:t>
             </a:fld>
             <a:endParaRPr lang="zh-TW" altLang="en-US"/>
           </a:p>
@@ -2061,7 +2161,7 @@
           <a:p>
             <a:fld id="{6E3B42F8-6E75-4811-AA9B-137B925DD217}" type="datetimeFigureOut">
               <a:rPr lang="zh-TW" altLang="en-US" smtClean="0"/>
-              <a:t>2023/7/26</a:t>
+              <a:t>2023/9/6</a:t>
             </a:fld>
             <a:endParaRPr lang="zh-TW" altLang="en-US"/>
           </a:p>
@@ -2179,7 +2279,7 @@
           <a:p>
             <a:fld id="{6E3B42F8-6E75-4811-AA9B-137B925DD217}" type="datetimeFigureOut">
               <a:rPr lang="zh-TW" altLang="en-US" smtClean="0"/>
-              <a:t>2023/7/26</a:t>
+              <a:t>2023/9/6</a:t>
             </a:fld>
             <a:endParaRPr lang="zh-TW" altLang="en-US"/>
           </a:p>
@@ -2274,7 +2374,7 @@
           <a:p>
             <a:fld id="{6E3B42F8-6E75-4811-AA9B-137B925DD217}" type="datetimeFigureOut">
               <a:rPr lang="zh-TW" altLang="en-US" smtClean="0"/>
-              <a:t>2023/7/26</a:t>
+              <a:t>2023/9/6</a:t>
             </a:fld>
             <a:endParaRPr lang="zh-TW" altLang="en-US"/>
           </a:p>
@@ -2551,7 +2651,7 @@
           <a:p>
             <a:fld id="{6E3B42F8-6E75-4811-AA9B-137B925DD217}" type="datetimeFigureOut">
               <a:rPr lang="zh-TW" altLang="en-US" smtClean="0"/>
-              <a:t>2023/7/26</a:t>
+              <a:t>2023/9/6</a:t>
             </a:fld>
             <a:endParaRPr lang="zh-TW" altLang="en-US"/>
           </a:p>
@@ -2804,7 +2904,7 @@
           <a:p>
             <a:fld id="{6E3B42F8-6E75-4811-AA9B-137B925DD217}" type="datetimeFigureOut">
               <a:rPr lang="zh-TW" altLang="en-US" smtClean="0"/>
-              <a:t>2023/7/26</a:t>
+              <a:t>2023/9/6</a:t>
             </a:fld>
             <a:endParaRPr lang="zh-TW" altLang="en-US"/>
           </a:p>
@@ -3017,7 +3117,7 @@
           <a:p>
             <a:fld id="{6E3B42F8-6E75-4811-AA9B-137B925DD217}" type="datetimeFigureOut">
               <a:rPr lang="zh-TW" altLang="en-US" smtClean="0"/>
-              <a:t>2023/7/26</a:t>
+              <a:t>2023/9/6</a:t>
             </a:fld>
             <a:endParaRPr lang="zh-TW" altLang="en-US"/>
           </a:p>
@@ -5235,6 +5335,1249 @@
     <p:extLst>
       <p:ext uri="{BB962C8B-B14F-4D97-AF65-F5344CB8AC3E}">
         <p14:creationId xmlns:p14="http://schemas.microsoft.com/office/powerpoint/2010/main" val="2250847505"/>
+      </p:ext>
+    </p:extLst>
+  </p:cSld>
+  <p:clrMapOvr>
+    <a:masterClrMapping/>
+  </p:clrMapOvr>
+</p:sld>
+</file>
+
+<file path=ppt/slides/slide3.xml><?xml version="1.0" encoding="utf-8"?>
+<p:sld xmlns:a="http://schemas.openxmlformats.org/drawingml/2006/main" xmlns:r="http://schemas.openxmlformats.org/officeDocument/2006/relationships" xmlns:p="http://schemas.openxmlformats.org/presentationml/2006/main">
+  <p:cSld>
+    <p:spTree>
+      <p:nvGrpSpPr>
+        <p:cNvPr id="1" name=""/>
+        <p:cNvGrpSpPr/>
+        <p:nvPr/>
+      </p:nvGrpSpPr>
+      <p:grpSpPr>
+        <a:xfrm>
+          <a:off x="0" y="0"/>
+          <a:ext cx="0" cy="0"/>
+          <a:chOff x="0" y="0"/>
+          <a:chExt cx="0" cy="0"/>
+        </a:xfrm>
+      </p:grpSpPr>
+      <p:sp>
+        <p:nvSpPr>
+          <p:cNvPr id="2" name="文本框 1"/>
+          <p:cNvSpPr txBox="1"/>
+          <p:nvPr/>
+        </p:nvSpPr>
+        <p:spPr>
+          <a:xfrm>
+            <a:off x="5101727" y="124847"/>
+            <a:ext cx="2020205" cy="374571"/>
+          </a:xfrm>
+          <a:prstGeom prst="roundRect">
+            <a:avLst/>
+          </a:prstGeom>
+          <a:noFill/>
+          <a:ln w="19050">
+            <a:solidFill>
+              <a:schemeClr val="tx1"/>
+            </a:solidFill>
+          </a:ln>
+        </p:spPr>
+        <p:txBody>
+          <a:bodyPr wrap="square" rtlCol="0">
+            <a:spAutoFit/>
+          </a:bodyPr>
+          <a:lstStyle/>
+          <a:p>
+            <a:pPr algn="ctr"/>
+            <a:r>
+              <a:rPr lang="en-US" altLang="zh-CN" sz="1600" dirty="0">
+                <a:latin typeface="Times New Roman" panose="02020603050405020304" pitchFamily="18" charset="0"/>
+                <a:cs typeface="Times New Roman" panose="02020603050405020304" pitchFamily="18" charset="0"/>
+              </a:rPr>
+              <a:t>Collect Open Data</a:t>
+            </a:r>
+            <a:endParaRPr lang="zh-TW" altLang="en-US" sz="1600" dirty="0">
+              <a:latin typeface="Times New Roman" panose="02020603050405020304" pitchFamily="18" charset="0"/>
+              <a:cs typeface="Times New Roman" panose="02020603050405020304" pitchFamily="18" charset="0"/>
+            </a:endParaRPr>
+          </a:p>
+        </p:txBody>
+      </p:sp>
+      <p:sp>
+        <p:nvSpPr>
+          <p:cNvPr id="4" name="圆角矩形 3"/>
+          <p:cNvSpPr/>
+          <p:nvPr/>
+        </p:nvSpPr>
+        <p:spPr>
+          <a:xfrm>
+            <a:off x="5544231" y="1031685"/>
+            <a:ext cx="1135193" cy="374571"/>
+          </a:xfrm>
+          <a:prstGeom prst="roundRect">
+            <a:avLst/>
+          </a:prstGeom>
+          <a:noFill/>
+          <a:ln w="19050">
+            <a:solidFill>
+              <a:schemeClr val="tx1"/>
+            </a:solidFill>
+          </a:ln>
+        </p:spPr>
+        <p:txBody>
+          <a:bodyPr wrap="none">
+            <a:spAutoFit/>
+          </a:bodyPr>
+          <a:lstStyle/>
+          <a:p>
+            <a:pPr algn="ctr"/>
+            <a:r>
+              <a:rPr lang="en-US" altLang="zh-CN" sz="1600" dirty="0">
+                <a:latin typeface="Times New Roman" panose="02020603050405020304" pitchFamily="18" charset="0"/>
+                <a:cs typeface="Times New Roman" panose="02020603050405020304" pitchFamily="18" charset="0"/>
+              </a:rPr>
+              <a:t>Clean Data</a:t>
+            </a:r>
+            <a:endParaRPr lang="zh-TW" altLang="en-US" sz="1600" dirty="0">
+              <a:latin typeface="Times New Roman" panose="02020603050405020304" pitchFamily="18" charset="0"/>
+              <a:cs typeface="Times New Roman" panose="02020603050405020304" pitchFamily="18" charset="0"/>
+            </a:endParaRPr>
+          </a:p>
+        </p:txBody>
+      </p:sp>
+      <p:sp>
+        <p:nvSpPr>
+          <p:cNvPr id="5" name="文本框 4"/>
+          <p:cNvSpPr txBox="1"/>
+          <p:nvPr/>
+        </p:nvSpPr>
+        <p:spPr>
+          <a:xfrm>
+            <a:off x="4518975" y="1951098"/>
+            <a:ext cx="3185703" cy="578882"/>
+          </a:xfrm>
+          <a:prstGeom prst="roundRect">
+            <a:avLst/>
+          </a:prstGeom>
+          <a:noFill/>
+          <a:ln w="19050">
+            <a:solidFill>
+              <a:schemeClr val="tx1"/>
+            </a:solidFill>
+          </a:ln>
+        </p:spPr>
+        <p:txBody>
+          <a:bodyPr wrap="square" rtlCol="0">
+            <a:spAutoFit/>
+          </a:bodyPr>
+          <a:lstStyle/>
+          <a:p>
+            <a:pPr algn="ctr"/>
+            <a:r>
+              <a:rPr lang="en-US" altLang="zh-CN" sz="1600" dirty="0">
+                <a:latin typeface="Times New Roman" panose="02020603050405020304" pitchFamily="18" charset="0"/>
+                <a:cs typeface="Times New Roman" panose="02020603050405020304" pitchFamily="18" charset="0"/>
+              </a:rPr>
+              <a:t>Calculate 6 Outcome Variables</a:t>
+            </a:r>
+          </a:p>
+          <a:p>
+            <a:pPr algn="ctr"/>
+            <a:r>
+              <a:rPr lang="en-US" altLang="zh-TW" sz="1200" i="1" dirty="0">
+                <a:latin typeface="Times New Roman" panose="02020603050405020304" pitchFamily="18" charset="0"/>
+                <a:ea typeface="Times New Roman" panose="02020603050405020304" pitchFamily="18" charset="0"/>
+                <a:cs typeface="Times New Roman" panose="02020603050405020304" pitchFamily="18" charset="0"/>
+              </a:rPr>
+              <a:t>RT, ACC, </a:t>
+            </a:r>
+            <a:r>
+              <a:rPr lang="en-US" altLang="zh-CN" sz="1200" i="1" dirty="0">
+                <a:latin typeface="Times New Roman" panose="02020603050405020304" pitchFamily="18" charset="0"/>
+                <a:ea typeface="Times New Roman" panose="02020603050405020304" pitchFamily="18" charset="0"/>
+                <a:cs typeface="Times New Roman" panose="02020603050405020304" pitchFamily="18" charset="0"/>
+              </a:rPr>
+              <a:t>d’</a:t>
+            </a:r>
+            <a:r>
+              <a:rPr lang="en-US" altLang="zh-TW" sz="1200" i="1" dirty="0">
+                <a:latin typeface="Times New Roman" panose="02020603050405020304" pitchFamily="18" charset="0"/>
+                <a:ea typeface="Times New Roman" panose="02020603050405020304" pitchFamily="18" charset="0"/>
+                <a:cs typeface="Times New Roman" panose="02020603050405020304" pitchFamily="18" charset="0"/>
+              </a:rPr>
+              <a:t>, </a:t>
+            </a:r>
+            <a:r>
+              <a:rPr lang="en-US" altLang="zh-CN" sz="1200" i="1" dirty="0">
+                <a:latin typeface="Times New Roman" panose="02020603050405020304" pitchFamily="18" charset="0"/>
+                <a:ea typeface="Times New Roman" panose="02020603050405020304" pitchFamily="18" charset="0"/>
+                <a:cs typeface="Times New Roman" panose="02020603050405020304" pitchFamily="18" charset="0"/>
+              </a:rPr>
+              <a:t>η</a:t>
+            </a:r>
+            <a:r>
+              <a:rPr lang="en-US" altLang="zh-TW" sz="1200" i="1" dirty="0">
+                <a:latin typeface="Times New Roman" panose="02020603050405020304" pitchFamily="18" charset="0"/>
+                <a:ea typeface="Times New Roman" panose="02020603050405020304" pitchFamily="18" charset="0"/>
+                <a:cs typeface="Times New Roman" panose="02020603050405020304" pitchFamily="18" charset="0"/>
+              </a:rPr>
+              <a:t>, v, z</a:t>
+            </a:r>
+            <a:endParaRPr lang="zh-TW" altLang="en-US" sz="1200" i="1" dirty="0">
+              <a:latin typeface="Times New Roman" panose="02020603050405020304" pitchFamily="18" charset="0"/>
+              <a:cs typeface="Times New Roman" panose="02020603050405020304" pitchFamily="18" charset="0"/>
+            </a:endParaRPr>
+          </a:p>
+        </p:txBody>
+      </p:sp>
+      <p:cxnSp>
+        <p:nvCxnSpPr>
+          <p:cNvPr id="17" name="直接箭头连接符 16"/>
+          <p:cNvCxnSpPr/>
+          <p:nvPr/>
+        </p:nvCxnSpPr>
+        <p:spPr>
+          <a:xfrm>
+            <a:off x="6096000" y="559743"/>
+            <a:ext cx="0" cy="414067"/>
+          </a:xfrm>
+          <a:prstGeom prst="straightConnector1">
+            <a:avLst/>
+          </a:prstGeom>
+          <a:ln w="19050">
+            <a:solidFill>
+              <a:schemeClr val="tx1"/>
+            </a:solidFill>
+            <a:tailEnd type="triangle"/>
+          </a:ln>
+        </p:spPr>
+        <p:style>
+          <a:lnRef idx="1">
+            <a:schemeClr val="accent1"/>
+          </a:lnRef>
+          <a:fillRef idx="0">
+            <a:schemeClr val="accent1"/>
+          </a:fillRef>
+          <a:effectRef idx="0">
+            <a:schemeClr val="accent1"/>
+          </a:effectRef>
+          <a:fontRef idx="minor">
+            <a:schemeClr val="tx1"/>
+          </a:fontRef>
+        </p:style>
+      </p:cxnSp>
+      <p:cxnSp>
+        <p:nvCxnSpPr>
+          <p:cNvPr id="18" name="直接箭头连接符 17"/>
+          <p:cNvCxnSpPr/>
+          <p:nvPr/>
+        </p:nvCxnSpPr>
+        <p:spPr>
+          <a:xfrm>
+            <a:off x="6099175" y="1461712"/>
+            <a:ext cx="0" cy="414067"/>
+          </a:xfrm>
+          <a:prstGeom prst="straightConnector1">
+            <a:avLst/>
+          </a:prstGeom>
+          <a:ln w="19050">
+            <a:solidFill>
+              <a:schemeClr val="tx1"/>
+            </a:solidFill>
+            <a:tailEnd type="triangle"/>
+          </a:ln>
+        </p:spPr>
+        <p:style>
+          <a:lnRef idx="1">
+            <a:schemeClr val="accent1"/>
+          </a:lnRef>
+          <a:fillRef idx="0">
+            <a:schemeClr val="accent1"/>
+          </a:fillRef>
+          <a:effectRef idx="0">
+            <a:schemeClr val="accent1"/>
+          </a:effectRef>
+          <a:fontRef idx="minor">
+            <a:schemeClr val="tx1"/>
+          </a:fontRef>
+        </p:style>
+      </p:cxnSp>
+      <p:sp>
+        <p:nvSpPr>
+          <p:cNvPr id="9" name="文本框 8"/>
+          <p:cNvSpPr txBox="1"/>
+          <p:nvPr/>
+        </p:nvSpPr>
+        <p:spPr>
+          <a:xfrm>
+            <a:off x="6906831" y="5930012"/>
+            <a:ext cx="2237170" cy="544830"/>
+          </a:xfrm>
+          <a:prstGeom prst="roundRect">
+            <a:avLst/>
+          </a:prstGeom>
+          <a:noFill/>
+          <a:ln w="19050">
+            <a:solidFill>
+              <a:schemeClr val="tx1"/>
+            </a:solidFill>
+          </a:ln>
+        </p:spPr>
+        <p:txBody>
+          <a:bodyPr wrap="square" rtlCol="0">
+            <a:spAutoFit/>
+          </a:bodyPr>
+          <a:lstStyle/>
+          <a:p>
+            <a:pPr algn="ctr"/>
+            <a:r>
+              <a:rPr lang="en-US" altLang="zh-TW" sz="1600" dirty="0">
+                <a:latin typeface="Times New Roman" panose="02020603050405020304" pitchFamily="18" charset="0"/>
+                <a:cs typeface="Times New Roman" panose="02020603050405020304" pitchFamily="18" charset="0"/>
+              </a:rPr>
+              <a:t>Plot SHR</a:t>
+            </a:r>
+          </a:p>
+          <a:p>
+            <a:pPr algn="ctr"/>
+            <a:r>
+              <a:rPr lang="en-US" altLang="zh-TW" sz="1000" dirty="0">
+                <a:latin typeface="Times New Roman" panose="02020603050405020304" pitchFamily="18" charset="0"/>
+                <a:cs typeface="Times New Roman" panose="02020603050405020304" pitchFamily="18" charset="0"/>
+              </a:rPr>
+              <a:t>(S</a:t>
+            </a:r>
+            <a:r>
+              <a:rPr lang="en-US" altLang="zh-CN" sz="1000" dirty="0">
+                <a:latin typeface="Times New Roman" panose="02020603050405020304" pitchFamily="18" charset="0"/>
+                <a:cs typeface="Times New Roman" panose="02020603050405020304" pitchFamily="18" charset="0"/>
+              </a:rPr>
+              <a:t>plit-Half Reliability)</a:t>
+            </a:r>
+            <a:endParaRPr lang="zh-TW" altLang="en-US" sz="1000" dirty="0">
+              <a:latin typeface="Times New Roman" panose="02020603050405020304" pitchFamily="18" charset="0"/>
+              <a:cs typeface="Times New Roman" panose="02020603050405020304" pitchFamily="18" charset="0"/>
+            </a:endParaRPr>
+          </a:p>
+        </p:txBody>
+      </p:sp>
+      <p:cxnSp>
+        <p:nvCxnSpPr>
+          <p:cNvPr id="20" name="直接箭头连接符 19"/>
+          <p:cNvCxnSpPr/>
+          <p:nvPr/>
+        </p:nvCxnSpPr>
+        <p:spPr>
+          <a:xfrm>
+            <a:off x="8025417" y="5419970"/>
+            <a:ext cx="0" cy="414067"/>
+          </a:xfrm>
+          <a:prstGeom prst="straightConnector1">
+            <a:avLst/>
+          </a:prstGeom>
+          <a:ln w="19050">
+            <a:solidFill>
+              <a:schemeClr val="tx1"/>
+            </a:solidFill>
+            <a:tailEnd type="triangle"/>
+          </a:ln>
+        </p:spPr>
+        <p:style>
+          <a:lnRef idx="1">
+            <a:schemeClr val="accent1"/>
+          </a:lnRef>
+          <a:fillRef idx="0">
+            <a:schemeClr val="accent1"/>
+          </a:fillRef>
+          <a:effectRef idx="0">
+            <a:schemeClr val="accent1"/>
+          </a:effectRef>
+          <a:fontRef idx="minor">
+            <a:schemeClr val="tx1"/>
+          </a:fontRef>
+        </p:style>
+      </p:cxnSp>
+      <p:sp>
+        <p:nvSpPr>
+          <p:cNvPr id="8" name="文本框 7"/>
+          <p:cNvSpPr txBox="1"/>
+          <p:nvPr/>
+        </p:nvSpPr>
+        <p:spPr>
+          <a:xfrm>
+            <a:off x="9637650" y="5930012"/>
+            <a:ext cx="2071741" cy="544830"/>
+          </a:xfrm>
+          <a:prstGeom prst="roundRect">
+            <a:avLst/>
+          </a:prstGeom>
+          <a:noFill/>
+          <a:ln w="19050">
+            <a:solidFill>
+              <a:schemeClr val="tx1"/>
+            </a:solidFill>
+          </a:ln>
+        </p:spPr>
+        <p:txBody>
+          <a:bodyPr wrap="square" rtlCol="0">
+            <a:spAutoFit/>
+          </a:bodyPr>
+          <a:lstStyle/>
+          <a:p>
+            <a:pPr algn="ctr"/>
+            <a:r>
+              <a:rPr lang="en-US" altLang="zh-TW" sz="1600" dirty="0">
+                <a:latin typeface="Times New Roman" panose="02020603050405020304" pitchFamily="18" charset="0"/>
+                <a:cs typeface="Times New Roman" panose="02020603050405020304" pitchFamily="18" charset="0"/>
+              </a:rPr>
+              <a:t>Plot ICC</a:t>
+            </a:r>
+          </a:p>
+          <a:p>
+            <a:pPr algn="ctr"/>
+            <a:r>
+              <a:rPr lang="en-US" altLang="zh-TW" sz="1000" dirty="0">
+                <a:latin typeface="Times New Roman" panose="02020603050405020304" pitchFamily="18" charset="0"/>
+                <a:cs typeface="Times New Roman" panose="02020603050405020304" pitchFamily="18" charset="0"/>
+              </a:rPr>
+              <a:t>(Intraclass Correlation Coefficient)</a:t>
+            </a:r>
+            <a:endParaRPr lang="zh-TW" altLang="en-US" sz="1000" dirty="0">
+              <a:latin typeface="Times New Roman" panose="02020603050405020304" pitchFamily="18" charset="0"/>
+              <a:cs typeface="Times New Roman" panose="02020603050405020304" pitchFamily="18" charset="0"/>
+            </a:endParaRPr>
+          </a:p>
+        </p:txBody>
+      </p:sp>
+      <p:cxnSp>
+        <p:nvCxnSpPr>
+          <p:cNvPr id="23" name="直接箭头连接符 22"/>
+          <p:cNvCxnSpPr/>
+          <p:nvPr/>
+        </p:nvCxnSpPr>
+        <p:spPr>
+          <a:xfrm>
+            <a:off x="10655413" y="5408089"/>
+            <a:ext cx="0" cy="414067"/>
+          </a:xfrm>
+          <a:prstGeom prst="straightConnector1">
+            <a:avLst/>
+          </a:prstGeom>
+          <a:ln w="19050">
+            <a:solidFill>
+              <a:schemeClr val="tx1"/>
+            </a:solidFill>
+            <a:tailEnd type="triangle"/>
+          </a:ln>
+        </p:spPr>
+        <p:style>
+          <a:lnRef idx="1">
+            <a:schemeClr val="accent1"/>
+          </a:lnRef>
+          <a:fillRef idx="0">
+            <a:schemeClr val="accent1"/>
+          </a:fillRef>
+          <a:effectRef idx="0">
+            <a:schemeClr val="accent1"/>
+          </a:effectRef>
+          <a:fontRef idx="minor">
+            <a:schemeClr val="tx1"/>
+          </a:fontRef>
+        </p:style>
+      </p:cxnSp>
+      <p:sp>
+        <p:nvSpPr>
+          <p:cNvPr id="10" name="圆角矩形 3">
+            <a:extLst>
+              <a:ext uri="{FF2B5EF4-FFF2-40B4-BE49-F238E27FC236}">
+                <a16:creationId xmlns:a16="http://schemas.microsoft.com/office/drawing/2014/main" id="{981289ED-C0CE-69B1-7E09-40829F5AD45D}"/>
+              </a:ext>
+            </a:extLst>
+          </p:cNvPr>
+          <p:cNvSpPr/>
+          <p:nvPr/>
+        </p:nvSpPr>
+        <p:spPr>
+          <a:xfrm>
+            <a:off x="7378048" y="3243384"/>
+            <a:ext cx="3683383" cy="749141"/>
+          </a:xfrm>
+          <a:prstGeom prst="roundRect">
+            <a:avLst/>
+          </a:prstGeom>
+          <a:noFill/>
+          <a:ln w="19050">
+            <a:solidFill>
+              <a:schemeClr val="tx1"/>
+            </a:solidFill>
+          </a:ln>
+        </p:spPr>
+        <p:txBody>
+          <a:bodyPr wrap="none">
+            <a:spAutoFit/>
+          </a:bodyPr>
+          <a:lstStyle/>
+          <a:p>
+            <a:pPr algn="ctr"/>
+            <a:r>
+              <a:rPr lang="en-US" altLang="zh-CN" sz="1600" dirty="0">
+                <a:latin typeface="Times New Roman" panose="02020603050405020304" pitchFamily="18" charset="0"/>
+                <a:cs typeface="Times New Roman" panose="02020603050405020304" pitchFamily="18" charset="0"/>
+              </a:rPr>
+              <a:t>Calculate SPE measures</a:t>
+            </a:r>
+          </a:p>
+          <a:p>
+            <a:pPr algn="ctr"/>
+            <a:r>
+              <a:rPr lang="en-US" altLang="zh-CN" sz="1200" dirty="0">
+                <a:latin typeface="Times New Roman" panose="02020603050405020304" pitchFamily="18" charset="0"/>
+                <a:cs typeface="Times New Roman" panose="02020603050405020304" pitchFamily="18" charset="0"/>
+              </a:rPr>
+              <a:t>based on 6 outcome variables and 4 baseline conditions</a:t>
+            </a:r>
+          </a:p>
+          <a:p>
+            <a:pPr algn="ctr"/>
+            <a:r>
+              <a:rPr lang="en-US" altLang="zh-CN" sz="1000" i="1" dirty="0">
+                <a:latin typeface="Times New Roman" panose="02020603050405020304" pitchFamily="18" charset="0"/>
+                <a:cs typeface="Times New Roman" panose="02020603050405020304" pitchFamily="18" charset="0"/>
+              </a:rPr>
+              <a:t>(Close, Stranger, Celebrity, Nonperson)</a:t>
+            </a:r>
+          </a:p>
+        </p:txBody>
+      </p:sp>
+      <p:sp>
+        <p:nvSpPr>
+          <p:cNvPr id="7" name="文本框 6"/>
+          <p:cNvSpPr txBox="1"/>
+          <p:nvPr/>
+        </p:nvSpPr>
+        <p:spPr>
+          <a:xfrm>
+            <a:off x="6906830" y="4812841"/>
+            <a:ext cx="2237170" cy="544830"/>
+          </a:xfrm>
+          <a:prstGeom prst="roundRect">
+            <a:avLst/>
+          </a:prstGeom>
+          <a:noFill/>
+          <a:ln w="19050">
+            <a:solidFill>
+              <a:schemeClr val="tx1"/>
+            </a:solidFill>
+          </a:ln>
+        </p:spPr>
+        <p:txBody>
+          <a:bodyPr wrap="square" rtlCol="0">
+            <a:spAutoFit/>
+          </a:bodyPr>
+          <a:lstStyle/>
+          <a:p>
+            <a:pPr algn="ctr"/>
+            <a:r>
+              <a:rPr lang="en-US" altLang="zh-TW" sz="1600" dirty="0">
+                <a:latin typeface="Times New Roman" panose="02020603050405020304" pitchFamily="18" charset="0"/>
+                <a:cs typeface="Times New Roman" panose="02020603050405020304" pitchFamily="18" charset="0"/>
+              </a:rPr>
+              <a:t>Calculate SHR</a:t>
+            </a:r>
+          </a:p>
+          <a:p>
+            <a:pPr algn="ctr"/>
+            <a:r>
+              <a:rPr lang="en-US" altLang="zh-TW" sz="1000" dirty="0">
+                <a:latin typeface="Times New Roman" panose="02020603050405020304" pitchFamily="18" charset="0"/>
+                <a:cs typeface="Times New Roman" panose="02020603050405020304" pitchFamily="18" charset="0"/>
+              </a:rPr>
+              <a:t>(S</a:t>
+            </a:r>
+            <a:r>
+              <a:rPr lang="en-US" altLang="zh-CN" sz="1000" dirty="0">
+                <a:latin typeface="Times New Roman" panose="02020603050405020304" pitchFamily="18" charset="0"/>
+                <a:cs typeface="Times New Roman" panose="02020603050405020304" pitchFamily="18" charset="0"/>
+              </a:rPr>
+              <a:t>plit-Half Reliability)</a:t>
+            </a:r>
+            <a:endParaRPr lang="zh-TW" altLang="en-US" sz="1000" dirty="0">
+              <a:latin typeface="Times New Roman" panose="02020603050405020304" pitchFamily="18" charset="0"/>
+              <a:cs typeface="Times New Roman" panose="02020603050405020304" pitchFamily="18" charset="0"/>
+            </a:endParaRPr>
+          </a:p>
+        </p:txBody>
+      </p:sp>
+      <p:cxnSp>
+        <p:nvCxnSpPr>
+          <p:cNvPr id="21" name="直接箭头连接符 20"/>
+          <p:cNvCxnSpPr>
+            <a:cxnSpLocks/>
+          </p:cNvCxnSpPr>
+          <p:nvPr/>
+        </p:nvCxnSpPr>
+        <p:spPr>
+          <a:xfrm flipH="1">
+            <a:off x="8025415" y="4289144"/>
+            <a:ext cx="376632" cy="390022"/>
+          </a:xfrm>
+          <a:prstGeom prst="straightConnector1">
+            <a:avLst/>
+          </a:prstGeom>
+          <a:ln w="19050">
+            <a:solidFill>
+              <a:schemeClr val="tx1"/>
+            </a:solidFill>
+            <a:tailEnd type="triangle"/>
+          </a:ln>
+        </p:spPr>
+        <p:style>
+          <a:lnRef idx="1">
+            <a:schemeClr val="accent1"/>
+          </a:lnRef>
+          <a:fillRef idx="0">
+            <a:schemeClr val="accent1"/>
+          </a:fillRef>
+          <a:effectRef idx="0">
+            <a:schemeClr val="accent1"/>
+          </a:effectRef>
+          <a:fontRef idx="minor">
+            <a:schemeClr val="tx1"/>
+          </a:fontRef>
+        </p:style>
+      </p:cxnSp>
+      <p:sp>
+        <p:nvSpPr>
+          <p:cNvPr id="30" name="文本框 29"/>
+          <p:cNvSpPr txBox="1"/>
+          <p:nvPr/>
+        </p:nvSpPr>
+        <p:spPr>
+          <a:xfrm rot="2795594">
+            <a:off x="10163242" y="4303277"/>
+            <a:ext cx="1189417" cy="253916"/>
+          </a:xfrm>
+          <a:prstGeom prst="rect">
+            <a:avLst/>
+          </a:prstGeom>
+          <a:noFill/>
+          <a:ln w="19050">
+            <a:noFill/>
+          </a:ln>
+        </p:spPr>
+        <p:txBody>
+          <a:bodyPr wrap="square" rtlCol="0">
+            <a:spAutoFit/>
+          </a:bodyPr>
+          <a:lstStyle/>
+          <a:p>
+            <a:r>
+              <a:rPr lang="en-US" altLang="zh-TW" sz="1000" dirty="0">
+                <a:latin typeface="Times New Roman" panose="02020603050405020304" pitchFamily="18" charset="0"/>
+                <a:cs typeface="Times New Roman" panose="02020603050405020304" pitchFamily="18" charset="0"/>
+              </a:rPr>
+              <a:t>If SPMT repeated</a:t>
+            </a:r>
+            <a:endParaRPr lang="zh-TW" altLang="en-US" sz="1000" dirty="0">
+              <a:latin typeface="Times New Roman" panose="02020603050405020304" pitchFamily="18" charset="0"/>
+              <a:cs typeface="Times New Roman" panose="02020603050405020304" pitchFamily="18" charset="0"/>
+            </a:endParaRPr>
+          </a:p>
+        </p:txBody>
+      </p:sp>
+      <p:cxnSp>
+        <p:nvCxnSpPr>
+          <p:cNvPr id="16" name="直接箭头连接符 15"/>
+          <p:cNvCxnSpPr>
+            <a:cxnSpLocks/>
+          </p:cNvCxnSpPr>
+          <p:nvPr/>
+        </p:nvCxnSpPr>
+        <p:spPr>
+          <a:xfrm>
+            <a:off x="10290091" y="4279619"/>
+            <a:ext cx="365321" cy="367860"/>
+          </a:xfrm>
+          <a:prstGeom prst="straightConnector1">
+            <a:avLst/>
+          </a:prstGeom>
+          <a:ln w="19050">
+            <a:solidFill>
+              <a:schemeClr val="tx1"/>
+            </a:solidFill>
+            <a:tailEnd type="triangle"/>
+          </a:ln>
+        </p:spPr>
+        <p:style>
+          <a:lnRef idx="1">
+            <a:schemeClr val="accent1"/>
+          </a:lnRef>
+          <a:fillRef idx="0">
+            <a:schemeClr val="accent1"/>
+          </a:fillRef>
+          <a:effectRef idx="0">
+            <a:schemeClr val="accent1"/>
+          </a:effectRef>
+          <a:fontRef idx="minor">
+            <a:schemeClr val="tx1"/>
+          </a:fontRef>
+        </p:style>
+      </p:cxnSp>
+      <p:sp>
+        <p:nvSpPr>
+          <p:cNvPr id="11" name="文本框 10">
+            <a:extLst>
+              <a:ext uri="{FF2B5EF4-FFF2-40B4-BE49-F238E27FC236}">
+                <a16:creationId xmlns:a16="http://schemas.microsoft.com/office/drawing/2014/main" id="{E2B7C293-069F-6DB5-6F3D-70BF7F9C5FA5}"/>
+              </a:ext>
+            </a:extLst>
+          </p:cNvPr>
+          <p:cNvSpPr txBox="1"/>
+          <p:nvPr/>
+        </p:nvSpPr>
+        <p:spPr>
+          <a:xfrm>
+            <a:off x="9637650" y="4811111"/>
+            <a:ext cx="2035524" cy="544830"/>
+          </a:xfrm>
+          <a:prstGeom prst="roundRect">
+            <a:avLst/>
+          </a:prstGeom>
+          <a:noFill/>
+          <a:ln w="19050">
+            <a:solidFill>
+              <a:schemeClr val="tx1"/>
+            </a:solidFill>
+          </a:ln>
+        </p:spPr>
+        <p:txBody>
+          <a:bodyPr wrap="square" rtlCol="0">
+            <a:spAutoFit/>
+          </a:bodyPr>
+          <a:lstStyle/>
+          <a:p>
+            <a:pPr algn="ctr"/>
+            <a:r>
+              <a:rPr lang="en-US" altLang="zh-TW" sz="1600" dirty="0">
+                <a:latin typeface="Times New Roman" panose="02020603050405020304" pitchFamily="18" charset="0"/>
+                <a:cs typeface="Times New Roman" panose="02020603050405020304" pitchFamily="18" charset="0"/>
+              </a:rPr>
+              <a:t>Calculate ICC</a:t>
+            </a:r>
+          </a:p>
+          <a:p>
+            <a:pPr algn="ctr"/>
+            <a:r>
+              <a:rPr lang="en-US" altLang="zh-TW" sz="1000" dirty="0">
+                <a:latin typeface="Times New Roman" panose="02020603050405020304" pitchFamily="18" charset="0"/>
+                <a:cs typeface="Times New Roman" panose="02020603050405020304" pitchFamily="18" charset="0"/>
+              </a:rPr>
+              <a:t>(Intraclass Correlation Coefficient)</a:t>
+            </a:r>
+            <a:endParaRPr lang="zh-TW" altLang="en-US" sz="1000" dirty="0">
+              <a:latin typeface="Times New Roman" panose="02020603050405020304" pitchFamily="18" charset="0"/>
+              <a:cs typeface="Times New Roman" panose="02020603050405020304" pitchFamily="18" charset="0"/>
+            </a:endParaRPr>
+          </a:p>
+        </p:txBody>
+      </p:sp>
+      <p:sp>
+        <p:nvSpPr>
+          <p:cNvPr id="14" name="文本框 13">
+            <a:extLst>
+              <a:ext uri="{FF2B5EF4-FFF2-40B4-BE49-F238E27FC236}">
+                <a16:creationId xmlns:a16="http://schemas.microsoft.com/office/drawing/2014/main" id="{F1C4827E-B901-99D1-15C2-7A6D27D72AEE}"/>
+              </a:ext>
+            </a:extLst>
+          </p:cNvPr>
+          <p:cNvSpPr txBox="1"/>
+          <p:nvPr/>
+        </p:nvSpPr>
+        <p:spPr>
+          <a:xfrm>
+            <a:off x="2273570" y="4881326"/>
+            <a:ext cx="2237170" cy="374571"/>
+          </a:xfrm>
+          <a:prstGeom prst="roundRect">
+            <a:avLst/>
+          </a:prstGeom>
+          <a:noFill/>
+          <a:ln w="19050">
+            <a:solidFill>
+              <a:schemeClr val="tx1"/>
+            </a:solidFill>
+          </a:ln>
+        </p:spPr>
+        <p:txBody>
+          <a:bodyPr wrap="square" rtlCol="0">
+            <a:spAutoFit/>
+          </a:bodyPr>
+          <a:lstStyle/>
+          <a:p>
+            <a:pPr algn="ctr"/>
+            <a:r>
+              <a:rPr lang="en-US" altLang="zh-TW" sz="1600" dirty="0">
+                <a:latin typeface="Times New Roman" panose="02020603050405020304" pitchFamily="18" charset="0"/>
+                <a:cs typeface="Times New Roman" panose="02020603050405020304" pitchFamily="18" charset="0"/>
+              </a:rPr>
+              <a:t>M</a:t>
+            </a:r>
+            <a:r>
+              <a:rPr lang="en-US" altLang="zh-CN" sz="1600" dirty="0">
+                <a:latin typeface="Times New Roman" panose="02020603050405020304" pitchFamily="18" charset="0"/>
+                <a:cs typeface="Times New Roman" panose="02020603050405020304" pitchFamily="18" charset="0"/>
+              </a:rPr>
+              <a:t>eta Analysis</a:t>
+            </a:r>
+            <a:endParaRPr lang="zh-TW" altLang="en-US" sz="1600" dirty="0">
+              <a:latin typeface="Times New Roman" panose="02020603050405020304" pitchFamily="18" charset="0"/>
+              <a:cs typeface="Times New Roman" panose="02020603050405020304" pitchFamily="18" charset="0"/>
+            </a:endParaRPr>
+          </a:p>
+        </p:txBody>
+      </p:sp>
+      <p:sp>
+        <p:nvSpPr>
+          <p:cNvPr id="24" name="矩形 23">
+            <a:extLst>
+              <a:ext uri="{FF2B5EF4-FFF2-40B4-BE49-F238E27FC236}">
+                <a16:creationId xmlns:a16="http://schemas.microsoft.com/office/drawing/2014/main" id="{CD5286DF-06AF-7901-DBE0-3C23E1B4D8BE}"/>
+              </a:ext>
+            </a:extLst>
+          </p:cNvPr>
+          <p:cNvSpPr/>
+          <p:nvPr/>
+        </p:nvSpPr>
+        <p:spPr>
+          <a:xfrm>
+            <a:off x="7803768" y="2370733"/>
+            <a:ext cx="2775714" cy="572168"/>
+          </a:xfrm>
+          <a:prstGeom prst="rect">
+            <a:avLst/>
+          </a:prstGeom>
+          <a:noFill/>
+          <a:ln w="28575">
+            <a:noFill/>
+          </a:ln>
+        </p:spPr>
+        <p:style>
+          <a:lnRef idx="2">
+            <a:schemeClr val="accent1">
+              <a:shade val="50000"/>
+            </a:schemeClr>
+          </a:lnRef>
+          <a:fillRef idx="1">
+            <a:schemeClr val="accent1"/>
+          </a:fillRef>
+          <a:effectRef idx="0">
+            <a:schemeClr val="accent1"/>
+          </a:effectRef>
+          <a:fontRef idx="minor">
+            <a:schemeClr val="lt1"/>
+          </a:fontRef>
+        </p:style>
+        <p:txBody>
+          <a:bodyPr rtlCol="0" anchor="ctr"/>
+          <a:lstStyle/>
+          <a:p>
+            <a:pPr algn="ctr"/>
+            <a:r>
+              <a:rPr lang="en-US" altLang="zh-CN" sz="2000" b="1" dirty="0">
+                <a:solidFill>
+                  <a:schemeClr val="tx1"/>
+                </a:solidFill>
+                <a:latin typeface="Times New Roman" panose="02020603050405020304" pitchFamily="18" charset="0"/>
+                <a:cs typeface="Times New Roman" panose="02020603050405020304" pitchFamily="18" charset="0"/>
+              </a:rPr>
+              <a:t>Individual - level</a:t>
+            </a:r>
+            <a:endParaRPr lang="zh-CN" altLang="en-US" sz="2000" b="1" dirty="0">
+              <a:solidFill>
+                <a:schemeClr val="tx1"/>
+              </a:solidFill>
+              <a:latin typeface="Times New Roman" panose="02020603050405020304" pitchFamily="18" charset="0"/>
+              <a:cs typeface="Times New Roman" panose="02020603050405020304" pitchFamily="18" charset="0"/>
+            </a:endParaRPr>
+          </a:p>
+        </p:txBody>
+      </p:sp>
+      <p:cxnSp>
+        <p:nvCxnSpPr>
+          <p:cNvPr id="26" name="直接箭头连接符 25">
+            <a:extLst>
+              <a:ext uri="{FF2B5EF4-FFF2-40B4-BE49-F238E27FC236}">
+                <a16:creationId xmlns:a16="http://schemas.microsoft.com/office/drawing/2014/main" id="{00230E48-18CE-3602-8F7F-4DF0E70A21DF}"/>
+              </a:ext>
+            </a:extLst>
+          </p:cNvPr>
+          <p:cNvCxnSpPr/>
+          <p:nvPr/>
+        </p:nvCxnSpPr>
+        <p:spPr>
+          <a:xfrm>
+            <a:off x="3390900" y="4255914"/>
+            <a:ext cx="0" cy="414067"/>
+          </a:xfrm>
+          <a:prstGeom prst="straightConnector1">
+            <a:avLst/>
+          </a:prstGeom>
+          <a:ln w="19050">
+            <a:solidFill>
+              <a:schemeClr val="tx1"/>
+            </a:solidFill>
+            <a:tailEnd type="triangle"/>
+          </a:ln>
+        </p:spPr>
+        <p:style>
+          <a:lnRef idx="1">
+            <a:schemeClr val="accent1"/>
+          </a:lnRef>
+          <a:fillRef idx="0">
+            <a:schemeClr val="accent1"/>
+          </a:fillRef>
+          <a:effectRef idx="0">
+            <a:schemeClr val="accent1"/>
+          </a:effectRef>
+          <a:fontRef idx="minor">
+            <a:schemeClr val="tx1"/>
+          </a:fontRef>
+        </p:style>
+      </p:cxnSp>
+      <p:sp>
+        <p:nvSpPr>
+          <p:cNvPr id="29" name="圆角矩形 3">
+            <a:extLst>
+              <a:ext uri="{FF2B5EF4-FFF2-40B4-BE49-F238E27FC236}">
+                <a16:creationId xmlns:a16="http://schemas.microsoft.com/office/drawing/2014/main" id="{7377674A-DD73-975B-3E52-9CEDF15B6BD7}"/>
+              </a:ext>
+            </a:extLst>
+          </p:cNvPr>
+          <p:cNvSpPr/>
+          <p:nvPr/>
+        </p:nvSpPr>
+        <p:spPr>
+          <a:xfrm>
+            <a:off x="1559989" y="3254656"/>
+            <a:ext cx="3683383" cy="749141"/>
+          </a:xfrm>
+          <a:prstGeom prst="roundRect">
+            <a:avLst/>
+          </a:prstGeom>
+          <a:noFill/>
+          <a:ln w="19050">
+            <a:solidFill>
+              <a:schemeClr val="tx1"/>
+            </a:solidFill>
+          </a:ln>
+        </p:spPr>
+        <p:txBody>
+          <a:bodyPr wrap="none">
+            <a:spAutoFit/>
+          </a:bodyPr>
+          <a:lstStyle/>
+          <a:p>
+            <a:pPr algn="ctr"/>
+            <a:r>
+              <a:rPr lang="en-US" altLang="zh-CN" sz="1600" dirty="0">
+                <a:latin typeface="Times New Roman" panose="02020603050405020304" pitchFamily="18" charset="0"/>
+                <a:cs typeface="Times New Roman" panose="02020603050405020304" pitchFamily="18" charset="0"/>
+              </a:rPr>
+              <a:t>Calculate Group Mean</a:t>
+            </a:r>
+          </a:p>
+          <a:p>
+            <a:pPr algn="ctr"/>
+            <a:r>
+              <a:rPr lang="en-US" altLang="zh-CN" sz="1200" dirty="0">
+                <a:latin typeface="Times New Roman" panose="02020603050405020304" pitchFamily="18" charset="0"/>
+                <a:cs typeface="Times New Roman" panose="02020603050405020304" pitchFamily="18" charset="0"/>
+              </a:rPr>
+              <a:t>based on 6 outcome variables and 2 baseline conditions</a:t>
+            </a:r>
+          </a:p>
+          <a:p>
+            <a:pPr algn="ctr"/>
+            <a:r>
+              <a:rPr lang="en-US" altLang="zh-CN" sz="1000" i="1" dirty="0">
+                <a:latin typeface="Times New Roman" panose="02020603050405020304" pitchFamily="18" charset="0"/>
+                <a:cs typeface="Times New Roman" panose="02020603050405020304" pitchFamily="18" charset="0"/>
+              </a:rPr>
+              <a:t>(Close, Stranger)*</a:t>
+            </a:r>
+          </a:p>
+        </p:txBody>
+      </p:sp>
+      <p:sp>
+        <p:nvSpPr>
+          <p:cNvPr id="31" name="矩形 30">
+            <a:extLst>
+              <a:ext uri="{FF2B5EF4-FFF2-40B4-BE49-F238E27FC236}">
+                <a16:creationId xmlns:a16="http://schemas.microsoft.com/office/drawing/2014/main" id="{0CA91577-47B4-4BA2-64EB-6798A591244F}"/>
+              </a:ext>
+            </a:extLst>
+          </p:cNvPr>
+          <p:cNvSpPr/>
+          <p:nvPr/>
+        </p:nvSpPr>
+        <p:spPr>
+          <a:xfrm>
+            <a:off x="2060193" y="2366094"/>
+            <a:ext cx="2775711" cy="572168"/>
+          </a:xfrm>
+          <a:prstGeom prst="rect">
+            <a:avLst/>
+          </a:prstGeom>
+          <a:noFill/>
+          <a:ln w="28575">
+            <a:noFill/>
+          </a:ln>
+        </p:spPr>
+        <p:style>
+          <a:lnRef idx="2">
+            <a:schemeClr val="accent1">
+              <a:shade val="50000"/>
+            </a:schemeClr>
+          </a:lnRef>
+          <a:fillRef idx="1">
+            <a:schemeClr val="accent1"/>
+          </a:fillRef>
+          <a:effectRef idx="0">
+            <a:schemeClr val="accent1"/>
+          </a:effectRef>
+          <a:fontRef idx="minor">
+            <a:schemeClr val="lt1"/>
+          </a:fontRef>
+        </p:style>
+        <p:txBody>
+          <a:bodyPr rtlCol="0" anchor="ctr"/>
+          <a:lstStyle/>
+          <a:p>
+            <a:pPr algn="ctr"/>
+            <a:r>
+              <a:rPr lang="en-US" altLang="zh-CN" sz="2000" b="1" dirty="0">
+                <a:solidFill>
+                  <a:schemeClr val="tx1"/>
+                </a:solidFill>
+                <a:latin typeface="Times New Roman" panose="02020603050405020304" pitchFamily="18" charset="0"/>
+                <a:cs typeface="Times New Roman" panose="02020603050405020304" pitchFamily="18" charset="0"/>
+              </a:rPr>
+              <a:t>Group - level</a:t>
+            </a:r>
+            <a:endParaRPr lang="zh-CN" altLang="en-US" sz="2000" b="1" dirty="0">
+              <a:solidFill>
+                <a:schemeClr val="tx1"/>
+              </a:solidFill>
+              <a:latin typeface="Times New Roman" panose="02020603050405020304" pitchFamily="18" charset="0"/>
+              <a:cs typeface="Times New Roman" panose="02020603050405020304" pitchFamily="18" charset="0"/>
+            </a:endParaRPr>
+          </a:p>
+        </p:txBody>
+      </p:sp>
+      <p:sp>
+        <p:nvSpPr>
+          <p:cNvPr id="32" name="文本框 31">
+            <a:extLst>
+              <a:ext uri="{FF2B5EF4-FFF2-40B4-BE49-F238E27FC236}">
+                <a16:creationId xmlns:a16="http://schemas.microsoft.com/office/drawing/2014/main" id="{49193A83-858D-157D-A13B-5AEDD7185C08}"/>
+              </a:ext>
+            </a:extLst>
+          </p:cNvPr>
+          <p:cNvSpPr txBox="1"/>
+          <p:nvPr/>
+        </p:nvSpPr>
+        <p:spPr>
+          <a:xfrm>
+            <a:off x="2273570" y="5998499"/>
+            <a:ext cx="2237170" cy="374571"/>
+          </a:xfrm>
+          <a:prstGeom prst="roundRect">
+            <a:avLst/>
+          </a:prstGeom>
+          <a:noFill/>
+          <a:ln w="19050">
+            <a:solidFill>
+              <a:schemeClr val="tx1"/>
+            </a:solidFill>
+          </a:ln>
+        </p:spPr>
+        <p:txBody>
+          <a:bodyPr wrap="square" rtlCol="0">
+            <a:spAutoFit/>
+          </a:bodyPr>
+          <a:lstStyle/>
+          <a:p>
+            <a:pPr algn="ctr"/>
+            <a:r>
+              <a:rPr lang="en-US" altLang="zh-TW" sz="1600" dirty="0">
+                <a:latin typeface="Times New Roman" panose="02020603050405020304" pitchFamily="18" charset="0"/>
+                <a:cs typeface="Times New Roman" panose="02020603050405020304" pitchFamily="18" charset="0"/>
+              </a:rPr>
+              <a:t>Random Effect Table</a:t>
+            </a:r>
+            <a:endParaRPr lang="zh-TW" altLang="en-US" sz="1000" dirty="0">
+              <a:latin typeface="Times New Roman" panose="02020603050405020304" pitchFamily="18" charset="0"/>
+              <a:cs typeface="Times New Roman" panose="02020603050405020304" pitchFamily="18" charset="0"/>
+            </a:endParaRPr>
+          </a:p>
+        </p:txBody>
+      </p:sp>
+      <p:cxnSp>
+        <p:nvCxnSpPr>
+          <p:cNvPr id="34" name="直接箭头连接符 33">
+            <a:extLst>
+              <a:ext uri="{FF2B5EF4-FFF2-40B4-BE49-F238E27FC236}">
+                <a16:creationId xmlns:a16="http://schemas.microsoft.com/office/drawing/2014/main" id="{0C50CA22-A913-0A4A-0A28-0CD02BF88ACC}"/>
+              </a:ext>
+            </a:extLst>
+          </p:cNvPr>
+          <p:cNvCxnSpPr/>
+          <p:nvPr/>
+        </p:nvCxnSpPr>
+        <p:spPr>
+          <a:xfrm>
+            <a:off x="3400425" y="5434111"/>
+            <a:ext cx="0" cy="414067"/>
+          </a:xfrm>
+          <a:prstGeom prst="straightConnector1">
+            <a:avLst/>
+          </a:prstGeom>
+          <a:ln w="19050">
+            <a:solidFill>
+              <a:schemeClr val="tx1"/>
+            </a:solidFill>
+            <a:tailEnd type="triangle"/>
+          </a:ln>
+        </p:spPr>
+        <p:style>
+          <a:lnRef idx="1">
+            <a:schemeClr val="accent1"/>
+          </a:lnRef>
+          <a:fillRef idx="0">
+            <a:schemeClr val="accent1"/>
+          </a:fillRef>
+          <a:effectRef idx="0">
+            <a:schemeClr val="accent1"/>
+          </a:effectRef>
+          <a:fontRef idx="minor">
+            <a:schemeClr val="tx1"/>
+          </a:fontRef>
+        </p:style>
+      </p:cxnSp>
+      <p:sp>
+        <p:nvSpPr>
+          <p:cNvPr id="35" name="矩形: 圆角 34">
+            <a:extLst>
+              <a:ext uri="{FF2B5EF4-FFF2-40B4-BE49-F238E27FC236}">
+                <a16:creationId xmlns:a16="http://schemas.microsoft.com/office/drawing/2014/main" id="{DD4FE92C-FC85-24D9-5B05-244B108E4576}"/>
+              </a:ext>
+            </a:extLst>
+          </p:cNvPr>
+          <p:cNvSpPr/>
+          <p:nvPr/>
+        </p:nvSpPr>
+        <p:spPr>
+          <a:xfrm>
+            <a:off x="1285877" y="2988397"/>
+            <a:ext cx="4324345" cy="3755304"/>
+          </a:xfrm>
+          <a:prstGeom prst="roundRect">
+            <a:avLst/>
+          </a:prstGeom>
+          <a:noFill/>
+          <a:ln w="38100">
+            <a:solidFill>
+              <a:schemeClr val="tx1"/>
+            </a:solidFill>
+            <a:prstDash val="dash"/>
+          </a:ln>
+        </p:spPr>
+        <p:style>
+          <a:lnRef idx="2">
+            <a:schemeClr val="accent1">
+              <a:shade val="50000"/>
+            </a:schemeClr>
+          </a:lnRef>
+          <a:fillRef idx="1">
+            <a:schemeClr val="accent1"/>
+          </a:fillRef>
+          <a:effectRef idx="0">
+            <a:schemeClr val="accent1"/>
+          </a:effectRef>
+          <a:fontRef idx="minor">
+            <a:schemeClr val="lt1"/>
+          </a:fontRef>
+        </p:style>
+        <p:txBody>
+          <a:bodyPr rtlCol="0" anchor="ctr"/>
+          <a:lstStyle/>
+          <a:p>
+            <a:pPr algn="ctr"/>
+            <a:endParaRPr lang="zh-CN" altLang="en-US">
+              <a:noFill/>
+            </a:endParaRPr>
+          </a:p>
+        </p:txBody>
+      </p:sp>
+      <p:sp>
+        <p:nvSpPr>
+          <p:cNvPr id="36" name="矩形: 圆角 35">
+            <a:extLst>
+              <a:ext uri="{FF2B5EF4-FFF2-40B4-BE49-F238E27FC236}">
+                <a16:creationId xmlns:a16="http://schemas.microsoft.com/office/drawing/2014/main" id="{A06A866A-16FC-964E-CC17-220F81F91C60}"/>
+              </a:ext>
+            </a:extLst>
+          </p:cNvPr>
+          <p:cNvSpPr/>
+          <p:nvPr/>
+        </p:nvSpPr>
+        <p:spPr>
+          <a:xfrm>
+            <a:off x="6630194" y="2988397"/>
+            <a:ext cx="5286375" cy="3763806"/>
+          </a:xfrm>
+          <a:prstGeom prst="roundRect">
+            <a:avLst/>
+          </a:prstGeom>
+          <a:noFill/>
+          <a:ln w="38100">
+            <a:solidFill>
+              <a:schemeClr val="tx1"/>
+            </a:solidFill>
+            <a:prstDash val="dash"/>
+          </a:ln>
+        </p:spPr>
+        <p:style>
+          <a:lnRef idx="2">
+            <a:schemeClr val="accent1">
+              <a:shade val="50000"/>
+            </a:schemeClr>
+          </a:lnRef>
+          <a:fillRef idx="1">
+            <a:schemeClr val="accent1"/>
+          </a:fillRef>
+          <a:effectRef idx="0">
+            <a:schemeClr val="accent1"/>
+          </a:effectRef>
+          <a:fontRef idx="minor">
+            <a:schemeClr val="lt1"/>
+          </a:fontRef>
+        </p:style>
+        <p:txBody>
+          <a:bodyPr rtlCol="0" anchor="ctr"/>
+          <a:lstStyle/>
+          <a:p>
+            <a:pPr algn="ctr"/>
+            <a:endParaRPr lang="zh-CN" altLang="en-US">
+              <a:noFill/>
+            </a:endParaRPr>
+          </a:p>
+        </p:txBody>
+      </p:sp>
+    </p:spTree>
+    <p:extLst>
+      <p:ext uri="{BB962C8B-B14F-4D97-AF65-F5344CB8AC3E}">
+        <p14:creationId xmlns:p14="http://schemas.microsoft.com/office/powerpoint/2010/main" val="3368875738"/>
       </p:ext>
     </p:extLst>
   </p:cSld>

--- a/1_Protocol/1_2_Planned_Analysis/1_2_2_OUTPUT/Flow_Chart.pptx
+++ b/1_Protocol/1_2_Planned_Analysis/1_2_2_OUTPUT/Flow_Chart.pptx
@@ -230,7 +230,7 @@
           <a:p>
             <a:fld id="{6D1E7BF1-5C37-40DA-A35C-C8A73C85B1EE}" type="datetimeFigureOut">
               <a:rPr lang="zh-CN" altLang="en-US" smtClean="0"/>
-              <a:t>2023/9/6</a:t>
+              <a:t>2023/9/11</a:t>
             </a:fld>
             <a:endParaRPr lang="zh-CN" altLang="en-US"/>
           </a:p>
@@ -796,7 +796,7 @@
           <a:p>
             <a:fld id="{6E3B42F8-6E75-4811-AA9B-137B925DD217}" type="datetimeFigureOut">
               <a:rPr lang="zh-TW" altLang="en-US" smtClean="0"/>
-              <a:t>2023/9/6</a:t>
+              <a:t>2023/9/11</a:t>
             </a:fld>
             <a:endParaRPr lang="zh-TW" altLang="en-US"/>
           </a:p>
@@ -966,7 +966,7 @@
           <a:p>
             <a:fld id="{6E3B42F8-6E75-4811-AA9B-137B925DD217}" type="datetimeFigureOut">
               <a:rPr lang="zh-TW" altLang="en-US" smtClean="0"/>
-              <a:t>2023/9/6</a:t>
+              <a:t>2023/9/11</a:t>
             </a:fld>
             <a:endParaRPr lang="zh-TW" altLang="en-US"/>
           </a:p>
@@ -1146,7 +1146,7 @@
           <a:p>
             <a:fld id="{6E3B42F8-6E75-4811-AA9B-137B925DD217}" type="datetimeFigureOut">
               <a:rPr lang="zh-TW" altLang="en-US" smtClean="0"/>
-              <a:t>2023/9/6</a:t>
+              <a:t>2023/9/11</a:t>
             </a:fld>
             <a:endParaRPr lang="zh-TW" altLang="en-US"/>
           </a:p>
@@ -1316,7 +1316,7 @@
           <a:p>
             <a:fld id="{6E3B42F8-6E75-4811-AA9B-137B925DD217}" type="datetimeFigureOut">
               <a:rPr lang="zh-TW" altLang="en-US" smtClean="0"/>
-              <a:t>2023/9/6</a:t>
+              <a:t>2023/9/11</a:t>
             </a:fld>
             <a:endParaRPr lang="zh-TW" altLang="en-US"/>
           </a:p>
@@ -1562,7 +1562,7 @@
           <a:p>
             <a:fld id="{6E3B42F8-6E75-4811-AA9B-137B925DD217}" type="datetimeFigureOut">
               <a:rPr lang="zh-TW" altLang="en-US" smtClean="0"/>
-              <a:t>2023/9/6</a:t>
+              <a:t>2023/9/11</a:t>
             </a:fld>
             <a:endParaRPr lang="zh-TW" altLang="en-US"/>
           </a:p>
@@ -1794,7 +1794,7 @@
           <a:p>
             <a:fld id="{6E3B42F8-6E75-4811-AA9B-137B925DD217}" type="datetimeFigureOut">
               <a:rPr lang="zh-TW" altLang="en-US" smtClean="0"/>
-              <a:t>2023/9/6</a:t>
+              <a:t>2023/9/11</a:t>
             </a:fld>
             <a:endParaRPr lang="zh-TW" altLang="en-US"/>
           </a:p>
@@ -2161,7 +2161,7 @@
           <a:p>
             <a:fld id="{6E3B42F8-6E75-4811-AA9B-137B925DD217}" type="datetimeFigureOut">
               <a:rPr lang="zh-TW" altLang="en-US" smtClean="0"/>
-              <a:t>2023/9/6</a:t>
+              <a:t>2023/9/11</a:t>
             </a:fld>
             <a:endParaRPr lang="zh-TW" altLang="en-US"/>
           </a:p>
@@ -2279,7 +2279,7 @@
           <a:p>
             <a:fld id="{6E3B42F8-6E75-4811-AA9B-137B925DD217}" type="datetimeFigureOut">
               <a:rPr lang="zh-TW" altLang="en-US" smtClean="0"/>
-              <a:t>2023/9/6</a:t>
+              <a:t>2023/9/11</a:t>
             </a:fld>
             <a:endParaRPr lang="zh-TW" altLang="en-US"/>
           </a:p>
@@ -2374,7 +2374,7 @@
           <a:p>
             <a:fld id="{6E3B42F8-6E75-4811-AA9B-137B925DD217}" type="datetimeFigureOut">
               <a:rPr lang="zh-TW" altLang="en-US" smtClean="0"/>
-              <a:t>2023/9/6</a:t>
+              <a:t>2023/9/11</a:t>
             </a:fld>
             <a:endParaRPr lang="zh-TW" altLang="en-US"/>
           </a:p>
@@ -2651,7 +2651,7 @@
           <a:p>
             <a:fld id="{6E3B42F8-6E75-4811-AA9B-137B925DD217}" type="datetimeFigureOut">
               <a:rPr lang="zh-TW" altLang="en-US" smtClean="0"/>
-              <a:t>2023/9/6</a:t>
+              <a:t>2023/9/11</a:t>
             </a:fld>
             <a:endParaRPr lang="zh-TW" altLang="en-US"/>
           </a:p>
@@ -2904,7 +2904,7 @@
           <a:p>
             <a:fld id="{6E3B42F8-6E75-4811-AA9B-137B925DD217}" type="datetimeFigureOut">
               <a:rPr lang="zh-TW" altLang="en-US" smtClean="0"/>
-              <a:t>2023/9/6</a:t>
+              <a:t>2023/9/11</a:t>
             </a:fld>
             <a:endParaRPr lang="zh-TW" altLang="en-US"/>
           </a:p>
@@ -3117,7 +3117,7 @@
           <a:p>
             <a:fld id="{6E3B42F8-6E75-4811-AA9B-137B925DD217}" type="datetimeFigureOut">
               <a:rPr lang="zh-TW" altLang="en-US" smtClean="0"/>
-              <a:t>2023/9/6</a:t>
+              <a:t>2023/9/11</a:t>
             </a:fld>
             <a:endParaRPr lang="zh-TW" altLang="en-US"/>
           </a:p>
@@ -6413,9 +6413,9 @@
                 <a:latin typeface="Times New Roman" panose="02020603050405020304" pitchFamily="18" charset="0"/>
                 <a:cs typeface="Times New Roman" panose="02020603050405020304" pitchFamily="18" charset="0"/>
               </a:rPr>
-              <a:t>Random Effect Table</a:t>
-            </a:r>
-            <a:endParaRPr lang="zh-TW" altLang="en-US" sz="1000" dirty="0">
+              <a:t>Forest Plot</a:t>
+            </a:r>
+            <a:endParaRPr lang="zh-TW" altLang="en-US" sz="1600" dirty="0">
               <a:latin typeface="Times New Roman" panose="02020603050405020304" pitchFamily="18" charset="0"/>
               <a:cs typeface="Times New Roman" panose="02020603050405020304" pitchFamily="18" charset="0"/>
             </a:endParaRPr>

--- a/1_Protocol/1_2_Planned_Analysis/1_2_2_OUTPUT/Flow_Chart.pptx
+++ b/1_Protocol/1_2_Planned_Analysis/1_2_2_OUTPUT/Flow_Chart.pptx
@@ -127,7 +127,7 @@
             <a:srgbClr val="A4A3A4"/>
           </p15:clr>
         </p15:guide>
-        <p15:guide id="4" pos="2184" userDrawn="1">
+        <p15:guide id="4" pos="2160" userDrawn="1">
           <p15:clr>
             <a:srgbClr val="A4A3A4"/>
           </p15:clr>
@@ -6095,8 +6095,8 @@
         </p:nvSpPr>
         <p:spPr>
           <a:xfrm>
-            <a:off x="2273570" y="4881326"/>
-            <a:ext cx="2237170" cy="374571"/>
+            <a:off x="2314854" y="5822156"/>
+            <a:ext cx="2237170" cy="646986"/>
           </a:xfrm>
           <a:prstGeom prst="roundRect">
             <a:avLst/>
@@ -6116,18 +6116,32 @@
           <a:p>
             <a:pPr algn="ctr"/>
             <a:r>
+              <a:rPr lang="en-US" altLang="zh-TW" sz="1600">
+                <a:latin typeface="Times New Roman" panose="02020603050405020304" pitchFamily="18" charset="0"/>
+                <a:cs typeface="Times New Roman" panose="02020603050405020304" pitchFamily="18" charset="0"/>
+              </a:rPr>
+              <a:t>M</a:t>
+            </a:r>
+            <a:r>
+              <a:rPr lang="en-US" altLang="zh-CN" sz="1600">
+                <a:latin typeface="Times New Roman" panose="02020603050405020304" pitchFamily="18" charset="0"/>
+                <a:cs typeface="Times New Roman" panose="02020603050405020304" pitchFamily="18" charset="0"/>
+              </a:rPr>
+              <a:t>eta-Analysis</a:t>
+            </a:r>
+            <a:endParaRPr lang="en-US" altLang="zh-CN" sz="1600" dirty="0">
+              <a:latin typeface="Times New Roman" panose="02020603050405020304" pitchFamily="18" charset="0"/>
+              <a:cs typeface="Times New Roman" panose="02020603050405020304" pitchFamily="18" charset="0"/>
+            </a:endParaRPr>
+          </a:p>
+          <a:p>
+            <a:pPr algn="ctr"/>
+            <a:r>
               <a:rPr lang="en-US" altLang="zh-TW" sz="1600" dirty="0">
                 <a:latin typeface="Times New Roman" panose="02020603050405020304" pitchFamily="18" charset="0"/>
                 <a:cs typeface="Times New Roman" panose="02020603050405020304" pitchFamily="18" charset="0"/>
               </a:rPr>
-              <a:t>M</a:t>
-            </a:r>
-            <a:r>
-              <a:rPr lang="en-US" altLang="zh-CN" sz="1600" dirty="0">
-                <a:latin typeface="Times New Roman" panose="02020603050405020304" pitchFamily="18" charset="0"/>
-                <a:cs typeface="Times New Roman" panose="02020603050405020304" pitchFamily="18" charset="0"/>
-              </a:rPr>
-              <a:t>eta Analysis</a:t>
+              <a:t>(Random Effect Model)</a:t>
             </a:r>
             <a:endParaRPr lang="zh-TW" altLang="en-US" sz="1600" dirty="0">
               <a:latin typeface="Times New Roman" panose="02020603050405020304" pitchFamily="18" charset="0"/>
@@ -6211,13 +6225,15 @@
               </a:ext>
             </a:extLst>
           </p:cNvPr>
-          <p:cNvCxnSpPr/>
+          <p:cNvCxnSpPr>
+            <a:cxnSpLocks/>
+          </p:cNvCxnSpPr>
           <p:nvPr/>
         </p:nvCxnSpPr>
         <p:spPr>
           <a:xfrm>
-            <a:off x="3390900" y="4255914"/>
-            <a:ext cx="0" cy="414067"/>
+            <a:off x="3433439" y="4528930"/>
+            <a:ext cx="0" cy="827011"/>
           </a:xfrm>
           <a:prstGeom prst="straightConnector1">
             <a:avLst/>
@@ -6374,96 +6390,6 @@
           </a:p>
         </p:txBody>
       </p:sp>
-      <p:sp>
-        <p:nvSpPr>
-          <p:cNvPr id="32" name="文本框 31">
-            <a:extLst>
-              <a:ext uri="{FF2B5EF4-FFF2-40B4-BE49-F238E27FC236}">
-                <a16:creationId xmlns:a16="http://schemas.microsoft.com/office/drawing/2014/main" id="{49193A83-858D-157D-A13B-5AEDD7185C08}"/>
-              </a:ext>
-            </a:extLst>
-          </p:cNvPr>
-          <p:cNvSpPr txBox="1"/>
-          <p:nvPr/>
-        </p:nvSpPr>
-        <p:spPr>
-          <a:xfrm>
-            <a:off x="2273570" y="5998499"/>
-            <a:ext cx="2237170" cy="374571"/>
-          </a:xfrm>
-          <a:prstGeom prst="roundRect">
-            <a:avLst/>
-          </a:prstGeom>
-          <a:noFill/>
-          <a:ln w="19050">
-            <a:solidFill>
-              <a:schemeClr val="tx1"/>
-            </a:solidFill>
-          </a:ln>
-        </p:spPr>
-        <p:txBody>
-          <a:bodyPr wrap="square" rtlCol="0">
-            <a:spAutoFit/>
-          </a:bodyPr>
-          <a:lstStyle/>
-          <a:p>
-            <a:pPr algn="ctr"/>
-            <a:r>
-              <a:rPr lang="en-US" altLang="zh-TW" sz="1600" dirty="0">
-                <a:latin typeface="Times New Roman" panose="02020603050405020304" pitchFamily="18" charset="0"/>
-                <a:cs typeface="Times New Roman" panose="02020603050405020304" pitchFamily="18" charset="0"/>
-              </a:rPr>
-              <a:t>Forest Plot</a:t>
-            </a:r>
-            <a:endParaRPr lang="zh-TW" altLang="en-US" sz="1600" dirty="0">
-              <a:latin typeface="Times New Roman" panose="02020603050405020304" pitchFamily="18" charset="0"/>
-              <a:cs typeface="Times New Roman" panose="02020603050405020304" pitchFamily="18" charset="0"/>
-            </a:endParaRPr>
-          </a:p>
-        </p:txBody>
-      </p:sp>
-      <p:cxnSp>
-        <p:nvCxnSpPr>
-          <p:cNvPr id="34" name="直接箭头连接符 33">
-            <a:extLst>
-              <a:ext uri="{FF2B5EF4-FFF2-40B4-BE49-F238E27FC236}">
-                <a16:creationId xmlns:a16="http://schemas.microsoft.com/office/drawing/2014/main" id="{0C50CA22-A913-0A4A-0A28-0CD02BF88ACC}"/>
-              </a:ext>
-            </a:extLst>
-          </p:cNvPr>
-          <p:cNvCxnSpPr/>
-          <p:nvPr/>
-        </p:nvCxnSpPr>
-        <p:spPr>
-          <a:xfrm>
-            <a:off x="3400425" y="5434111"/>
-            <a:ext cx="0" cy="414067"/>
-          </a:xfrm>
-          <a:prstGeom prst="straightConnector1">
-            <a:avLst/>
-          </a:prstGeom>
-          <a:ln w="19050">
-            <a:solidFill>
-              <a:schemeClr val="tx1"/>
-            </a:solidFill>
-            <a:tailEnd type="triangle"/>
-          </a:ln>
-        </p:spPr>
-        <p:style>
-          <a:lnRef idx="1">
-            <a:schemeClr val="accent1"/>
-          </a:lnRef>
-          <a:fillRef idx="0">
-            <a:schemeClr val="accent1"/>
-          </a:fillRef>
-          <a:effectRef idx="0">
-            <a:schemeClr val="accent1"/>
-          </a:effectRef>
-          <a:fontRef idx="minor">
-            <a:schemeClr val="tx1"/>
-          </a:fontRef>
-        </p:style>
-      </p:cxnSp>
       <p:sp>
         <p:nvSpPr>
           <p:cNvPr id="35" name="矩形: 圆角 34">

--- a/1_Protocol/1_2_Planned_Analysis/1_2_2_OUTPUT/Flow_Chart.pptx
+++ b/1_Protocol/1_2_Planned_Analysis/1_2_2_OUTPUT/Flow_Chart.pptx
@@ -127,7 +127,7 @@
             <a:srgbClr val="A4A3A4"/>
           </p15:clr>
         </p15:guide>
-        <p15:guide id="4" pos="2160" userDrawn="1">
+        <p15:guide id="4" pos="2184" userDrawn="1">
           <p15:clr>
             <a:srgbClr val="A4A3A4"/>
           </p15:clr>
@@ -230,7 +230,7 @@
           <a:p>
             <a:fld id="{6D1E7BF1-5C37-40DA-A35C-C8A73C85B1EE}" type="datetimeFigureOut">
               <a:rPr lang="zh-CN" altLang="en-US" smtClean="0"/>
-              <a:t>2023/9/11</a:t>
+              <a:t>2023/9/25</a:t>
             </a:fld>
             <a:endParaRPr lang="zh-CN" altLang="en-US"/>
           </a:p>
@@ -796,7 +796,7 @@
           <a:p>
             <a:fld id="{6E3B42F8-6E75-4811-AA9B-137B925DD217}" type="datetimeFigureOut">
               <a:rPr lang="zh-TW" altLang="en-US" smtClean="0"/>
-              <a:t>2023/9/11</a:t>
+              <a:t>2023/9/25</a:t>
             </a:fld>
             <a:endParaRPr lang="zh-TW" altLang="en-US"/>
           </a:p>
@@ -966,7 +966,7 @@
           <a:p>
             <a:fld id="{6E3B42F8-6E75-4811-AA9B-137B925DD217}" type="datetimeFigureOut">
               <a:rPr lang="zh-TW" altLang="en-US" smtClean="0"/>
-              <a:t>2023/9/11</a:t>
+              <a:t>2023/9/25</a:t>
             </a:fld>
             <a:endParaRPr lang="zh-TW" altLang="en-US"/>
           </a:p>
@@ -1146,7 +1146,7 @@
           <a:p>
             <a:fld id="{6E3B42F8-6E75-4811-AA9B-137B925DD217}" type="datetimeFigureOut">
               <a:rPr lang="zh-TW" altLang="en-US" smtClean="0"/>
-              <a:t>2023/9/11</a:t>
+              <a:t>2023/9/25</a:t>
             </a:fld>
             <a:endParaRPr lang="zh-TW" altLang="en-US"/>
           </a:p>
@@ -1316,7 +1316,7 @@
           <a:p>
             <a:fld id="{6E3B42F8-6E75-4811-AA9B-137B925DD217}" type="datetimeFigureOut">
               <a:rPr lang="zh-TW" altLang="en-US" smtClean="0"/>
-              <a:t>2023/9/11</a:t>
+              <a:t>2023/9/25</a:t>
             </a:fld>
             <a:endParaRPr lang="zh-TW" altLang="en-US"/>
           </a:p>
@@ -1562,7 +1562,7 @@
           <a:p>
             <a:fld id="{6E3B42F8-6E75-4811-AA9B-137B925DD217}" type="datetimeFigureOut">
               <a:rPr lang="zh-TW" altLang="en-US" smtClean="0"/>
-              <a:t>2023/9/11</a:t>
+              <a:t>2023/9/25</a:t>
             </a:fld>
             <a:endParaRPr lang="zh-TW" altLang="en-US"/>
           </a:p>
@@ -1794,7 +1794,7 @@
           <a:p>
             <a:fld id="{6E3B42F8-6E75-4811-AA9B-137B925DD217}" type="datetimeFigureOut">
               <a:rPr lang="zh-TW" altLang="en-US" smtClean="0"/>
-              <a:t>2023/9/11</a:t>
+              <a:t>2023/9/25</a:t>
             </a:fld>
             <a:endParaRPr lang="zh-TW" altLang="en-US"/>
           </a:p>
@@ -2161,7 +2161,7 @@
           <a:p>
             <a:fld id="{6E3B42F8-6E75-4811-AA9B-137B925DD217}" type="datetimeFigureOut">
               <a:rPr lang="zh-TW" altLang="en-US" smtClean="0"/>
-              <a:t>2023/9/11</a:t>
+              <a:t>2023/9/25</a:t>
             </a:fld>
             <a:endParaRPr lang="zh-TW" altLang="en-US"/>
           </a:p>
@@ -2279,7 +2279,7 @@
           <a:p>
             <a:fld id="{6E3B42F8-6E75-4811-AA9B-137B925DD217}" type="datetimeFigureOut">
               <a:rPr lang="zh-TW" altLang="en-US" smtClean="0"/>
-              <a:t>2023/9/11</a:t>
+              <a:t>2023/9/25</a:t>
             </a:fld>
             <a:endParaRPr lang="zh-TW" altLang="en-US"/>
           </a:p>
@@ -2374,7 +2374,7 @@
           <a:p>
             <a:fld id="{6E3B42F8-6E75-4811-AA9B-137B925DD217}" type="datetimeFigureOut">
               <a:rPr lang="zh-TW" altLang="en-US" smtClean="0"/>
-              <a:t>2023/9/11</a:t>
+              <a:t>2023/9/25</a:t>
             </a:fld>
             <a:endParaRPr lang="zh-TW" altLang="en-US"/>
           </a:p>
@@ -2651,7 +2651,7 @@
           <a:p>
             <a:fld id="{6E3B42F8-6E75-4811-AA9B-137B925DD217}" type="datetimeFigureOut">
               <a:rPr lang="zh-TW" altLang="en-US" smtClean="0"/>
-              <a:t>2023/9/11</a:t>
+              <a:t>2023/9/25</a:t>
             </a:fld>
             <a:endParaRPr lang="zh-TW" altLang="en-US"/>
           </a:p>
@@ -2904,7 +2904,7 @@
           <a:p>
             <a:fld id="{6E3B42F8-6E75-4811-AA9B-137B925DD217}" type="datetimeFigureOut">
               <a:rPr lang="zh-TW" altLang="en-US" smtClean="0"/>
-              <a:t>2023/9/11</a:t>
+              <a:t>2023/9/25</a:t>
             </a:fld>
             <a:endParaRPr lang="zh-TW" altLang="en-US"/>
           </a:p>
@@ -3117,7 +3117,7 @@
           <a:p>
             <a:fld id="{6E3B42F8-6E75-4811-AA9B-137B925DD217}" type="datetimeFigureOut">
               <a:rPr lang="zh-TW" altLang="en-US" smtClean="0"/>
-              <a:t>2023/9/11</a:t>
+              <a:t>2023/9/25</a:t>
             </a:fld>
             <a:endParaRPr lang="zh-TW" altLang="en-US"/>
           </a:p>
@@ -5411,8 +5411,8 @@
         </p:nvSpPr>
         <p:spPr>
           <a:xfrm>
-            <a:off x="5544231" y="1031685"/>
-            <a:ext cx="1135193" cy="374571"/>
+            <a:off x="5304466" y="1031685"/>
+            <a:ext cx="1614728" cy="374571"/>
           </a:xfrm>
           <a:prstGeom prst="roundRect">
             <a:avLst/>
@@ -5436,7 +5436,7 @@
                 <a:latin typeface="Times New Roman" panose="02020603050405020304" pitchFamily="18" charset="0"/>
                 <a:cs typeface="Times New Roman" panose="02020603050405020304" pitchFamily="18" charset="0"/>
               </a:rPr>
-              <a:t>Clean Data</a:t>
+              <a:t>Pre-process Data</a:t>
             </a:r>
             <a:endParaRPr lang="zh-TW" altLang="en-US" sz="1600" dirty="0">
               <a:latin typeface="Times New Roman" panose="02020603050405020304" pitchFamily="18" charset="0"/>
@@ -5484,6 +5484,14 @@
           <a:p>
             <a:pPr algn="ctr"/>
             <a:r>
+              <a:rPr lang="en-US" altLang="zh-TW" sz="1200" dirty="0">
+                <a:latin typeface="Times New Roman" panose="02020603050405020304" pitchFamily="18" charset="0"/>
+                <a:ea typeface="Times New Roman" panose="02020603050405020304" pitchFamily="18" charset="0"/>
+                <a:cs typeface="Times New Roman" panose="02020603050405020304" pitchFamily="18" charset="0"/>
+              </a:rPr>
+              <a:t>(</a:t>
+            </a:r>
+            <a:r>
               <a:rPr lang="en-US" altLang="zh-TW" sz="1200" i="1" dirty="0">
                 <a:latin typeface="Times New Roman" panose="02020603050405020304" pitchFamily="18" charset="0"/>
                 <a:ea typeface="Times New Roman" panose="02020603050405020304" pitchFamily="18" charset="0"/>
@@ -5523,10 +5531,14 @@
               </a:rPr>
               <a:t>, v, z</a:t>
             </a:r>
-            <a:endParaRPr lang="zh-TW" altLang="en-US" sz="1200" i="1" dirty="0">
-              <a:latin typeface="Times New Roman" panose="02020603050405020304" pitchFamily="18" charset="0"/>
-              <a:cs typeface="Times New Roman" panose="02020603050405020304" pitchFamily="18" charset="0"/>
-            </a:endParaRPr>
+            <a:r>
+              <a:rPr lang="en-US" altLang="zh-TW" sz="1200" dirty="0">
+                <a:latin typeface="Times New Roman" panose="02020603050405020304" pitchFamily="18" charset="0"/>
+                <a:ea typeface="Times New Roman" panose="02020603050405020304" pitchFamily="18" charset="0"/>
+                <a:cs typeface="Times New Roman" panose="02020603050405020304" pitchFamily="18" charset="0"/>
+              </a:rPr>
+              <a:t>)</a:t>
+            </a:r>
           </a:p>
         </p:txBody>
       </p:sp>
@@ -5705,7 +5717,7 @@
         </p:nvSpPr>
         <p:spPr>
           <a:xfrm>
-            <a:off x="9637650" y="5930012"/>
+            <a:off x="9537167" y="5930012"/>
             <a:ext cx="2071741" cy="544830"/>
           </a:xfrm>
           <a:prstGeom prst="roundRect">
@@ -5732,6 +5744,17 @@
               </a:rPr>
               <a:t>Plot ICC</a:t>
             </a:r>
+            <a:r>
+              <a:rPr lang="en-US" altLang="zh-CN" sz="1600" dirty="0">
+                <a:latin typeface="Times New Roman" panose="02020603050405020304" pitchFamily="18" charset="0"/>
+                <a:cs typeface="Times New Roman" panose="02020603050405020304" pitchFamily="18" charset="0"/>
+              </a:rPr>
+              <a:t>2</a:t>
+            </a:r>
+            <a:endParaRPr lang="en-US" altLang="zh-TW" sz="1600" dirty="0">
+              <a:latin typeface="Times New Roman" panose="02020603050405020304" pitchFamily="18" charset="0"/>
+              <a:cs typeface="Times New Roman" panose="02020603050405020304" pitchFamily="18" charset="0"/>
+            </a:endParaRPr>
           </a:p>
           <a:p>
             <a:pPr algn="ctr"/>
@@ -5757,7 +5780,7 @@
         </p:nvCxnSpPr>
         <p:spPr>
           <a:xfrm>
-            <a:off x="10655413" y="5408089"/>
+            <a:off x="10585077" y="5408089"/>
             <a:ext cx="0" cy="414067"/>
           </a:xfrm>
           <a:prstGeom prst="straightConnector1">
@@ -5918,8 +5941,8 @@
         </p:nvCxnSpPr>
         <p:spPr>
           <a:xfrm flipH="1">
-            <a:off x="8025415" y="4289144"/>
-            <a:ext cx="376632" cy="390022"/>
+            <a:off x="8025415" y="4070237"/>
+            <a:ext cx="461639" cy="712460"/>
           </a:xfrm>
           <a:prstGeom prst="straightConnector1">
             <a:avLst/>
@@ -5953,9 +5976,9 @@
           <p:nvPr/>
         </p:nvSpPr>
         <p:spPr>
-          <a:xfrm rot="2795594">
-            <a:off x="10163242" y="4303277"/>
-            <a:ext cx="1189417" cy="253916"/>
+          <a:xfrm rot="3266205">
+            <a:off x="10055445" y="4300485"/>
+            <a:ext cx="1189417" cy="400110"/>
           </a:xfrm>
           <a:prstGeom prst="rect">
             <a:avLst/>
@@ -5976,7 +5999,27 @@
                 <a:latin typeface="Times New Roman" panose="02020603050405020304" pitchFamily="18" charset="0"/>
                 <a:cs typeface="Times New Roman" panose="02020603050405020304" pitchFamily="18" charset="0"/>
               </a:rPr>
-              <a:t>If SPMT repeated</a:t>
+              <a:t>If repeated</a:t>
+            </a:r>
+            <a:r>
+              <a:rPr lang="zh-CN" altLang="en-US" sz="1000" dirty="0">
+                <a:latin typeface="Times New Roman" panose="02020603050405020304" pitchFamily="18" charset="0"/>
+                <a:cs typeface="Times New Roman" panose="02020603050405020304" pitchFamily="18" charset="0"/>
+              </a:rPr>
+              <a:t> </a:t>
+            </a:r>
+            <a:endParaRPr lang="en-US" altLang="zh-CN" sz="1000" dirty="0">
+              <a:latin typeface="Times New Roman" panose="02020603050405020304" pitchFamily="18" charset="0"/>
+              <a:cs typeface="Times New Roman" panose="02020603050405020304" pitchFamily="18" charset="0"/>
+            </a:endParaRPr>
+          </a:p>
+          <a:p>
+            <a:r>
+              <a:rPr lang="en-US" altLang="zh-CN" sz="1000" dirty="0">
+                <a:latin typeface="Times New Roman" panose="02020603050405020304" pitchFamily="18" charset="0"/>
+                <a:cs typeface="Times New Roman" panose="02020603050405020304" pitchFamily="18" charset="0"/>
+              </a:rPr>
+              <a:t>Administrated</a:t>
             </a:r>
             <a:endParaRPr lang="zh-TW" altLang="en-US" sz="1000" dirty="0">
               <a:latin typeface="Times New Roman" panose="02020603050405020304" pitchFamily="18" charset="0"/>
@@ -5995,8 +6038,8 @@
         </p:nvCxnSpPr>
         <p:spPr>
           <a:xfrm>
-            <a:off x="10290091" y="4279619"/>
-            <a:ext cx="365321" cy="367860"/>
+            <a:off x="10038303" y="4070237"/>
+            <a:ext cx="486485" cy="700682"/>
           </a:xfrm>
           <a:prstGeom prst="straightConnector1">
             <a:avLst/>
@@ -6037,7 +6080,7 @@
         </p:nvSpPr>
         <p:spPr>
           <a:xfrm>
-            <a:off x="9637650" y="4811111"/>
+            <a:off x="9507026" y="4801063"/>
             <a:ext cx="2035524" cy="544830"/>
           </a:xfrm>
           <a:prstGeom prst="roundRect">
@@ -6095,7 +6138,7 @@
         </p:nvSpPr>
         <p:spPr>
           <a:xfrm>
-            <a:off x="2314854" y="5822156"/>
+            <a:off x="2272315" y="5419970"/>
             <a:ext cx="2237170" cy="646986"/>
           </a:xfrm>
           <a:prstGeom prst="roundRect">
@@ -6116,23 +6159,19 @@
           <a:p>
             <a:pPr algn="ctr"/>
             <a:r>
-              <a:rPr lang="en-US" altLang="zh-TW" sz="1600">
+              <a:rPr lang="en-US" altLang="zh-TW" sz="1600" dirty="0">
                 <a:latin typeface="Times New Roman" panose="02020603050405020304" pitchFamily="18" charset="0"/>
                 <a:cs typeface="Times New Roman" panose="02020603050405020304" pitchFamily="18" charset="0"/>
               </a:rPr>
               <a:t>M</a:t>
             </a:r>
             <a:r>
-              <a:rPr lang="en-US" altLang="zh-CN" sz="1600">
+              <a:rPr lang="en-US" altLang="zh-CN" sz="1600" dirty="0">
                 <a:latin typeface="Times New Roman" panose="02020603050405020304" pitchFamily="18" charset="0"/>
                 <a:cs typeface="Times New Roman" panose="02020603050405020304" pitchFamily="18" charset="0"/>
               </a:rPr>
               <a:t>eta-Analysis</a:t>
             </a:r>
-            <a:endParaRPr lang="en-US" altLang="zh-CN" sz="1600" dirty="0">
-              <a:latin typeface="Times New Roman" panose="02020603050405020304" pitchFamily="18" charset="0"/>
-              <a:cs typeface="Times New Roman" panose="02020603050405020304" pitchFamily="18" charset="0"/>
-            </a:endParaRPr>
           </a:p>
           <a:p>
             <a:pPr algn="ctr"/>
@@ -6141,9 +6180,9 @@
                 <a:latin typeface="Times New Roman" panose="02020603050405020304" pitchFamily="18" charset="0"/>
                 <a:cs typeface="Times New Roman" panose="02020603050405020304" pitchFamily="18" charset="0"/>
               </a:rPr>
-              <a:t>(Random Effect Model)</a:t>
-            </a:r>
-            <a:endParaRPr lang="zh-TW" altLang="en-US" sz="1600" dirty="0">
+              <a:t>Random Effect Model</a:t>
+            </a:r>
+            <a:endParaRPr lang="zh-TW" altLang="en-US" sz="1000" dirty="0">
               <a:latin typeface="Times New Roman" panose="02020603050405020304" pitchFamily="18" charset="0"/>
               <a:cs typeface="Times New Roman" panose="02020603050405020304" pitchFamily="18" charset="0"/>
             </a:endParaRPr>
@@ -6164,7 +6203,7 @@
         </p:nvSpPr>
         <p:spPr>
           <a:xfrm>
-            <a:off x="7803768" y="2370733"/>
+            <a:off x="7885524" y="2370060"/>
             <a:ext cx="2775714" cy="572168"/>
           </a:xfrm>
           <a:prstGeom prst="rect">
@@ -6204,7 +6243,7 @@
                 <a:latin typeface="Times New Roman" panose="02020603050405020304" pitchFamily="18" charset="0"/>
                 <a:cs typeface="Times New Roman" panose="02020603050405020304" pitchFamily="18" charset="0"/>
               </a:rPr>
-              <a:t>Individual - level</a:t>
+              <a:t>Individual Level</a:t>
             </a:r>
             <a:endParaRPr lang="zh-CN" altLang="en-US" sz="2000" b="1" dirty="0">
               <a:solidFill>
@@ -6232,8 +6271,8 @@
         </p:nvCxnSpPr>
         <p:spPr>
           <a:xfrm>
-            <a:off x="3433439" y="4528930"/>
-            <a:ext cx="0" cy="827011"/>
+            <a:off x="3390900" y="4255914"/>
+            <a:ext cx="0" cy="930040"/>
           </a:xfrm>
           <a:prstGeom prst="straightConnector1">
             <a:avLst/>
@@ -6315,11 +6354,32 @@
           <a:p>
             <a:pPr algn="ctr"/>
             <a:r>
+              <a:rPr lang="en-US" altLang="zh-CN" sz="1000" dirty="0">
+                <a:latin typeface="Times New Roman" panose="02020603050405020304" pitchFamily="18" charset="0"/>
+                <a:cs typeface="Times New Roman" panose="02020603050405020304" pitchFamily="18" charset="0"/>
+              </a:rPr>
+              <a:t>(</a:t>
+            </a:r>
+            <a:r>
               <a:rPr lang="en-US" altLang="zh-CN" sz="1000" i="1" dirty="0">
                 <a:latin typeface="Times New Roman" panose="02020603050405020304" pitchFamily="18" charset="0"/>
                 <a:cs typeface="Times New Roman" panose="02020603050405020304" pitchFamily="18" charset="0"/>
               </a:rPr>
-              <a:t>(Close, Stranger)*</a:t>
+              <a:t>Close, Stranger</a:t>
+            </a:r>
+            <a:r>
+              <a:rPr lang="en-US" altLang="zh-CN" sz="1000" dirty="0">
+                <a:latin typeface="Times New Roman" panose="02020603050405020304" pitchFamily="18" charset="0"/>
+                <a:cs typeface="Times New Roman" panose="02020603050405020304" pitchFamily="18" charset="0"/>
+              </a:rPr>
+              <a:t>)</a:t>
+            </a:r>
+            <a:r>
+              <a:rPr lang="en-US" altLang="zh-CN" sz="1000" i="1" dirty="0">
+                <a:latin typeface="Times New Roman" panose="02020603050405020304" pitchFamily="18" charset="0"/>
+                <a:cs typeface="Times New Roman" panose="02020603050405020304" pitchFamily="18" charset="0"/>
+              </a:rPr>
+              <a:t>*</a:t>
             </a:r>
           </a:p>
         </p:txBody>
@@ -6338,7 +6398,7 @@
         </p:nvSpPr>
         <p:spPr>
           <a:xfrm>
-            <a:off x="2060193" y="2366094"/>
+            <a:off x="1919516" y="2379814"/>
             <a:ext cx="2775711" cy="572168"/>
           </a:xfrm>
           <a:prstGeom prst="rect">
@@ -6378,7 +6438,7 @@
                 <a:latin typeface="Times New Roman" panose="02020603050405020304" pitchFamily="18" charset="0"/>
                 <a:cs typeface="Times New Roman" panose="02020603050405020304" pitchFamily="18" charset="0"/>
               </a:rPr>
-              <a:t>Group - level</a:t>
+              <a:t>Group Level</a:t>
             </a:r>
             <a:endParaRPr lang="zh-CN" altLang="en-US" sz="2000" b="1" dirty="0">
               <a:solidFill>

--- a/1_Protocol/1_2_Planned_Analysis/1_2_2_OUTPUT/Flow_Chart.pptx
+++ b/1_Protocol/1_2_Planned_Analysis/1_2_2_OUTPUT/Flow_Chart.pptx
@@ -5,12 +5,14 @@
     <p:sldMasterId id="2147483648" r:id="rId1"/>
   </p:sldMasterIdLst>
   <p:notesMasterIdLst>
-    <p:notesMasterId r:id="rId5"/>
+    <p:notesMasterId r:id="rId7"/>
   </p:notesMasterIdLst>
   <p:sldIdLst>
     <p:sldId id="256" r:id="rId2"/>
     <p:sldId id="257" r:id="rId3"/>
     <p:sldId id="258" r:id="rId4"/>
+    <p:sldId id="259" r:id="rId5"/>
+    <p:sldId id="260" r:id="rId6"/>
   </p:sldIdLst>
   <p:sldSz cx="12192000" cy="6858000"/>
   <p:notesSz cx="6858000" cy="9144000"/>
@@ -230,7 +232,7 @@
           <a:p>
             <a:fld id="{6D1E7BF1-5C37-40DA-A35C-C8A73C85B1EE}" type="datetimeFigureOut">
               <a:rPr lang="zh-CN" altLang="en-US" smtClean="0"/>
-              <a:t>2023/9/25</a:t>
+              <a:t>2023/9/27</a:t>
             </a:fld>
             <a:endParaRPr lang="zh-CN" altLang="en-US"/>
           </a:p>
@@ -665,6 +667,174 @@
 </p:notes>
 </file>
 
+<file path=ppt/notesSlides/notesSlide3.xml><?xml version="1.0" encoding="utf-8"?>
+<p:notes xmlns:a="http://schemas.openxmlformats.org/drawingml/2006/main" xmlns:r="http://schemas.openxmlformats.org/officeDocument/2006/relationships" xmlns:p="http://schemas.openxmlformats.org/presentationml/2006/main">
+  <p:cSld>
+    <p:spTree>
+      <p:nvGrpSpPr>
+        <p:cNvPr id="1" name=""/>
+        <p:cNvGrpSpPr/>
+        <p:nvPr/>
+      </p:nvGrpSpPr>
+      <p:grpSpPr>
+        <a:xfrm>
+          <a:off x="0" y="0"/>
+          <a:ext cx="0" cy="0"/>
+          <a:chOff x="0" y="0"/>
+          <a:chExt cx="0" cy="0"/>
+        </a:xfrm>
+      </p:grpSpPr>
+      <p:sp>
+        <p:nvSpPr>
+          <p:cNvPr id="2" name="幻灯片图像占位符 1"/>
+          <p:cNvSpPr>
+            <a:spLocks noGrp="1" noRot="1" noChangeAspect="1"/>
+          </p:cNvSpPr>
+          <p:nvPr>
+            <p:ph type="sldImg"/>
+          </p:nvPr>
+        </p:nvSpPr>
+        <p:spPr/>
+      </p:sp>
+      <p:sp>
+        <p:nvSpPr>
+          <p:cNvPr id="3" name="备注占位符 2"/>
+          <p:cNvSpPr>
+            <a:spLocks noGrp="1"/>
+          </p:cNvSpPr>
+          <p:nvPr>
+            <p:ph type="body" idx="1"/>
+          </p:nvPr>
+        </p:nvSpPr>
+        <p:spPr/>
+        <p:txBody>
+          <a:bodyPr/>
+          <a:lstStyle/>
+          <a:p>
+            <a:endParaRPr lang="zh-CN" altLang="en-US" dirty="0"/>
+          </a:p>
+        </p:txBody>
+      </p:sp>
+      <p:sp>
+        <p:nvSpPr>
+          <p:cNvPr id="4" name="灯片编号占位符 3"/>
+          <p:cNvSpPr>
+            <a:spLocks noGrp="1"/>
+          </p:cNvSpPr>
+          <p:nvPr>
+            <p:ph type="sldNum" sz="quarter" idx="5"/>
+          </p:nvPr>
+        </p:nvSpPr>
+        <p:spPr/>
+        <p:txBody>
+          <a:bodyPr/>
+          <a:lstStyle/>
+          <a:p>
+            <a:fld id="{21434C06-EBD8-4458-A2C5-E8CF0354291F}" type="slidenum">
+              <a:rPr lang="zh-CN" altLang="en-US" smtClean="0"/>
+              <a:t>4</a:t>
+            </a:fld>
+            <a:endParaRPr lang="zh-CN" altLang="en-US"/>
+          </a:p>
+        </p:txBody>
+      </p:sp>
+    </p:spTree>
+    <p:extLst>
+      <p:ext uri="{BB962C8B-B14F-4D97-AF65-F5344CB8AC3E}">
+        <p14:creationId xmlns:p14="http://schemas.microsoft.com/office/powerpoint/2010/main" val="3895607231"/>
+      </p:ext>
+    </p:extLst>
+  </p:cSld>
+  <p:clrMapOvr>
+    <a:masterClrMapping/>
+  </p:clrMapOvr>
+</p:notes>
+</file>
+
+<file path=ppt/notesSlides/notesSlide4.xml><?xml version="1.0" encoding="utf-8"?>
+<p:notes xmlns:a="http://schemas.openxmlformats.org/drawingml/2006/main" xmlns:r="http://schemas.openxmlformats.org/officeDocument/2006/relationships" xmlns:p="http://schemas.openxmlformats.org/presentationml/2006/main">
+  <p:cSld>
+    <p:spTree>
+      <p:nvGrpSpPr>
+        <p:cNvPr id="1" name=""/>
+        <p:cNvGrpSpPr/>
+        <p:nvPr/>
+      </p:nvGrpSpPr>
+      <p:grpSpPr>
+        <a:xfrm>
+          <a:off x="0" y="0"/>
+          <a:ext cx="0" cy="0"/>
+          <a:chOff x="0" y="0"/>
+          <a:chExt cx="0" cy="0"/>
+        </a:xfrm>
+      </p:grpSpPr>
+      <p:sp>
+        <p:nvSpPr>
+          <p:cNvPr id="2" name="幻灯片图像占位符 1"/>
+          <p:cNvSpPr>
+            <a:spLocks noGrp="1" noRot="1" noChangeAspect="1"/>
+          </p:cNvSpPr>
+          <p:nvPr>
+            <p:ph type="sldImg"/>
+          </p:nvPr>
+        </p:nvSpPr>
+        <p:spPr/>
+      </p:sp>
+      <p:sp>
+        <p:nvSpPr>
+          <p:cNvPr id="3" name="备注占位符 2"/>
+          <p:cNvSpPr>
+            <a:spLocks noGrp="1"/>
+          </p:cNvSpPr>
+          <p:nvPr>
+            <p:ph type="body" idx="1"/>
+          </p:nvPr>
+        </p:nvSpPr>
+        <p:spPr/>
+        <p:txBody>
+          <a:bodyPr/>
+          <a:lstStyle/>
+          <a:p>
+            <a:endParaRPr lang="zh-CN" altLang="en-US" dirty="0"/>
+          </a:p>
+        </p:txBody>
+      </p:sp>
+      <p:sp>
+        <p:nvSpPr>
+          <p:cNvPr id="4" name="灯片编号占位符 3"/>
+          <p:cNvSpPr>
+            <a:spLocks noGrp="1"/>
+          </p:cNvSpPr>
+          <p:nvPr>
+            <p:ph type="sldNum" sz="quarter" idx="5"/>
+          </p:nvPr>
+        </p:nvSpPr>
+        <p:spPr/>
+        <p:txBody>
+          <a:bodyPr/>
+          <a:lstStyle/>
+          <a:p>
+            <a:fld id="{21434C06-EBD8-4458-A2C5-E8CF0354291F}" type="slidenum">
+              <a:rPr lang="zh-CN" altLang="en-US" smtClean="0"/>
+              <a:t>5</a:t>
+            </a:fld>
+            <a:endParaRPr lang="zh-CN" altLang="en-US"/>
+          </a:p>
+        </p:txBody>
+      </p:sp>
+    </p:spTree>
+    <p:extLst>
+      <p:ext uri="{BB962C8B-B14F-4D97-AF65-F5344CB8AC3E}">
+        <p14:creationId xmlns:p14="http://schemas.microsoft.com/office/powerpoint/2010/main" val="1372927178"/>
+      </p:ext>
+    </p:extLst>
+  </p:cSld>
+  <p:clrMapOvr>
+    <a:masterClrMapping/>
+  </p:clrMapOvr>
+</p:notes>
+</file>
+
 <file path=ppt/slideLayouts/slideLayout1.xml><?xml version="1.0" encoding="utf-8"?>
 <p:sldLayout xmlns:a="http://schemas.openxmlformats.org/drawingml/2006/main" xmlns:r="http://schemas.openxmlformats.org/officeDocument/2006/relationships" xmlns:p="http://schemas.openxmlformats.org/presentationml/2006/main" type="title" preserve="1">
   <p:cSld name="标题幻灯片">
@@ -796,7 +966,7 @@
           <a:p>
             <a:fld id="{6E3B42F8-6E75-4811-AA9B-137B925DD217}" type="datetimeFigureOut">
               <a:rPr lang="zh-TW" altLang="en-US" smtClean="0"/>
-              <a:t>2023/9/25</a:t>
+              <a:t>2023/9/27</a:t>
             </a:fld>
             <a:endParaRPr lang="zh-TW" altLang="en-US"/>
           </a:p>
@@ -966,7 +1136,7 @@
           <a:p>
             <a:fld id="{6E3B42F8-6E75-4811-AA9B-137B925DD217}" type="datetimeFigureOut">
               <a:rPr lang="zh-TW" altLang="en-US" smtClean="0"/>
-              <a:t>2023/9/25</a:t>
+              <a:t>2023/9/27</a:t>
             </a:fld>
             <a:endParaRPr lang="zh-TW" altLang="en-US"/>
           </a:p>
@@ -1146,7 +1316,7 @@
           <a:p>
             <a:fld id="{6E3B42F8-6E75-4811-AA9B-137B925DD217}" type="datetimeFigureOut">
               <a:rPr lang="zh-TW" altLang="en-US" smtClean="0"/>
-              <a:t>2023/9/25</a:t>
+              <a:t>2023/9/27</a:t>
             </a:fld>
             <a:endParaRPr lang="zh-TW" altLang="en-US"/>
           </a:p>
@@ -1316,7 +1486,7 @@
           <a:p>
             <a:fld id="{6E3B42F8-6E75-4811-AA9B-137B925DD217}" type="datetimeFigureOut">
               <a:rPr lang="zh-TW" altLang="en-US" smtClean="0"/>
-              <a:t>2023/9/25</a:t>
+              <a:t>2023/9/27</a:t>
             </a:fld>
             <a:endParaRPr lang="zh-TW" altLang="en-US"/>
           </a:p>
@@ -1562,7 +1732,7 @@
           <a:p>
             <a:fld id="{6E3B42F8-6E75-4811-AA9B-137B925DD217}" type="datetimeFigureOut">
               <a:rPr lang="zh-TW" altLang="en-US" smtClean="0"/>
-              <a:t>2023/9/25</a:t>
+              <a:t>2023/9/27</a:t>
             </a:fld>
             <a:endParaRPr lang="zh-TW" altLang="en-US"/>
           </a:p>
@@ -1794,7 +1964,7 @@
           <a:p>
             <a:fld id="{6E3B42F8-6E75-4811-AA9B-137B925DD217}" type="datetimeFigureOut">
               <a:rPr lang="zh-TW" altLang="en-US" smtClean="0"/>
-              <a:t>2023/9/25</a:t>
+              <a:t>2023/9/27</a:t>
             </a:fld>
             <a:endParaRPr lang="zh-TW" altLang="en-US"/>
           </a:p>
@@ -2161,7 +2331,7 @@
           <a:p>
             <a:fld id="{6E3B42F8-6E75-4811-AA9B-137B925DD217}" type="datetimeFigureOut">
               <a:rPr lang="zh-TW" altLang="en-US" smtClean="0"/>
-              <a:t>2023/9/25</a:t>
+              <a:t>2023/9/27</a:t>
             </a:fld>
             <a:endParaRPr lang="zh-TW" altLang="en-US"/>
           </a:p>
@@ -2279,7 +2449,7 @@
           <a:p>
             <a:fld id="{6E3B42F8-6E75-4811-AA9B-137B925DD217}" type="datetimeFigureOut">
               <a:rPr lang="zh-TW" altLang="en-US" smtClean="0"/>
-              <a:t>2023/9/25</a:t>
+              <a:t>2023/9/27</a:t>
             </a:fld>
             <a:endParaRPr lang="zh-TW" altLang="en-US"/>
           </a:p>
@@ -2374,7 +2544,7 @@
           <a:p>
             <a:fld id="{6E3B42F8-6E75-4811-AA9B-137B925DD217}" type="datetimeFigureOut">
               <a:rPr lang="zh-TW" altLang="en-US" smtClean="0"/>
-              <a:t>2023/9/25</a:t>
+              <a:t>2023/9/27</a:t>
             </a:fld>
             <a:endParaRPr lang="zh-TW" altLang="en-US"/>
           </a:p>
@@ -2651,7 +2821,7 @@
           <a:p>
             <a:fld id="{6E3B42F8-6E75-4811-AA9B-137B925DD217}" type="datetimeFigureOut">
               <a:rPr lang="zh-TW" altLang="en-US" smtClean="0"/>
-              <a:t>2023/9/25</a:t>
+              <a:t>2023/9/27</a:t>
             </a:fld>
             <a:endParaRPr lang="zh-TW" altLang="en-US"/>
           </a:p>
@@ -2904,7 +3074,7 @@
           <a:p>
             <a:fld id="{6E3B42F8-6E75-4811-AA9B-137B925DD217}" type="datetimeFigureOut">
               <a:rPr lang="zh-TW" altLang="en-US" smtClean="0"/>
-              <a:t>2023/9/25</a:t>
+              <a:t>2023/9/27</a:t>
             </a:fld>
             <a:endParaRPr lang="zh-TW" altLang="en-US"/>
           </a:p>
@@ -3117,7 +3287,7 @@
           <a:p>
             <a:fld id="{6E3B42F8-6E75-4811-AA9B-137B925DD217}" type="datetimeFigureOut">
               <a:rPr lang="zh-TW" altLang="en-US" smtClean="0"/>
-              <a:t>2023/9/25</a:t>
+              <a:t>2023/9/27</a:t>
             </a:fld>
             <a:endParaRPr lang="zh-TW" altLang="en-US"/>
           </a:p>
@@ -6564,6 +6734,2614 @@
     <p:extLst>
       <p:ext uri="{BB962C8B-B14F-4D97-AF65-F5344CB8AC3E}">
         <p14:creationId xmlns:p14="http://schemas.microsoft.com/office/powerpoint/2010/main" val="3368875738"/>
+      </p:ext>
+    </p:extLst>
+  </p:cSld>
+  <p:clrMapOvr>
+    <a:masterClrMapping/>
+  </p:clrMapOvr>
+</p:sld>
+</file>
+
+<file path=ppt/slides/slide4.xml><?xml version="1.0" encoding="utf-8"?>
+<p:sld xmlns:a="http://schemas.openxmlformats.org/drawingml/2006/main" xmlns:r="http://schemas.openxmlformats.org/officeDocument/2006/relationships" xmlns:p="http://schemas.openxmlformats.org/presentationml/2006/main">
+  <p:cSld>
+    <p:spTree>
+      <p:nvGrpSpPr>
+        <p:cNvPr id="1" name=""/>
+        <p:cNvGrpSpPr/>
+        <p:nvPr/>
+      </p:nvGrpSpPr>
+      <p:grpSpPr>
+        <a:xfrm>
+          <a:off x="0" y="0"/>
+          <a:ext cx="0" cy="0"/>
+          <a:chOff x="0" y="0"/>
+          <a:chExt cx="0" cy="0"/>
+        </a:xfrm>
+      </p:grpSpPr>
+      <p:sp>
+        <p:nvSpPr>
+          <p:cNvPr id="2" name="文本框 1"/>
+          <p:cNvSpPr txBox="1"/>
+          <p:nvPr/>
+        </p:nvSpPr>
+        <p:spPr>
+          <a:xfrm>
+            <a:off x="5101727" y="124847"/>
+            <a:ext cx="2020205" cy="374571"/>
+          </a:xfrm>
+          <a:prstGeom prst="roundRect">
+            <a:avLst/>
+          </a:prstGeom>
+          <a:noFill/>
+          <a:ln w="19050">
+            <a:solidFill>
+              <a:schemeClr val="tx1"/>
+            </a:solidFill>
+          </a:ln>
+        </p:spPr>
+        <p:txBody>
+          <a:bodyPr wrap="square" rtlCol="0">
+            <a:spAutoFit/>
+          </a:bodyPr>
+          <a:lstStyle/>
+          <a:p>
+            <a:pPr algn="ctr"/>
+            <a:r>
+              <a:rPr lang="en-US" altLang="zh-CN" sz="1600" dirty="0">
+                <a:latin typeface="Times New Roman" panose="02020603050405020304" pitchFamily="18" charset="0"/>
+                <a:cs typeface="Times New Roman" panose="02020603050405020304" pitchFamily="18" charset="0"/>
+              </a:rPr>
+              <a:t>Collect Open Data</a:t>
+            </a:r>
+            <a:endParaRPr lang="zh-TW" altLang="en-US" sz="1600" dirty="0">
+              <a:latin typeface="Times New Roman" panose="02020603050405020304" pitchFamily="18" charset="0"/>
+              <a:cs typeface="Times New Roman" panose="02020603050405020304" pitchFamily="18" charset="0"/>
+            </a:endParaRPr>
+          </a:p>
+        </p:txBody>
+      </p:sp>
+      <p:sp>
+        <p:nvSpPr>
+          <p:cNvPr id="4" name="圆角矩形 3"/>
+          <p:cNvSpPr/>
+          <p:nvPr/>
+        </p:nvSpPr>
+        <p:spPr>
+          <a:xfrm>
+            <a:off x="5304466" y="1031685"/>
+            <a:ext cx="1614728" cy="374571"/>
+          </a:xfrm>
+          <a:prstGeom prst="roundRect">
+            <a:avLst/>
+          </a:prstGeom>
+          <a:noFill/>
+          <a:ln w="19050">
+            <a:solidFill>
+              <a:schemeClr val="tx1"/>
+            </a:solidFill>
+          </a:ln>
+        </p:spPr>
+        <p:txBody>
+          <a:bodyPr wrap="none">
+            <a:spAutoFit/>
+          </a:bodyPr>
+          <a:lstStyle/>
+          <a:p>
+            <a:pPr algn="ctr"/>
+            <a:r>
+              <a:rPr lang="en-US" altLang="zh-CN" sz="1600" dirty="0">
+                <a:latin typeface="Times New Roman" panose="02020603050405020304" pitchFamily="18" charset="0"/>
+                <a:cs typeface="Times New Roman" panose="02020603050405020304" pitchFamily="18" charset="0"/>
+              </a:rPr>
+              <a:t>Pre-process Data</a:t>
+            </a:r>
+            <a:endParaRPr lang="zh-TW" altLang="en-US" sz="1600" dirty="0">
+              <a:latin typeface="Times New Roman" panose="02020603050405020304" pitchFamily="18" charset="0"/>
+              <a:cs typeface="Times New Roman" panose="02020603050405020304" pitchFamily="18" charset="0"/>
+            </a:endParaRPr>
+          </a:p>
+        </p:txBody>
+      </p:sp>
+      <p:sp>
+        <p:nvSpPr>
+          <p:cNvPr id="5" name="文本框 4"/>
+          <p:cNvSpPr txBox="1"/>
+          <p:nvPr/>
+        </p:nvSpPr>
+        <p:spPr>
+          <a:xfrm>
+            <a:off x="4518975" y="1951098"/>
+            <a:ext cx="3185703" cy="578882"/>
+          </a:xfrm>
+          <a:prstGeom prst="roundRect">
+            <a:avLst/>
+          </a:prstGeom>
+          <a:noFill/>
+          <a:ln w="19050">
+            <a:solidFill>
+              <a:schemeClr val="tx1"/>
+            </a:solidFill>
+          </a:ln>
+        </p:spPr>
+        <p:txBody>
+          <a:bodyPr wrap="square" rtlCol="0">
+            <a:spAutoFit/>
+          </a:bodyPr>
+          <a:lstStyle/>
+          <a:p>
+            <a:pPr algn="ctr"/>
+            <a:r>
+              <a:rPr lang="en-US" altLang="zh-CN" sz="1600" dirty="0">
+                <a:latin typeface="Times New Roman" panose="02020603050405020304" pitchFamily="18" charset="0"/>
+                <a:cs typeface="Times New Roman" panose="02020603050405020304" pitchFamily="18" charset="0"/>
+              </a:rPr>
+              <a:t>Calculate 6 Outcome Variables</a:t>
+            </a:r>
+          </a:p>
+          <a:p>
+            <a:pPr algn="ctr"/>
+            <a:r>
+              <a:rPr lang="en-US" altLang="zh-TW" sz="1200" dirty="0">
+                <a:latin typeface="Times New Roman" panose="02020603050405020304" pitchFamily="18" charset="0"/>
+                <a:ea typeface="Times New Roman" panose="02020603050405020304" pitchFamily="18" charset="0"/>
+                <a:cs typeface="Times New Roman" panose="02020603050405020304" pitchFamily="18" charset="0"/>
+              </a:rPr>
+              <a:t>(</a:t>
+            </a:r>
+            <a:r>
+              <a:rPr lang="en-US" altLang="zh-TW" sz="1200" i="1" dirty="0">
+                <a:latin typeface="Times New Roman" panose="02020603050405020304" pitchFamily="18" charset="0"/>
+                <a:ea typeface="Times New Roman" panose="02020603050405020304" pitchFamily="18" charset="0"/>
+                <a:cs typeface="Times New Roman" panose="02020603050405020304" pitchFamily="18" charset="0"/>
+              </a:rPr>
+              <a:t>RT, ACC, </a:t>
+            </a:r>
+            <a:r>
+              <a:rPr lang="en-US" altLang="zh-CN" sz="1200" i="1" dirty="0">
+                <a:latin typeface="Times New Roman" panose="02020603050405020304" pitchFamily="18" charset="0"/>
+                <a:ea typeface="Times New Roman" panose="02020603050405020304" pitchFamily="18" charset="0"/>
+                <a:cs typeface="Times New Roman" panose="02020603050405020304" pitchFamily="18" charset="0"/>
+              </a:rPr>
+              <a:t>d’</a:t>
+            </a:r>
+            <a:r>
+              <a:rPr lang="en-US" altLang="zh-TW" sz="1200" i="1" dirty="0">
+                <a:latin typeface="Times New Roman" panose="02020603050405020304" pitchFamily="18" charset="0"/>
+                <a:ea typeface="Times New Roman" panose="02020603050405020304" pitchFamily="18" charset="0"/>
+                <a:cs typeface="Times New Roman" panose="02020603050405020304" pitchFamily="18" charset="0"/>
+              </a:rPr>
+              <a:t>, </a:t>
+            </a:r>
+            <a:r>
+              <a:rPr lang="en-US" altLang="zh-CN" sz="1200" i="1" dirty="0">
+                <a:latin typeface="Times New Roman" panose="02020603050405020304" pitchFamily="18" charset="0"/>
+                <a:ea typeface="Times New Roman" panose="02020603050405020304" pitchFamily="18" charset="0"/>
+                <a:cs typeface="Times New Roman" panose="02020603050405020304" pitchFamily="18" charset="0"/>
+              </a:rPr>
+              <a:t>η</a:t>
+            </a:r>
+            <a:r>
+              <a:rPr lang="en-US" altLang="zh-TW" sz="1200" i="1" dirty="0">
+                <a:latin typeface="Times New Roman" panose="02020603050405020304" pitchFamily="18" charset="0"/>
+                <a:ea typeface="Times New Roman" panose="02020603050405020304" pitchFamily="18" charset="0"/>
+                <a:cs typeface="Times New Roman" panose="02020603050405020304" pitchFamily="18" charset="0"/>
+              </a:rPr>
+              <a:t>, v, z</a:t>
+            </a:r>
+            <a:r>
+              <a:rPr lang="en-US" altLang="zh-TW" sz="1200" dirty="0">
+                <a:latin typeface="Times New Roman" panose="02020603050405020304" pitchFamily="18" charset="0"/>
+                <a:ea typeface="Times New Roman" panose="02020603050405020304" pitchFamily="18" charset="0"/>
+                <a:cs typeface="Times New Roman" panose="02020603050405020304" pitchFamily="18" charset="0"/>
+              </a:rPr>
+              <a:t>)</a:t>
+            </a:r>
+          </a:p>
+        </p:txBody>
+      </p:sp>
+      <p:cxnSp>
+        <p:nvCxnSpPr>
+          <p:cNvPr id="17" name="直接箭头连接符 16"/>
+          <p:cNvCxnSpPr/>
+          <p:nvPr/>
+        </p:nvCxnSpPr>
+        <p:spPr>
+          <a:xfrm>
+            <a:off x="6096000" y="559743"/>
+            <a:ext cx="0" cy="414067"/>
+          </a:xfrm>
+          <a:prstGeom prst="straightConnector1">
+            <a:avLst/>
+          </a:prstGeom>
+          <a:ln w="19050">
+            <a:solidFill>
+              <a:schemeClr val="tx1"/>
+            </a:solidFill>
+            <a:tailEnd type="triangle"/>
+          </a:ln>
+        </p:spPr>
+        <p:style>
+          <a:lnRef idx="1">
+            <a:schemeClr val="accent1"/>
+          </a:lnRef>
+          <a:fillRef idx="0">
+            <a:schemeClr val="accent1"/>
+          </a:fillRef>
+          <a:effectRef idx="0">
+            <a:schemeClr val="accent1"/>
+          </a:effectRef>
+          <a:fontRef idx="minor">
+            <a:schemeClr val="tx1"/>
+          </a:fontRef>
+        </p:style>
+      </p:cxnSp>
+      <p:cxnSp>
+        <p:nvCxnSpPr>
+          <p:cNvPr id="18" name="直接箭头连接符 17"/>
+          <p:cNvCxnSpPr/>
+          <p:nvPr/>
+        </p:nvCxnSpPr>
+        <p:spPr>
+          <a:xfrm>
+            <a:off x="6099175" y="1461712"/>
+            <a:ext cx="0" cy="414067"/>
+          </a:xfrm>
+          <a:prstGeom prst="straightConnector1">
+            <a:avLst/>
+          </a:prstGeom>
+          <a:ln w="19050">
+            <a:solidFill>
+              <a:schemeClr val="tx1"/>
+            </a:solidFill>
+            <a:tailEnd type="triangle"/>
+          </a:ln>
+        </p:spPr>
+        <p:style>
+          <a:lnRef idx="1">
+            <a:schemeClr val="accent1"/>
+          </a:lnRef>
+          <a:fillRef idx="0">
+            <a:schemeClr val="accent1"/>
+          </a:fillRef>
+          <a:effectRef idx="0">
+            <a:schemeClr val="accent1"/>
+          </a:effectRef>
+          <a:fontRef idx="minor">
+            <a:schemeClr val="tx1"/>
+          </a:fontRef>
+        </p:style>
+      </p:cxnSp>
+      <p:sp>
+        <p:nvSpPr>
+          <p:cNvPr id="9" name="文本框 8"/>
+          <p:cNvSpPr txBox="1"/>
+          <p:nvPr/>
+        </p:nvSpPr>
+        <p:spPr>
+          <a:xfrm>
+            <a:off x="6906831" y="5930012"/>
+            <a:ext cx="2237170" cy="544830"/>
+          </a:xfrm>
+          <a:prstGeom prst="roundRect">
+            <a:avLst/>
+          </a:prstGeom>
+          <a:noFill/>
+          <a:ln w="19050">
+            <a:solidFill>
+              <a:schemeClr val="tx1"/>
+            </a:solidFill>
+          </a:ln>
+        </p:spPr>
+        <p:txBody>
+          <a:bodyPr wrap="square" rtlCol="0">
+            <a:spAutoFit/>
+          </a:bodyPr>
+          <a:lstStyle/>
+          <a:p>
+            <a:pPr algn="ctr"/>
+            <a:r>
+              <a:rPr lang="en-US" altLang="zh-TW" sz="1600" dirty="0">
+                <a:latin typeface="Times New Roman" panose="02020603050405020304" pitchFamily="18" charset="0"/>
+                <a:cs typeface="Times New Roman" panose="02020603050405020304" pitchFamily="18" charset="0"/>
+              </a:rPr>
+              <a:t>Plot SHR</a:t>
+            </a:r>
+          </a:p>
+          <a:p>
+            <a:pPr algn="ctr"/>
+            <a:r>
+              <a:rPr lang="en-US" altLang="zh-TW" sz="1000" dirty="0">
+                <a:latin typeface="Times New Roman" panose="02020603050405020304" pitchFamily="18" charset="0"/>
+                <a:cs typeface="Times New Roman" panose="02020603050405020304" pitchFamily="18" charset="0"/>
+              </a:rPr>
+              <a:t>(S</a:t>
+            </a:r>
+            <a:r>
+              <a:rPr lang="en-US" altLang="zh-CN" sz="1000" dirty="0">
+                <a:latin typeface="Times New Roman" panose="02020603050405020304" pitchFamily="18" charset="0"/>
+                <a:cs typeface="Times New Roman" panose="02020603050405020304" pitchFamily="18" charset="0"/>
+              </a:rPr>
+              <a:t>plit-Half Reliability)</a:t>
+            </a:r>
+            <a:endParaRPr lang="zh-TW" altLang="en-US" sz="1000" dirty="0">
+              <a:latin typeface="Times New Roman" panose="02020603050405020304" pitchFamily="18" charset="0"/>
+              <a:cs typeface="Times New Roman" panose="02020603050405020304" pitchFamily="18" charset="0"/>
+            </a:endParaRPr>
+          </a:p>
+        </p:txBody>
+      </p:sp>
+      <p:cxnSp>
+        <p:nvCxnSpPr>
+          <p:cNvPr id="20" name="直接箭头连接符 19"/>
+          <p:cNvCxnSpPr/>
+          <p:nvPr/>
+        </p:nvCxnSpPr>
+        <p:spPr>
+          <a:xfrm>
+            <a:off x="8025417" y="5419970"/>
+            <a:ext cx="0" cy="414067"/>
+          </a:xfrm>
+          <a:prstGeom prst="straightConnector1">
+            <a:avLst/>
+          </a:prstGeom>
+          <a:ln w="19050">
+            <a:solidFill>
+              <a:schemeClr val="tx1"/>
+            </a:solidFill>
+            <a:tailEnd type="triangle"/>
+          </a:ln>
+        </p:spPr>
+        <p:style>
+          <a:lnRef idx="1">
+            <a:schemeClr val="accent1"/>
+          </a:lnRef>
+          <a:fillRef idx="0">
+            <a:schemeClr val="accent1"/>
+          </a:fillRef>
+          <a:effectRef idx="0">
+            <a:schemeClr val="accent1"/>
+          </a:effectRef>
+          <a:fontRef idx="minor">
+            <a:schemeClr val="tx1"/>
+          </a:fontRef>
+        </p:style>
+      </p:cxnSp>
+      <p:sp>
+        <p:nvSpPr>
+          <p:cNvPr id="8" name="文本框 7"/>
+          <p:cNvSpPr txBox="1"/>
+          <p:nvPr/>
+        </p:nvSpPr>
+        <p:spPr>
+          <a:xfrm>
+            <a:off x="9537167" y="5930012"/>
+            <a:ext cx="2071741" cy="544830"/>
+          </a:xfrm>
+          <a:prstGeom prst="roundRect">
+            <a:avLst/>
+          </a:prstGeom>
+          <a:noFill/>
+          <a:ln w="19050">
+            <a:solidFill>
+              <a:schemeClr val="tx1"/>
+            </a:solidFill>
+          </a:ln>
+        </p:spPr>
+        <p:txBody>
+          <a:bodyPr wrap="square" rtlCol="0">
+            <a:spAutoFit/>
+          </a:bodyPr>
+          <a:lstStyle/>
+          <a:p>
+            <a:pPr algn="ctr"/>
+            <a:r>
+              <a:rPr lang="en-US" altLang="zh-TW" sz="1600" dirty="0">
+                <a:latin typeface="Times New Roman" panose="02020603050405020304" pitchFamily="18" charset="0"/>
+                <a:cs typeface="Times New Roman" panose="02020603050405020304" pitchFamily="18" charset="0"/>
+              </a:rPr>
+              <a:t>Plot ICC</a:t>
+            </a:r>
+            <a:r>
+              <a:rPr lang="en-US" altLang="zh-CN" sz="1600" dirty="0">
+                <a:latin typeface="Times New Roman" panose="02020603050405020304" pitchFamily="18" charset="0"/>
+                <a:cs typeface="Times New Roman" panose="02020603050405020304" pitchFamily="18" charset="0"/>
+              </a:rPr>
+              <a:t>2</a:t>
+            </a:r>
+            <a:endParaRPr lang="en-US" altLang="zh-TW" sz="1600" dirty="0">
+              <a:latin typeface="Times New Roman" panose="02020603050405020304" pitchFamily="18" charset="0"/>
+              <a:cs typeface="Times New Roman" panose="02020603050405020304" pitchFamily="18" charset="0"/>
+            </a:endParaRPr>
+          </a:p>
+          <a:p>
+            <a:pPr algn="ctr"/>
+            <a:r>
+              <a:rPr lang="en-US" altLang="zh-TW" sz="1000" dirty="0">
+                <a:latin typeface="Times New Roman" panose="02020603050405020304" pitchFamily="18" charset="0"/>
+                <a:cs typeface="Times New Roman" panose="02020603050405020304" pitchFamily="18" charset="0"/>
+              </a:rPr>
+              <a:t>(Intraclass Correlation Coefficient)</a:t>
+            </a:r>
+            <a:endParaRPr lang="zh-TW" altLang="en-US" sz="1000" dirty="0">
+              <a:latin typeface="Times New Roman" panose="02020603050405020304" pitchFamily="18" charset="0"/>
+              <a:cs typeface="Times New Roman" panose="02020603050405020304" pitchFamily="18" charset="0"/>
+            </a:endParaRPr>
+          </a:p>
+        </p:txBody>
+      </p:sp>
+      <p:cxnSp>
+        <p:nvCxnSpPr>
+          <p:cNvPr id="23" name="直接箭头连接符 22"/>
+          <p:cNvCxnSpPr/>
+          <p:nvPr/>
+        </p:nvCxnSpPr>
+        <p:spPr>
+          <a:xfrm>
+            <a:off x="10585077" y="5408089"/>
+            <a:ext cx="0" cy="414067"/>
+          </a:xfrm>
+          <a:prstGeom prst="straightConnector1">
+            <a:avLst/>
+          </a:prstGeom>
+          <a:ln w="19050">
+            <a:solidFill>
+              <a:schemeClr val="tx1"/>
+            </a:solidFill>
+            <a:tailEnd type="triangle"/>
+          </a:ln>
+        </p:spPr>
+        <p:style>
+          <a:lnRef idx="1">
+            <a:schemeClr val="accent1"/>
+          </a:lnRef>
+          <a:fillRef idx="0">
+            <a:schemeClr val="accent1"/>
+          </a:fillRef>
+          <a:effectRef idx="0">
+            <a:schemeClr val="accent1"/>
+          </a:effectRef>
+          <a:fontRef idx="minor">
+            <a:schemeClr val="tx1"/>
+          </a:fontRef>
+        </p:style>
+      </p:cxnSp>
+      <p:sp>
+        <p:nvSpPr>
+          <p:cNvPr id="10" name="圆角矩形 3">
+            <a:extLst>
+              <a:ext uri="{FF2B5EF4-FFF2-40B4-BE49-F238E27FC236}">
+                <a16:creationId xmlns:a16="http://schemas.microsoft.com/office/drawing/2014/main" id="{981289ED-C0CE-69B1-7E09-40829F5AD45D}"/>
+              </a:ext>
+            </a:extLst>
+          </p:cNvPr>
+          <p:cNvSpPr/>
+          <p:nvPr/>
+        </p:nvSpPr>
+        <p:spPr>
+          <a:xfrm>
+            <a:off x="7378048" y="3243384"/>
+            <a:ext cx="3683383" cy="749141"/>
+          </a:xfrm>
+          <a:prstGeom prst="roundRect">
+            <a:avLst/>
+          </a:prstGeom>
+          <a:noFill/>
+          <a:ln w="19050">
+            <a:solidFill>
+              <a:schemeClr val="tx1"/>
+            </a:solidFill>
+          </a:ln>
+        </p:spPr>
+        <p:txBody>
+          <a:bodyPr wrap="none">
+            <a:spAutoFit/>
+          </a:bodyPr>
+          <a:lstStyle/>
+          <a:p>
+            <a:pPr algn="ctr"/>
+            <a:r>
+              <a:rPr lang="en-US" altLang="zh-CN" sz="1600" dirty="0">
+                <a:latin typeface="Times New Roman" panose="02020603050405020304" pitchFamily="18" charset="0"/>
+                <a:cs typeface="Times New Roman" panose="02020603050405020304" pitchFamily="18" charset="0"/>
+              </a:rPr>
+              <a:t>Calculate SPE measures</a:t>
+            </a:r>
+          </a:p>
+          <a:p>
+            <a:pPr algn="ctr"/>
+            <a:r>
+              <a:rPr lang="en-US" altLang="zh-CN" sz="1200" dirty="0">
+                <a:latin typeface="Times New Roman" panose="02020603050405020304" pitchFamily="18" charset="0"/>
+                <a:cs typeface="Times New Roman" panose="02020603050405020304" pitchFamily="18" charset="0"/>
+              </a:rPr>
+              <a:t>based on 6 outcome variables and 4 baseline conditions</a:t>
+            </a:r>
+          </a:p>
+          <a:p>
+            <a:pPr algn="ctr"/>
+            <a:r>
+              <a:rPr lang="en-US" altLang="zh-CN" sz="1000" i="1" dirty="0">
+                <a:latin typeface="Times New Roman" panose="02020603050405020304" pitchFamily="18" charset="0"/>
+                <a:cs typeface="Times New Roman" panose="02020603050405020304" pitchFamily="18" charset="0"/>
+              </a:rPr>
+              <a:t>(Close, Stranger, Celebrity, Nonperson)</a:t>
+            </a:r>
+          </a:p>
+        </p:txBody>
+      </p:sp>
+      <p:sp>
+        <p:nvSpPr>
+          <p:cNvPr id="7" name="文本框 6"/>
+          <p:cNvSpPr txBox="1"/>
+          <p:nvPr/>
+        </p:nvSpPr>
+        <p:spPr>
+          <a:xfrm>
+            <a:off x="6906830" y="4812841"/>
+            <a:ext cx="2237170" cy="544830"/>
+          </a:xfrm>
+          <a:prstGeom prst="roundRect">
+            <a:avLst/>
+          </a:prstGeom>
+          <a:noFill/>
+          <a:ln w="19050">
+            <a:solidFill>
+              <a:schemeClr val="tx1"/>
+            </a:solidFill>
+          </a:ln>
+        </p:spPr>
+        <p:txBody>
+          <a:bodyPr wrap="square" rtlCol="0">
+            <a:spAutoFit/>
+          </a:bodyPr>
+          <a:lstStyle/>
+          <a:p>
+            <a:pPr algn="ctr"/>
+            <a:r>
+              <a:rPr lang="en-US" altLang="zh-TW" sz="1600" dirty="0">
+                <a:latin typeface="Times New Roman" panose="02020603050405020304" pitchFamily="18" charset="0"/>
+                <a:cs typeface="Times New Roman" panose="02020603050405020304" pitchFamily="18" charset="0"/>
+              </a:rPr>
+              <a:t>Calculate SHR</a:t>
+            </a:r>
+          </a:p>
+          <a:p>
+            <a:pPr algn="ctr"/>
+            <a:r>
+              <a:rPr lang="en-US" altLang="zh-TW" sz="1000" dirty="0">
+                <a:latin typeface="Times New Roman" panose="02020603050405020304" pitchFamily="18" charset="0"/>
+                <a:cs typeface="Times New Roman" panose="02020603050405020304" pitchFamily="18" charset="0"/>
+              </a:rPr>
+              <a:t>(S</a:t>
+            </a:r>
+            <a:r>
+              <a:rPr lang="en-US" altLang="zh-CN" sz="1000" dirty="0">
+                <a:latin typeface="Times New Roman" panose="02020603050405020304" pitchFamily="18" charset="0"/>
+                <a:cs typeface="Times New Roman" panose="02020603050405020304" pitchFamily="18" charset="0"/>
+              </a:rPr>
+              <a:t>plit-Half Reliability)</a:t>
+            </a:r>
+            <a:endParaRPr lang="zh-TW" altLang="en-US" sz="1000" dirty="0">
+              <a:latin typeface="Times New Roman" panose="02020603050405020304" pitchFamily="18" charset="0"/>
+              <a:cs typeface="Times New Roman" panose="02020603050405020304" pitchFamily="18" charset="0"/>
+            </a:endParaRPr>
+          </a:p>
+        </p:txBody>
+      </p:sp>
+      <p:cxnSp>
+        <p:nvCxnSpPr>
+          <p:cNvPr id="21" name="直接箭头连接符 20"/>
+          <p:cNvCxnSpPr>
+            <a:cxnSpLocks/>
+          </p:cNvCxnSpPr>
+          <p:nvPr/>
+        </p:nvCxnSpPr>
+        <p:spPr>
+          <a:xfrm flipH="1">
+            <a:off x="8025415" y="4070237"/>
+            <a:ext cx="461639" cy="712460"/>
+          </a:xfrm>
+          <a:prstGeom prst="straightConnector1">
+            <a:avLst/>
+          </a:prstGeom>
+          <a:ln w="19050">
+            <a:solidFill>
+              <a:schemeClr val="tx1"/>
+            </a:solidFill>
+            <a:tailEnd type="triangle"/>
+          </a:ln>
+        </p:spPr>
+        <p:style>
+          <a:lnRef idx="1">
+            <a:schemeClr val="accent1"/>
+          </a:lnRef>
+          <a:fillRef idx="0">
+            <a:schemeClr val="accent1"/>
+          </a:fillRef>
+          <a:effectRef idx="0">
+            <a:schemeClr val="accent1"/>
+          </a:effectRef>
+          <a:fontRef idx="minor">
+            <a:schemeClr val="tx1"/>
+          </a:fontRef>
+        </p:style>
+      </p:cxnSp>
+      <p:sp>
+        <p:nvSpPr>
+          <p:cNvPr id="30" name="文本框 29"/>
+          <p:cNvSpPr txBox="1"/>
+          <p:nvPr/>
+        </p:nvSpPr>
+        <p:spPr>
+          <a:xfrm rot="3266205">
+            <a:off x="10055445" y="4300485"/>
+            <a:ext cx="1189417" cy="400110"/>
+          </a:xfrm>
+          <a:prstGeom prst="rect">
+            <a:avLst/>
+          </a:prstGeom>
+          <a:noFill/>
+          <a:ln w="19050">
+            <a:noFill/>
+          </a:ln>
+        </p:spPr>
+        <p:txBody>
+          <a:bodyPr wrap="square" rtlCol="0">
+            <a:spAutoFit/>
+          </a:bodyPr>
+          <a:lstStyle/>
+          <a:p>
+            <a:r>
+              <a:rPr lang="en-US" altLang="zh-TW" sz="1000" dirty="0">
+                <a:latin typeface="Times New Roman" panose="02020603050405020304" pitchFamily="18" charset="0"/>
+                <a:cs typeface="Times New Roman" panose="02020603050405020304" pitchFamily="18" charset="0"/>
+              </a:rPr>
+              <a:t>If repeated</a:t>
+            </a:r>
+            <a:r>
+              <a:rPr lang="zh-CN" altLang="en-US" sz="1000" dirty="0">
+                <a:latin typeface="Times New Roman" panose="02020603050405020304" pitchFamily="18" charset="0"/>
+                <a:cs typeface="Times New Roman" panose="02020603050405020304" pitchFamily="18" charset="0"/>
+              </a:rPr>
+              <a:t> </a:t>
+            </a:r>
+            <a:endParaRPr lang="en-US" altLang="zh-CN" sz="1000" dirty="0">
+              <a:latin typeface="Times New Roman" panose="02020603050405020304" pitchFamily="18" charset="0"/>
+              <a:cs typeface="Times New Roman" panose="02020603050405020304" pitchFamily="18" charset="0"/>
+            </a:endParaRPr>
+          </a:p>
+          <a:p>
+            <a:r>
+              <a:rPr lang="en-US" altLang="zh-CN" sz="1000" dirty="0">
+                <a:latin typeface="Times New Roman" panose="02020603050405020304" pitchFamily="18" charset="0"/>
+                <a:cs typeface="Times New Roman" panose="02020603050405020304" pitchFamily="18" charset="0"/>
+              </a:rPr>
+              <a:t>Administrated</a:t>
+            </a:r>
+            <a:endParaRPr lang="zh-TW" altLang="en-US" sz="1000" dirty="0">
+              <a:latin typeface="Times New Roman" panose="02020603050405020304" pitchFamily="18" charset="0"/>
+              <a:cs typeface="Times New Roman" panose="02020603050405020304" pitchFamily="18" charset="0"/>
+            </a:endParaRPr>
+          </a:p>
+        </p:txBody>
+      </p:sp>
+      <p:cxnSp>
+        <p:nvCxnSpPr>
+          <p:cNvPr id="16" name="直接箭头连接符 15"/>
+          <p:cNvCxnSpPr>
+            <a:cxnSpLocks/>
+          </p:cNvCxnSpPr>
+          <p:nvPr/>
+        </p:nvCxnSpPr>
+        <p:spPr>
+          <a:xfrm>
+            <a:off x="10038303" y="4070237"/>
+            <a:ext cx="486485" cy="700682"/>
+          </a:xfrm>
+          <a:prstGeom prst="straightConnector1">
+            <a:avLst/>
+          </a:prstGeom>
+          <a:ln w="19050">
+            <a:solidFill>
+              <a:schemeClr val="tx1"/>
+            </a:solidFill>
+            <a:tailEnd type="triangle"/>
+          </a:ln>
+        </p:spPr>
+        <p:style>
+          <a:lnRef idx="1">
+            <a:schemeClr val="accent1"/>
+          </a:lnRef>
+          <a:fillRef idx="0">
+            <a:schemeClr val="accent1"/>
+          </a:fillRef>
+          <a:effectRef idx="0">
+            <a:schemeClr val="accent1"/>
+          </a:effectRef>
+          <a:fontRef idx="minor">
+            <a:schemeClr val="tx1"/>
+          </a:fontRef>
+        </p:style>
+      </p:cxnSp>
+      <p:sp>
+        <p:nvSpPr>
+          <p:cNvPr id="11" name="文本框 10">
+            <a:extLst>
+              <a:ext uri="{FF2B5EF4-FFF2-40B4-BE49-F238E27FC236}">
+                <a16:creationId xmlns:a16="http://schemas.microsoft.com/office/drawing/2014/main" id="{E2B7C293-069F-6DB5-6F3D-70BF7F9C5FA5}"/>
+              </a:ext>
+            </a:extLst>
+          </p:cNvPr>
+          <p:cNvSpPr txBox="1"/>
+          <p:nvPr/>
+        </p:nvSpPr>
+        <p:spPr>
+          <a:xfrm>
+            <a:off x="9507026" y="4801063"/>
+            <a:ext cx="2035524" cy="544830"/>
+          </a:xfrm>
+          <a:prstGeom prst="roundRect">
+            <a:avLst/>
+          </a:prstGeom>
+          <a:noFill/>
+          <a:ln w="19050">
+            <a:solidFill>
+              <a:schemeClr val="tx1"/>
+            </a:solidFill>
+          </a:ln>
+        </p:spPr>
+        <p:txBody>
+          <a:bodyPr wrap="square" rtlCol="0">
+            <a:spAutoFit/>
+          </a:bodyPr>
+          <a:lstStyle/>
+          <a:p>
+            <a:pPr algn="ctr"/>
+            <a:r>
+              <a:rPr lang="en-US" altLang="zh-TW" sz="1600" dirty="0">
+                <a:latin typeface="Times New Roman" panose="02020603050405020304" pitchFamily="18" charset="0"/>
+                <a:cs typeface="Times New Roman" panose="02020603050405020304" pitchFamily="18" charset="0"/>
+              </a:rPr>
+              <a:t>Calculate ICC</a:t>
+            </a:r>
+          </a:p>
+          <a:p>
+            <a:pPr algn="ctr"/>
+            <a:r>
+              <a:rPr lang="en-US" altLang="zh-TW" sz="1000" dirty="0">
+                <a:latin typeface="Times New Roman" panose="02020603050405020304" pitchFamily="18" charset="0"/>
+                <a:cs typeface="Times New Roman" panose="02020603050405020304" pitchFamily="18" charset="0"/>
+              </a:rPr>
+              <a:t>(Intraclass Correlation Coefficient)</a:t>
+            </a:r>
+            <a:endParaRPr lang="zh-TW" altLang="en-US" sz="1000" dirty="0">
+              <a:latin typeface="Times New Roman" panose="02020603050405020304" pitchFamily="18" charset="0"/>
+              <a:cs typeface="Times New Roman" panose="02020603050405020304" pitchFamily="18" charset="0"/>
+            </a:endParaRPr>
+          </a:p>
+        </p:txBody>
+      </p:sp>
+      <p:sp>
+        <p:nvSpPr>
+          <p:cNvPr id="14" name="文本框 13">
+            <a:extLst>
+              <a:ext uri="{FF2B5EF4-FFF2-40B4-BE49-F238E27FC236}">
+                <a16:creationId xmlns:a16="http://schemas.microsoft.com/office/drawing/2014/main" id="{F1C4827E-B901-99D1-15C2-7A6D27D72AEE}"/>
+              </a:ext>
+            </a:extLst>
+          </p:cNvPr>
+          <p:cNvSpPr txBox="1"/>
+          <p:nvPr/>
+        </p:nvSpPr>
+        <p:spPr>
+          <a:xfrm>
+            <a:off x="2272315" y="5419970"/>
+            <a:ext cx="2237170" cy="646986"/>
+          </a:xfrm>
+          <a:prstGeom prst="roundRect">
+            <a:avLst/>
+          </a:prstGeom>
+          <a:noFill/>
+          <a:ln w="19050">
+            <a:solidFill>
+              <a:schemeClr val="tx1"/>
+            </a:solidFill>
+          </a:ln>
+        </p:spPr>
+        <p:txBody>
+          <a:bodyPr wrap="square" rtlCol="0">
+            <a:spAutoFit/>
+          </a:bodyPr>
+          <a:lstStyle/>
+          <a:p>
+            <a:pPr algn="ctr"/>
+            <a:r>
+              <a:rPr lang="en-US" altLang="zh-TW" sz="1600" dirty="0">
+                <a:latin typeface="Times New Roman" panose="02020603050405020304" pitchFamily="18" charset="0"/>
+                <a:cs typeface="Times New Roman" panose="02020603050405020304" pitchFamily="18" charset="0"/>
+              </a:rPr>
+              <a:t>M</a:t>
+            </a:r>
+            <a:r>
+              <a:rPr lang="en-US" altLang="zh-CN" sz="1600" dirty="0">
+                <a:latin typeface="Times New Roman" panose="02020603050405020304" pitchFamily="18" charset="0"/>
+                <a:cs typeface="Times New Roman" panose="02020603050405020304" pitchFamily="18" charset="0"/>
+              </a:rPr>
+              <a:t>eta-Analysis</a:t>
+            </a:r>
+          </a:p>
+          <a:p>
+            <a:pPr algn="ctr"/>
+            <a:r>
+              <a:rPr lang="en-US" altLang="zh-TW" sz="1600" dirty="0">
+                <a:latin typeface="Times New Roman" panose="02020603050405020304" pitchFamily="18" charset="0"/>
+                <a:cs typeface="Times New Roman" panose="02020603050405020304" pitchFamily="18" charset="0"/>
+              </a:rPr>
+              <a:t>Random Effect Model</a:t>
+            </a:r>
+            <a:endParaRPr lang="zh-TW" altLang="en-US" sz="1000" dirty="0">
+              <a:latin typeface="Times New Roman" panose="02020603050405020304" pitchFamily="18" charset="0"/>
+              <a:cs typeface="Times New Roman" panose="02020603050405020304" pitchFamily="18" charset="0"/>
+            </a:endParaRPr>
+          </a:p>
+        </p:txBody>
+      </p:sp>
+      <p:sp>
+        <p:nvSpPr>
+          <p:cNvPr id="24" name="矩形 23">
+            <a:extLst>
+              <a:ext uri="{FF2B5EF4-FFF2-40B4-BE49-F238E27FC236}">
+                <a16:creationId xmlns:a16="http://schemas.microsoft.com/office/drawing/2014/main" id="{CD5286DF-06AF-7901-DBE0-3C23E1B4D8BE}"/>
+              </a:ext>
+            </a:extLst>
+          </p:cNvPr>
+          <p:cNvSpPr/>
+          <p:nvPr/>
+        </p:nvSpPr>
+        <p:spPr>
+          <a:xfrm>
+            <a:off x="7885524" y="2370060"/>
+            <a:ext cx="2775714" cy="572168"/>
+          </a:xfrm>
+          <a:prstGeom prst="rect">
+            <a:avLst/>
+          </a:prstGeom>
+          <a:noFill/>
+          <a:ln w="28575">
+            <a:noFill/>
+          </a:ln>
+        </p:spPr>
+        <p:style>
+          <a:lnRef idx="2">
+            <a:schemeClr val="accent1">
+              <a:shade val="50000"/>
+            </a:schemeClr>
+          </a:lnRef>
+          <a:fillRef idx="1">
+            <a:schemeClr val="accent1"/>
+          </a:fillRef>
+          <a:effectRef idx="0">
+            <a:schemeClr val="accent1"/>
+          </a:effectRef>
+          <a:fontRef idx="minor">
+            <a:schemeClr val="lt1"/>
+          </a:fontRef>
+        </p:style>
+        <p:txBody>
+          <a:bodyPr rtlCol="0" anchor="ctr"/>
+          <a:lstStyle/>
+          <a:p>
+            <a:pPr algn="ctr"/>
+            <a:r>
+              <a:rPr lang="en-US" altLang="zh-CN" sz="2000" b="1" dirty="0">
+                <a:solidFill>
+                  <a:schemeClr val="tx1"/>
+                </a:solidFill>
+                <a:latin typeface="Times New Roman" panose="02020603050405020304" pitchFamily="18" charset="0"/>
+                <a:cs typeface="Times New Roman" panose="02020603050405020304" pitchFamily="18" charset="0"/>
+              </a:rPr>
+              <a:t>Individual Level</a:t>
+            </a:r>
+            <a:endParaRPr lang="zh-CN" altLang="en-US" sz="2000" b="1" dirty="0">
+              <a:solidFill>
+                <a:schemeClr val="tx1"/>
+              </a:solidFill>
+              <a:latin typeface="Times New Roman" panose="02020603050405020304" pitchFamily="18" charset="0"/>
+              <a:cs typeface="Times New Roman" panose="02020603050405020304" pitchFamily="18" charset="0"/>
+            </a:endParaRPr>
+          </a:p>
+        </p:txBody>
+      </p:sp>
+      <p:cxnSp>
+        <p:nvCxnSpPr>
+          <p:cNvPr id="26" name="直接箭头连接符 25">
+            <a:extLst>
+              <a:ext uri="{FF2B5EF4-FFF2-40B4-BE49-F238E27FC236}">
+                <a16:creationId xmlns:a16="http://schemas.microsoft.com/office/drawing/2014/main" id="{00230E48-18CE-3602-8F7F-4DF0E70A21DF}"/>
+              </a:ext>
+            </a:extLst>
+          </p:cNvPr>
+          <p:cNvCxnSpPr>
+            <a:cxnSpLocks/>
+          </p:cNvCxnSpPr>
+          <p:nvPr/>
+        </p:nvCxnSpPr>
+        <p:spPr>
+          <a:xfrm>
+            <a:off x="3390900" y="4255914"/>
+            <a:ext cx="0" cy="930040"/>
+          </a:xfrm>
+          <a:prstGeom prst="straightConnector1">
+            <a:avLst/>
+          </a:prstGeom>
+          <a:ln w="19050">
+            <a:solidFill>
+              <a:schemeClr val="tx1"/>
+            </a:solidFill>
+            <a:tailEnd type="triangle"/>
+          </a:ln>
+        </p:spPr>
+        <p:style>
+          <a:lnRef idx="1">
+            <a:schemeClr val="accent1"/>
+          </a:lnRef>
+          <a:fillRef idx="0">
+            <a:schemeClr val="accent1"/>
+          </a:fillRef>
+          <a:effectRef idx="0">
+            <a:schemeClr val="accent1"/>
+          </a:effectRef>
+          <a:fontRef idx="minor">
+            <a:schemeClr val="tx1"/>
+          </a:fontRef>
+        </p:style>
+      </p:cxnSp>
+      <p:sp>
+        <p:nvSpPr>
+          <p:cNvPr id="29" name="圆角矩形 3">
+            <a:extLst>
+              <a:ext uri="{FF2B5EF4-FFF2-40B4-BE49-F238E27FC236}">
+                <a16:creationId xmlns:a16="http://schemas.microsoft.com/office/drawing/2014/main" id="{7377674A-DD73-975B-3E52-9CEDF15B6BD7}"/>
+              </a:ext>
+            </a:extLst>
+          </p:cNvPr>
+          <p:cNvSpPr/>
+          <p:nvPr/>
+        </p:nvSpPr>
+        <p:spPr>
+          <a:xfrm>
+            <a:off x="1559989" y="3254656"/>
+            <a:ext cx="3683383" cy="749141"/>
+          </a:xfrm>
+          <a:prstGeom prst="roundRect">
+            <a:avLst/>
+          </a:prstGeom>
+          <a:noFill/>
+          <a:ln w="19050">
+            <a:solidFill>
+              <a:schemeClr val="tx1"/>
+            </a:solidFill>
+          </a:ln>
+        </p:spPr>
+        <p:txBody>
+          <a:bodyPr wrap="none">
+            <a:spAutoFit/>
+          </a:bodyPr>
+          <a:lstStyle/>
+          <a:p>
+            <a:pPr algn="ctr"/>
+            <a:r>
+              <a:rPr lang="en-US" altLang="zh-CN" sz="1600" dirty="0">
+                <a:latin typeface="Times New Roman" panose="02020603050405020304" pitchFamily="18" charset="0"/>
+                <a:cs typeface="Times New Roman" panose="02020603050405020304" pitchFamily="18" charset="0"/>
+              </a:rPr>
+              <a:t>Calculate Group Mean</a:t>
+            </a:r>
+          </a:p>
+          <a:p>
+            <a:pPr algn="ctr"/>
+            <a:r>
+              <a:rPr lang="en-US" altLang="zh-CN" sz="1200" dirty="0">
+                <a:latin typeface="Times New Roman" panose="02020603050405020304" pitchFamily="18" charset="0"/>
+                <a:cs typeface="Times New Roman" panose="02020603050405020304" pitchFamily="18" charset="0"/>
+              </a:rPr>
+              <a:t>based on 6 outcome variables and 2 baseline conditions</a:t>
+            </a:r>
+          </a:p>
+          <a:p>
+            <a:pPr algn="ctr"/>
+            <a:r>
+              <a:rPr lang="en-US" altLang="zh-CN" sz="1000" dirty="0">
+                <a:latin typeface="Times New Roman" panose="02020603050405020304" pitchFamily="18" charset="0"/>
+                <a:cs typeface="Times New Roman" panose="02020603050405020304" pitchFamily="18" charset="0"/>
+              </a:rPr>
+              <a:t>(</a:t>
+            </a:r>
+            <a:r>
+              <a:rPr lang="en-US" altLang="zh-CN" sz="1000" i="1" dirty="0">
+                <a:latin typeface="Times New Roman" panose="02020603050405020304" pitchFamily="18" charset="0"/>
+                <a:cs typeface="Times New Roman" panose="02020603050405020304" pitchFamily="18" charset="0"/>
+              </a:rPr>
+              <a:t>Close, Stranger</a:t>
+            </a:r>
+            <a:r>
+              <a:rPr lang="en-US" altLang="zh-CN" sz="1000" dirty="0">
+                <a:latin typeface="Times New Roman" panose="02020603050405020304" pitchFamily="18" charset="0"/>
+                <a:cs typeface="Times New Roman" panose="02020603050405020304" pitchFamily="18" charset="0"/>
+              </a:rPr>
+              <a:t>)</a:t>
+            </a:r>
+            <a:r>
+              <a:rPr lang="en-US" altLang="zh-CN" sz="1000" i="1" dirty="0">
+                <a:latin typeface="Times New Roman" panose="02020603050405020304" pitchFamily="18" charset="0"/>
+                <a:cs typeface="Times New Roman" panose="02020603050405020304" pitchFamily="18" charset="0"/>
+              </a:rPr>
+              <a:t>*</a:t>
+            </a:r>
+          </a:p>
+        </p:txBody>
+      </p:sp>
+      <p:sp>
+        <p:nvSpPr>
+          <p:cNvPr id="31" name="矩形 30">
+            <a:extLst>
+              <a:ext uri="{FF2B5EF4-FFF2-40B4-BE49-F238E27FC236}">
+                <a16:creationId xmlns:a16="http://schemas.microsoft.com/office/drawing/2014/main" id="{0CA91577-47B4-4BA2-64EB-6798A591244F}"/>
+              </a:ext>
+            </a:extLst>
+          </p:cNvPr>
+          <p:cNvSpPr/>
+          <p:nvPr/>
+        </p:nvSpPr>
+        <p:spPr>
+          <a:xfrm>
+            <a:off x="1919516" y="2379814"/>
+            <a:ext cx="2775711" cy="572168"/>
+          </a:xfrm>
+          <a:prstGeom prst="rect">
+            <a:avLst/>
+          </a:prstGeom>
+          <a:noFill/>
+          <a:ln w="28575">
+            <a:noFill/>
+          </a:ln>
+        </p:spPr>
+        <p:style>
+          <a:lnRef idx="2">
+            <a:schemeClr val="accent1">
+              <a:shade val="50000"/>
+            </a:schemeClr>
+          </a:lnRef>
+          <a:fillRef idx="1">
+            <a:schemeClr val="accent1"/>
+          </a:fillRef>
+          <a:effectRef idx="0">
+            <a:schemeClr val="accent1"/>
+          </a:effectRef>
+          <a:fontRef idx="minor">
+            <a:schemeClr val="lt1"/>
+          </a:fontRef>
+        </p:style>
+        <p:txBody>
+          <a:bodyPr rtlCol="0" anchor="ctr"/>
+          <a:lstStyle/>
+          <a:p>
+            <a:pPr algn="ctr"/>
+            <a:r>
+              <a:rPr lang="en-US" altLang="zh-CN" sz="2000" b="1" dirty="0">
+                <a:solidFill>
+                  <a:schemeClr val="tx1"/>
+                </a:solidFill>
+                <a:latin typeface="Times New Roman" panose="02020603050405020304" pitchFamily="18" charset="0"/>
+                <a:cs typeface="Times New Roman" panose="02020603050405020304" pitchFamily="18" charset="0"/>
+              </a:rPr>
+              <a:t>Group Level</a:t>
+            </a:r>
+            <a:endParaRPr lang="zh-CN" altLang="en-US" sz="2000" b="1" dirty="0">
+              <a:solidFill>
+                <a:schemeClr val="tx1"/>
+              </a:solidFill>
+              <a:latin typeface="Times New Roman" panose="02020603050405020304" pitchFamily="18" charset="0"/>
+              <a:cs typeface="Times New Roman" panose="02020603050405020304" pitchFamily="18" charset="0"/>
+            </a:endParaRPr>
+          </a:p>
+        </p:txBody>
+      </p:sp>
+      <p:sp>
+        <p:nvSpPr>
+          <p:cNvPr id="35" name="矩形: 圆角 34">
+            <a:extLst>
+              <a:ext uri="{FF2B5EF4-FFF2-40B4-BE49-F238E27FC236}">
+                <a16:creationId xmlns:a16="http://schemas.microsoft.com/office/drawing/2014/main" id="{DD4FE92C-FC85-24D9-5B05-244B108E4576}"/>
+              </a:ext>
+            </a:extLst>
+          </p:cNvPr>
+          <p:cNvSpPr/>
+          <p:nvPr/>
+        </p:nvSpPr>
+        <p:spPr>
+          <a:xfrm>
+            <a:off x="1285877" y="2988397"/>
+            <a:ext cx="4324345" cy="3755304"/>
+          </a:xfrm>
+          <a:prstGeom prst="roundRect">
+            <a:avLst/>
+          </a:prstGeom>
+          <a:noFill/>
+          <a:ln w="38100">
+            <a:solidFill>
+              <a:schemeClr val="tx1"/>
+            </a:solidFill>
+            <a:prstDash val="dash"/>
+          </a:ln>
+        </p:spPr>
+        <p:style>
+          <a:lnRef idx="2">
+            <a:schemeClr val="accent1">
+              <a:shade val="50000"/>
+            </a:schemeClr>
+          </a:lnRef>
+          <a:fillRef idx="1">
+            <a:schemeClr val="accent1"/>
+          </a:fillRef>
+          <a:effectRef idx="0">
+            <a:schemeClr val="accent1"/>
+          </a:effectRef>
+          <a:fontRef idx="minor">
+            <a:schemeClr val="lt1"/>
+          </a:fontRef>
+        </p:style>
+        <p:txBody>
+          <a:bodyPr rtlCol="0" anchor="ctr"/>
+          <a:lstStyle/>
+          <a:p>
+            <a:pPr algn="ctr"/>
+            <a:endParaRPr lang="zh-CN" altLang="en-US">
+              <a:noFill/>
+            </a:endParaRPr>
+          </a:p>
+        </p:txBody>
+      </p:sp>
+      <p:sp>
+        <p:nvSpPr>
+          <p:cNvPr id="36" name="矩形: 圆角 35">
+            <a:extLst>
+              <a:ext uri="{FF2B5EF4-FFF2-40B4-BE49-F238E27FC236}">
+                <a16:creationId xmlns:a16="http://schemas.microsoft.com/office/drawing/2014/main" id="{A06A866A-16FC-964E-CC17-220F81F91C60}"/>
+              </a:ext>
+            </a:extLst>
+          </p:cNvPr>
+          <p:cNvSpPr/>
+          <p:nvPr/>
+        </p:nvSpPr>
+        <p:spPr>
+          <a:xfrm>
+            <a:off x="6630194" y="2988397"/>
+            <a:ext cx="5286375" cy="3763806"/>
+          </a:xfrm>
+          <a:prstGeom prst="roundRect">
+            <a:avLst/>
+          </a:prstGeom>
+          <a:noFill/>
+          <a:ln w="38100">
+            <a:solidFill>
+              <a:schemeClr val="tx1"/>
+            </a:solidFill>
+            <a:prstDash val="dash"/>
+          </a:ln>
+        </p:spPr>
+        <p:style>
+          <a:lnRef idx="2">
+            <a:schemeClr val="accent1">
+              <a:shade val="50000"/>
+            </a:schemeClr>
+          </a:lnRef>
+          <a:fillRef idx="1">
+            <a:schemeClr val="accent1"/>
+          </a:fillRef>
+          <a:effectRef idx="0">
+            <a:schemeClr val="accent1"/>
+          </a:effectRef>
+          <a:fontRef idx="minor">
+            <a:schemeClr val="lt1"/>
+          </a:fontRef>
+        </p:style>
+        <p:txBody>
+          <a:bodyPr rtlCol="0" anchor="ctr"/>
+          <a:lstStyle/>
+          <a:p>
+            <a:pPr algn="ctr"/>
+            <a:endParaRPr lang="zh-CN" altLang="en-US">
+              <a:noFill/>
+            </a:endParaRPr>
+          </a:p>
+        </p:txBody>
+      </p:sp>
+    </p:spTree>
+    <p:extLst>
+      <p:ext uri="{BB962C8B-B14F-4D97-AF65-F5344CB8AC3E}">
+        <p14:creationId xmlns:p14="http://schemas.microsoft.com/office/powerpoint/2010/main" val="815493748"/>
+      </p:ext>
+    </p:extLst>
+  </p:cSld>
+  <p:clrMapOvr>
+    <a:masterClrMapping/>
+  </p:clrMapOvr>
+</p:sld>
+</file>
+
+<file path=ppt/slides/slide5.xml><?xml version="1.0" encoding="utf-8"?>
+<p:sld xmlns:a="http://schemas.openxmlformats.org/drawingml/2006/main" xmlns:r="http://schemas.openxmlformats.org/officeDocument/2006/relationships" xmlns:p="http://schemas.openxmlformats.org/presentationml/2006/main">
+  <p:cSld>
+    <p:bg>
+      <p:bgPr>
+        <a:solidFill>
+          <a:schemeClr val="tx1"/>
+        </a:solidFill>
+        <a:effectLst/>
+      </p:bgPr>
+    </p:bg>
+    <p:spTree>
+      <p:nvGrpSpPr>
+        <p:cNvPr id="1" name=""/>
+        <p:cNvGrpSpPr/>
+        <p:nvPr/>
+      </p:nvGrpSpPr>
+      <p:grpSpPr>
+        <a:xfrm>
+          <a:off x="0" y="0"/>
+          <a:ext cx="0" cy="0"/>
+          <a:chOff x="0" y="0"/>
+          <a:chExt cx="0" cy="0"/>
+        </a:xfrm>
+      </p:grpSpPr>
+      <p:sp>
+        <p:nvSpPr>
+          <p:cNvPr id="2" name="文本框 1"/>
+          <p:cNvSpPr txBox="1"/>
+          <p:nvPr/>
+        </p:nvSpPr>
+        <p:spPr>
+          <a:xfrm>
+            <a:off x="5101727" y="124847"/>
+            <a:ext cx="2020205" cy="374571"/>
+          </a:xfrm>
+          <a:prstGeom prst="roundRect">
+            <a:avLst/>
+          </a:prstGeom>
+          <a:noFill/>
+          <a:ln w="19050">
+            <a:solidFill>
+              <a:schemeClr val="bg1"/>
+            </a:solidFill>
+          </a:ln>
+        </p:spPr>
+        <p:txBody>
+          <a:bodyPr wrap="square" rtlCol="0">
+            <a:spAutoFit/>
+          </a:bodyPr>
+          <a:lstStyle/>
+          <a:p>
+            <a:pPr algn="ctr"/>
+            <a:r>
+              <a:rPr lang="en-US" altLang="zh-CN" sz="1600" dirty="0">
+                <a:solidFill>
+                  <a:schemeClr val="bg1"/>
+                </a:solidFill>
+                <a:latin typeface="Times New Roman" panose="02020603050405020304" pitchFamily="18" charset="0"/>
+                <a:cs typeface="Times New Roman" panose="02020603050405020304" pitchFamily="18" charset="0"/>
+              </a:rPr>
+              <a:t>Collect Open Data</a:t>
+            </a:r>
+            <a:endParaRPr lang="zh-TW" altLang="en-US" sz="1600" dirty="0">
+              <a:solidFill>
+                <a:schemeClr val="bg1"/>
+              </a:solidFill>
+              <a:latin typeface="Times New Roman" panose="02020603050405020304" pitchFamily="18" charset="0"/>
+              <a:cs typeface="Times New Roman" panose="02020603050405020304" pitchFamily="18" charset="0"/>
+            </a:endParaRPr>
+          </a:p>
+        </p:txBody>
+      </p:sp>
+      <p:sp>
+        <p:nvSpPr>
+          <p:cNvPr id="4" name="圆角矩形 3"/>
+          <p:cNvSpPr/>
+          <p:nvPr/>
+        </p:nvSpPr>
+        <p:spPr>
+          <a:xfrm>
+            <a:off x="5304466" y="1031685"/>
+            <a:ext cx="1614728" cy="374571"/>
+          </a:xfrm>
+          <a:prstGeom prst="roundRect">
+            <a:avLst/>
+          </a:prstGeom>
+          <a:noFill/>
+          <a:ln w="19050">
+            <a:solidFill>
+              <a:schemeClr val="bg1"/>
+            </a:solidFill>
+          </a:ln>
+        </p:spPr>
+        <p:txBody>
+          <a:bodyPr wrap="none">
+            <a:spAutoFit/>
+          </a:bodyPr>
+          <a:lstStyle/>
+          <a:p>
+            <a:pPr algn="ctr"/>
+            <a:r>
+              <a:rPr lang="en-US" altLang="zh-CN" sz="1600" dirty="0">
+                <a:solidFill>
+                  <a:schemeClr val="bg1"/>
+                </a:solidFill>
+                <a:latin typeface="Times New Roman" panose="02020603050405020304" pitchFamily="18" charset="0"/>
+                <a:cs typeface="Times New Roman" panose="02020603050405020304" pitchFamily="18" charset="0"/>
+              </a:rPr>
+              <a:t>Pre-process Data</a:t>
+            </a:r>
+            <a:endParaRPr lang="zh-TW" altLang="en-US" sz="1600" dirty="0">
+              <a:solidFill>
+                <a:schemeClr val="bg1"/>
+              </a:solidFill>
+              <a:latin typeface="Times New Roman" panose="02020603050405020304" pitchFamily="18" charset="0"/>
+              <a:cs typeface="Times New Roman" panose="02020603050405020304" pitchFamily="18" charset="0"/>
+            </a:endParaRPr>
+          </a:p>
+        </p:txBody>
+      </p:sp>
+      <p:sp>
+        <p:nvSpPr>
+          <p:cNvPr id="5" name="文本框 4"/>
+          <p:cNvSpPr txBox="1"/>
+          <p:nvPr/>
+        </p:nvSpPr>
+        <p:spPr>
+          <a:xfrm>
+            <a:off x="4518975" y="1951098"/>
+            <a:ext cx="3185703" cy="578882"/>
+          </a:xfrm>
+          <a:prstGeom prst="roundRect">
+            <a:avLst/>
+          </a:prstGeom>
+          <a:noFill/>
+          <a:ln w="19050">
+            <a:solidFill>
+              <a:schemeClr val="bg1"/>
+            </a:solidFill>
+          </a:ln>
+        </p:spPr>
+        <p:txBody>
+          <a:bodyPr wrap="square" rtlCol="0">
+            <a:spAutoFit/>
+          </a:bodyPr>
+          <a:lstStyle/>
+          <a:p>
+            <a:pPr algn="ctr"/>
+            <a:r>
+              <a:rPr lang="en-US" altLang="zh-CN" sz="1600" dirty="0">
+                <a:solidFill>
+                  <a:schemeClr val="bg1"/>
+                </a:solidFill>
+                <a:latin typeface="Times New Roman" panose="02020603050405020304" pitchFamily="18" charset="0"/>
+                <a:cs typeface="Times New Roman" panose="02020603050405020304" pitchFamily="18" charset="0"/>
+              </a:rPr>
+              <a:t>Calculate 6 Outcome Variables</a:t>
+            </a:r>
+          </a:p>
+          <a:p>
+            <a:pPr algn="ctr"/>
+            <a:r>
+              <a:rPr lang="en-US" altLang="zh-TW" sz="1200" dirty="0">
+                <a:solidFill>
+                  <a:schemeClr val="bg1"/>
+                </a:solidFill>
+                <a:latin typeface="Times New Roman" panose="02020603050405020304" pitchFamily="18" charset="0"/>
+                <a:ea typeface="Times New Roman" panose="02020603050405020304" pitchFamily="18" charset="0"/>
+                <a:cs typeface="Times New Roman" panose="02020603050405020304" pitchFamily="18" charset="0"/>
+              </a:rPr>
+              <a:t>(</a:t>
+            </a:r>
+            <a:r>
+              <a:rPr lang="en-US" altLang="zh-TW" sz="1200" i="1" dirty="0">
+                <a:solidFill>
+                  <a:schemeClr val="bg1"/>
+                </a:solidFill>
+                <a:latin typeface="Times New Roman" panose="02020603050405020304" pitchFamily="18" charset="0"/>
+                <a:ea typeface="Times New Roman" panose="02020603050405020304" pitchFamily="18" charset="0"/>
+                <a:cs typeface="Times New Roman" panose="02020603050405020304" pitchFamily="18" charset="0"/>
+              </a:rPr>
+              <a:t>RT, ACC, </a:t>
+            </a:r>
+            <a:r>
+              <a:rPr lang="en-US" altLang="zh-CN" sz="1200" i="1" dirty="0">
+                <a:solidFill>
+                  <a:schemeClr val="bg1"/>
+                </a:solidFill>
+                <a:latin typeface="Times New Roman" panose="02020603050405020304" pitchFamily="18" charset="0"/>
+                <a:ea typeface="Times New Roman" panose="02020603050405020304" pitchFamily="18" charset="0"/>
+                <a:cs typeface="Times New Roman" panose="02020603050405020304" pitchFamily="18" charset="0"/>
+              </a:rPr>
+              <a:t>d’</a:t>
+            </a:r>
+            <a:r>
+              <a:rPr lang="en-US" altLang="zh-TW" sz="1200" i="1" dirty="0">
+                <a:solidFill>
+                  <a:schemeClr val="bg1"/>
+                </a:solidFill>
+                <a:latin typeface="Times New Roman" panose="02020603050405020304" pitchFamily="18" charset="0"/>
+                <a:ea typeface="Times New Roman" panose="02020603050405020304" pitchFamily="18" charset="0"/>
+                <a:cs typeface="Times New Roman" panose="02020603050405020304" pitchFamily="18" charset="0"/>
+              </a:rPr>
+              <a:t>, </a:t>
+            </a:r>
+            <a:r>
+              <a:rPr lang="en-US" altLang="zh-CN" sz="1200" i="1" dirty="0">
+                <a:solidFill>
+                  <a:schemeClr val="bg1"/>
+                </a:solidFill>
+                <a:latin typeface="Times New Roman" panose="02020603050405020304" pitchFamily="18" charset="0"/>
+                <a:ea typeface="Times New Roman" panose="02020603050405020304" pitchFamily="18" charset="0"/>
+                <a:cs typeface="Times New Roman" panose="02020603050405020304" pitchFamily="18" charset="0"/>
+              </a:rPr>
+              <a:t>η</a:t>
+            </a:r>
+            <a:r>
+              <a:rPr lang="en-US" altLang="zh-TW" sz="1200" i="1" dirty="0">
+                <a:solidFill>
+                  <a:schemeClr val="bg1"/>
+                </a:solidFill>
+                <a:latin typeface="Times New Roman" panose="02020603050405020304" pitchFamily="18" charset="0"/>
+                <a:ea typeface="Times New Roman" panose="02020603050405020304" pitchFamily="18" charset="0"/>
+                <a:cs typeface="Times New Roman" panose="02020603050405020304" pitchFamily="18" charset="0"/>
+              </a:rPr>
+              <a:t>, v, z</a:t>
+            </a:r>
+            <a:r>
+              <a:rPr lang="en-US" altLang="zh-TW" sz="1200" dirty="0">
+                <a:solidFill>
+                  <a:schemeClr val="bg1"/>
+                </a:solidFill>
+                <a:latin typeface="Times New Roman" panose="02020603050405020304" pitchFamily="18" charset="0"/>
+                <a:ea typeface="Times New Roman" panose="02020603050405020304" pitchFamily="18" charset="0"/>
+                <a:cs typeface="Times New Roman" panose="02020603050405020304" pitchFamily="18" charset="0"/>
+              </a:rPr>
+              <a:t>)</a:t>
+            </a:r>
+          </a:p>
+        </p:txBody>
+      </p:sp>
+      <p:cxnSp>
+        <p:nvCxnSpPr>
+          <p:cNvPr id="17" name="直接箭头连接符 16"/>
+          <p:cNvCxnSpPr/>
+          <p:nvPr/>
+        </p:nvCxnSpPr>
+        <p:spPr>
+          <a:xfrm>
+            <a:off x="6096000" y="559743"/>
+            <a:ext cx="0" cy="414067"/>
+          </a:xfrm>
+          <a:prstGeom prst="straightConnector1">
+            <a:avLst/>
+          </a:prstGeom>
+          <a:ln w="19050">
+            <a:solidFill>
+              <a:schemeClr val="bg1"/>
+            </a:solidFill>
+            <a:tailEnd type="triangle"/>
+          </a:ln>
+        </p:spPr>
+        <p:style>
+          <a:lnRef idx="1">
+            <a:schemeClr val="accent1"/>
+          </a:lnRef>
+          <a:fillRef idx="0">
+            <a:schemeClr val="accent1"/>
+          </a:fillRef>
+          <a:effectRef idx="0">
+            <a:schemeClr val="accent1"/>
+          </a:effectRef>
+          <a:fontRef idx="minor">
+            <a:schemeClr val="tx1"/>
+          </a:fontRef>
+        </p:style>
+      </p:cxnSp>
+      <p:cxnSp>
+        <p:nvCxnSpPr>
+          <p:cNvPr id="18" name="直接箭头连接符 17"/>
+          <p:cNvCxnSpPr/>
+          <p:nvPr/>
+        </p:nvCxnSpPr>
+        <p:spPr>
+          <a:xfrm>
+            <a:off x="6099175" y="1461712"/>
+            <a:ext cx="0" cy="414067"/>
+          </a:xfrm>
+          <a:prstGeom prst="straightConnector1">
+            <a:avLst/>
+          </a:prstGeom>
+          <a:ln w="19050">
+            <a:solidFill>
+              <a:schemeClr val="bg1"/>
+            </a:solidFill>
+            <a:tailEnd type="triangle"/>
+          </a:ln>
+        </p:spPr>
+        <p:style>
+          <a:lnRef idx="1">
+            <a:schemeClr val="accent1"/>
+          </a:lnRef>
+          <a:fillRef idx="0">
+            <a:schemeClr val="accent1"/>
+          </a:fillRef>
+          <a:effectRef idx="0">
+            <a:schemeClr val="accent1"/>
+          </a:effectRef>
+          <a:fontRef idx="minor">
+            <a:schemeClr val="tx1"/>
+          </a:fontRef>
+        </p:style>
+      </p:cxnSp>
+      <p:sp>
+        <p:nvSpPr>
+          <p:cNvPr id="9" name="文本框 8"/>
+          <p:cNvSpPr txBox="1"/>
+          <p:nvPr/>
+        </p:nvSpPr>
+        <p:spPr>
+          <a:xfrm>
+            <a:off x="6906831" y="5930012"/>
+            <a:ext cx="2237170" cy="544830"/>
+          </a:xfrm>
+          <a:prstGeom prst="roundRect">
+            <a:avLst/>
+          </a:prstGeom>
+          <a:noFill/>
+          <a:ln w="19050">
+            <a:solidFill>
+              <a:schemeClr val="bg1"/>
+            </a:solidFill>
+          </a:ln>
+        </p:spPr>
+        <p:txBody>
+          <a:bodyPr wrap="square" rtlCol="0">
+            <a:spAutoFit/>
+          </a:bodyPr>
+          <a:lstStyle/>
+          <a:p>
+            <a:pPr algn="ctr"/>
+            <a:r>
+              <a:rPr lang="en-US" altLang="zh-TW" sz="1600" dirty="0">
+                <a:solidFill>
+                  <a:schemeClr val="bg1"/>
+                </a:solidFill>
+                <a:latin typeface="Times New Roman" panose="02020603050405020304" pitchFamily="18" charset="0"/>
+                <a:cs typeface="Times New Roman" panose="02020603050405020304" pitchFamily="18" charset="0"/>
+              </a:rPr>
+              <a:t>Plot SHR</a:t>
+            </a:r>
+          </a:p>
+          <a:p>
+            <a:pPr algn="ctr"/>
+            <a:r>
+              <a:rPr lang="en-US" altLang="zh-TW" sz="1000" dirty="0">
+                <a:solidFill>
+                  <a:schemeClr val="bg1"/>
+                </a:solidFill>
+                <a:latin typeface="Times New Roman" panose="02020603050405020304" pitchFamily="18" charset="0"/>
+                <a:cs typeface="Times New Roman" panose="02020603050405020304" pitchFamily="18" charset="0"/>
+              </a:rPr>
+              <a:t>(S</a:t>
+            </a:r>
+            <a:r>
+              <a:rPr lang="en-US" altLang="zh-CN" sz="1000" dirty="0">
+                <a:solidFill>
+                  <a:schemeClr val="bg1"/>
+                </a:solidFill>
+                <a:latin typeface="Times New Roman" panose="02020603050405020304" pitchFamily="18" charset="0"/>
+                <a:cs typeface="Times New Roman" panose="02020603050405020304" pitchFamily="18" charset="0"/>
+              </a:rPr>
+              <a:t>plit-Half Reliability)</a:t>
+            </a:r>
+            <a:endParaRPr lang="zh-TW" altLang="en-US" sz="1000" dirty="0">
+              <a:solidFill>
+                <a:schemeClr val="bg1"/>
+              </a:solidFill>
+              <a:latin typeface="Times New Roman" panose="02020603050405020304" pitchFamily="18" charset="0"/>
+              <a:cs typeface="Times New Roman" panose="02020603050405020304" pitchFamily="18" charset="0"/>
+            </a:endParaRPr>
+          </a:p>
+        </p:txBody>
+      </p:sp>
+      <p:cxnSp>
+        <p:nvCxnSpPr>
+          <p:cNvPr id="20" name="直接箭头连接符 19"/>
+          <p:cNvCxnSpPr/>
+          <p:nvPr/>
+        </p:nvCxnSpPr>
+        <p:spPr>
+          <a:xfrm>
+            <a:off x="8025417" y="5419970"/>
+            <a:ext cx="0" cy="414067"/>
+          </a:xfrm>
+          <a:prstGeom prst="straightConnector1">
+            <a:avLst/>
+          </a:prstGeom>
+          <a:ln w="19050">
+            <a:solidFill>
+              <a:schemeClr val="bg1"/>
+            </a:solidFill>
+            <a:tailEnd type="triangle"/>
+          </a:ln>
+        </p:spPr>
+        <p:style>
+          <a:lnRef idx="1">
+            <a:schemeClr val="accent1"/>
+          </a:lnRef>
+          <a:fillRef idx="0">
+            <a:schemeClr val="accent1"/>
+          </a:fillRef>
+          <a:effectRef idx="0">
+            <a:schemeClr val="accent1"/>
+          </a:effectRef>
+          <a:fontRef idx="minor">
+            <a:schemeClr val="tx1"/>
+          </a:fontRef>
+        </p:style>
+      </p:cxnSp>
+      <p:sp>
+        <p:nvSpPr>
+          <p:cNvPr id="8" name="文本框 7"/>
+          <p:cNvSpPr txBox="1"/>
+          <p:nvPr/>
+        </p:nvSpPr>
+        <p:spPr>
+          <a:xfrm>
+            <a:off x="9537167" y="5930012"/>
+            <a:ext cx="2071741" cy="544830"/>
+          </a:xfrm>
+          <a:prstGeom prst="roundRect">
+            <a:avLst/>
+          </a:prstGeom>
+          <a:noFill/>
+          <a:ln w="19050">
+            <a:solidFill>
+              <a:schemeClr val="bg1"/>
+            </a:solidFill>
+          </a:ln>
+        </p:spPr>
+        <p:txBody>
+          <a:bodyPr wrap="square" rtlCol="0">
+            <a:spAutoFit/>
+          </a:bodyPr>
+          <a:lstStyle/>
+          <a:p>
+            <a:pPr algn="ctr"/>
+            <a:r>
+              <a:rPr lang="en-US" altLang="zh-TW" sz="1600" dirty="0">
+                <a:solidFill>
+                  <a:schemeClr val="bg1"/>
+                </a:solidFill>
+                <a:latin typeface="Times New Roman" panose="02020603050405020304" pitchFamily="18" charset="0"/>
+                <a:cs typeface="Times New Roman" panose="02020603050405020304" pitchFamily="18" charset="0"/>
+              </a:rPr>
+              <a:t>Plot ICC</a:t>
+            </a:r>
+            <a:r>
+              <a:rPr lang="en-US" altLang="zh-CN" sz="1600" dirty="0">
+                <a:solidFill>
+                  <a:schemeClr val="bg1"/>
+                </a:solidFill>
+                <a:latin typeface="Times New Roman" panose="02020603050405020304" pitchFamily="18" charset="0"/>
+                <a:cs typeface="Times New Roman" panose="02020603050405020304" pitchFamily="18" charset="0"/>
+              </a:rPr>
+              <a:t>2</a:t>
+            </a:r>
+            <a:endParaRPr lang="en-US" altLang="zh-TW" sz="1600" dirty="0">
+              <a:solidFill>
+                <a:schemeClr val="bg1"/>
+              </a:solidFill>
+              <a:latin typeface="Times New Roman" panose="02020603050405020304" pitchFamily="18" charset="0"/>
+              <a:cs typeface="Times New Roman" panose="02020603050405020304" pitchFamily="18" charset="0"/>
+            </a:endParaRPr>
+          </a:p>
+          <a:p>
+            <a:pPr algn="ctr"/>
+            <a:r>
+              <a:rPr lang="en-US" altLang="zh-TW" sz="1000" dirty="0">
+                <a:solidFill>
+                  <a:schemeClr val="bg1"/>
+                </a:solidFill>
+                <a:latin typeface="Times New Roman" panose="02020603050405020304" pitchFamily="18" charset="0"/>
+                <a:cs typeface="Times New Roman" panose="02020603050405020304" pitchFamily="18" charset="0"/>
+              </a:rPr>
+              <a:t>(Intraclass Correlation Coefficient)</a:t>
+            </a:r>
+            <a:endParaRPr lang="zh-TW" altLang="en-US" sz="1000" dirty="0">
+              <a:solidFill>
+                <a:schemeClr val="bg1"/>
+              </a:solidFill>
+              <a:latin typeface="Times New Roman" panose="02020603050405020304" pitchFamily="18" charset="0"/>
+              <a:cs typeface="Times New Roman" panose="02020603050405020304" pitchFamily="18" charset="0"/>
+            </a:endParaRPr>
+          </a:p>
+        </p:txBody>
+      </p:sp>
+      <p:cxnSp>
+        <p:nvCxnSpPr>
+          <p:cNvPr id="23" name="直接箭头连接符 22"/>
+          <p:cNvCxnSpPr/>
+          <p:nvPr/>
+        </p:nvCxnSpPr>
+        <p:spPr>
+          <a:xfrm>
+            <a:off x="10585077" y="5408089"/>
+            <a:ext cx="0" cy="414067"/>
+          </a:xfrm>
+          <a:prstGeom prst="straightConnector1">
+            <a:avLst/>
+          </a:prstGeom>
+          <a:ln w="19050">
+            <a:solidFill>
+              <a:schemeClr val="bg1"/>
+            </a:solidFill>
+            <a:tailEnd type="triangle"/>
+          </a:ln>
+        </p:spPr>
+        <p:style>
+          <a:lnRef idx="1">
+            <a:schemeClr val="accent1"/>
+          </a:lnRef>
+          <a:fillRef idx="0">
+            <a:schemeClr val="accent1"/>
+          </a:fillRef>
+          <a:effectRef idx="0">
+            <a:schemeClr val="accent1"/>
+          </a:effectRef>
+          <a:fontRef idx="minor">
+            <a:schemeClr val="tx1"/>
+          </a:fontRef>
+        </p:style>
+      </p:cxnSp>
+      <p:sp>
+        <p:nvSpPr>
+          <p:cNvPr id="10" name="圆角矩形 3">
+            <a:extLst>
+              <a:ext uri="{FF2B5EF4-FFF2-40B4-BE49-F238E27FC236}">
+                <a16:creationId xmlns:a16="http://schemas.microsoft.com/office/drawing/2014/main" id="{981289ED-C0CE-69B1-7E09-40829F5AD45D}"/>
+              </a:ext>
+            </a:extLst>
+          </p:cNvPr>
+          <p:cNvSpPr/>
+          <p:nvPr/>
+        </p:nvSpPr>
+        <p:spPr>
+          <a:xfrm>
+            <a:off x="7378048" y="3243384"/>
+            <a:ext cx="3683383" cy="749141"/>
+          </a:xfrm>
+          <a:prstGeom prst="roundRect">
+            <a:avLst/>
+          </a:prstGeom>
+          <a:noFill/>
+          <a:ln w="19050">
+            <a:solidFill>
+              <a:schemeClr val="bg1"/>
+            </a:solidFill>
+          </a:ln>
+        </p:spPr>
+        <p:txBody>
+          <a:bodyPr wrap="none">
+            <a:spAutoFit/>
+          </a:bodyPr>
+          <a:lstStyle/>
+          <a:p>
+            <a:pPr algn="ctr"/>
+            <a:r>
+              <a:rPr lang="en-US" altLang="zh-CN" sz="1600" dirty="0">
+                <a:solidFill>
+                  <a:schemeClr val="bg1"/>
+                </a:solidFill>
+                <a:latin typeface="Times New Roman" panose="02020603050405020304" pitchFamily="18" charset="0"/>
+                <a:cs typeface="Times New Roman" panose="02020603050405020304" pitchFamily="18" charset="0"/>
+              </a:rPr>
+              <a:t>Calculate SPE measures</a:t>
+            </a:r>
+          </a:p>
+          <a:p>
+            <a:pPr algn="ctr"/>
+            <a:r>
+              <a:rPr lang="en-US" altLang="zh-CN" sz="1200" dirty="0">
+                <a:solidFill>
+                  <a:schemeClr val="bg1"/>
+                </a:solidFill>
+                <a:latin typeface="Times New Roman" panose="02020603050405020304" pitchFamily="18" charset="0"/>
+                <a:cs typeface="Times New Roman" panose="02020603050405020304" pitchFamily="18" charset="0"/>
+              </a:rPr>
+              <a:t>based on 6 outcome variables and 4 baseline conditions</a:t>
+            </a:r>
+          </a:p>
+          <a:p>
+            <a:pPr algn="ctr"/>
+            <a:r>
+              <a:rPr lang="en-US" altLang="zh-CN" sz="1000" i="1" dirty="0">
+                <a:solidFill>
+                  <a:schemeClr val="bg1"/>
+                </a:solidFill>
+                <a:latin typeface="Times New Roman" panose="02020603050405020304" pitchFamily="18" charset="0"/>
+                <a:cs typeface="Times New Roman" panose="02020603050405020304" pitchFamily="18" charset="0"/>
+              </a:rPr>
+              <a:t>(Close, Stranger, Celebrity, Nonperson)</a:t>
+            </a:r>
+          </a:p>
+        </p:txBody>
+      </p:sp>
+      <p:sp>
+        <p:nvSpPr>
+          <p:cNvPr id="7" name="文本框 6"/>
+          <p:cNvSpPr txBox="1"/>
+          <p:nvPr/>
+        </p:nvSpPr>
+        <p:spPr>
+          <a:xfrm>
+            <a:off x="6906830" y="4812841"/>
+            <a:ext cx="2237170" cy="544830"/>
+          </a:xfrm>
+          <a:prstGeom prst="roundRect">
+            <a:avLst/>
+          </a:prstGeom>
+          <a:noFill/>
+          <a:ln w="19050">
+            <a:solidFill>
+              <a:schemeClr val="bg1"/>
+            </a:solidFill>
+          </a:ln>
+        </p:spPr>
+        <p:txBody>
+          <a:bodyPr wrap="square" rtlCol="0">
+            <a:spAutoFit/>
+          </a:bodyPr>
+          <a:lstStyle/>
+          <a:p>
+            <a:pPr algn="ctr"/>
+            <a:r>
+              <a:rPr lang="en-US" altLang="zh-TW" sz="1600" dirty="0">
+                <a:solidFill>
+                  <a:schemeClr val="bg1"/>
+                </a:solidFill>
+                <a:latin typeface="Times New Roman" panose="02020603050405020304" pitchFamily="18" charset="0"/>
+                <a:cs typeface="Times New Roman" panose="02020603050405020304" pitchFamily="18" charset="0"/>
+              </a:rPr>
+              <a:t>Calculate SHR</a:t>
+            </a:r>
+          </a:p>
+          <a:p>
+            <a:pPr algn="ctr"/>
+            <a:r>
+              <a:rPr lang="en-US" altLang="zh-TW" sz="1000" dirty="0">
+                <a:solidFill>
+                  <a:schemeClr val="bg1"/>
+                </a:solidFill>
+                <a:latin typeface="Times New Roman" panose="02020603050405020304" pitchFamily="18" charset="0"/>
+                <a:cs typeface="Times New Roman" panose="02020603050405020304" pitchFamily="18" charset="0"/>
+              </a:rPr>
+              <a:t>(S</a:t>
+            </a:r>
+            <a:r>
+              <a:rPr lang="en-US" altLang="zh-CN" sz="1000" dirty="0">
+                <a:solidFill>
+                  <a:schemeClr val="bg1"/>
+                </a:solidFill>
+                <a:latin typeface="Times New Roman" panose="02020603050405020304" pitchFamily="18" charset="0"/>
+                <a:cs typeface="Times New Roman" panose="02020603050405020304" pitchFamily="18" charset="0"/>
+              </a:rPr>
+              <a:t>plit-Half Reliability)</a:t>
+            </a:r>
+            <a:endParaRPr lang="zh-TW" altLang="en-US" sz="1000" dirty="0">
+              <a:solidFill>
+                <a:schemeClr val="bg1"/>
+              </a:solidFill>
+              <a:latin typeface="Times New Roman" panose="02020603050405020304" pitchFamily="18" charset="0"/>
+              <a:cs typeface="Times New Roman" panose="02020603050405020304" pitchFamily="18" charset="0"/>
+            </a:endParaRPr>
+          </a:p>
+        </p:txBody>
+      </p:sp>
+      <p:cxnSp>
+        <p:nvCxnSpPr>
+          <p:cNvPr id="21" name="直接箭头连接符 20"/>
+          <p:cNvCxnSpPr>
+            <a:cxnSpLocks/>
+          </p:cNvCxnSpPr>
+          <p:nvPr/>
+        </p:nvCxnSpPr>
+        <p:spPr>
+          <a:xfrm flipH="1">
+            <a:off x="8025415" y="4070237"/>
+            <a:ext cx="461639" cy="712460"/>
+          </a:xfrm>
+          <a:prstGeom prst="straightConnector1">
+            <a:avLst/>
+          </a:prstGeom>
+          <a:ln w="19050">
+            <a:solidFill>
+              <a:schemeClr val="bg1"/>
+            </a:solidFill>
+            <a:tailEnd type="triangle"/>
+          </a:ln>
+        </p:spPr>
+        <p:style>
+          <a:lnRef idx="1">
+            <a:schemeClr val="accent1"/>
+          </a:lnRef>
+          <a:fillRef idx="0">
+            <a:schemeClr val="accent1"/>
+          </a:fillRef>
+          <a:effectRef idx="0">
+            <a:schemeClr val="accent1"/>
+          </a:effectRef>
+          <a:fontRef idx="minor">
+            <a:schemeClr val="tx1"/>
+          </a:fontRef>
+        </p:style>
+      </p:cxnSp>
+      <p:sp>
+        <p:nvSpPr>
+          <p:cNvPr id="30" name="文本框 29"/>
+          <p:cNvSpPr txBox="1"/>
+          <p:nvPr/>
+        </p:nvSpPr>
+        <p:spPr>
+          <a:xfrm rot="3266205">
+            <a:off x="10055445" y="4300485"/>
+            <a:ext cx="1189417" cy="400110"/>
+          </a:xfrm>
+          <a:prstGeom prst="rect">
+            <a:avLst/>
+          </a:prstGeom>
+          <a:noFill/>
+          <a:ln w="19050">
+            <a:noFill/>
+          </a:ln>
+        </p:spPr>
+        <p:txBody>
+          <a:bodyPr wrap="square" rtlCol="0">
+            <a:spAutoFit/>
+          </a:bodyPr>
+          <a:lstStyle/>
+          <a:p>
+            <a:r>
+              <a:rPr lang="en-US" altLang="zh-TW" sz="1000" dirty="0">
+                <a:solidFill>
+                  <a:schemeClr val="bg1"/>
+                </a:solidFill>
+                <a:latin typeface="Times New Roman" panose="02020603050405020304" pitchFamily="18" charset="0"/>
+                <a:cs typeface="Times New Roman" panose="02020603050405020304" pitchFamily="18" charset="0"/>
+              </a:rPr>
+              <a:t>If repeated</a:t>
+            </a:r>
+            <a:r>
+              <a:rPr lang="zh-CN" altLang="en-US" sz="1000" dirty="0">
+                <a:solidFill>
+                  <a:schemeClr val="bg1"/>
+                </a:solidFill>
+                <a:latin typeface="Times New Roman" panose="02020603050405020304" pitchFamily="18" charset="0"/>
+                <a:cs typeface="Times New Roman" panose="02020603050405020304" pitchFamily="18" charset="0"/>
+              </a:rPr>
+              <a:t> </a:t>
+            </a:r>
+            <a:endParaRPr lang="en-US" altLang="zh-CN" sz="1000" dirty="0">
+              <a:solidFill>
+                <a:schemeClr val="bg1"/>
+              </a:solidFill>
+              <a:latin typeface="Times New Roman" panose="02020603050405020304" pitchFamily="18" charset="0"/>
+              <a:cs typeface="Times New Roman" panose="02020603050405020304" pitchFamily="18" charset="0"/>
+            </a:endParaRPr>
+          </a:p>
+          <a:p>
+            <a:r>
+              <a:rPr lang="en-US" altLang="zh-CN" sz="1000" dirty="0">
+                <a:solidFill>
+                  <a:schemeClr val="bg1"/>
+                </a:solidFill>
+                <a:latin typeface="Times New Roman" panose="02020603050405020304" pitchFamily="18" charset="0"/>
+                <a:cs typeface="Times New Roman" panose="02020603050405020304" pitchFamily="18" charset="0"/>
+              </a:rPr>
+              <a:t>Administrated</a:t>
+            </a:r>
+            <a:endParaRPr lang="zh-TW" altLang="en-US" sz="1000" dirty="0">
+              <a:solidFill>
+                <a:schemeClr val="bg1"/>
+              </a:solidFill>
+              <a:latin typeface="Times New Roman" panose="02020603050405020304" pitchFamily="18" charset="0"/>
+              <a:cs typeface="Times New Roman" panose="02020603050405020304" pitchFamily="18" charset="0"/>
+            </a:endParaRPr>
+          </a:p>
+        </p:txBody>
+      </p:sp>
+      <p:cxnSp>
+        <p:nvCxnSpPr>
+          <p:cNvPr id="16" name="直接箭头连接符 15"/>
+          <p:cNvCxnSpPr>
+            <a:cxnSpLocks/>
+          </p:cNvCxnSpPr>
+          <p:nvPr/>
+        </p:nvCxnSpPr>
+        <p:spPr>
+          <a:xfrm>
+            <a:off x="10038303" y="4070237"/>
+            <a:ext cx="486485" cy="700682"/>
+          </a:xfrm>
+          <a:prstGeom prst="straightConnector1">
+            <a:avLst/>
+          </a:prstGeom>
+          <a:ln w="19050">
+            <a:solidFill>
+              <a:schemeClr val="bg1"/>
+            </a:solidFill>
+            <a:tailEnd type="triangle"/>
+          </a:ln>
+        </p:spPr>
+        <p:style>
+          <a:lnRef idx="1">
+            <a:schemeClr val="accent1"/>
+          </a:lnRef>
+          <a:fillRef idx="0">
+            <a:schemeClr val="accent1"/>
+          </a:fillRef>
+          <a:effectRef idx="0">
+            <a:schemeClr val="accent1"/>
+          </a:effectRef>
+          <a:fontRef idx="minor">
+            <a:schemeClr val="tx1"/>
+          </a:fontRef>
+        </p:style>
+      </p:cxnSp>
+      <p:sp>
+        <p:nvSpPr>
+          <p:cNvPr id="11" name="文本框 10">
+            <a:extLst>
+              <a:ext uri="{FF2B5EF4-FFF2-40B4-BE49-F238E27FC236}">
+                <a16:creationId xmlns:a16="http://schemas.microsoft.com/office/drawing/2014/main" id="{E2B7C293-069F-6DB5-6F3D-70BF7F9C5FA5}"/>
+              </a:ext>
+            </a:extLst>
+          </p:cNvPr>
+          <p:cNvSpPr txBox="1"/>
+          <p:nvPr/>
+        </p:nvSpPr>
+        <p:spPr>
+          <a:xfrm>
+            <a:off x="9507026" y="4801063"/>
+            <a:ext cx="2035524" cy="544830"/>
+          </a:xfrm>
+          <a:prstGeom prst="roundRect">
+            <a:avLst/>
+          </a:prstGeom>
+          <a:noFill/>
+          <a:ln w="19050">
+            <a:solidFill>
+              <a:schemeClr val="bg1"/>
+            </a:solidFill>
+          </a:ln>
+        </p:spPr>
+        <p:txBody>
+          <a:bodyPr wrap="square" rtlCol="0">
+            <a:spAutoFit/>
+          </a:bodyPr>
+          <a:lstStyle/>
+          <a:p>
+            <a:pPr algn="ctr"/>
+            <a:r>
+              <a:rPr lang="en-US" altLang="zh-TW" sz="1600" dirty="0">
+                <a:solidFill>
+                  <a:schemeClr val="bg1"/>
+                </a:solidFill>
+                <a:latin typeface="Times New Roman" panose="02020603050405020304" pitchFamily="18" charset="0"/>
+                <a:cs typeface="Times New Roman" panose="02020603050405020304" pitchFamily="18" charset="0"/>
+              </a:rPr>
+              <a:t>Calculate ICC</a:t>
+            </a:r>
+          </a:p>
+          <a:p>
+            <a:pPr algn="ctr"/>
+            <a:r>
+              <a:rPr lang="en-US" altLang="zh-TW" sz="1000" dirty="0">
+                <a:solidFill>
+                  <a:schemeClr val="bg1"/>
+                </a:solidFill>
+                <a:latin typeface="Times New Roman" panose="02020603050405020304" pitchFamily="18" charset="0"/>
+                <a:cs typeface="Times New Roman" panose="02020603050405020304" pitchFamily="18" charset="0"/>
+              </a:rPr>
+              <a:t>(Intraclass Correlation Coefficient)</a:t>
+            </a:r>
+            <a:endParaRPr lang="zh-TW" altLang="en-US" sz="1000" dirty="0">
+              <a:solidFill>
+                <a:schemeClr val="bg1"/>
+              </a:solidFill>
+              <a:latin typeface="Times New Roman" panose="02020603050405020304" pitchFamily="18" charset="0"/>
+              <a:cs typeface="Times New Roman" panose="02020603050405020304" pitchFamily="18" charset="0"/>
+            </a:endParaRPr>
+          </a:p>
+        </p:txBody>
+      </p:sp>
+      <p:sp>
+        <p:nvSpPr>
+          <p:cNvPr id="14" name="文本框 13">
+            <a:extLst>
+              <a:ext uri="{FF2B5EF4-FFF2-40B4-BE49-F238E27FC236}">
+                <a16:creationId xmlns:a16="http://schemas.microsoft.com/office/drawing/2014/main" id="{F1C4827E-B901-99D1-15C2-7A6D27D72AEE}"/>
+              </a:ext>
+            </a:extLst>
+          </p:cNvPr>
+          <p:cNvSpPr txBox="1"/>
+          <p:nvPr/>
+        </p:nvSpPr>
+        <p:spPr>
+          <a:xfrm>
+            <a:off x="2272315" y="5419970"/>
+            <a:ext cx="2237170" cy="646986"/>
+          </a:xfrm>
+          <a:prstGeom prst="roundRect">
+            <a:avLst/>
+          </a:prstGeom>
+          <a:noFill/>
+          <a:ln w="19050">
+            <a:solidFill>
+              <a:schemeClr val="bg1"/>
+            </a:solidFill>
+          </a:ln>
+        </p:spPr>
+        <p:txBody>
+          <a:bodyPr wrap="square" rtlCol="0">
+            <a:spAutoFit/>
+          </a:bodyPr>
+          <a:lstStyle/>
+          <a:p>
+            <a:pPr algn="ctr"/>
+            <a:r>
+              <a:rPr lang="en-US" altLang="zh-TW" sz="1600" dirty="0">
+                <a:solidFill>
+                  <a:schemeClr val="bg1"/>
+                </a:solidFill>
+                <a:latin typeface="Times New Roman" panose="02020603050405020304" pitchFamily="18" charset="0"/>
+                <a:cs typeface="Times New Roman" panose="02020603050405020304" pitchFamily="18" charset="0"/>
+              </a:rPr>
+              <a:t>M</a:t>
+            </a:r>
+            <a:r>
+              <a:rPr lang="en-US" altLang="zh-CN" sz="1600" dirty="0">
+                <a:solidFill>
+                  <a:schemeClr val="bg1"/>
+                </a:solidFill>
+                <a:latin typeface="Times New Roman" panose="02020603050405020304" pitchFamily="18" charset="0"/>
+                <a:cs typeface="Times New Roman" panose="02020603050405020304" pitchFamily="18" charset="0"/>
+              </a:rPr>
+              <a:t>eta-Analysis</a:t>
+            </a:r>
+          </a:p>
+          <a:p>
+            <a:pPr algn="ctr"/>
+            <a:r>
+              <a:rPr lang="en-US" altLang="zh-TW" sz="1600" dirty="0">
+                <a:solidFill>
+                  <a:schemeClr val="bg1"/>
+                </a:solidFill>
+                <a:latin typeface="Times New Roman" panose="02020603050405020304" pitchFamily="18" charset="0"/>
+                <a:cs typeface="Times New Roman" panose="02020603050405020304" pitchFamily="18" charset="0"/>
+              </a:rPr>
+              <a:t>Random Effect Model</a:t>
+            </a:r>
+            <a:endParaRPr lang="zh-TW" altLang="en-US" sz="1000" dirty="0">
+              <a:solidFill>
+                <a:schemeClr val="bg1"/>
+              </a:solidFill>
+              <a:latin typeface="Times New Roman" panose="02020603050405020304" pitchFamily="18" charset="0"/>
+              <a:cs typeface="Times New Roman" panose="02020603050405020304" pitchFamily="18" charset="0"/>
+            </a:endParaRPr>
+          </a:p>
+        </p:txBody>
+      </p:sp>
+      <p:sp>
+        <p:nvSpPr>
+          <p:cNvPr id="24" name="矩形 23">
+            <a:extLst>
+              <a:ext uri="{FF2B5EF4-FFF2-40B4-BE49-F238E27FC236}">
+                <a16:creationId xmlns:a16="http://schemas.microsoft.com/office/drawing/2014/main" id="{CD5286DF-06AF-7901-DBE0-3C23E1B4D8BE}"/>
+              </a:ext>
+            </a:extLst>
+          </p:cNvPr>
+          <p:cNvSpPr/>
+          <p:nvPr/>
+        </p:nvSpPr>
+        <p:spPr>
+          <a:xfrm>
+            <a:off x="7885524" y="2370060"/>
+            <a:ext cx="2775714" cy="572168"/>
+          </a:xfrm>
+          <a:prstGeom prst="rect">
+            <a:avLst/>
+          </a:prstGeom>
+          <a:noFill/>
+          <a:ln w="28575">
+            <a:noFill/>
+          </a:ln>
+        </p:spPr>
+        <p:style>
+          <a:lnRef idx="2">
+            <a:schemeClr val="accent1">
+              <a:shade val="50000"/>
+            </a:schemeClr>
+          </a:lnRef>
+          <a:fillRef idx="1">
+            <a:schemeClr val="accent1"/>
+          </a:fillRef>
+          <a:effectRef idx="0">
+            <a:schemeClr val="accent1"/>
+          </a:effectRef>
+          <a:fontRef idx="minor">
+            <a:schemeClr val="lt1"/>
+          </a:fontRef>
+        </p:style>
+        <p:txBody>
+          <a:bodyPr rtlCol="0" anchor="ctr"/>
+          <a:lstStyle/>
+          <a:p>
+            <a:pPr algn="ctr"/>
+            <a:r>
+              <a:rPr lang="en-US" altLang="zh-CN" sz="2000" b="1" dirty="0">
+                <a:solidFill>
+                  <a:schemeClr val="bg1"/>
+                </a:solidFill>
+                <a:latin typeface="Times New Roman" panose="02020603050405020304" pitchFamily="18" charset="0"/>
+                <a:cs typeface="Times New Roman" panose="02020603050405020304" pitchFamily="18" charset="0"/>
+              </a:rPr>
+              <a:t>Individual Level</a:t>
+            </a:r>
+            <a:endParaRPr lang="zh-CN" altLang="en-US" sz="2000" b="1" dirty="0">
+              <a:solidFill>
+                <a:schemeClr val="bg1"/>
+              </a:solidFill>
+              <a:latin typeface="Times New Roman" panose="02020603050405020304" pitchFamily="18" charset="0"/>
+              <a:cs typeface="Times New Roman" panose="02020603050405020304" pitchFamily="18" charset="0"/>
+            </a:endParaRPr>
+          </a:p>
+        </p:txBody>
+      </p:sp>
+      <p:cxnSp>
+        <p:nvCxnSpPr>
+          <p:cNvPr id="26" name="直接箭头连接符 25">
+            <a:extLst>
+              <a:ext uri="{FF2B5EF4-FFF2-40B4-BE49-F238E27FC236}">
+                <a16:creationId xmlns:a16="http://schemas.microsoft.com/office/drawing/2014/main" id="{00230E48-18CE-3602-8F7F-4DF0E70A21DF}"/>
+              </a:ext>
+            </a:extLst>
+          </p:cNvPr>
+          <p:cNvCxnSpPr>
+            <a:cxnSpLocks/>
+          </p:cNvCxnSpPr>
+          <p:nvPr/>
+        </p:nvCxnSpPr>
+        <p:spPr>
+          <a:xfrm>
+            <a:off x="3390900" y="4255914"/>
+            <a:ext cx="0" cy="930040"/>
+          </a:xfrm>
+          <a:prstGeom prst="straightConnector1">
+            <a:avLst/>
+          </a:prstGeom>
+          <a:ln w="19050">
+            <a:solidFill>
+              <a:schemeClr val="bg1"/>
+            </a:solidFill>
+            <a:tailEnd type="triangle"/>
+          </a:ln>
+        </p:spPr>
+        <p:style>
+          <a:lnRef idx="1">
+            <a:schemeClr val="accent1"/>
+          </a:lnRef>
+          <a:fillRef idx="0">
+            <a:schemeClr val="accent1"/>
+          </a:fillRef>
+          <a:effectRef idx="0">
+            <a:schemeClr val="accent1"/>
+          </a:effectRef>
+          <a:fontRef idx="minor">
+            <a:schemeClr val="tx1"/>
+          </a:fontRef>
+        </p:style>
+      </p:cxnSp>
+      <p:sp>
+        <p:nvSpPr>
+          <p:cNvPr id="29" name="圆角矩形 3">
+            <a:extLst>
+              <a:ext uri="{FF2B5EF4-FFF2-40B4-BE49-F238E27FC236}">
+                <a16:creationId xmlns:a16="http://schemas.microsoft.com/office/drawing/2014/main" id="{7377674A-DD73-975B-3E52-9CEDF15B6BD7}"/>
+              </a:ext>
+            </a:extLst>
+          </p:cNvPr>
+          <p:cNvSpPr/>
+          <p:nvPr/>
+        </p:nvSpPr>
+        <p:spPr>
+          <a:xfrm>
+            <a:off x="1559989" y="3254656"/>
+            <a:ext cx="3683383" cy="749141"/>
+          </a:xfrm>
+          <a:prstGeom prst="roundRect">
+            <a:avLst/>
+          </a:prstGeom>
+          <a:noFill/>
+          <a:ln w="19050">
+            <a:solidFill>
+              <a:schemeClr val="bg1"/>
+            </a:solidFill>
+          </a:ln>
+        </p:spPr>
+        <p:txBody>
+          <a:bodyPr wrap="none">
+            <a:spAutoFit/>
+          </a:bodyPr>
+          <a:lstStyle/>
+          <a:p>
+            <a:pPr algn="ctr"/>
+            <a:r>
+              <a:rPr lang="en-US" altLang="zh-CN" sz="1600" dirty="0">
+                <a:solidFill>
+                  <a:schemeClr val="bg1"/>
+                </a:solidFill>
+                <a:latin typeface="Times New Roman" panose="02020603050405020304" pitchFamily="18" charset="0"/>
+                <a:cs typeface="Times New Roman" panose="02020603050405020304" pitchFamily="18" charset="0"/>
+              </a:rPr>
+              <a:t>Calculate Group Mean</a:t>
+            </a:r>
+          </a:p>
+          <a:p>
+            <a:pPr algn="ctr"/>
+            <a:r>
+              <a:rPr lang="en-US" altLang="zh-CN" sz="1200" dirty="0">
+                <a:solidFill>
+                  <a:schemeClr val="bg1"/>
+                </a:solidFill>
+                <a:latin typeface="Times New Roman" panose="02020603050405020304" pitchFamily="18" charset="0"/>
+                <a:cs typeface="Times New Roman" panose="02020603050405020304" pitchFamily="18" charset="0"/>
+              </a:rPr>
+              <a:t>based on 6 outcome variables and 2 baseline conditions</a:t>
+            </a:r>
+          </a:p>
+          <a:p>
+            <a:pPr algn="ctr"/>
+            <a:r>
+              <a:rPr lang="en-US" altLang="zh-CN" sz="1000" dirty="0">
+                <a:solidFill>
+                  <a:schemeClr val="bg1"/>
+                </a:solidFill>
+                <a:latin typeface="Times New Roman" panose="02020603050405020304" pitchFamily="18" charset="0"/>
+                <a:cs typeface="Times New Roman" panose="02020603050405020304" pitchFamily="18" charset="0"/>
+              </a:rPr>
+              <a:t>(</a:t>
+            </a:r>
+            <a:r>
+              <a:rPr lang="en-US" altLang="zh-CN" sz="1000" i="1" dirty="0">
+                <a:solidFill>
+                  <a:schemeClr val="bg1"/>
+                </a:solidFill>
+                <a:latin typeface="Times New Roman" panose="02020603050405020304" pitchFamily="18" charset="0"/>
+                <a:cs typeface="Times New Roman" panose="02020603050405020304" pitchFamily="18" charset="0"/>
+              </a:rPr>
+              <a:t>Close, Stranger</a:t>
+            </a:r>
+            <a:r>
+              <a:rPr lang="en-US" altLang="zh-CN" sz="1000" dirty="0">
+                <a:solidFill>
+                  <a:schemeClr val="bg1"/>
+                </a:solidFill>
+                <a:latin typeface="Times New Roman" panose="02020603050405020304" pitchFamily="18" charset="0"/>
+                <a:cs typeface="Times New Roman" panose="02020603050405020304" pitchFamily="18" charset="0"/>
+              </a:rPr>
+              <a:t>)</a:t>
+            </a:r>
+            <a:r>
+              <a:rPr lang="en-US" altLang="zh-CN" sz="1000" i="1" dirty="0">
+                <a:solidFill>
+                  <a:schemeClr val="bg1"/>
+                </a:solidFill>
+                <a:latin typeface="Times New Roman" panose="02020603050405020304" pitchFamily="18" charset="0"/>
+                <a:cs typeface="Times New Roman" panose="02020603050405020304" pitchFamily="18" charset="0"/>
+              </a:rPr>
+              <a:t>*</a:t>
+            </a:r>
+          </a:p>
+        </p:txBody>
+      </p:sp>
+      <p:sp>
+        <p:nvSpPr>
+          <p:cNvPr id="31" name="矩形 30">
+            <a:extLst>
+              <a:ext uri="{FF2B5EF4-FFF2-40B4-BE49-F238E27FC236}">
+                <a16:creationId xmlns:a16="http://schemas.microsoft.com/office/drawing/2014/main" id="{0CA91577-47B4-4BA2-64EB-6798A591244F}"/>
+              </a:ext>
+            </a:extLst>
+          </p:cNvPr>
+          <p:cNvSpPr/>
+          <p:nvPr/>
+        </p:nvSpPr>
+        <p:spPr>
+          <a:xfrm>
+            <a:off x="1919516" y="2379814"/>
+            <a:ext cx="2775711" cy="572168"/>
+          </a:xfrm>
+          <a:prstGeom prst="rect">
+            <a:avLst/>
+          </a:prstGeom>
+          <a:noFill/>
+          <a:ln w="28575">
+            <a:noFill/>
+          </a:ln>
+        </p:spPr>
+        <p:style>
+          <a:lnRef idx="2">
+            <a:schemeClr val="accent1">
+              <a:shade val="50000"/>
+            </a:schemeClr>
+          </a:lnRef>
+          <a:fillRef idx="1">
+            <a:schemeClr val="accent1"/>
+          </a:fillRef>
+          <a:effectRef idx="0">
+            <a:schemeClr val="accent1"/>
+          </a:effectRef>
+          <a:fontRef idx="minor">
+            <a:schemeClr val="lt1"/>
+          </a:fontRef>
+        </p:style>
+        <p:txBody>
+          <a:bodyPr rtlCol="0" anchor="ctr"/>
+          <a:lstStyle/>
+          <a:p>
+            <a:pPr algn="ctr"/>
+            <a:r>
+              <a:rPr lang="en-US" altLang="zh-CN" sz="2000" b="1" dirty="0">
+                <a:solidFill>
+                  <a:schemeClr val="bg1"/>
+                </a:solidFill>
+                <a:latin typeface="Times New Roman" panose="02020603050405020304" pitchFamily="18" charset="0"/>
+                <a:cs typeface="Times New Roman" panose="02020603050405020304" pitchFamily="18" charset="0"/>
+              </a:rPr>
+              <a:t>Group Level</a:t>
+            </a:r>
+            <a:endParaRPr lang="zh-CN" altLang="en-US" sz="2000" b="1" dirty="0">
+              <a:solidFill>
+                <a:schemeClr val="bg1"/>
+              </a:solidFill>
+              <a:latin typeface="Times New Roman" panose="02020603050405020304" pitchFamily="18" charset="0"/>
+              <a:cs typeface="Times New Roman" panose="02020603050405020304" pitchFamily="18" charset="0"/>
+            </a:endParaRPr>
+          </a:p>
+        </p:txBody>
+      </p:sp>
+      <p:sp>
+        <p:nvSpPr>
+          <p:cNvPr id="35" name="矩形: 圆角 34">
+            <a:extLst>
+              <a:ext uri="{FF2B5EF4-FFF2-40B4-BE49-F238E27FC236}">
+                <a16:creationId xmlns:a16="http://schemas.microsoft.com/office/drawing/2014/main" id="{DD4FE92C-FC85-24D9-5B05-244B108E4576}"/>
+              </a:ext>
+            </a:extLst>
+          </p:cNvPr>
+          <p:cNvSpPr/>
+          <p:nvPr/>
+        </p:nvSpPr>
+        <p:spPr>
+          <a:xfrm>
+            <a:off x="1285877" y="2988397"/>
+            <a:ext cx="4324345" cy="3755304"/>
+          </a:xfrm>
+          <a:prstGeom prst="roundRect">
+            <a:avLst/>
+          </a:prstGeom>
+          <a:noFill/>
+          <a:ln w="38100">
+            <a:solidFill>
+              <a:schemeClr val="bg1"/>
+            </a:solidFill>
+            <a:prstDash val="dash"/>
+          </a:ln>
+        </p:spPr>
+        <p:style>
+          <a:lnRef idx="2">
+            <a:schemeClr val="accent1">
+              <a:shade val="50000"/>
+            </a:schemeClr>
+          </a:lnRef>
+          <a:fillRef idx="1">
+            <a:schemeClr val="accent1"/>
+          </a:fillRef>
+          <a:effectRef idx="0">
+            <a:schemeClr val="accent1"/>
+          </a:effectRef>
+          <a:fontRef idx="minor">
+            <a:schemeClr val="lt1"/>
+          </a:fontRef>
+        </p:style>
+        <p:txBody>
+          <a:bodyPr rtlCol="0" anchor="ctr"/>
+          <a:lstStyle/>
+          <a:p>
+            <a:pPr algn="ctr"/>
+            <a:endParaRPr lang="zh-CN" altLang="en-US">
+              <a:solidFill>
+                <a:schemeClr val="bg1"/>
+              </a:solidFill>
+            </a:endParaRPr>
+          </a:p>
+        </p:txBody>
+      </p:sp>
+      <p:sp>
+        <p:nvSpPr>
+          <p:cNvPr id="36" name="矩形: 圆角 35">
+            <a:extLst>
+              <a:ext uri="{FF2B5EF4-FFF2-40B4-BE49-F238E27FC236}">
+                <a16:creationId xmlns:a16="http://schemas.microsoft.com/office/drawing/2014/main" id="{A06A866A-16FC-964E-CC17-220F81F91C60}"/>
+              </a:ext>
+            </a:extLst>
+          </p:cNvPr>
+          <p:cNvSpPr/>
+          <p:nvPr/>
+        </p:nvSpPr>
+        <p:spPr>
+          <a:xfrm>
+            <a:off x="6630194" y="2988397"/>
+            <a:ext cx="5286375" cy="3763806"/>
+          </a:xfrm>
+          <a:prstGeom prst="roundRect">
+            <a:avLst/>
+          </a:prstGeom>
+          <a:noFill/>
+          <a:ln w="38100">
+            <a:solidFill>
+              <a:schemeClr val="bg1"/>
+            </a:solidFill>
+            <a:prstDash val="dash"/>
+          </a:ln>
+        </p:spPr>
+        <p:style>
+          <a:lnRef idx="2">
+            <a:schemeClr val="accent1">
+              <a:shade val="50000"/>
+            </a:schemeClr>
+          </a:lnRef>
+          <a:fillRef idx="1">
+            <a:schemeClr val="accent1"/>
+          </a:fillRef>
+          <a:effectRef idx="0">
+            <a:schemeClr val="accent1"/>
+          </a:effectRef>
+          <a:fontRef idx="minor">
+            <a:schemeClr val="lt1"/>
+          </a:fontRef>
+        </p:style>
+        <p:txBody>
+          <a:bodyPr rtlCol="0" anchor="ctr"/>
+          <a:lstStyle/>
+          <a:p>
+            <a:pPr algn="ctr"/>
+            <a:endParaRPr lang="zh-CN" altLang="en-US">
+              <a:solidFill>
+                <a:schemeClr val="bg1"/>
+              </a:solidFill>
+            </a:endParaRPr>
+          </a:p>
+        </p:txBody>
+      </p:sp>
+    </p:spTree>
+    <p:extLst>
+      <p:ext uri="{BB962C8B-B14F-4D97-AF65-F5344CB8AC3E}">
+        <p14:creationId xmlns:p14="http://schemas.microsoft.com/office/powerpoint/2010/main" val="4004993759"/>
       </p:ext>
     </p:extLst>
   </p:cSld>

--- a/1_Protocol/1_2_Planned_Analysis/1_2_2_OUTPUT/Flow_Chart.pptx
+++ b/1_Protocol/1_2_Planned_Analysis/1_2_2_OUTPUT/Flow_Chart.pptx
@@ -5,14 +5,15 @@
     <p:sldMasterId id="2147483648" r:id="rId1"/>
   </p:sldMasterIdLst>
   <p:notesMasterIdLst>
-    <p:notesMasterId r:id="rId7"/>
+    <p:notesMasterId r:id="rId8"/>
   </p:notesMasterIdLst>
   <p:sldIdLst>
     <p:sldId id="256" r:id="rId2"/>
     <p:sldId id="257" r:id="rId3"/>
     <p:sldId id="258" r:id="rId4"/>
     <p:sldId id="259" r:id="rId5"/>
-    <p:sldId id="260" r:id="rId6"/>
+    <p:sldId id="261" r:id="rId6"/>
+    <p:sldId id="260" r:id="rId7"/>
   </p:sldIdLst>
   <p:sldSz cx="12192000" cy="6858000"/>
   <p:notesSz cx="6858000" cy="9144000"/>
@@ -232,7 +233,7 @@
           <a:p>
             <a:fld id="{6D1E7BF1-5C37-40DA-A35C-C8A73C85B1EE}" type="datetimeFigureOut">
               <a:rPr lang="zh-CN" altLang="en-US" smtClean="0"/>
-              <a:t>2023/9/27</a:t>
+              <a:t>2023/9/29</a:t>
             </a:fld>
             <a:endParaRPr lang="zh-CN" altLang="en-US"/>
           </a:p>
@@ -825,6 +826,90 @@
     </p:spTree>
     <p:extLst>
       <p:ext uri="{BB962C8B-B14F-4D97-AF65-F5344CB8AC3E}">
+        <p14:creationId xmlns:p14="http://schemas.microsoft.com/office/powerpoint/2010/main" val="2683850832"/>
+      </p:ext>
+    </p:extLst>
+  </p:cSld>
+  <p:clrMapOvr>
+    <a:masterClrMapping/>
+  </p:clrMapOvr>
+</p:notes>
+</file>
+
+<file path=ppt/notesSlides/notesSlide5.xml><?xml version="1.0" encoding="utf-8"?>
+<p:notes xmlns:a="http://schemas.openxmlformats.org/drawingml/2006/main" xmlns:r="http://schemas.openxmlformats.org/officeDocument/2006/relationships" xmlns:p="http://schemas.openxmlformats.org/presentationml/2006/main">
+  <p:cSld>
+    <p:spTree>
+      <p:nvGrpSpPr>
+        <p:cNvPr id="1" name=""/>
+        <p:cNvGrpSpPr/>
+        <p:nvPr/>
+      </p:nvGrpSpPr>
+      <p:grpSpPr>
+        <a:xfrm>
+          <a:off x="0" y="0"/>
+          <a:ext cx="0" cy="0"/>
+          <a:chOff x="0" y="0"/>
+          <a:chExt cx="0" cy="0"/>
+        </a:xfrm>
+      </p:grpSpPr>
+      <p:sp>
+        <p:nvSpPr>
+          <p:cNvPr id="2" name="幻灯片图像占位符 1"/>
+          <p:cNvSpPr>
+            <a:spLocks noGrp="1" noRot="1" noChangeAspect="1"/>
+          </p:cNvSpPr>
+          <p:nvPr>
+            <p:ph type="sldImg"/>
+          </p:nvPr>
+        </p:nvSpPr>
+        <p:spPr/>
+      </p:sp>
+      <p:sp>
+        <p:nvSpPr>
+          <p:cNvPr id="3" name="备注占位符 2"/>
+          <p:cNvSpPr>
+            <a:spLocks noGrp="1"/>
+          </p:cNvSpPr>
+          <p:nvPr>
+            <p:ph type="body" idx="1"/>
+          </p:nvPr>
+        </p:nvSpPr>
+        <p:spPr/>
+        <p:txBody>
+          <a:bodyPr/>
+          <a:lstStyle/>
+          <a:p>
+            <a:endParaRPr lang="zh-CN" altLang="en-US" dirty="0"/>
+          </a:p>
+        </p:txBody>
+      </p:sp>
+      <p:sp>
+        <p:nvSpPr>
+          <p:cNvPr id="4" name="灯片编号占位符 3"/>
+          <p:cNvSpPr>
+            <a:spLocks noGrp="1"/>
+          </p:cNvSpPr>
+          <p:nvPr>
+            <p:ph type="sldNum" sz="quarter" idx="5"/>
+          </p:nvPr>
+        </p:nvSpPr>
+        <p:spPr/>
+        <p:txBody>
+          <a:bodyPr/>
+          <a:lstStyle/>
+          <a:p>
+            <a:fld id="{21434C06-EBD8-4458-A2C5-E8CF0354291F}" type="slidenum">
+              <a:rPr lang="zh-CN" altLang="en-US" smtClean="0"/>
+              <a:t>6</a:t>
+            </a:fld>
+            <a:endParaRPr lang="zh-CN" altLang="en-US"/>
+          </a:p>
+        </p:txBody>
+      </p:sp>
+    </p:spTree>
+    <p:extLst>
+      <p:ext uri="{BB962C8B-B14F-4D97-AF65-F5344CB8AC3E}">
         <p14:creationId xmlns:p14="http://schemas.microsoft.com/office/powerpoint/2010/main" val="1372927178"/>
       </p:ext>
     </p:extLst>
@@ -966,7 +1051,7 @@
           <a:p>
             <a:fld id="{6E3B42F8-6E75-4811-AA9B-137B925DD217}" type="datetimeFigureOut">
               <a:rPr lang="zh-TW" altLang="en-US" smtClean="0"/>
-              <a:t>2023/9/27</a:t>
+              <a:t>2023/9/29</a:t>
             </a:fld>
             <a:endParaRPr lang="zh-TW" altLang="en-US"/>
           </a:p>
@@ -1136,7 +1221,7 @@
           <a:p>
             <a:fld id="{6E3B42F8-6E75-4811-AA9B-137B925DD217}" type="datetimeFigureOut">
               <a:rPr lang="zh-TW" altLang="en-US" smtClean="0"/>
-              <a:t>2023/9/27</a:t>
+              <a:t>2023/9/29</a:t>
             </a:fld>
             <a:endParaRPr lang="zh-TW" altLang="en-US"/>
           </a:p>
@@ -1316,7 +1401,7 @@
           <a:p>
             <a:fld id="{6E3B42F8-6E75-4811-AA9B-137B925DD217}" type="datetimeFigureOut">
               <a:rPr lang="zh-TW" altLang="en-US" smtClean="0"/>
-              <a:t>2023/9/27</a:t>
+              <a:t>2023/9/29</a:t>
             </a:fld>
             <a:endParaRPr lang="zh-TW" altLang="en-US"/>
           </a:p>
@@ -1486,7 +1571,7 @@
           <a:p>
             <a:fld id="{6E3B42F8-6E75-4811-AA9B-137B925DD217}" type="datetimeFigureOut">
               <a:rPr lang="zh-TW" altLang="en-US" smtClean="0"/>
-              <a:t>2023/9/27</a:t>
+              <a:t>2023/9/29</a:t>
             </a:fld>
             <a:endParaRPr lang="zh-TW" altLang="en-US"/>
           </a:p>
@@ -1732,7 +1817,7 @@
           <a:p>
             <a:fld id="{6E3B42F8-6E75-4811-AA9B-137B925DD217}" type="datetimeFigureOut">
               <a:rPr lang="zh-TW" altLang="en-US" smtClean="0"/>
-              <a:t>2023/9/27</a:t>
+              <a:t>2023/9/29</a:t>
             </a:fld>
             <a:endParaRPr lang="zh-TW" altLang="en-US"/>
           </a:p>
@@ -1964,7 +2049,7 @@
           <a:p>
             <a:fld id="{6E3B42F8-6E75-4811-AA9B-137B925DD217}" type="datetimeFigureOut">
               <a:rPr lang="zh-TW" altLang="en-US" smtClean="0"/>
-              <a:t>2023/9/27</a:t>
+              <a:t>2023/9/29</a:t>
             </a:fld>
             <a:endParaRPr lang="zh-TW" altLang="en-US"/>
           </a:p>
@@ -2331,7 +2416,7 @@
           <a:p>
             <a:fld id="{6E3B42F8-6E75-4811-AA9B-137B925DD217}" type="datetimeFigureOut">
               <a:rPr lang="zh-TW" altLang="en-US" smtClean="0"/>
-              <a:t>2023/9/27</a:t>
+              <a:t>2023/9/29</a:t>
             </a:fld>
             <a:endParaRPr lang="zh-TW" altLang="en-US"/>
           </a:p>
@@ -2449,7 +2534,7 @@
           <a:p>
             <a:fld id="{6E3B42F8-6E75-4811-AA9B-137B925DD217}" type="datetimeFigureOut">
               <a:rPr lang="zh-TW" altLang="en-US" smtClean="0"/>
-              <a:t>2023/9/27</a:t>
+              <a:t>2023/9/29</a:t>
             </a:fld>
             <a:endParaRPr lang="zh-TW" altLang="en-US"/>
           </a:p>
@@ -2544,7 +2629,7 @@
           <a:p>
             <a:fld id="{6E3B42F8-6E75-4811-AA9B-137B925DD217}" type="datetimeFigureOut">
               <a:rPr lang="zh-TW" altLang="en-US" smtClean="0"/>
-              <a:t>2023/9/27</a:t>
+              <a:t>2023/9/29</a:t>
             </a:fld>
             <a:endParaRPr lang="zh-TW" altLang="en-US"/>
           </a:p>
@@ -2821,7 +2906,7 @@
           <a:p>
             <a:fld id="{6E3B42F8-6E75-4811-AA9B-137B925DD217}" type="datetimeFigureOut">
               <a:rPr lang="zh-TW" altLang="en-US" smtClean="0"/>
-              <a:t>2023/9/27</a:t>
+              <a:t>2023/9/29</a:t>
             </a:fld>
             <a:endParaRPr lang="zh-TW" altLang="en-US"/>
           </a:p>
@@ -3074,7 +3159,7 @@
           <a:p>
             <a:fld id="{6E3B42F8-6E75-4811-AA9B-137B925DD217}" type="datetimeFigureOut">
               <a:rPr lang="zh-TW" altLang="en-US" smtClean="0"/>
-              <a:t>2023/9/27</a:t>
+              <a:t>2023/9/29</a:t>
             </a:fld>
             <a:endParaRPr lang="zh-TW" altLang="en-US"/>
           </a:p>
@@ -3287,7 +3372,7 @@
           <a:p>
             <a:fld id="{6E3B42F8-6E75-4811-AA9B-137B925DD217}" type="datetimeFigureOut">
               <a:rPr lang="zh-TW" altLang="en-US" smtClean="0"/>
-              <a:t>2023/9/27</a:t>
+              <a:t>2023/9/29</a:t>
             </a:fld>
             <a:endParaRPr lang="zh-TW" altLang="en-US"/>
           </a:p>
@@ -7973,6 +8058,1377 @@
 </file>
 
 <file path=ppt/slides/slide5.xml><?xml version="1.0" encoding="utf-8"?>
+<p:sld xmlns:a="http://schemas.openxmlformats.org/drawingml/2006/main" xmlns:r="http://schemas.openxmlformats.org/officeDocument/2006/relationships" xmlns:p="http://schemas.openxmlformats.org/presentationml/2006/main">
+  <p:cSld>
+    <p:spTree>
+      <p:nvGrpSpPr>
+        <p:cNvPr id="1" name=""/>
+        <p:cNvGrpSpPr/>
+        <p:nvPr/>
+      </p:nvGrpSpPr>
+      <p:grpSpPr>
+        <a:xfrm>
+          <a:off x="0" y="0"/>
+          <a:ext cx="0" cy="0"/>
+          <a:chOff x="0" y="0"/>
+          <a:chExt cx="0" cy="0"/>
+        </a:xfrm>
+      </p:grpSpPr>
+      <p:sp>
+        <p:nvSpPr>
+          <p:cNvPr id="2" name="文本框 1"/>
+          <p:cNvSpPr txBox="1"/>
+          <p:nvPr/>
+        </p:nvSpPr>
+        <p:spPr>
+          <a:xfrm>
+            <a:off x="5101727" y="124847"/>
+            <a:ext cx="2020205" cy="374571"/>
+          </a:xfrm>
+          <a:prstGeom prst="roundRect">
+            <a:avLst/>
+          </a:prstGeom>
+          <a:noFill/>
+          <a:ln w="19050">
+            <a:solidFill>
+              <a:srgbClr val="0CA09D"/>
+            </a:solidFill>
+          </a:ln>
+        </p:spPr>
+        <p:txBody>
+          <a:bodyPr wrap="square" rtlCol="0">
+            <a:spAutoFit/>
+          </a:bodyPr>
+          <a:lstStyle/>
+          <a:p>
+            <a:pPr algn="ctr"/>
+            <a:r>
+              <a:rPr lang="en-US" altLang="zh-CN" sz="1600" dirty="0">
+                <a:solidFill>
+                  <a:srgbClr val="0CA09D"/>
+                </a:solidFill>
+                <a:latin typeface="Times New Roman" panose="02020603050405020304" pitchFamily="18" charset="0"/>
+                <a:cs typeface="Times New Roman" panose="02020603050405020304" pitchFamily="18" charset="0"/>
+              </a:rPr>
+              <a:t>Collect Open Data</a:t>
+            </a:r>
+            <a:endParaRPr lang="zh-TW" altLang="en-US" sz="1600" dirty="0">
+              <a:solidFill>
+                <a:srgbClr val="0CA09D"/>
+              </a:solidFill>
+              <a:latin typeface="Times New Roman" panose="02020603050405020304" pitchFamily="18" charset="0"/>
+              <a:cs typeface="Times New Roman" panose="02020603050405020304" pitchFamily="18" charset="0"/>
+            </a:endParaRPr>
+          </a:p>
+        </p:txBody>
+      </p:sp>
+      <p:sp>
+        <p:nvSpPr>
+          <p:cNvPr id="4" name="圆角矩形 3"/>
+          <p:cNvSpPr/>
+          <p:nvPr/>
+        </p:nvSpPr>
+        <p:spPr>
+          <a:xfrm>
+            <a:off x="5304466" y="1031685"/>
+            <a:ext cx="1614728" cy="374571"/>
+          </a:xfrm>
+          <a:prstGeom prst="roundRect">
+            <a:avLst/>
+          </a:prstGeom>
+          <a:noFill/>
+          <a:ln w="19050">
+            <a:solidFill>
+              <a:srgbClr val="0CA09D"/>
+            </a:solidFill>
+          </a:ln>
+        </p:spPr>
+        <p:txBody>
+          <a:bodyPr wrap="none">
+            <a:spAutoFit/>
+          </a:bodyPr>
+          <a:lstStyle/>
+          <a:p>
+            <a:pPr algn="ctr"/>
+            <a:r>
+              <a:rPr lang="en-US" altLang="zh-CN" sz="1600" dirty="0">
+                <a:solidFill>
+                  <a:srgbClr val="0CA09D"/>
+                </a:solidFill>
+                <a:latin typeface="Times New Roman" panose="02020603050405020304" pitchFamily="18" charset="0"/>
+                <a:cs typeface="Times New Roman" panose="02020603050405020304" pitchFamily="18" charset="0"/>
+              </a:rPr>
+              <a:t>Pre-process Data</a:t>
+            </a:r>
+            <a:endParaRPr lang="zh-TW" altLang="en-US" sz="1600" dirty="0">
+              <a:solidFill>
+                <a:srgbClr val="0CA09D"/>
+              </a:solidFill>
+              <a:latin typeface="Times New Roman" panose="02020603050405020304" pitchFamily="18" charset="0"/>
+              <a:cs typeface="Times New Roman" panose="02020603050405020304" pitchFamily="18" charset="0"/>
+            </a:endParaRPr>
+          </a:p>
+        </p:txBody>
+      </p:sp>
+      <p:sp>
+        <p:nvSpPr>
+          <p:cNvPr id="5" name="文本框 4"/>
+          <p:cNvSpPr txBox="1"/>
+          <p:nvPr/>
+        </p:nvSpPr>
+        <p:spPr>
+          <a:xfrm>
+            <a:off x="4518975" y="1951098"/>
+            <a:ext cx="3185703" cy="578882"/>
+          </a:xfrm>
+          <a:prstGeom prst="roundRect">
+            <a:avLst/>
+          </a:prstGeom>
+          <a:noFill/>
+          <a:ln w="19050">
+            <a:solidFill>
+              <a:srgbClr val="0CA09D"/>
+            </a:solidFill>
+          </a:ln>
+        </p:spPr>
+        <p:txBody>
+          <a:bodyPr wrap="square" rtlCol="0">
+            <a:spAutoFit/>
+          </a:bodyPr>
+          <a:lstStyle/>
+          <a:p>
+            <a:pPr algn="ctr"/>
+            <a:r>
+              <a:rPr lang="en-US" altLang="zh-CN" sz="1600" dirty="0">
+                <a:solidFill>
+                  <a:srgbClr val="0CA09D"/>
+                </a:solidFill>
+                <a:latin typeface="Times New Roman" panose="02020603050405020304" pitchFamily="18" charset="0"/>
+                <a:cs typeface="Times New Roman" panose="02020603050405020304" pitchFamily="18" charset="0"/>
+              </a:rPr>
+              <a:t>Calculate 6 Outcome Variables</a:t>
+            </a:r>
+          </a:p>
+          <a:p>
+            <a:pPr algn="ctr"/>
+            <a:r>
+              <a:rPr lang="en-US" altLang="zh-TW" sz="1200" dirty="0">
+                <a:solidFill>
+                  <a:srgbClr val="0CA09D"/>
+                </a:solidFill>
+                <a:latin typeface="Times New Roman" panose="02020603050405020304" pitchFamily="18" charset="0"/>
+                <a:ea typeface="Times New Roman" panose="02020603050405020304" pitchFamily="18" charset="0"/>
+                <a:cs typeface="Times New Roman" panose="02020603050405020304" pitchFamily="18" charset="0"/>
+              </a:rPr>
+              <a:t>(</a:t>
+            </a:r>
+            <a:r>
+              <a:rPr lang="en-US" altLang="zh-TW" sz="1200" i="1" dirty="0">
+                <a:solidFill>
+                  <a:srgbClr val="0CA09D"/>
+                </a:solidFill>
+                <a:latin typeface="Times New Roman" panose="02020603050405020304" pitchFamily="18" charset="0"/>
+                <a:ea typeface="Times New Roman" panose="02020603050405020304" pitchFamily="18" charset="0"/>
+                <a:cs typeface="Times New Roman" panose="02020603050405020304" pitchFamily="18" charset="0"/>
+              </a:rPr>
+              <a:t>RT, ACC, </a:t>
+            </a:r>
+            <a:r>
+              <a:rPr lang="en-US" altLang="zh-CN" sz="1200" i="1" dirty="0">
+                <a:solidFill>
+                  <a:srgbClr val="0CA09D"/>
+                </a:solidFill>
+                <a:latin typeface="Times New Roman" panose="02020603050405020304" pitchFamily="18" charset="0"/>
+                <a:ea typeface="Times New Roman" panose="02020603050405020304" pitchFamily="18" charset="0"/>
+                <a:cs typeface="Times New Roman" panose="02020603050405020304" pitchFamily="18" charset="0"/>
+              </a:rPr>
+              <a:t>d’</a:t>
+            </a:r>
+            <a:r>
+              <a:rPr lang="en-US" altLang="zh-TW" sz="1200" i="1" dirty="0">
+                <a:solidFill>
+                  <a:srgbClr val="0CA09D"/>
+                </a:solidFill>
+                <a:latin typeface="Times New Roman" panose="02020603050405020304" pitchFamily="18" charset="0"/>
+                <a:ea typeface="Times New Roman" panose="02020603050405020304" pitchFamily="18" charset="0"/>
+                <a:cs typeface="Times New Roman" panose="02020603050405020304" pitchFamily="18" charset="0"/>
+              </a:rPr>
+              <a:t>, </a:t>
+            </a:r>
+            <a:r>
+              <a:rPr lang="en-US" altLang="zh-CN" sz="1200" i="1" dirty="0">
+                <a:solidFill>
+                  <a:srgbClr val="0CA09D"/>
+                </a:solidFill>
+                <a:latin typeface="Times New Roman" panose="02020603050405020304" pitchFamily="18" charset="0"/>
+                <a:ea typeface="Times New Roman" panose="02020603050405020304" pitchFamily="18" charset="0"/>
+                <a:cs typeface="Times New Roman" panose="02020603050405020304" pitchFamily="18" charset="0"/>
+              </a:rPr>
+              <a:t>η</a:t>
+            </a:r>
+            <a:r>
+              <a:rPr lang="en-US" altLang="zh-TW" sz="1200" i="1" dirty="0">
+                <a:solidFill>
+                  <a:srgbClr val="0CA09D"/>
+                </a:solidFill>
+                <a:latin typeface="Times New Roman" panose="02020603050405020304" pitchFamily="18" charset="0"/>
+                <a:ea typeface="Times New Roman" panose="02020603050405020304" pitchFamily="18" charset="0"/>
+                <a:cs typeface="Times New Roman" panose="02020603050405020304" pitchFamily="18" charset="0"/>
+              </a:rPr>
+              <a:t>, v, z</a:t>
+            </a:r>
+            <a:r>
+              <a:rPr lang="en-US" altLang="zh-TW" sz="1200" dirty="0">
+                <a:solidFill>
+                  <a:srgbClr val="0CA09D"/>
+                </a:solidFill>
+                <a:latin typeface="Times New Roman" panose="02020603050405020304" pitchFamily="18" charset="0"/>
+                <a:ea typeface="Times New Roman" panose="02020603050405020304" pitchFamily="18" charset="0"/>
+                <a:cs typeface="Times New Roman" panose="02020603050405020304" pitchFamily="18" charset="0"/>
+              </a:rPr>
+              <a:t>)</a:t>
+            </a:r>
+          </a:p>
+        </p:txBody>
+      </p:sp>
+      <p:cxnSp>
+        <p:nvCxnSpPr>
+          <p:cNvPr id="17" name="直接箭头连接符 16"/>
+          <p:cNvCxnSpPr/>
+          <p:nvPr/>
+        </p:nvCxnSpPr>
+        <p:spPr>
+          <a:xfrm>
+            <a:off x="6096000" y="559743"/>
+            <a:ext cx="0" cy="414067"/>
+          </a:xfrm>
+          <a:prstGeom prst="straightConnector1">
+            <a:avLst/>
+          </a:prstGeom>
+          <a:ln w="19050">
+            <a:solidFill>
+              <a:srgbClr val="0CA09D"/>
+            </a:solidFill>
+            <a:tailEnd type="triangle"/>
+          </a:ln>
+        </p:spPr>
+        <p:style>
+          <a:lnRef idx="1">
+            <a:schemeClr val="accent1"/>
+          </a:lnRef>
+          <a:fillRef idx="0">
+            <a:schemeClr val="accent1"/>
+          </a:fillRef>
+          <a:effectRef idx="0">
+            <a:schemeClr val="accent1"/>
+          </a:effectRef>
+          <a:fontRef idx="minor">
+            <a:schemeClr val="tx1"/>
+          </a:fontRef>
+        </p:style>
+      </p:cxnSp>
+      <p:cxnSp>
+        <p:nvCxnSpPr>
+          <p:cNvPr id="18" name="直接箭头连接符 17"/>
+          <p:cNvCxnSpPr/>
+          <p:nvPr/>
+        </p:nvCxnSpPr>
+        <p:spPr>
+          <a:xfrm>
+            <a:off x="6099175" y="1461712"/>
+            <a:ext cx="0" cy="414067"/>
+          </a:xfrm>
+          <a:prstGeom prst="straightConnector1">
+            <a:avLst/>
+          </a:prstGeom>
+          <a:ln w="19050">
+            <a:solidFill>
+              <a:srgbClr val="0CA09D"/>
+            </a:solidFill>
+            <a:tailEnd type="triangle"/>
+          </a:ln>
+        </p:spPr>
+        <p:style>
+          <a:lnRef idx="1">
+            <a:schemeClr val="accent1"/>
+          </a:lnRef>
+          <a:fillRef idx="0">
+            <a:schemeClr val="accent1"/>
+          </a:fillRef>
+          <a:effectRef idx="0">
+            <a:schemeClr val="accent1"/>
+          </a:effectRef>
+          <a:fontRef idx="minor">
+            <a:schemeClr val="tx1"/>
+          </a:fontRef>
+        </p:style>
+      </p:cxnSp>
+      <p:sp>
+        <p:nvSpPr>
+          <p:cNvPr id="9" name="文本框 8"/>
+          <p:cNvSpPr txBox="1"/>
+          <p:nvPr/>
+        </p:nvSpPr>
+        <p:spPr>
+          <a:xfrm>
+            <a:off x="6906831" y="5930012"/>
+            <a:ext cx="2237170" cy="544830"/>
+          </a:xfrm>
+          <a:prstGeom prst="roundRect">
+            <a:avLst/>
+          </a:prstGeom>
+          <a:noFill/>
+          <a:ln w="19050">
+            <a:solidFill>
+              <a:srgbClr val="0CA09D"/>
+            </a:solidFill>
+          </a:ln>
+        </p:spPr>
+        <p:txBody>
+          <a:bodyPr wrap="square" rtlCol="0">
+            <a:spAutoFit/>
+          </a:bodyPr>
+          <a:lstStyle/>
+          <a:p>
+            <a:pPr algn="ctr"/>
+            <a:r>
+              <a:rPr lang="en-US" altLang="zh-TW" sz="1600" dirty="0">
+                <a:solidFill>
+                  <a:srgbClr val="0CA09D"/>
+                </a:solidFill>
+                <a:latin typeface="Times New Roman" panose="02020603050405020304" pitchFamily="18" charset="0"/>
+                <a:cs typeface="Times New Roman" panose="02020603050405020304" pitchFamily="18" charset="0"/>
+              </a:rPr>
+              <a:t>Plot SHR</a:t>
+            </a:r>
+          </a:p>
+          <a:p>
+            <a:pPr algn="ctr"/>
+            <a:r>
+              <a:rPr lang="en-US" altLang="zh-TW" sz="1000" dirty="0">
+                <a:solidFill>
+                  <a:srgbClr val="0CA09D"/>
+                </a:solidFill>
+                <a:latin typeface="Times New Roman" panose="02020603050405020304" pitchFamily="18" charset="0"/>
+                <a:cs typeface="Times New Roman" panose="02020603050405020304" pitchFamily="18" charset="0"/>
+              </a:rPr>
+              <a:t>(S</a:t>
+            </a:r>
+            <a:r>
+              <a:rPr lang="en-US" altLang="zh-CN" sz="1000" dirty="0">
+                <a:solidFill>
+                  <a:srgbClr val="0CA09D"/>
+                </a:solidFill>
+                <a:latin typeface="Times New Roman" panose="02020603050405020304" pitchFamily="18" charset="0"/>
+                <a:cs typeface="Times New Roman" panose="02020603050405020304" pitchFamily="18" charset="0"/>
+              </a:rPr>
+              <a:t>plit-Half Reliability)</a:t>
+            </a:r>
+            <a:endParaRPr lang="zh-TW" altLang="en-US" sz="1000" dirty="0">
+              <a:solidFill>
+                <a:srgbClr val="0CA09D"/>
+              </a:solidFill>
+              <a:latin typeface="Times New Roman" panose="02020603050405020304" pitchFamily="18" charset="0"/>
+              <a:cs typeface="Times New Roman" panose="02020603050405020304" pitchFamily="18" charset="0"/>
+            </a:endParaRPr>
+          </a:p>
+        </p:txBody>
+      </p:sp>
+      <p:cxnSp>
+        <p:nvCxnSpPr>
+          <p:cNvPr id="20" name="直接箭头连接符 19"/>
+          <p:cNvCxnSpPr/>
+          <p:nvPr/>
+        </p:nvCxnSpPr>
+        <p:spPr>
+          <a:xfrm>
+            <a:off x="8025417" y="5419970"/>
+            <a:ext cx="0" cy="414067"/>
+          </a:xfrm>
+          <a:prstGeom prst="straightConnector1">
+            <a:avLst/>
+          </a:prstGeom>
+          <a:ln w="19050">
+            <a:solidFill>
+              <a:srgbClr val="0CA09D"/>
+            </a:solidFill>
+            <a:tailEnd type="triangle"/>
+          </a:ln>
+        </p:spPr>
+        <p:style>
+          <a:lnRef idx="1">
+            <a:schemeClr val="accent1"/>
+          </a:lnRef>
+          <a:fillRef idx="0">
+            <a:schemeClr val="accent1"/>
+          </a:fillRef>
+          <a:effectRef idx="0">
+            <a:schemeClr val="accent1"/>
+          </a:effectRef>
+          <a:fontRef idx="minor">
+            <a:schemeClr val="tx1"/>
+          </a:fontRef>
+        </p:style>
+      </p:cxnSp>
+      <p:sp>
+        <p:nvSpPr>
+          <p:cNvPr id="8" name="文本框 7"/>
+          <p:cNvSpPr txBox="1"/>
+          <p:nvPr/>
+        </p:nvSpPr>
+        <p:spPr>
+          <a:xfrm>
+            <a:off x="9537167" y="5930012"/>
+            <a:ext cx="2071741" cy="544830"/>
+          </a:xfrm>
+          <a:prstGeom prst="roundRect">
+            <a:avLst/>
+          </a:prstGeom>
+          <a:noFill/>
+          <a:ln w="19050">
+            <a:solidFill>
+              <a:srgbClr val="0CA09D"/>
+            </a:solidFill>
+          </a:ln>
+        </p:spPr>
+        <p:txBody>
+          <a:bodyPr wrap="square" rtlCol="0">
+            <a:spAutoFit/>
+          </a:bodyPr>
+          <a:lstStyle/>
+          <a:p>
+            <a:pPr algn="ctr"/>
+            <a:r>
+              <a:rPr lang="en-US" altLang="zh-TW" sz="1600" dirty="0">
+                <a:solidFill>
+                  <a:srgbClr val="0CA09D"/>
+                </a:solidFill>
+                <a:latin typeface="Times New Roman" panose="02020603050405020304" pitchFamily="18" charset="0"/>
+                <a:cs typeface="Times New Roman" panose="02020603050405020304" pitchFamily="18" charset="0"/>
+              </a:rPr>
+              <a:t>Plot ICC</a:t>
+            </a:r>
+            <a:r>
+              <a:rPr lang="en-US" altLang="zh-CN" sz="1600" dirty="0">
+                <a:solidFill>
+                  <a:srgbClr val="0CA09D"/>
+                </a:solidFill>
+                <a:latin typeface="Times New Roman" panose="02020603050405020304" pitchFamily="18" charset="0"/>
+                <a:cs typeface="Times New Roman" panose="02020603050405020304" pitchFamily="18" charset="0"/>
+              </a:rPr>
+              <a:t>2</a:t>
+            </a:r>
+            <a:endParaRPr lang="en-US" altLang="zh-TW" sz="1600" dirty="0">
+              <a:solidFill>
+                <a:srgbClr val="0CA09D"/>
+              </a:solidFill>
+              <a:latin typeface="Times New Roman" panose="02020603050405020304" pitchFamily="18" charset="0"/>
+              <a:cs typeface="Times New Roman" panose="02020603050405020304" pitchFamily="18" charset="0"/>
+            </a:endParaRPr>
+          </a:p>
+          <a:p>
+            <a:pPr algn="ctr"/>
+            <a:r>
+              <a:rPr lang="en-US" altLang="zh-TW" sz="1000" dirty="0">
+                <a:solidFill>
+                  <a:srgbClr val="0CA09D"/>
+                </a:solidFill>
+                <a:latin typeface="Times New Roman" panose="02020603050405020304" pitchFamily="18" charset="0"/>
+                <a:cs typeface="Times New Roman" panose="02020603050405020304" pitchFamily="18" charset="0"/>
+              </a:rPr>
+              <a:t>(Intraclass Correlation Coefficient)</a:t>
+            </a:r>
+            <a:endParaRPr lang="zh-TW" altLang="en-US" sz="1000" dirty="0">
+              <a:solidFill>
+                <a:srgbClr val="0CA09D"/>
+              </a:solidFill>
+              <a:latin typeface="Times New Roman" panose="02020603050405020304" pitchFamily="18" charset="0"/>
+              <a:cs typeface="Times New Roman" panose="02020603050405020304" pitchFamily="18" charset="0"/>
+            </a:endParaRPr>
+          </a:p>
+        </p:txBody>
+      </p:sp>
+      <p:cxnSp>
+        <p:nvCxnSpPr>
+          <p:cNvPr id="23" name="直接箭头连接符 22"/>
+          <p:cNvCxnSpPr/>
+          <p:nvPr/>
+        </p:nvCxnSpPr>
+        <p:spPr>
+          <a:xfrm>
+            <a:off x="10585077" y="5408089"/>
+            <a:ext cx="0" cy="414067"/>
+          </a:xfrm>
+          <a:prstGeom prst="straightConnector1">
+            <a:avLst/>
+          </a:prstGeom>
+          <a:ln w="19050">
+            <a:solidFill>
+              <a:srgbClr val="0CA09D"/>
+            </a:solidFill>
+            <a:tailEnd type="triangle"/>
+          </a:ln>
+        </p:spPr>
+        <p:style>
+          <a:lnRef idx="1">
+            <a:schemeClr val="accent1"/>
+          </a:lnRef>
+          <a:fillRef idx="0">
+            <a:schemeClr val="accent1"/>
+          </a:fillRef>
+          <a:effectRef idx="0">
+            <a:schemeClr val="accent1"/>
+          </a:effectRef>
+          <a:fontRef idx="minor">
+            <a:schemeClr val="tx1"/>
+          </a:fontRef>
+        </p:style>
+      </p:cxnSp>
+      <p:sp>
+        <p:nvSpPr>
+          <p:cNvPr id="10" name="圆角矩形 3">
+            <a:extLst>
+              <a:ext uri="{FF2B5EF4-FFF2-40B4-BE49-F238E27FC236}">
+                <a16:creationId xmlns:a16="http://schemas.microsoft.com/office/drawing/2014/main" id="{981289ED-C0CE-69B1-7E09-40829F5AD45D}"/>
+              </a:ext>
+            </a:extLst>
+          </p:cNvPr>
+          <p:cNvSpPr/>
+          <p:nvPr/>
+        </p:nvSpPr>
+        <p:spPr>
+          <a:xfrm>
+            <a:off x="7378048" y="3243384"/>
+            <a:ext cx="3683383" cy="749141"/>
+          </a:xfrm>
+          <a:prstGeom prst="roundRect">
+            <a:avLst/>
+          </a:prstGeom>
+          <a:noFill/>
+          <a:ln w="19050">
+            <a:solidFill>
+              <a:srgbClr val="0CA09D"/>
+            </a:solidFill>
+          </a:ln>
+        </p:spPr>
+        <p:txBody>
+          <a:bodyPr wrap="none">
+            <a:spAutoFit/>
+          </a:bodyPr>
+          <a:lstStyle/>
+          <a:p>
+            <a:pPr algn="ctr"/>
+            <a:r>
+              <a:rPr lang="en-US" altLang="zh-CN" sz="1600" dirty="0">
+                <a:solidFill>
+                  <a:srgbClr val="0CA09D"/>
+                </a:solidFill>
+                <a:latin typeface="Times New Roman" panose="02020603050405020304" pitchFamily="18" charset="0"/>
+                <a:cs typeface="Times New Roman" panose="02020603050405020304" pitchFamily="18" charset="0"/>
+              </a:rPr>
+              <a:t>Calculate SPE measures</a:t>
+            </a:r>
+          </a:p>
+          <a:p>
+            <a:pPr algn="ctr"/>
+            <a:r>
+              <a:rPr lang="en-US" altLang="zh-CN" sz="1200" dirty="0">
+                <a:solidFill>
+                  <a:srgbClr val="0CA09D"/>
+                </a:solidFill>
+                <a:latin typeface="Times New Roman" panose="02020603050405020304" pitchFamily="18" charset="0"/>
+                <a:cs typeface="Times New Roman" panose="02020603050405020304" pitchFamily="18" charset="0"/>
+              </a:rPr>
+              <a:t>based on 6 outcome variables and 4 baseline conditions</a:t>
+            </a:r>
+          </a:p>
+          <a:p>
+            <a:pPr algn="ctr"/>
+            <a:r>
+              <a:rPr lang="en-US" altLang="zh-CN" sz="1000" i="1" dirty="0">
+                <a:solidFill>
+                  <a:srgbClr val="0CA09D"/>
+                </a:solidFill>
+                <a:latin typeface="Times New Roman" panose="02020603050405020304" pitchFamily="18" charset="0"/>
+                <a:cs typeface="Times New Roman" panose="02020603050405020304" pitchFamily="18" charset="0"/>
+              </a:rPr>
+              <a:t>(Close, Stranger, Celebrity, Nonperson)</a:t>
+            </a:r>
+          </a:p>
+        </p:txBody>
+      </p:sp>
+      <p:sp>
+        <p:nvSpPr>
+          <p:cNvPr id="7" name="文本框 6"/>
+          <p:cNvSpPr txBox="1"/>
+          <p:nvPr/>
+        </p:nvSpPr>
+        <p:spPr>
+          <a:xfrm>
+            <a:off x="6906830" y="4812841"/>
+            <a:ext cx="2237170" cy="544830"/>
+          </a:xfrm>
+          <a:prstGeom prst="roundRect">
+            <a:avLst/>
+          </a:prstGeom>
+          <a:noFill/>
+          <a:ln w="19050">
+            <a:solidFill>
+              <a:srgbClr val="0CA09D"/>
+            </a:solidFill>
+          </a:ln>
+        </p:spPr>
+        <p:txBody>
+          <a:bodyPr wrap="square" rtlCol="0">
+            <a:spAutoFit/>
+          </a:bodyPr>
+          <a:lstStyle/>
+          <a:p>
+            <a:pPr algn="ctr"/>
+            <a:r>
+              <a:rPr lang="en-US" altLang="zh-TW" sz="1600" dirty="0">
+                <a:solidFill>
+                  <a:srgbClr val="0CA09D"/>
+                </a:solidFill>
+                <a:latin typeface="Times New Roman" panose="02020603050405020304" pitchFamily="18" charset="0"/>
+                <a:cs typeface="Times New Roman" panose="02020603050405020304" pitchFamily="18" charset="0"/>
+              </a:rPr>
+              <a:t>Calculate SHR</a:t>
+            </a:r>
+          </a:p>
+          <a:p>
+            <a:pPr algn="ctr"/>
+            <a:r>
+              <a:rPr lang="en-US" altLang="zh-TW" sz="1000" dirty="0">
+                <a:solidFill>
+                  <a:srgbClr val="0CA09D"/>
+                </a:solidFill>
+                <a:latin typeface="Times New Roman" panose="02020603050405020304" pitchFamily="18" charset="0"/>
+                <a:cs typeface="Times New Roman" panose="02020603050405020304" pitchFamily="18" charset="0"/>
+              </a:rPr>
+              <a:t>(S</a:t>
+            </a:r>
+            <a:r>
+              <a:rPr lang="en-US" altLang="zh-CN" sz="1000" dirty="0">
+                <a:solidFill>
+                  <a:srgbClr val="0CA09D"/>
+                </a:solidFill>
+                <a:latin typeface="Times New Roman" panose="02020603050405020304" pitchFamily="18" charset="0"/>
+                <a:cs typeface="Times New Roman" panose="02020603050405020304" pitchFamily="18" charset="0"/>
+              </a:rPr>
+              <a:t>plit-Half Reliability)</a:t>
+            </a:r>
+            <a:endParaRPr lang="zh-TW" altLang="en-US" sz="1000" dirty="0">
+              <a:solidFill>
+                <a:srgbClr val="0CA09D"/>
+              </a:solidFill>
+              <a:latin typeface="Times New Roman" panose="02020603050405020304" pitchFamily="18" charset="0"/>
+              <a:cs typeface="Times New Roman" panose="02020603050405020304" pitchFamily="18" charset="0"/>
+            </a:endParaRPr>
+          </a:p>
+        </p:txBody>
+      </p:sp>
+      <p:cxnSp>
+        <p:nvCxnSpPr>
+          <p:cNvPr id="21" name="直接箭头连接符 20"/>
+          <p:cNvCxnSpPr>
+            <a:cxnSpLocks/>
+          </p:cNvCxnSpPr>
+          <p:nvPr/>
+        </p:nvCxnSpPr>
+        <p:spPr>
+          <a:xfrm flipH="1">
+            <a:off x="8025415" y="4070237"/>
+            <a:ext cx="461639" cy="712460"/>
+          </a:xfrm>
+          <a:prstGeom prst="straightConnector1">
+            <a:avLst/>
+          </a:prstGeom>
+          <a:ln w="19050">
+            <a:solidFill>
+              <a:srgbClr val="0CA09D"/>
+            </a:solidFill>
+            <a:tailEnd type="triangle"/>
+          </a:ln>
+        </p:spPr>
+        <p:style>
+          <a:lnRef idx="1">
+            <a:schemeClr val="accent1"/>
+          </a:lnRef>
+          <a:fillRef idx="0">
+            <a:schemeClr val="accent1"/>
+          </a:fillRef>
+          <a:effectRef idx="0">
+            <a:schemeClr val="accent1"/>
+          </a:effectRef>
+          <a:fontRef idx="minor">
+            <a:schemeClr val="tx1"/>
+          </a:fontRef>
+        </p:style>
+      </p:cxnSp>
+      <p:sp>
+        <p:nvSpPr>
+          <p:cNvPr id="30" name="文本框 29"/>
+          <p:cNvSpPr txBox="1"/>
+          <p:nvPr/>
+        </p:nvSpPr>
+        <p:spPr>
+          <a:xfrm rot="3266205">
+            <a:off x="10055445" y="4300485"/>
+            <a:ext cx="1189417" cy="400110"/>
+          </a:xfrm>
+          <a:prstGeom prst="rect">
+            <a:avLst/>
+          </a:prstGeom>
+          <a:noFill/>
+          <a:ln w="19050">
+            <a:noFill/>
+          </a:ln>
+        </p:spPr>
+        <p:txBody>
+          <a:bodyPr wrap="square" rtlCol="0">
+            <a:spAutoFit/>
+          </a:bodyPr>
+          <a:lstStyle/>
+          <a:p>
+            <a:r>
+              <a:rPr lang="en-US" altLang="zh-TW" sz="1000" dirty="0">
+                <a:solidFill>
+                  <a:srgbClr val="0CA09D"/>
+                </a:solidFill>
+                <a:latin typeface="Times New Roman" panose="02020603050405020304" pitchFamily="18" charset="0"/>
+                <a:cs typeface="Times New Roman" panose="02020603050405020304" pitchFamily="18" charset="0"/>
+              </a:rPr>
+              <a:t>If repeated</a:t>
+            </a:r>
+            <a:r>
+              <a:rPr lang="zh-CN" altLang="en-US" sz="1000" dirty="0">
+                <a:solidFill>
+                  <a:srgbClr val="0CA09D"/>
+                </a:solidFill>
+                <a:latin typeface="Times New Roman" panose="02020603050405020304" pitchFamily="18" charset="0"/>
+                <a:cs typeface="Times New Roman" panose="02020603050405020304" pitchFamily="18" charset="0"/>
+              </a:rPr>
+              <a:t> </a:t>
+            </a:r>
+            <a:endParaRPr lang="en-US" altLang="zh-CN" sz="1000" dirty="0">
+              <a:solidFill>
+                <a:srgbClr val="0CA09D"/>
+              </a:solidFill>
+              <a:latin typeface="Times New Roman" panose="02020603050405020304" pitchFamily="18" charset="0"/>
+              <a:cs typeface="Times New Roman" panose="02020603050405020304" pitchFamily="18" charset="0"/>
+            </a:endParaRPr>
+          </a:p>
+          <a:p>
+            <a:r>
+              <a:rPr lang="en-US" altLang="zh-CN" sz="1000" dirty="0">
+                <a:solidFill>
+                  <a:srgbClr val="0CA09D"/>
+                </a:solidFill>
+                <a:latin typeface="Times New Roman" panose="02020603050405020304" pitchFamily="18" charset="0"/>
+                <a:cs typeface="Times New Roman" panose="02020603050405020304" pitchFamily="18" charset="0"/>
+              </a:rPr>
+              <a:t>Administrated</a:t>
+            </a:r>
+            <a:endParaRPr lang="zh-TW" altLang="en-US" sz="1000" dirty="0">
+              <a:solidFill>
+                <a:srgbClr val="0CA09D"/>
+              </a:solidFill>
+              <a:latin typeface="Times New Roman" panose="02020603050405020304" pitchFamily="18" charset="0"/>
+              <a:cs typeface="Times New Roman" panose="02020603050405020304" pitchFamily="18" charset="0"/>
+            </a:endParaRPr>
+          </a:p>
+        </p:txBody>
+      </p:sp>
+      <p:cxnSp>
+        <p:nvCxnSpPr>
+          <p:cNvPr id="16" name="直接箭头连接符 15"/>
+          <p:cNvCxnSpPr>
+            <a:cxnSpLocks/>
+          </p:cNvCxnSpPr>
+          <p:nvPr/>
+        </p:nvCxnSpPr>
+        <p:spPr>
+          <a:xfrm>
+            <a:off x="10038303" y="4070237"/>
+            <a:ext cx="486485" cy="700682"/>
+          </a:xfrm>
+          <a:prstGeom prst="straightConnector1">
+            <a:avLst/>
+          </a:prstGeom>
+          <a:ln w="19050">
+            <a:solidFill>
+              <a:srgbClr val="0CA09D"/>
+            </a:solidFill>
+            <a:tailEnd type="triangle"/>
+          </a:ln>
+        </p:spPr>
+        <p:style>
+          <a:lnRef idx="1">
+            <a:schemeClr val="accent1"/>
+          </a:lnRef>
+          <a:fillRef idx="0">
+            <a:schemeClr val="accent1"/>
+          </a:fillRef>
+          <a:effectRef idx="0">
+            <a:schemeClr val="accent1"/>
+          </a:effectRef>
+          <a:fontRef idx="minor">
+            <a:schemeClr val="tx1"/>
+          </a:fontRef>
+        </p:style>
+      </p:cxnSp>
+      <p:sp>
+        <p:nvSpPr>
+          <p:cNvPr id="11" name="文本框 10">
+            <a:extLst>
+              <a:ext uri="{FF2B5EF4-FFF2-40B4-BE49-F238E27FC236}">
+                <a16:creationId xmlns:a16="http://schemas.microsoft.com/office/drawing/2014/main" id="{E2B7C293-069F-6DB5-6F3D-70BF7F9C5FA5}"/>
+              </a:ext>
+            </a:extLst>
+          </p:cNvPr>
+          <p:cNvSpPr txBox="1"/>
+          <p:nvPr/>
+        </p:nvSpPr>
+        <p:spPr>
+          <a:xfrm>
+            <a:off x="9507026" y="4801063"/>
+            <a:ext cx="2035524" cy="544830"/>
+          </a:xfrm>
+          <a:prstGeom prst="roundRect">
+            <a:avLst/>
+          </a:prstGeom>
+          <a:noFill/>
+          <a:ln w="19050">
+            <a:solidFill>
+              <a:srgbClr val="0CA09D"/>
+            </a:solidFill>
+          </a:ln>
+        </p:spPr>
+        <p:txBody>
+          <a:bodyPr wrap="square" rtlCol="0">
+            <a:spAutoFit/>
+          </a:bodyPr>
+          <a:lstStyle/>
+          <a:p>
+            <a:pPr algn="ctr"/>
+            <a:r>
+              <a:rPr lang="en-US" altLang="zh-TW" sz="1600" dirty="0">
+                <a:solidFill>
+                  <a:srgbClr val="0CA09D"/>
+                </a:solidFill>
+                <a:latin typeface="Times New Roman" panose="02020603050405020304" pitchFamily="18" charset="0"/>
+                <a:cs typeface="Times New Roman" panose="02020603050405020304" pitchFamily="18" charset="0"/>
+              </a:rPr>
+              <a:t>Calculate ICC</a:t>
+            </a:r>
+          </a:p>
+          <a:p>
+            <a:pPr algn="ctr"/>
+            <a:r>
+              <a:rPr lang="en-US" altLang="zh-TW" sz="1000" dirty="0">
+                <a:solidFill>
+                  <a:srgbClr val="0CA09D"/>
+                </a:solidFill>
+                <a:latin typeface="Times New Roman" panose="02020603050405020304" pitchFamily="18" charset="0"/>
+                <a:cs typeface="Times New Roman" panose="02020603050405020304" pitchFamily="18" charset="0"/>
+              </a:rPr>
+              <a:t>(Intraclass Correlation Coefficient)</a:t>
+            </a:r>
+            <a:endParaRPr lang="zh-TW" altLang="en-US" sz="1000" dirty="0">
+              <a:solidFill>
+                <a:srgbClr val="0CA09D"/>
+              </a:solidFill>
+              <a:latin typeface="Times New Roman" panose="02020603050405020304" pitchFamily="18" charset="0"/>
+              <a:cs typeface="Times New Roman" panose="02020603050405020304" pitchFamily="18" charset="0"/>
+            </a:endParaRPr>
+          </a:p>
+        </p:txBody>
+      </p:sp>
+      <p:sp>
+        <p:nvSpPr>
+          <p:cNvPr id="14" name="文本框 13">
+            <a:extLst>
+              <a:ext uri="{FF2B5EF4-FFF2-40B4-BE49-F238E27FC236}">
+                <a16:creationId xmlns:a16="http://schemas.microsoft.com/office/drawing/2014/main" id="{F1C4827E-B901-99D1-15C2-7A6D27D72AEE}"/>
+              </a:ext>
+            </a:extLst>
+          </p:cNvPr>
+          <p:cNvSpPr txBox="1"/>
+          <p:nvPr/>
+        </p:nvSpPr>
+        <p:spPr>
+          <a:xfrm>
+            <a:off x="2272315" y="5419970"/>
+            <a:ext cx="2237170" cy="646986"/>
+          </a:xfrm>
+          <a:prstGeom prst="roundRect">
+            <a:avLst/>
+          </a:prstGeom>
+          <a:noFill/>
+          <a:ln w="19050">
+            <a:solidFill>
+              <a:srgbClr val="0CA09D"/>
+            </a:solidFill>
+          </a:ln>
+        </p:spPr>
+        <p:txBody>
+          <a:bodyPr wrap="square" rtlCol="0">
+            <a:spAutoFit/>
+          </a:bodyPr>
+          <a:lstStyle/>
+          <a:p>
+            <a:pPr algn="ctr"/>
+            <a:r>
+              <a:rPr lang="en-US" altLang="zh-TW" sz="1600" dirty="0">
+                <a:solidFill>
+                  <a:srgbClr val="0CA09D"/>
+                </a:solidFill>
+                <a:latin typeface="Times New Roman" panose="02020603050405020304" pitchFamily="18" charset="0"/>
+                <a:cs typeface="Times New Roman" panose="02020603050405020304" pitchFamily="18" charset="0"/>
+              </a:rPr>
+              <a:t>M</a:t>
+            </a:r>
+            <a:r>
+              <a:rPr lang="en-US" altLang="zh-CN" sz="1600" dirty="0">
+                <a:solidFill>
+                  <a:srgbClr val="0CA09D"/>
+                </a:solidFill>
+                <a:latin typeface="Times New Roman" panose="02020603050405020304" pitchFamily="18" charset="0"/>
+                <a:cs typeface="Times New Roman" panose="02020603050405020304" pitchFamily="18" charset="0"/>
+              </a:rPr>
+              <a:t>eta-Analysis</a:t>
+            </a:r>
+          </a:p>
+          <a:p>
+            <a:pPr algn="ctr"/>
+            <a:r>
+              <a:rPr lang="en-US" altLang="zh-TW" sz="1600" dirty="0">
+                <a:solidFill>
+                  <a:srgbClr val="0CA09D"/>
+                </a:solidFill>
+                <a:latin typeface="Times New Roman" panose="02020603050405020304" pitchFamily="18" charset="0"/>
+                <a:cs typeface="Times New Roman" panose="02020603050405020304" pitchFamily="18" charset="0"/>
+              </a:rPr>
+              <a:t>Random Effect Model</a:t>
+            </a:r>
+            <a:endParaRPr lang="zh-TW" altLang="en-US" sz="1000" dirty="0">
+              <a:solidFill>
+                <a:srgbClr val="0CA09D"/>
+              </a:solidFill>
+              <a:latin typeface="Times New Roman" panose="02020603050405020304" pitchFamily="18" charset="0"/>
+              <a:cs typeface="Times New Roman" panose="02020603050405020304" pitchFamily="18" charset="0"/>
+            </a:endParaRPr>
+          </a:p>
+        </p:txBody>
+      </p:sp>
+      <p:sp>
+        <p:nvSpPr>
+          <p:cNvPr id="24" name="矩形 23">
+            <a:extLst>
+              <a:ext uri="{FF2B5EF4-FFF2-40B4-BE49-F238E27FC236}">
+                <a16:creationId xmlns:a16="http://schemas.microsoft.com/office/drawing/2014/main" id="{CD5286DF-06AF-7901-DBE0-3C23E1B4D8BE}"/>
+              </a:ext>
+            </a:extLst>
+          </p:cNvPr>
+          <p:cNvSpPr/>
+          <p:nvPr/>
+        </p:nvSpPr>
+        <p:spPr>
+          <a:xfrm>
+            <a:off x="7885524" y="2370060"/>
+            <a:ext cx="2775714" cy="572168"/>
+          </a:xfrm>
+          <a:prstGeom prst="rect">
+            <a:avLst/>
+          </a:prstGeom>
+          <a:noFill/>
+          <a:ln w="28575">
+            <a:noFill/>
+          </a:ln>
+        </p:spPr>
+        <p:style>
+          <a:lnRef idx="2">
+            <a:schemeClr val="accent1">
+              <a:shade val="50000"/>
+            </a:schemeClr>
+          </a:lnRef>
+          <a:fillRef idx="1">
+            <a:schemeClr val="accent1"/>
+          </a:fillRef>
+          <a:effectRef idx="0">
+            <a:schemeClr val="accent1"/>
+          </a:effectRef>
+          <a:fontRef idx="minor">
+            <a:schemeClr val="lt1"/>
+          </a:fontRef>
+        </p:style>
+        <p:txBody>
+          <a:bodyPr rtlCol="0" anchor="ctr"/>
+          <a:lstStyle/>
+          <a:p>
+            <a:pPr algn="ctr"/>
+            <a:r>
+              <a:rPr lang="en-US" altLang="zh-CN" sz="2000" b="1" dirty="0">
+                <a:solidFill>
+                  <a:srgbClr val="0CA09D"/>
+                </a:solidFill>
+                <a:latin typeface="Times New Roman" panose="02020603050405020304" pitchFamily="18" charset="0"/>
+                <a:cs typeface="Times New Roman" panose="02020603050405020304" pitchFamily="18" charset="0"/>
+              </a:rPr>
+              <a:t>Individual Level</a:t>
+            </a:r>
+            <a:endParaRPr lang="zh-CN" altLang="en-US" sz="2000" b="1" dirty="0">
+              <a:solidFill>
+                <a:srgbClr val="0CA09D"/>
+              </a:solidFill>
+              <a:latin typeface="Times New Roman" panose="02020603050405020304" pitchFamily="18" charset="0"/>
+              <a:cs typeface="Times New Roman" panose="02020603050405020304" pitchFamily="18" charset="0"/>
+            </a:endParaRPr>
+          </a:p>
+        </p:txBody>
+      </p:sp>
+      <p:cxnSp>
+        <p:nvCxnSpPr>
+          <p:cNvPr id="26" name="直接箭头连接符 25">
+            <a:extLst>
+              <a:ext uri="{FF2B5EF4-FFF2-40B4-BE49-F238E27FC236}">
+                <a16:creationId xmlns:a16="http://schemas.microsoft.com/office/drawing/2014/main" id="{00230E48-18CE-3602-8F7F-4DF0E70A21DF}"/>
+              </a:ext>
+            </a:extLst>
+          </p:cNvPr>
+          <p:cNvCxnSpPr>
+            <a:cxnSpLocks/>
+          </p:cNvCxnSpPr>
+          <p:nvPr/>
+        </p:nvCxnSpPr>
+        <p:spPr>
+          <a:xfrm>
+            <a:off x="3390900" y="4255914"/>
+            <a:ext cx="0" cy="930040"/>
+          </a:xfrm>
+          <a:prstGeom prst="straightConnector1">
+            <a:avLst/>
+          </a:prstGeom>
+          <a:ln w="19050">
+            <a:solidFill>
+              <a:srgbClr val="0CA09D"/>
+            </a:solidFill>
+            <a:tailEnd type="triangle"/>
+          </a:ln>
+        </p:spPr>
+        <p:style>
+          <a:lnRef idx="1">
+            <a:schemeClr val="accent1"/>
+          </a:lnRef>
+          <a:fillRef idx="0">
+            <a:schemeClr val="accent1"/>
+          </a:fillRef>
+          <a:effectRef idx="0">
+            <a:schemeClr val="accent1"/>
+          </a:effectRef>
+          <a:fontRef idx="minor">
+            <a:schemeClr val="tx1"/>
+          </a:fontRef>
+        </p:style>
+      </p:cxnSp>
+      <p:sp>
+        <p:nvSpPr>
+          <p:cNvPr id="29" name="圆角矩形 3">
+            <a:extLst>
+              <a:ext uri="{FF2B5EF4-FFF2-40B4-BE49-F238E27FC236}">
+                <a16:creationId xmlns:a16="http://schemas.microsoft.com/office/drawing/2014/main" id="{7377674A-DD73-975B-3E52-9CEDF15B6BD7}"/>
+              </a:ext>
+            </a:extLst>
+          </p:cNvPr>
+          <p:cNvSpPr/>
+          <p:nvPr/>
+        </p:nvSpPr>
+        <p:spPr>
+          <a:xfrm>
+            <a:off x="1559989" y="3254656"/>
+            <a:ext cx="3683383" cy="749141"/>
+          </a:xfrm>
+          <a:prstGeom prst="roundRect">
+            <a:avLst/>
+          </a:prstGeom>
+          <a:noFill/>
+          <a:ln w="19050">
+            <a:solidFill>
+              <a:srgbClr val="0CA09D"/>
+            </a:solidFill>
+          </a:ln>
+        </p:spPr>
+        <p:txBody>
+          <a:bodyPr wrap="none">
+            <a:spAutoFit/>
+          </a:bodyPr>
+          <a:lstStyle/>
+          <a:p>
+            <a:pPr algn="ctr"/>
+            <a:r>
+              <a:rPr lang="en-US" altLang="zh-CN" sz="1600" dirty="0">
+                <a:solidFill>
+                  <a:srgbClr val="0CA09D"/>
+                </a:solidFill>
+                <a:latin typeface="Times New Roman" panose="02020603050405020304" pitchFamily="18" charset="0"/>
+                <a:cs typeface="Times New Roman" panose="02020603050405020304" pitchFamily="18" charset="0"/>
+              </a:rPr>
+              <a:t>Calculate Group Mean</a:t>
+            </a:r>
+          </a:p>
+          <a:p>
+            <a:pPr algn="ctr"/>
+            <a:r>
+              <a:rPr lang="en-US" altLang="zh-CN" sz="1200" dirty="0">
+                <a:solidFill>
+                  <a:srgbClr val="0CA09D"/>
+                </a:solidFill>
+                <a:latin typeface="Times New Roman" panose="02020603050405020304" pitchFamily="18" charset="0"/>
+                <a:cs typeface="Times New Roman" panose="02020603050405020304" pitchFamily="18" charset="0"/>
+              </a:rPr>
+              <a:t>based on 6 outcome variables and 2 baseline conditions</a:t>
+            </a:r>
+          </a:p>
+          <a:p>
+            <a:pPr algn="ctr"/>
+            <a:r>
+              <a:rPr lang="en-US" altLang="zh-CN" sz="1000" dirty="0">
+                <a:solidFill>
+                  <a:srgbClr val="0CA09D"/>
+                </a:solidFill>
+                <a:latin typeface="Times New Roman" panose="02020603050405020304" pitchFamily="18" charset="0"/>
+                <a:cs typeface="Times New Roman" panose="02020603050405020304" pitchFamily="18" charset="0"/>
+              </a:rPr>
+              <a:t>(</a:t>
+            </a:r>
+            <a:r>
+              <a:rPr lang="en-US" altLang="zh-CN" sz="1000" i="1" dirty="0">
+                <a:solidFill>
+                  <a:srgbClr val="0CA09D"/>
+                </a:solidFill>
+                <a:latin typeface="Times New Roman" panose="02020603050405020304" pitchFamily="18" charset="0"/>
+                <a:cs typeface="Times New Roman" panose="02020603050405020304" pitchFamily="18" charset="0"/>
+              </a:rPr>
+              <a:t>Close, Stranger</a:t>
+            </a:r>
+            <a:r>
+              <a:rPr lang="en-US" altLang="zh-CN" sz="1000" dirty="0">
+                <a:solidFill>
+                  <a:srgbClr val="0CA09D"/>
+                </a:solidFill>
+                <a:latin typeface="Times New Roman" panose="02020603050405020304" pitchFamily="18" charset="0"/>
+                <a:cs typeface="Times New Roman" panose="02020603050405020304" pitchFamily="18" charset="0"/>
+              </a:rPr>
+              <a:t>)</a:t>
+            </a:r>
+            <a:r>
+              <a:rPr lang="en-US" altLang="zh-CN" sz="1000" i="1" dirty="0">
+                <a:solidFill>
+                  <a:srgbClr val="0CA09D"/>
+                </a:solidFill>
+                <a:latin typeface="Times New Roman" panose="02020603050405020304" pitchFamily="18" charset="0"/>
+                <a:cs typeface="Times New Roman" panose="02020603050405020304" pitchFamily="18" charset="0"/>
+              </a:rPr>
+              <a:t>*</a:t>
+            </a:r>
+          </a:p>
+        </p:txBody>
+      </p:sp>
+      <p:sp>
+        <p:nvSpPr>
+          <p:cNvPr id="31" name="矩形 30">
+            <a:extLst>
+              <a:ext uri="{FF2B5EF4-FFF2-40B4-BE49-F238E27FC236}">
+                <a16:creationId xmlns:a16="http://schemas.microsoft.com/office/drawing/2014/main" id="{0CA91577-47B4-4BA2-64EB-6798A591244F}"/>
+              </a:ext>
+            </a:extLst>
+          </p:cNvPr>
+          <p:cNvSpPr/>
+          <p:nvPr/>
+        </p:nvSpPr>
+        <p:spPr>
+          <a:xfrm>
+            <a:off x="1919516" y="2379814"/>
+            <a:ext cx="2775711" cy="572168"/>
+          </a:xfrm>
+          <a:prstGeom prst="rect">
+            <a:avLst/>
+          </a:prstGeom>
+          <a:noFill/>
+          <a:ln w="28575">
+            <a:noFill/>
+          </a:ln>
+        </p:spPr>
+        <p:style>
+          <a:lnRef idx="2">
+            <a:schemeClr val="accent1">
+              <a:shade val="50000"/>
+            </a:schemeClr>
+          </a:lnRef>
+          <a:fillRef idx="1">
+            <a:schemeClr val="accent1"/>
+          </a:fillRef>
+          <a:effectRef idx="0">
+            <a:schemeClr val="accent1"/>
+          </a:effectRef>
+          <a:fontRef idx="minor">
+            <a:schemeClr val="lt1"/>
+          </a:fontRef>
+        </p:style>
+        <p:txBody>
+          <a:bodyPr rtlCol="0" anchor="ctr"/>
+          <a:lstStyle/>
+          <a:p>
+            <a:pPr algn="ctr"/>
+            <a:r>
+              <a:rPr lang="en-US" altLang="zh-CN" sz="2000" b="1" dirty="0">
+                <a:solidFill>
+                  <a:srgbClr val="0CA09D"/>
+                </a:solidFill>
+                <a:latin typeface="Times New Roman" panose="02020603050405020304" pitchFamily="18" charset="0"/>
+                <a:cs typeface="Times New Roman" panose="02020603050405020304" pitchFamily="18" charset="0"/>
+              </a:rPr>
+              <a:t>Group Level</a:t>
+            </a:r>
+            <a:endParaRPr lang="zh-CN" altLang="en-US" sz="2000" b="1" dirty="0">
+              <a:solidFill>
+                <a:srgbClr val="0CA09D"/>
+              </a:solidFill>
+              <a:latin typeface="Times New Roman" panose="02020603050405020304" pitchFamily="18" charset="0"/>
+              <a:cs typeface="Times New Roman" panose="02020603050405020304" pitchFamily="18" charset="0"/>
+            </a:endParaRPr>
+          </a:p>
+        </p:txBody>
+      </p:sp>
+      <p:sp>
+        <p:nvSpPr>
+          <p:cNvPr id="35" name="矩形: 圆角 34">
+            <a:extLst>
+              <a:ext uri="{FF2B5EF4-FFF2-40B4-BE49-F238E27FC236}">
+                <a16:creationId xmlns:a16="http://schemas.microsoft.com/office/drawing/2014/main" id="{DD4FE92C-FC85-24D9-5B05-244B108E4576}"/>
+              </a:ext>
+            </a:extLst>
+          </p:cNvPr>
+          <p:cNvSpPr/>
+          <p:nvPr/>
+        </p:nvSpPr>
+        <p:spPr>
+          <a:xfrm>
+            <a:off x="1285877" y="2988397"/>
+            <a:ext cx="4324345" cy="3755304"/>
+          </a:xfrm>
+          <a:prstGeom prst="roundRect">
+            <a:avLst/>
+          </a:prstGeom>
+          <a:noFill/>
+          <a:ln w="38100">
+            <a:solidFill>
+              <a:srgbClr val="0CA09D"/>
+            </a:solidFill>
+            <a:prstDash val="dash"/>
+          </a:ln>
+        </p:spPr>
+        <p:style>
+          <a:lnRef idx="2">
+            <a:schemeClr val="accent1">
+              <a:shade val="50000"/>
+            </a:schemeClr>
+          </a:lnRef>
+          <a:fillRef idx="1">
+            <a:schemeClr val="accent1"/>
+          </a:fillRef>
+          <a:effectRef idx="0">
+            <a:schemeClr val="accent1"/>
+          </a:effectRef>
+          <a:fontRef idx="minor">
+            <a:schemeClr val="lt1"/>
+          </a:fontRef>
+        </p:style>
+        <p:txBody>
+          <a:bodyPr rtlCol="0" anchor="ctr"/>
+          <a:lstStyle/>
+          <a:p>
+            <a:pPr algn="ctr"/>
+            <a:endParaRPr lang="zh-CN" altLang="en-US">
+              <a:solidFill>
+                <a:srgbClr val="0CA09D"/>
+              </a:solidFill>
+            </a:endParaRPr>
+          </a:p>
+        </p:txBody>
+      </p:sp>
+      <p:sp>
+        <p:nvSpPr>
+          <p:cNvPr id="36" name="矩形: 圆角 35">
+            <a:extLst>
+              <a:ext uri="{FF2B5EF4-FFF2-40B4-BE49-F238E27FC236}">
+                <a16:creationId xmlns:a16="http://schemas.microsoft.com/office/drawing/2014/main" id="{A06A866A-16FC-964E-CC17-220F81F91C60}"/>
+              </a:ext>
+            </a:extLst>
+          </p:cNvPr>
+          <p:cNvSpPr/>
+          <p:nvPr/>
+        </p:nvSpPr>
+        <p:spPr>
+          <a:xfrm>
+            <a:off x="6630194" y="2988397"/>
+            <a:ext cx="5286375" cy="3763806"/>
+          </a:xfrm>
+          <a:prstGeom prst="roundRect">
+            <a:avLst/>
+          </a:prstGeom>
+          <a:noFill/>
+          <a:ln w="38100">
+            <a:solidFill>
+              <a:srgbClr val="0CA09D"/>
+            </a:solidFill>
+            <a:prstDash val="dash"/>
+          </a:ln>
+        </p:spPr>
+        <p:style>
+          <a:lnRef idx="2">
+            <a:schemeClr val="accent1">
+              <a:shade val="50000"/>
+            </a:schemeClr>
+          </a:lnRef>
+          <a:fillRef idx="1">
+            <a:schemeClr val="accent1"/>
+          </a:fillRef>
+          <a:effectRef idx="0">
+            <a:schemeClr val="accent1"/>
+          </a:effectRef>
+          <a:fontRef idx="minor">
+            <a:schemeClr val="lt1"/>
+          </a:fontRef>
+        </p:style>
+        <p:txBody>
+          <a:bodyPr rtlCol="0" anchor="ctr"/>
+          <a:lstStyle/>
+          <a:p>
+            <a:pPr algn="ctr"/>
+            <a:endParaRPr lang="zh-CN" altLang="en-US">
+              <a:solidFill>
+                <a:srgbClr val="0CA09D"/>
+              </a:solidFill>
+            </a:endParaRPr>
+          </a:p>
+        </p:txBody>
+      </p:sp>
+    </p:spTree>
+    <p:extLst>
+      <p:ext uri="{BB962C8B-B14F-4D97-AF65-F5344CB8AC3E}">
+        <p14:creationId xmlns:p14="http://schemas.microsoft.com/office/powerpoint/2010/main" val="1285693961"/>
+      </p:ext>
+    </p:extLst>
+  </p:cSld>
+  <p:clrMapOvr>
+    <a:masterClrMapping/>
+  </p:clrMapOvr>
+</p:sld>
+</file>
+
+<file path=ppt/slides/slide6.xml><?xml version="1.0" encoding="utf-8"?>
 <p:sld xmlns:a="http://schemas.openxmlformats.org/drawingml/2006/main" xmlns:r="http://schemas.openxmlformats.org/officeDocument/2006/relationships" xmlns:p="http://schemas.openxmlformats.org/presentationml/2006/main">
   <p:cSld>
     <p:bg>

--- a/1_Protocol/1_2_Planned_Analysis/1_2_2_OUTPUT/Flow_Chart.pptx
+++ b/1_Protocol/1_2_Planned_Analysis/1_2_2_OUTPUT/Flow_Chart.pptx
@@ -233,7 +233,7 @@
           <a:p>
             <a:fld id="{6D1E7BF1-5C37-40DA-A35C-C8A73C85B1EE}" type="datetimeFigureOut">
               <a:rPr lang="zh-CN" altLang="en-US" smtClean="0"/>
-              <a:t>2023/9/29</a:t>
+              <a:t>2023/10/24</a:t>
             </a:fld>
             <a:endParaRPr lang="zh-CN" altLang="en-US"/>
           </a:p>
@@ -1051,7 +1051,7 @@
           <a:p>
             <a:fld id="{6E3B42F8-6E75-4811-AA9B-137B925DD217}" type="datetimeFigureOut">
               <a:rPr lang="zh-TW" altLang="en-US" smtClean="0"/>
-              <a:t>2023/9/29</a:t>
+              <a:t>2023/10/24</a:t>
             </a:fld>
             <a:endParaRPr lang="zh-TW" altLang="en-US"/>
           </a:p>
@@ -1221,7 +1221,7 @@
           <a:p>
             <a:fld id="{6E3B42F8-6E75-4811-AA9B-137B925DD217}" type="datetimeFigureOut">
               <a:rPr lang="zh-TW" altLang="en-US" smtClean="0"/>
-              <a:t>2023/9/29</a:t>
+              <a:t>2023/10/24</a:t>
             </a:fld>
             <a:endParaRPr lang="zh-TW" altLang="en-US"/>
           </a:p>
@@ -1401,7 +1401,7 @@
           <a:p>
             <a:fld id="{6E3B42F8-6E75-4811-AA9B-137B925DD217}" type="datetimeFigureOut">
               <a:rPr lang="zh-TW" altLang="en-US" smtClean="0"/>
-              <a:t>2023/9/29</a:t>
+              <a:t>2023/10/24</a:t>
             </a:fld>
             <a:endParaRPr lang="zh-TW" altLang="en-US"/>
           </a:p>
@@ -1571,7 +1571,7 @@
           <a:p>
             <a:fld id="{6E3B42F8-6E75-4811-AA9B-137B925DD217}" type="datetimeFigureOut">
               <a:rPr lang="zh-TW" altLang="en-US" smtClean="0"/>
-              <a:t>2023/9/29</a:t>
+              <a:t>2023/10/24</a:t>
             </a:fld>
             <a:endParaRPr lang="zh-TW" altLang="en-US"/>
           </a:p>
@@ -1817,7 +1817,7 @@
           <a:p>
             <a:fld id="{6E3B42F8-6E75-4811-AA9B-137B925DD217}" type="datetimeFigureOut">
               <a:rPr lang="zh-TW" altLang="en-US" smtClean="0"/>
-              <a:t>2023/9/29</a:t>
+              <a:t>2023/10/24</a:t>
             </a:fld>
             <a:endParaRPr lang="zh-TW" altLang="en-US"/>
           </a:p>
@@ -2049,7 +2049,7 @@
           <a:p>
             <a:fld id="{6E3B42F8-6E75-4811-AA9B-137B925DD217}" type="datetimeFigureOut">
               <a:rPr lang="zh-TW" altLang="en-US" smtClean="0"/>
-              <a:t>2023/9/29</a:t>
+              <a:t>2023/10/24</a:t>
             </a:fld>
             <a:endParaRPr lang="zh-TW" altLang="en-US"/>
           </a:p>
@@ -2416,7 +2416,7 @@
           <a:p>
             <a:fld id="{6E3B42F8-6E75-4811-AA9B-137B925DD217}" type="datetimeFigureOut">
               <a:rPr lang="zh-TW" altLang="en-US" smtClean="0"/>
-              <a:t>2023/9/29</a:t>
+              <a:t>2023/10/24</a:t>
             </a:fld>
             <a:endParaRPr lang="zh-TW" altLang="en-US"/>
           </a:p>
@@ -2534,7 +2534,7 @@
           <a:p>
             <a:fld id="{6E3B42F8-6E75-4811-AA9B-137B925DD217}" type="datetimeFigureOut">
               <a:rPr lang="zh-TW" altLang="en-US" smtClean="0"/>
-              <a:t>2023/9/29</a:t>
+              <a:t>2023/10/24</a:t>
             </a:fld>
             <a:endParaRPr lang="zh-TW" altLang="en-US"/>
           </a:p>
@@ -2629,7 +2629,7 @@
           <a:p>
             <a:fld id="{6E3B42F8-6E75-4811-AA9B-137B925DD217}" type="datetimeFigureOut">
               <a:rPr lang="zh-TW" altLang="en-US" smtClean="0"/>
-              <a:t>2023/9/29</a:t>
+              <a:t>2023/10/24</a:t>
             </a:fld>
             <a:endParaRPr lang="zh-TW" altLang="en-US"/>
           </a:p>
@@ -2906,7 +2906,7 @@
           <a:p>
             <a:fld id="{6E3B42F8-6E75-4811-AA9B-137B925DD217}" type="datetimeFigureOut">
               <a:rPr lang="zh-TW" altLang="en-US" smtClean="0"/>
-              <a:t>2023/9/29</a:t>
+              <a:t>2023/10/24</a:t>
             </a:fld>
             <a:endParaRPr lang="zh-TW" altLang="en-US"/>
           </a:p>
@@ -3159,7 +3159,7 @@
           <a:p>
             <a:fld id="{6E3B42F8-6E75-4811-AA9B-137B925DD217}" type="datetimeFigureOut">
               <a:rPr lang="zh-TW" altLang="en-US" smtClean="0"/>
-              <a:t>2023/9/29</a:t>
+              <a:t>2023/10/24</a:t>
             </a:fld>
             <a:endParaRPr lang="zh-TW" altLang="en-US"/>
           </a:p>
@@ -3372,7 +3372,7 @@
           <a:p>
             <a:fld id="{6E3B42F8-6E75-4811-AA9B-137B925DD217}" type="datetimeFigureOut">
               <a:rPr lang="zh-TW" altLang="en-US" smtClean="0"/>
-              <a:t>2023/9/29</a:t>
+              <a:t>2023/10/24</a:t>
             </a:fld>
             <a:endParaRPr lang="zh-TW" altLang="en-US"/>
           </a:p>
@@ -7664,7 +7664,7 @@
                 <a:latin typeface="Times New Roman" panose="02020603050405020304" pitchFamily="18" charset="0"/>
                 <a:cs typeface="Times New Roman" panose="02020603050405020304" pitchFamily="18" charset="0"/>
               </a:rPr>
-              <a:t>Random Effect Model</a:t>
+              <a:t>(Random Effect Model)</a:t>
             </a:r>
             <a:endParaRPr lang="zh-TW" altLang="en-US" sz="1000" dirty="0">
               <a:latin typeface="Times New Roman" panose="02020603050405020304" pitchFamily="18" charset="0"/>
@@ -7822,7 +7822,7 @@
                 <a:latin typeface="Times New Roman" panose="02020603050405020304" pitchFamily="18" charset="0"/>
                 <a:cs typeface="Times New Roman" panose="02020603050405020304" pitchFamily="18" charset="0"/>
               </a:rPr>
-              <a:t>Calculate Group Mean</a:t>
+              <a:t>Calculate Mean &amp; SD</a:t>
             </a:r>
           </a:p>
           <a:p>
